--- a/개인/석사학위논문/Thesis_Presentation_v2.pptx
+++ b/개인/석사학위논문/Thesis_Presentation_v2.pptx
@@ -5,7 +5,7 @@
     <p:sldMasterId id="2147483660" r:id="rId1"/>
   </p:sldMasterIdLst>
   <p:notesMasterIdLst>
-    <p:notesMasterId r:id="rId38"/>
+    <p:notesMasterId r:id="rId39"/>
   </p:notesMasterIdLst>
   <p:sldIdLst>
     <p:sldId id="256" r:id="rId2"/>
@@ -20,30 +20,31 @@
     <p:sldId id="264" r:id="rId11"/>
     <p:sldId id="261" r:id="rId12"/>
     <p:sldId id="262" r:id="rId13"/>
-    <p:sldId id="296" r:id="rId14"/>
-    <p:sldId id="297" r:id="rId15"/>
-    <p:sldId id="298" r:id="rId16"/>
-    <p:sldId id="299" r:id="rId17"/>
-    <p:sldId id="300" r:id="rId18"/>
-    <p:sldId id="265" r:id="rId19"/>
-    <p:sldId id="290" r:id="rId20"/>
-    <p:sldId id="291" r:id="rId21"/>
-    <p:sldId id="270" r:id="rId22"/>
-    <p:sldId id="271" r:id="rId23"/>
-    <p:sldId id="301" r:id="rId24"/>
-    <p:sldId id="302" r:id="rId25"/>
-    <p:sldId id="303" r:id="rId26"/>
-    <p:sldId id="304" r:id="rId27"/>
-    <p:sldId id="305" r:id="rId28"/>
-    <p:sldId id="306" r:id="rId29"/>
-    <p:sldId id="266" r:id="rId30"/>
-    <p:sldId id="292" r:id="rId31"/>
-    <p:sldId id="284" r:id="rId32"/>
-    <p:sldId id="285" r:id="rId33"/>
-    <p:sldId id="281" r:id="rId34"/>
-    <p:sldId id="282" r:id="rId35"/>
-    <p:sldId id="283" r:id="rId36"/>
-    <p:sldId id="269" r:id="rId37"/>
+    <p:sldId id="307" r:id="rId14"/>
+    <p:sldId id="296" r:id="rId15"/>
+    <p:sldId id="297" r:id="rId16"/>
+    <p:sldId id="298" r:id="rId17"/>
+    <p:sldId id="299" r:id="rId18"/>
+    <p:sldId id="300" r:id="rId19"/>
+    <p:sldId id="265" r:id="rId20"/>
+    <p:sldId id="290" r:id="rId21"/>
+    <p:sldId id="291" r:id="rId22"/>
+    <p:sldId id="270" r:id="rId23"/>
+    <p:sldId id="271" r:id="rId24"/>
+    <p:sldId id="301" r:id="rId25"/>
+    <p:sldId id="302" r:id="rId26"/>
+    <p:sldId id="303" r:id="rId27"/>
+    <p:sldId id="304" r:id="rId28"/>
+    <p:sldId id="305" r:id="rId29"/>
+    <p:sldId id="306" r:id="rId30"/>
+    <p:sldId id="266" r:id="rId31"/>
+    <p:sldId id="292" r:id="rId32"/>
+    <p:sldId id="284" r:id="rId33"/>
+    <p:sldId id="285" r:id="rId34"/>
+    <p:sldId id="281" r:id="rId35"/>
+    <p:sldId id="282" r:id="rId36"/>
+    <p:sldId id="283" r:id="rId37"/>
+    <p:sldId id="269" r:id="rId38"/>
   </p:sldIdLst>
   <p:sldSz cx="9144000" cy="6858000" type="screen4x3"/>
   <p:notesSz cx="6858000" cy="9144000"/>
@@ -3440,7 +3441,7 @@
           <a:p>
             <a:fld id="{C19762FB-3275-4DDD-8145-24885120BD1B}" type="datetimeFigureOut">
               <a:rPr lang="ko-KR" altLang="en-US" smtClean="0"/>
-              <a:t>2019-10-30</a:t>
+              <a:t>2019-10-31</a:t>
             </a:fld>
             <a:endParaRPr lang="ko-KR" altLang="en-US"/>
           </a:p>
@@ -4249,7 +4250,7 @@
           <a:p>
             <a:fld id="{A6CC08A3-5F9A-479D-941A-44EC60DD2EE5}" type="slidenum">
               <a:rPr lang="ko-KR" altLang="en-US" smtClean="0"/>
-              <a:t>22</a:t>
+              <a:t>23</a:t>
             </a:fld>
             <a:endParaRPr lang="ko-KR" altLang="en-US"/>
           </a:p>
@@ -4407,7 +4408,7 @@
           <a:p>
             <a:fld id="{D5D80EBB-B890-43AE-9083-C96FE4A29910}" type="datetime1">
               <a:rPr lang="ko-KR" altLang="en-US" smtClean="0"/>
-              <a:t>2019-10-30</a:t>
+              <a:t>2019-10-31</a:t>
             </a:fld>
             <a:endParaRPr lang="ko-KR" altLang="en-US"/>
           </a:p>
@@ -4601,7 +4602,7 @@
           <a:p>
             <a:fld id="{154BE1C7-AA1F-4F3C-8E2B-C87B93FCCD4D}" type="datetime1">
               <a:rPr lang="ko-KR" altLang="en-US" smtClean="0"/>
-              <a:t>2019-10-30</a:t>
+              <a:t>2019-10-31</a:t>
             </a:fld>
             <a:endParaRPr lang="ko-KR" altLang="en-US"/>
           </a:p>
@@ -4805,7 +4806,7 @@
           <a:p>
             <a:fld id="{B5E04AD6-9B61-42B2-938C-66281B480C6A}" type="datetime1">
               <a:rPr lang="ko-KR" altLang="en-US" smtClean="0"/>
-              <a:t>2019-10-30</a:t>
+              <a:t>2019-10-31</a:t>
             </a:fld>
             <a:endParaRPr lang="ko-KR" altLang="en-US"/>
           </a:p>
@@ -4991,7 +4992,7 @@
           <a:p>
             <a:fld id="{CEDA20BB-A36C-44CB-A9A0-32BED543DE31}" type="datetimeFigureOut">
               <a:rPr lang="ko-KR" altLang="en-US" smtClean="0"/>
-              <a:t>2019-10-30</a:t>
+              <a:t>2019-10-31</a:t>
             </a:fld>
             <a:endParaRPr lang="ko-KR" altLang="en-US"/>
           </a:p>
@@ -5361,7 +5362,7 @@
           <a:p>
             <a:fld id="{218953AC-9849-456F-9E44-AECC60F5F9FC}" type="datetime1">
               <a:rPr lang="ko-KR" altLang="en-US" smtClean="0"/>
-              <a:t>2019-10-30</a:t>
+              <a:t>2019-10-31</a:t>
             </a:fld>
             <a:endParaRPr lang="ko-KR" altLang="en-US"/>
           </a:p>
@@ -5617,7 +5618,7 @@
           <a:p>
             <a:fld id="{8CCAAB59-4967-4F74-8A98-AEFD5F21617F}" type="datetime1">
               <a:rPr lang="ko-KR" altLang="en-US" smtClean="0"/>
-              <a:t>2019-10-30</a:t>
+              <a:t>2019-10-31</a:t>
             </a:fld>
             <a:endParaRPr lang="ko-KR" altLang="en-US"/>
           </a:p>
@@ -6008,7 +6009,7 @@
           <a:p>
             <a:fld id="{A3176D14-3ABC-4C75-AD2C-933C44F0B27E}" type="datetime1">
               <a:rPr lang="ko-KR" altLang="en-US" smtClean="0"/>
-              <a:t>2019-10-30</a:t>
+              <a:t>2019-10-31</a:t>
             </a:fld>
             <a:endParaRPr lang="ko-KR" altLang="en-US"/>
           </a:p>
@@ -6150,7 +6151,7 @@
           <a:p>
             <a:fld id="{21C282E5-3BC4-42EA-975E-4FBFF6C9C5B9}" type="datetime1">
               <a:rPr lang="ko-KR" altLang="en-US" smtClean="0"/>
-              <a:t>2019-10-30</a:t>
+              <a:t>2019-10-31</a:t>
             </a:fld>
             <a:endParaRPr lang="ko-KR" altLang="en-US"/>
           </a:p>
@@ -6269,7 +6270,7 @@
           <a:p>
             <a:fld id="{13ABF03C-3F6A-4FCA-9FFE-178AE350824F}" type="datetime1">
               <a:rPr lang="ko-KR" altLang="en-US" smtClean="0"/>
-              <a:t>2019-10-30</a:t>
+              <a:t>2019-10-31</a:t>
             </a:fld>
             <a:endParaRPr lang="ko-KR" altLang="en-US"/>
           </a:p>
@@ -6570,7 +6571,7 @@
           <a:p>
             <a:fld id="{B7D8EF2C-F87E-4B61-BE8F-F370400E961D}" type="datetime1">
               <a:rPr lang="ko-KR" altLang="en-US" smtClean="0"/>
-              <a:t>2019-10-30</a:t>
+              <a:t>2019-10-31</a:t>
             </a:fld>
             <a:endParaRPr lang="ko-KR" altLang="en-US"/>
           </a:p>
@@ -6851,7 +6852,7 @@
           <a:p>
             <a:fld id="{8F223CFE-2AAC-4812-9EB8-3FB62CB8BFB1}" type="datetime1">
               <a:rPr lang="ko-KR" altLang="en-US" smtClean="0"/>
-              <a:t>2019-10-30</a:t>
+              <a:t>2019-10-31</a:t>
             </a:fld>
             <a:endParaRPr lang="ko-KR" altLang="en-US"/>
           </a:p>
@@ -9541,6 +9542,176 @@
       </p:sp>
       <p:sp>
         <p:nvSpPr>
+          <p:cNvPr id="4" name="Rectangle 12"/>
+          <p:cNvSpPr txBox="1">
+            <a:spLocks noChangeArrowheads="1"/>
+          </p:cNvSpPr>
+          <p:nvPr/>
+        </p:nvSpPr>
+        <p:spPr bwMode="auto">
+          <a:xfrm>
+            <a:off x="0" y="-24"/>
+            <a:ext cx="9144000" cy="720000"/>
+          </a:xfrm>
+          <a:prstGeom prst="rect">
+            <a:avLst/>
+          </a:prstGeom>
+          <a:solidFill>
+            <a:srgbClr val="0000FF"/>
+          </a:solidFill>
+          <a:ln>
+            <a:miter lim="800000"/>
+            <a:headEnd/>
+            <a:tailEnd/>
+          </a:ln>
+        </p:spPr>
+        <p:txBody>
+          <a:bodyPr vert="horz" lIns="91440" tIns="45720" rIns="91440" bIns="45720" rtlCol="0" anchor="ctr">
+            <a:normAutofit/>
+          </a:bodyPr>
+          <a:lstStyle/>
+          <a:p>
+            <a:pPr marL="0" marR="0" lvl="0" indent="0" algn="ctr" defTabSz="914400" rtl="0" eaLnBrk="1" fontAlgn="auto" latinLnBrk="1" hangingPunct="1">
+              <a:lnSpc>
+                <a:spcPct val="100000"/>
+              </a:lnSpc>
+              <a:spcBef>
+                <a:spcPct val="0"/>
+              </a:spcBef>
+              <a:spcAft>
+                <a:spcPts val="0"/>
+              </a:spcAft>
+              <a:buClrTx/>
+              <a:buSzTx/>
+              <a:buFontTx/>
+              <a:buNone/>
+              <a:tabLst/>
+              <a:defRPr/>
+            </a:pPr>
+            <a:r>
+              <a:rPr kumimoji="0" lang="en-US" altLang="ko-KR" sz="3200" b="1" i="0" u="none" strike="noStrike" kern="1200" cap="none" spc="0" normalizeH="0" baseline="0" noProof="0" dirty="0" smtClean="0">
+                <a:ln>
+                  <a:noFill/>
+                </a:ln>
+                <a:solidFill>
+                  <a:schemeClr val="bg1"/>
+                </a:solidFill>
+                <a:effectLst/>
+                <a:uLnTx/>
+                <a:uFillTx/>
+                <a:latin typeface="Arial" pitchFamily="34" charset="0"/>
+                <a:ea typeface="+mj-ea"/>
+                <a:cs typeface="Arial" pitchFamily="34" charset="0"/>
+              </a:rPr>
+              <a:t>Machine</a:t>
+            </a:r>
+            <a:r>
+              <a:rPr kumimoji="0" lang="en-US" altLang="ko-KR" sz="3200" b="1" i="0" u="none" strike="noStrike" kern="1200" cap="none" spc="0" normalizeH="0" noProof="0" dirty="0" smtClean="0">
+                <a:ln>
+                  <a:noFill/>
+                </a:ln>
+                <a:solidFill>
+                  <a:schemeClr val="bg1"/>
+                </a:solidFill>
+                <a:effectLst/>
+                <a:uLnTx/>
+                <a:uFillTx/>
+                <a:latin typeface="Arial" pitchFamily="34" charset="0"/>
+                <a:ea typeface="+mj-ea"/>
+                <a:cs typeface="Arial" pitchFamily="34" charset="0"/>
+              </a:rPr>
+              <a:t> </a:t>
+            </a:r>
+            <a:r>
+              <a:rPr kumimoji="0" lang="en-US" altLang="ko-KR" sz="3200" b="1" i="0" u="none" strike="noStrike" kern="1200" cap="none" spc="0" normalizeH="0" noProof="0" dirty="0" smtClean="0">
+                <a:ln>
+                  <a:noFill/>
+                </a:ln>
+                <a:solidFill>
+                  <a:schemeClr val="bg1"/>
+                </a:solidFill>
+                <a:effectLst/>
+                <a:uLnTx/>
+                <a:uFillTx/>
+                <a:latin typeface="Arial" pitchFamily="34" charset="0"/>
+                <a:ea typeface="+mj-ea"/>
+                <a:cs typeface="Arial" pitchFamily="34" charset="0"/>
+              </a:rPr>
+              <a:t>Learning</a:t>
+            </a:r>
+            <a:endParaRPr kumimoji="0" lang="en-US" altLang="ko-KR" sz="2800" b="1" i="0" u="none" strike="noStrike" kern="1200" cap="none" spc="0" normalizeH="0" baseline="0" noProof="0" dirty="0" smtClean="0">
+              <a:ln>
+                <a:noFill/>
+              </a:ln>
+              <a:solidFill>
+                <a:schemeClr val="bg1"/>
+              </a:solidFill>
+              <a:effectLst/>
+              <a:uLnTx/>
+              <a:uFillTx/>
+              <a:latin typeface="Arial" pitchFamily="34" charset="0"/>
+              <a:ea typeface="+mj-ea"/>
+              <a:cs typeface="Arial" pitchFamily="34" charset="0"/>
+            </a:endParaRPr>
+          </a:p>
+        </p:txBody>
+      </p:sp>
+    </p:spTree>
+    <p:extLst>
+      <p:ext uri="{BB962C8B-B14F-4D97-AF65-F5344CB8AC3E}">
+        <p14:creationId xmlns:p14="http://schemas.microsoft.com/office/powerpoint/2010/main" val="3379958378"/>
+      </p:ext>
+    </p:extLst>
+  </p:cSld>
+  <p:clrMapOvr>
+    <a:masterClrMapping/>
+  </p:clrMapOvr>
+</p:sld>
+</file>
+
+<file path=ppt/slides/slide14.xml><?xml version="1.0" encoding="utf-8"?>
+<p:sld xmlns:a="http://schemas.openxmlformats.org/drawingml/2006/main" xmlns:r="http://schemas.openxmlformats.org/officeDocument/2006/relationships" xmlns:p="http://schemas.openxmlformats.org/presentationml/2006/main">
+  <p:cSld>
+    <p:spTree>
+      <p:nvGrpSpPr>
+        <p:cNvPr id="1" name=""/>
+        <p:cNvGrpSpPr/>
+        <p:nvPr/>
+      </p:nvGrpSpPr>
+      <p:grpSpPr>
+        <a:xfrm>
+          <a:off x="0" y="0"/>
+          <a:ext cx="0" cy="0"/>
+          <a:chOff x="0" y="0"/>
+          <a:chExt cx="0" cy="0"/>
+        </a:xfrm>
+      </p:grpSpPr>
+      <p:sp>
+        <p:nvSpPr>
+          <p:cNvPr id="3" name="슬라이드 번호 개체 틀 2"/>
+          <p:cNvSpPr>
+            <a:spLocks noGrp="1"/>
+          </p:cNvSpPr>
+          <p:nvPr>
+            <p:ph type="sldNum" sz="quarter" idx="12"/>
+          </p:nvPr>
+        </p:nvSpPr>
+        <p:spPr/>
+        <p:txBody>
+          <a:bodyPr/>
+          <a:lstStyle/>
+          <a:p>
+            <a:fld id="{C5596875-2F2A-4E4F-B6FE-0AB921437886}" type="slidenum">
+              <a:rPr lang="ko-KR" altLang="en-US" smtClean="0"/>
+              <a:pPr/>
+              <a:t>14</a:t>
+            </a:fld>
+            <a:endParaRPr lang="ko-KR" altLang="en-US"/>
+          </a:p>
+        </p:txBody>
+      </p:sp>
+      <p:sp>
+        <p:nvSpPr>
           <p:cNvPr id="5" name="직사각형 4"/>
           <p:cNvSpPr/>
           <p:nvPr/>
@@ -9628,7 +9799,7 @@
 </p:sld>
 </file>
 
-<file path=ppt/slides/slide14.xml><?xml version="1.0" encoding="utf-8"?>
+<file path=ppt/slides/slide15.xml><?xml version="1.0" encoding="utf-8"?>
 <p:sld xmlns:a="http://schemas.openxmlformats.org/drawingml/2006/main" xmlns:r="http://schemas.openxmlformats.org/officeDocument/2006/relationships" xmlns:p="http://schemas.openxmlformats.org/presentationml/2006/main">
   <p:cSld>
     <p:spTree>
@@ -9663,7 +9834,7 @@
             <a:fld id="{C5596875-2F2A-4E4F-B6FE-0AB921437886}" type="slidenum">
               <a:rPr lang="ko-KR" altLang="en-US" smtClean="0"/>
               <a:pPr/>
-              <a:t>14</a:t>
+              <a:t>15</a:t>
             </a:fld>
             <a:endParaRPr lang="ko-KR" altLang="en-US"/>
           </a:p>
@@ -12518,7 +12689,7 @@
 </p:sld>
 </file>
 
-<file path=ppt/slides/slide15.xml><?xml version="1.0" encoding="utf-8"?>
+<file path=ppt/slides/slide16.xml><?xml version="1.0" encoding="utf-8"?>
 <p:sld xmlns:a="http://schemas.openxmlformats.org/drawingml/2006/main" xmlns:r="http://schemas.openxmlformats.org/officeDocument/2006/relationships" xmlns:p="http://schemas.openxmlformats.org/presentationml/2006/main">
   <p:cSld>
     <p:spTree>
@@ -12553,7 +12724,7 @@
             <a:fld id="{C5596875-2F2A-4E4F-B6FE-0AB921437886}" type="slidenum">
               <a:rPr lang="ko-KR" altLang="en-US" smtClean="0"/>
               <a:pPr/>
-              <a:t>15</a:t>
+              <a:t>16</a:t>
             </a:fld>
             <a:endParaRPr lang="ko-KR" altLang="en-US"/>
           </a:p>
@@ -14275,7 +14446,7 @@
 </p:sld>
 </file>
 
-<file path=ppt/slides/slide16.xml><?xml version="1.0" encoding="utf-8"?>
+<file path=ppt/slides/slide17.xml><?xml version="1.0" encoding="utf-8"?>
 <p:sld xmlns:a="http://schemas.openxmlformats.org/drawingml/2006/main" xmlns:r="http://schemas.openxmlformats.org/officeDocument/2006/relationships" xmlns:p="http://schemas.openxmlformats.org/presentationml/2006/main">
   <p:cSld>
     <p:spTree>
@@ -14310,7 +14481,7 @@
             <a:fld id="{C5596875-2F2A-4E4F-B6FE-0AB921437886}" type="slidenum">
               <a:rPr lang="ko-KR" altLang="en-US" smtClean="0"/>
               <a:pPr/>
-              <a:t>16</a:t>
+              <a:t>17</a:t>
             </a:fld>
             <a:endParaRPr lang="ko-KR" altLang="en-US"/>
           </a:p>
@@ -14405,7 +14576,7 @@
 </p:sld>
 </file>
 
-<file path=ppt/slides/slide17.xml><?xml version="1.0" encoding="utf-8"?>
+<file path=ppt/slides/slide18.xml><?xml version="1.0" encoding="utf-8"?>
 <p:sld xmlns:a="http://schemas.openxmlformats.org/drawingml/2006/main" xmlns:r="http://schemas.openxmlformats.org/officeDocument/2006/relationships" xmlns:p="http://schemas.openxmlformats.org/presentationml/2006/main">
   <p:cSld>
     <p:spTree>
@@ -14440,7 +14611,7 @@
             <a:fld id="{C5596875-2F2A-4E4F-B6FE-0AB921437886}" type="slidenum">
               <a:rPr lang="ko-KR" altLang="en-US" smtClean="0"/>
               <a:pPr/>
-              <a:t>17</a:t>
+              <a:t>18</a:t>
             </a:fld>
             <a:endParaRPr lang="ko-KR" altLang="en-US"/>
           </a:p>
@@ -14607,7 +14778,7 @@
 </p:sld>
 </file>
 
-<file path=ppt/slides/slide18.xml><?xml version="1.0" encoding="utf-8"?>
+<file path=ppt/slides/slide19.xml><?xml version="1.0" encoding="utf-8"?>
 <p:sld xmlns:a="http://schemas.openxmlformats.org/drawingml/2006/main" xmlns:r="http://schemas.openxmlformats.org/officeDocument/2006/relationships" xmlns:p="http://schemas.openxmlformats.org/presentationml/2006/main">
   <p:cSld>
     <p:spTree>
@@ -14642,7 +14813,7 @@
             <a:fld id="{C5596875-2F2A-4E4F-B6FE-0AB921437886}" type="slidenum">
               <a:rPr lang="ko-KR" altLang="en-US" smtClean="0"/>
               <a:pPr/>
-              <a:t>18</a:t>
+              <a:t>19</a:t>
             </a:fld>
             <a:endParaRPr lang="ko-KR" altLang="en-US"/>
           </a:p>
@@ -14737,7 +14908,536 @@
 </p:sld>
 </file>
 
-<file path=ppt/slides/slide19.xml><?xml version="1.0" encoding="utf-8"?>
+<file path=ppt/slides/slide2.xml><?xml version="1.0" encoding="utf-8"?>
+<p:sld xmlns:a="http://schemas.openxmlformats.org/drawingml/2006/main" xmlns:r="http://schemas.openxmlformats.org/officeDocument/2006/relationships" xmlns:p="http://schemas.openxmlformats.org/presentationml/2006/main">
+  <p:cSld>
+    <p:spTree>
+      <p:nvGrpSpPr>
+        <p:cNvPr id="1" name=""/>
+        <p:cNvGrpSpPr/>
+        <p:nvPr/>
+      </p:nvGrpSpPr>
+      <p:grpSpPr>
+        <a:xfrm>
+          <a:off x="0" y="0"/>
+          <a:ext cx="0" cy="0"/>
+          <a:chOff x="0" y="0"/>
+          <a:chExt cx="0" cy="0"/>
+        </a:xfrm>
+      </p:grpSpPr>
+      <p:sp>
+        <p:nvSpPr>
+          <p:cNvPr id="4" name="슬라이드 번호 개체 틀 3"/>
+          <p:cNvSpPr>
+            <a:spLocks noGrp="1"/>
+          </p:cNvSpPr>
+          <p:nvPr>
+            <p:ph type="sldNum" sz="quarter" idx="12"/>
+          </p:nvPr>
+        </p:nvSpPr>
+        <p:spPr/>
+        <p:txBody>
+          <a:bodyPr/>
+          <a:lstStyle/>
+          <a:p>
+            <a:fld id="{C5596875-2F2A-4E4F-B6FE-0AB921437886}" type="slidenum">
+              <a:rPr lang="ko-KR" altLang="en-US" smtClean="0"/>
+              <a:t>2</a:t>
+            </a:fld>
+            <a:endParaRPr lang="ko-KR" altLang="en-US" dirty="0"/>
+          </a:p>
+        </p:txBody>
+      </p:sp>
+      <p:graphicFrame>
+        <p:nvGraphicFramePr>
+          <p:cNvPr id="9" name="다이어그램 8"/>
+          <p:cNvGraphicFramePr/>
+          <p:nvPr>
+            <p:extLst>
+              <p:ext uri="{D42A27DB-BD31-4B8C-83A1-F6EECF244321}">
+                <p14:modId xmlns:p14="http://schemas.microsoft.com/office/powerpoint/2010/main" val="1449545726"/>
+              </p:ext>
+            </p:extLst>
+          </p:nvPr>
+        </p:nvGraphicFramePr>
+        <p:xfrm>
+          <a:off x="981595" y="1176251"/>
+          <a:ext cx="7180811" cy="4442691"/>
+        </p:xfrm>
+        <a:graphic>
+          <a:graphicData uri="http://schemas.openxmlformats.org/drawingml/2006/diagram">
+            <dgm:relIds xmlns:dgm="http://schemas.openxmlformats.org/drawingml/2006/diagram" xmlns:r="http://schemas.openxmlformats.org/officeDocument/2006/relationships" r:dm="rId2" r:lo="rId3" r:qs="rId4" r:cs="rId5"/>
+          </a:graphicData>
+        </a:graphic>
+      </p:graphicFrame>
+      <p:sp>
+        <p:nvSpPr>
+          <p:cNvPr id="11" name="Rectangle 12"/>
+          <p:cNvSpPr txBox="1">
+            <a:spLocks noChangeArrowheads="1"/>
+          </p:cNvSpPr>
+          <p:nvPr/>
+        </p:nvSpPr>
+        <p:spPr bwMode="auto">
+          <a:xfrm>
+            <a:off x="0" y="-24"/>
+            <a:ext cx="9144000" cy="720000"/>
+          </a:xfrm>
+          <a:prstGeom prst="rect">
+            <a:avLst/>
+          </a:prstGeom>
+          <a:solidFill>
+            <a:srgbClr val="0000FF"/>
+          </a:solidFill>
+          <a:ln>
+            <a:miter lim="800000"/>
+            <a:headEnd/>
+            <a:tailEnd/>
+          </a:ln>
+        </p:spPr>
+        <p:txBody>
+          <a:bodyPr vert="horz" lIns="91440" tIns="45720" rIns="91440" bIns="45720" rtlCol="0" anchor="ctr">
+            <a:normAutofit/>
+          </a:bodyPr>
+          <a:lstStyle/>
+          <a:p>
+            <a:pPr marL="0" marR="0" lvl="0" indent="0" algn="ctr" defTabSz="914400" rtl="0" eaLnBrk="1" fontAlgn="auto" latinLnBrk="1" hangingPunct="1">
+              <a:lnSpc>
+                <a:spcPct val="100000"/>
+              </a:lnSpc>
+              <a:spcBef>
+                <a:spcPct val="0"/>
+              </a:spcBef>
+              <a:spcAft>
+                <a:spcPts val="0"/>
+              </a:spcAft>
+              <a:buClrTx/>
+              <a:buSzTx/>
+              <a:buFontTx/>
+              <a:buNone/>
+              <a:tabLst/>
+              <a:defRPr/>
+            </a:pPr>
+            <a:r>
+              <a:rPr kumimoji="0" lang="en-US" altLang="ko-KR" sz="3200" b="1" i="0" u="none" strike="noStrike" kern="1200" cap="none" spc="0" normalizeH="0" baseline="0" noProof="0" dirty="0" smtClean="0">
+                <a:ln>
+                  <a:noFill/>
+                </a:ln>
+                <a:solidFill>
+                  <a:schemeClr val="bg1"/>
+                </a:solidFill>
+                <a:effectLst/>
+                <a:uLnTx/>
+                <a:uFillTx/>
+                <a:latin typeface="Arial" pitchFamily="34" charset="0"/>
+                <a:ea typeface="+mj-ea"/>
+                <a:cs typeface="Arial" pitchFamily="34" charset="0"/>
+              </a:rPr>
+              <a:t>Contents</a:t>
+            </a:r>
+            <a:endParaRPr kumimoji="0" lang="en-US" altLang="ko-KR" sz="2800" b="1" i="0" u="none" strike="noStrike" kern="1200" cap="none" spc="0" normalizeH="0" baseline="0" noProof="0" dirty="0" smtClean="0">
+              <a:ln>
+                <a:noFill/>
+              </a:ln>
+              <a:solidFill>
+                <a:schemeClr val="bg1"/>
+              </a:solidFill>
+              <a:effectLst/>
+              <a:uLnTx/>
+              <a:uFillTx/>
+              <a:latin typeface="Arial" pitchFamily="34" charset="0"/>
+              <a:ea typeface="+mj-ea"/>
+              <a:cs typeface="Arial" pitchFamily="34" charset="0"/>
+            </a:endParaRPr>
+          </a:p>
+        </p:txBody>
+      </p:sp>
+      <p:sp>
+        <p:nvSpPr>
+          <p:cNvPr id="12" name="타원 11"/>
+          <p:cNvSpPr/>
+          <p:nvPr/>
+        </p:nvSpPr>
+        <p:spPr>
+          <a:xfrm>
+            <a:off x="2044801" y="1188504"/>
+            <a:ext cx="576000" cy="576000"/>
+          </a:xfrm>
+          <a:prstGeom prst="ellipse">
+            <a:avLst/>
+          </a:prstGeom>
+          <a:solidFill>
+            <a:srgbClr val="44546A"/>
+          </a:solidFill>
+          <a:ln>
+            <a:noFill/>
+          </a:ln>
+        </p:spPr>
+        <p:style>
+          <a:lnRef idx="2">
+            <a:schemeClr val="accent1">
+              <a:shade val="50000"/>
+            </a:schemeClr>
+          </a:lnRef>
+          <a:fillRef idx="1">
+            <a:schemeClr val="accent1"/>
+          </a:fillRef>
+          <a:effectRef idx="0">
+            <a:schemeClr val="accent1"/>
+          </a:effectRef>
+          <a:fontRef idx="minor">
+            <a:schemeClr val="lt1"/>
+          </a:fontRef>
+        </p:style>
+        <p:txBody>
+          <a:bodyPr rtlCol="0" anchor="ctr"/>
+          <a:lstStyle/>
+          <a:p>
+            <a:pPr algn="ctr"/>
+            <a:r>
+              <a:rPr lang="en-US" altLang="ko-KR" sz="2800" b="1" dirty="0" smtClean="0">
+                <a:solidFill>
+                  <a:schemeClr val="bg1"/>
+                </a:solidFill>
+                <a:latin typeface="Arial" panose="020B0604020202020204" pitchFamily="34" charset="0"/>
+                <a:cs typeface="Arial" panose="020B0604020202020204" pitchFamily="34" charset="0"/>
+              </a:rPr>
+              <a:t>1</a:t>
+            </a:r>
+            <a:endParaRPr lang="ko-KR" altLang="en-US" sz="2800" b="1" dirty="0">
+              <a:solidFill>
+                <a:schemeClr val="bg1"/>
+              </a:solidFill>
+              <a:latin typeface="Arial" panose="020B0604020202020204" pitchFamily="34" charset="0"/>
+              <a:cs typeface="Arial" panose="020B0604020202020204" pitchFamily="34" charset="0"/>
+            </a:endParaRPr>
+          </a:p>
+        </p:txBody>
+      </p:sp>
+      <p:sp>
+        <p:nvSpPr>
+          <p:cNvPr id="15" name="타원 14"/>
+          <p:cNvSpPr/>
+          <p:nvPr/>
+        </p:nvSpPr>
+        <p:spPr>
+          <a:xfrm>
+            <a:off x="2044801" y="1960029"/>
+            <a:ext cx="576000" cy="576000"/>
+          </a:xfrm>
+          <a:prstGeom prst="ellipse">
+            <a:avLst/>
+          </a:prstGeom>
+          <a:solidFill>
+            <a:srgbClr val="44546A"/>
+          </a:solidFill>
+          <a:ln>
+            <a:noFill/>
+          </a:ln>
+        </p:spPr>
+        <p:style>
+          <a:lnRef idx="2">
+            <a:schemeClr val="accent1">
+              <a:shade val="50000"/>
+            </a:schemeClr>
+          </a:lnRef>
+          <a:fillRef idx="1">
+            <a:schemeClr val="accent1"/>
+          </a:fillRef>
+          <a:effectRef idx="0">
+            <a:schemeClr val="accent1"/>
+          </a:effectRef>
+          <a:fontRef idx="minor">
+            <a:schemeClr val="lt1"/>
+          </a:fontRef>
+        </p:style>
+        <p:txBody>
+          <a:bodyPr rtlCol="0" anchor="ctr"/>
+          <a:lstStyle/>
+          <a:p>
+            <a:pPr algn="ctr"/>
+            <a:r>
+              <a:rPr lang="en-US" altLang="ko-KR" sz="2800" b="1" dirty="0">
+                <a:solidFill>
+                  <a:schemeClr val="bg1"/>
+                </a:solidFill>
+                <a:latin typeface="Arial" panose="020B0604020202020204" pitchFamily="34" charset="0"/>
+                <a:cs typeface="Arial" panose="020B0604020202020204" pitchFamily="34" charset="0"/>
+              </a:rPr>
+              <a:t>2</a:t>
+            </a:r>
+            <a:endParaRPr lang="ko-KR" altLang="en-US" sz="2800" b="1" dirty="0">
+              <a:solidFill>
+                <a:schemeClr val="bg1"/>
+              </a:solidFill>
+              <a:latin typeface="Arial" panose="020B0604020202020204" pitchFamily="34" charset="0"/>
+              <a:cs typeface="Arial" panose="020B0604020202020204" pitchFamily="34" charset="0"/>
+            </a:endParaRPr>
+          </a:p>
+        </p:txBody>
+      </p:sp>
+      <p:sp>
+        <p:nvSpPr>
+          <p:cNvPr id="16" name="타원 15"/>
+          <p:cNvSpPr/>
+          <p:nvPr/>
+        </p:nvSpPr>
+        <p:spPr>
+          <a:xfrm>
+            <a:off x="2044801" y="2729960"/>
+            <a:ext cx="576000" cy="576000"/>
+          </a:xfrm>
+          <a:prstGeom prst="ellipse">
+            <a:avLst/>
+          </a:prstGeom>
+          <a:solidFill>
+            <a:srgbClr val="44546A"/>
+          </a:solidFill>
+          <a:ln>
+            <a:noFill/>
+          </a:ln>
+        </p:spPr>
+        <p:style>
+          <a:lnRef idx="2">
+            <a:schemeClr val="accent1">
+              <a:shade val="50000"/>
+            </a:schemeClr>
+          </a:lnRef>
+          <a:fillRef idx="1">
+            <a:schemeClr val="accent1"/>
+          </a:fillRef>
+          <a:effectRef idx="0">
+            <a:schemeClr val="accent1"/>
+          </a:effectRef>
+          <a:fontRef idx="minor">
+            <a:schemeClr val="lt1"/>
+          </a:fontRef>
+        </p:style>
+        <p:txBody>
+          <a:bodyPr rtlCol="0" anchor="ctr"/>
+          <a:lstStyle/>
+          <a:p>
+            <a:pPr algn="ctr"/>
+            <a:r>
+              <a:rPr lang="en-US" altLang="ko-KR" sz="2800" b="1" dirty="0" smtClean="0">
+                <a:solidFill>
+                  <a:schemeClr val="bg1"/>
+                </a:solidFill>
+                <a:latin typeface="Arial" panose="020B0604020202020204" pitchFamily="34" charset="0"/>
+                <a:cs typeface="Arial" panose="020B0604020202020204" pitchFamily="34" charset="0"/>
+              </a:rPr>
+              <a:t>3</a:t>
+            </a:r>
+            <a:endParaRPr lang="ko-KR" altLang="en-US" sz="2800" b="1" dirty="0">
+              <a:solidFill>
+                <a:schemeClr val="bg1"/>
+              </a:solidFill>
+              <a:latin typeface="Arial" panose="020B0604020202020204" pitchFamily="34" charset="0"/>
+              <a:cs typeface="Arial" panose="020B0604020202020204" pitchFamily="34" charset="0"/>
+            </a:endParaRPr>
+          </a:p>
+        </p:txBody>
+      </p:sp>
+      <p:sp>
+        <p:nvSpPr>
+          <p:cNvPr id="17" name="타원 16"/>
+          <p:cNvSpPr/>
+          <p:nvPr/>
+        </p:nvSpPr>
+        <p:spPr>
+          <a:xfrm>
+            <a:off x="2044801" y="3499891"/>
+            <a:ext cx="576000" cy="576000"/>
+          </a:xfrm>
+          <a:prstGeom prst="ellipse">
+            <a:avLst/>
+          </a:prstGeom>
+          <a:solidFill>
+            <a:srgbClr val="44546A"/>
+          </a:solidFill>
+          <a:ln>
+            <a:noFill/>
+          </a:ln>
+        </p:spPr>
+        <p:style>
+          <a:lnRef idx="2">
+            <a:schemeClr val="accent1">
+              <a:shade val="50000"/>
+            </a:schemeClr>
+          </a:lnRef>
+          <a:fillRef idx="1">
+            <a:schemeClr val="accent1"/>
+          </a:fillRef>
+          <a:effectRef idx="0">
+            <a:schemeClr val="accent1"/>
+          </a:effectRef>
+          <a:fontRef idx="minor">
+            <a:schemeClr val="lt1"/>
+          </a:fontRef>
+        </p:style>
+        <p:txBody>
+          <a:bodyPr rtlCol="0" anchor="ctr"/>
+          <a:lstStyle/>
+          <a:p>
+            <a:pPr algn="ctr"/>
+            <a:r>
+              <a:rPr lang="en-US" altLang="ko-KR" sz="2800" b="1" dirty="0" smtClean="0">
+                <a:solidFill>
+                  <a:schemeClr val="bg1"/>
+                </a:solidFill>
+                <a:latin typeface="Arial" panose="020B0604020202020204" pitchFamily="34" charset="0"/>
+                <a:cs typeface="Arial" panose="020B0604020202020204" pitchFamily="34" charset="0"/>
+              </a:rPr>
+              <a:t>4</a:t>
+            </a:r>
+            <a:endParaRPr lang="ko-KR" altLang="en-US" sz="2800" b="1" dirty="0">
+              <a:solidFill>
+                <a:schemeClr val="bg1"/>
+              </a:solidFill>
+              <a:latin typeface="Arial" panose="020B0604020202020204" pitchFamily="34" charset="0"/>
+              <a:cs typeface="Arial" panose="020B0604020202020204" pitchFamily="34" charset="0"/>
+            </a:endParaRPr>
+          </a:p>
+        </p:txBody>
+      </p:sp>
+      <p:sp>
+        <p:nvSpPr>
+          <p:cNvPr id="18" name="타원 17"/>
+          <p:cNvSpPr/>
+          <p:nvPr/>
+        </p:nvSpPr>
+        <p:spPr>
+          <a:xfrm>
+            <a:off x="2044801" y="4269822"/>
+            <a:ext cx="576000" cy="576000"/>
+          </a:xfrm>
+          <a:prstGeom prst="ellipse">
+            <a:avLst/>
+          </a:prstGeom>
+          <a:solidFill>
+            <a:srgbClr val="44546A"/>
+          </a:solidFill>
+          <a:ln>
+            <a:noFill/>
+          </a:ln>
+        </p:spPr>
+        <p:style>
+          <a:lnRef idx="2">
+            <a:schemeClr val="accent1">
+              <a:shade val="50000"/>
+            </a:schemeClr>
+          </a:lnRef>
+          <a:fillRef idx="1">
+            <a:schemeClr val="accent1"/>
+          </a:fillRef>
+          <a:effectRef idx="0">
+            <a:schemeClr val="accent1"/>
+          </a:effectRef>
+          <a:fontRef idx="minor">
+            <a:schemeClr val="lt1"/>
+          </a:fontRef>
+        </p:style>
+        <p:txBody>
+          <a:bodyPr rtlCol="0" anchor="ctr"/>
+          <a:lstStyle/>
+          <a:p>
+            <a:pPr algn="ctr"/>
+            <a:r>
+              <a:rPr lang="en-US" altLang="ko-KR" sz="2800" b="1" dirty="0" smtClean="0">
+                <a:solidFill>
+                  <a:schemeClr val="bg1"/>
+                </a:solidFill>
+                <a:latin typeface="Arial" panose="020B0604020202020204" pitchFamily="34" charset="0"/>
+                <a:cs typeface="Arial" panose="020B0604020202020204" pitchFamily="34" charset="0"/>
+              </a:rPr>
+              <a:t>5</a:t>
+            </a:r>
+            <a:endParaRPr lang="ko-KR" altLang="en-US" sz="2800" b="1" dirty="0">
+              <a:solidFill>
+                <a:schemeClr val="bg1"/>
+              </a:solidFill>
+              <a:latin typeface="Arial" panose="020B0604020202020204" pitchFamily="34" charset="0"/>
+              <a:cs typeface="Arial" panose="020B0604020202020204" pitchFamily="34" charset="0"/>
+            </a:endParaRPr>
+          </a:p>
+        </p:txBody>
+      </p:sp>
+      <p:sp>
+        <p:nvSpPr>
+          <p:cNvPr id="19" name="타원 18"/>
+          <p:cNvSpPr/>
+          <p:nvPr/>
+        </p:nvSpPr>
+        <p:spPr>
+          <a:xfrm>
+            <a:off x="2044801" y="5039753"/>
+            <a:ext cx="576000" cy="576000"/>
+          </a:xfrm>
+          <a:prstGeom prst="ellipse">
+            <a:avLst/>
+          </a:prstGeom>
+          <a:solidFill>
+            <a:srgbClr val="44546A"/>
+          </a:solidFill>
+          <a:ln>
+            <a:noFill/>
+          </a:ln>
+        </p:spPr>
+        <p:style>
+          <a:lnRef idx="2">
+            <a:schemeClr val="accent1">
+              <a:shade val="50000"/>
+            </a:schemeClr>
+          </a:lnRef>
+          <a:fillRef idx="1">
+            <a:schemeClr val="accent1"/>
+          </a:fillRef>
+          <a:effectRef idx="0">
+            <a:schemeClr val="accent1"/>
+          </a:effectRef>
+          <a:fontRef idx="minor">
+            <a:schemeClr val="lt1"/>
+          </a:fontRef>
+        </p:style>
+        <p:txBody>
+          <a:bodyPr rtlCol="0" anchor="ctr"/>
+          <a:lstStyle/>
+          <a:p>
+            <a:pPr algn="ctr"/>
+            <a:r>
+              <a:rPr lang="en-US" altLang="ko-KR" sz="2800" b="1" dirty="0" smtClean="0">
+                <a:solidFill>
+                  <a:schemeClr val="bg1"/>
+                </a:solidFill>
+                <a:latin typeface="Arial" panose="020B0604020202020204" pitchFamily="34" charset="0"/>
+                <a:cs typeface="Arial" panose="020B0604020202020204" pitchFamily="34" charset="0"/>
+              </a:rPr>
+              <a:t>6</a:t>
+            </a:r>
+            <a:endParaRPr lang="ko-KR" altLang="en-US" sz="2800" b="1" dirty="0">
+              <a:solidFill>
+                <a:schemeClr val="bg1"/>
+              </a:solidFill>
+              <a:latin typeface="Arial" panose="020B0604020202020204" pitchFamily="34" charset="0"/>
+              <a:cs typeface="Arial" panose="020B0604020202020204" pitchFamily="34" charset="0"/>
+            </a:endParaRPr>
+          </a:p>
+        </p:txBody>
+      </p:sp>
+    </p:spTree>
+    <p:extLst>
+      <p:ext uri="{BB962C8B-B14F-4D97-AF65-F5344CB8AC3E}">
+        <p14:creationId xmlns:p14="http://schemas.microsoft.com/office/powerpoint/2010/main" val="2455392075"/>
+      </p:ext>
+    </p:extLst>
+  </p:cSld>
+  <p:clrMapOvr>
+    <a:masterClrMapping/>
+  </p:clrMapOvr>
+</p:sld>
+</file>
+
+<file path=ppt/slides/slide20.xml><?xml version="1.0" encoding="utf-8"?>
 <p:sld xmlns:a="http://schemas.openxmlformats.org/drawingml/2006/main" xmlns:r="http://schemas.openxmlformats.org/officeDocument/2006/relationships" xmlns:p="http://schemas.openxmlformats.org/presentationml/2006/main">
   <p:cSld>
     <p:spTree>
@@ -15950,536 +16650,7 @@
 </p:sld>
 </file>
 
-<file path=ppt/slides/slide2.xml><?xml version="1.0" encoding="utf-8"?>
-<p:sld xmlns:a="http://schemas.openxmlformats.org/drawingml/2006/main" xmlns:r="http://schemas.openxmlformats.org/officeDocument/2006/relationships" xmlns:p="http://schemas.openxmlformats.org/presentationml/2006/main">
-  <p:cSld>
-    <p:spTree>
-      <p:nvGrpSpPr>
-        <p:cNvPr id="1" name=""/>
-        <p:cNvGrpSpPr/>
-        <p:nvPr/>
-      </p:nvGrpSpPr>
-      <p:grpSpPr>
-        <a:xfrm>
-          <a:off x="0" y="0"/>
-          <a:ext cx="0" cy="0"/>
-          <a:chOff x="0" y="0"/>
-          <a:chExt cx="0" cy="0"/>
-        </a:xfrm>
-      </p:grpSpPr>
-      <p:sp>
-        <p:nvSpPr>
-          <p:cNvPr id="4" name="슬라이드 번호 개체 틀 3"/>
-          <p:cNvSpPr>
-            <a:spLocks noGrp="1"/>
-          </p:cNvSpPr>
-          <p:nvPr>
-            <p:ph type="sldNum" sz="quarter" idx="12"/>
-          </p:nvPr>
-        </p:nvSpPr>
-        <p:spPr/>
-        <p:txBody>
-          <a:bodyPr/>
-          <a:lstStyle/>
-          <a:p>
-            <a:fld id="{C5596875-2F2A-4E4F-B6FE-0AB921437886}" type="slidenum">
-              <a:rPr lang="ko-KR" altLang="en-US" smtClean="0"/>
-              <a:t>2</a:t>
-            </a:fld>
-            <a:endParaRPr lang="ko-KR" altLang="en-US" dirty="0"/>
-          </a:p>
-        </p:txBody>
-      </p:sp>
-      <p:graphicFrame>
-        <p:nvGraphicFramePr>
-          <p:cNvPr id="9" name="다이어그램 8"/>
-          <p:cNvGraphicFramePr/>
-          <p:nvPr>
-            <p:extLst>
-              <p:ext uri="{D42A27DB-BD31-4B8C-83A1-F6EECF244321}">
-                <p14:modId xmlns:p14="http://schemas.microsoft.com/office/powerpoint/2010/main" val="1449545726"/>
-              </p:ext>
-            </p:extLst>
-          </p:nvPr>
-        </p:nvGraphicFramePr>
-        <p:xfrm>
-          <a:off x="981595" y="1176251"/>
-          <a:ext cx="7180811" cy="4442691"/>
-        </p:xfrm>
-        <a:graphic>
-          <a:graphicData uri="http://schemas.openxmlformats.org/drawingml/2006/diagram">
-            <dgm:relIds xmlns:dgm="http://schemas.openxmlformats.org/drawingml/2006/diagram" xmlns:r="http://schemas.openxmlformats.org/officeDocument/2006/relationships" r:dm="rId2" r:lo="rId3" r:qs="rId4" r:cs="rId5"/>
-          </a:graphicData>
-        </a:graphic>
-      </p:graphicFrame>
-      <p:sp>
-        <p:nvSpPr>
-          <p:cNvPr id="11" name="Rectangle 12"/>
-          <p:cNvSpPr txBox="1">
-            <a:spLocks noChangeArrowheads="1"/>
-          </p:cNvSpPr>
-          <p:nvPr/>
-        </p:nvSpPr>
-        <p:spPr bwMode="auto">
-          <a:xfrm>
-            <a:off x="0" y="-24"/>
-            <a:ext cx="9144000" cy="720000"/>
-          </a:xfrm>
-          <a:prstGeom prst="rect">
-            <a:avLst/>
-          </a:prstGeom>
-          <a:solidFill>
-            <a:srgbClr val="0000FF"/>
-          </a:solidFill>
-          <a:ln>
-            <a:miter lim="800000"/>
-            <a:headEnd/>
-            <a:tailEnd/>
-          </a:ln>
-        </p:spPr>
-        <p:txBody>
-          <a:bodyPr vert="horz" lIns="91440" tIns="45720" rIns="91440" bIns="45720" rtlCol="0" anchor="ctr">
-            <a:normAutofit/>
-          </a:bodyPr>
-          <a:lstStyle/>
-          <a:p>
-            <a:pPr marL="0" marR="0" lvl="0" indent="0" algn="ctr" defTabSz="914400" rtl="0" eaLnBrk="1" fontAlgn="auto" latinLnBrk="1" hangingPunct="1">
-              <a:lnSpc>
-                <a:spcPct val="100000"/>
-              </a:lnSpc>
-              <a:spcBef>
-                <a:spcPct val="0"/>
-              </a:spcBef>
-              <a:spcAft>
-                <a:spcPts val="0"/>
-              </a:spcAft>
-              <a:buClrTx/>
-              <a:buSzTx/>
-              <a:buFontTx/>
-              <a:buNone/>
-              <a:tabLst/>
-              <a:defRPr/>
-            </a:pPr>
-            <a:r>
-              <a:rPr kumimoji="0" lang="en-US" altLang="ko-KR" sz="3200" b="1" i="0" u="none" strike="noStrike" kern="1200" cap="none" spc="0" normalizeH="0" baseline="0" noProof="0" dirty="0" smtClean="0">
-                <a:ln>
-                  <a:noFill/>
-                </a:ln>
-                <a:solidFill>
-                  <a:schemeClr val="bg1"/>
-                </a:solidFill>
-                <a:effectLst/>
-                <a:uLnTx/>
-                <a:uFillTx/>
-                <a:latin typeface="Arial" pitchFamily="34" charset="0"/>
-                <a:ea typeface="+mj-ea"/>
-                <a:cs typeface="Arial" pitchFamily="34" charset="0"/>
-              </a:rPr>
-              <a:t>Contents</a:t>
-            </a:r>
-            <a:endParaRPr kumimoji="0" lang="en-US" altLang="ko-KR" sz="2800" b="1" i="0" u="none" strike="noStrike" kern="1200" cap="none" spc="0" normalizeH="0" baseline="0" noProof="0" dirty="0" smtClean="0">
-              <a:ln>
-                <a:noFill/>
-              </a:ln>
-              <a:solidFill>
-                <a:schemeClr val="bg1"/>
-              </a:solidFill>
-              <a:effectLst/>
-              <a:uLnTx/>
-              <a:uFillTx/>
-              <a:latin typeface="Arial" pitchFamily="34" charset="0"/>
-              <a:ea typeface="+mj-ea"/>
-              <a:cs typeface="Arial" pitchFamily="34" charset="0"/>
-            </a:endParaRPr>
-          </a:p>
-        </p:txBody>
-      </p:sp>
-      <p:sp>
-        <p:nvSpPr>
-          <p:cNvPr id="12" name="타원 11"/>
-          <p:cNvSpPr/>
-          <p:nvPr/>
-        </p:nvSpPr>
-        <p:spPr>
-          <a:xfrm>
-            <a:off x="2044801" y="1188504"/>
-            <a:ext cx="576000" cy="576000"/>
-          </a:xfrm>
-          <a:prstGeom prst="ellipse">
-            <a:avLst/>
-          </a:prstGeom>
-          <a:solidFill>
-            <a:srgbClr val="44546A"/>
-          </a:solidFill>
-          <a:ln>
-            <a:noFill/>
-          </a:ln>
-        </p:spPr>
-        <p:style>
-          <a:lnRef idx="2">
-            <a:schemeClr val="accent1">
-              <a:shade val="50000"/>
-            </a:schemeClr>
-          </a:lnRef>
-          <a:fillRef idx="1">
-            <a:schemeClr val="accent1"/>
-          </a:fillRef>
-          <a:effectRef idx="0">
-            <a:schemeClr val="accent1"/>
-          </a:effectRef>
-          <a:fontRef idx="minor">
-            <a:schemeClr val="lt1"/>
-          </a:fontRef>
-        </p:style>
-        <p:txBody>
-          <a:bodyPr rtlCol="0" anchor="ctr"/>
-          <a:lstStyle/>
-          <a:p>
-            <a:pPr algn="ctr"/>
-            <a:r>
-              <a:rPr lang="en-US" altLang="ko-KR" sz="2800" b="1" dirty="0" smtClean="0">
-                <a:solidFill>
-                  <a:schemeClr val="bg1"/>
-                </a:solidFill>
-                <a:latin typeface="Arial" panose="020B0604020202020204" pitchFamily="34" charset="0"/>
-                <a:cs typeface="Arial" panose="020B0604020202020204" pitchFamily="34" charset="0"/>
-              </a:rPr>
-              <a:t>1</a:t>
-            </a:r>
-            <a:endParaRPr lang="ko-KR" altLang="en-US" sz="2800" b="1" dirty="0">
-              <a:solidFill>
-                <a:schemeClr val="bg1"/>
-              </a:solidFill>
-              <a:latin typeface="Arial" panose="020B0604020202020204" pitchFamily="34" charset="0"/>
-              <a:cs typeface="Arial" panose="020B0604020202020204" pitchFamily="34" charset="0"/>
-            </a:endParaRPr>
-          </a:p>
-        </p:txBody>
-      </p:sp>
-      <p:sp>
-        <p:nvSpPr>
-          <p:cNvPr id="15" name="타원 14"/>
-          <p:cNvSpPr/>
-          <p:nvPr/>
-        </p:nvSpPr>
-        <p:spPr>
-          <a:xfrm>
-            <a:off x="2044801" y="1960029"/>
-            <a:ext cx="576000" cy="576000"/>
-          </a:xfrm>
-          <a:prstGeom prst="ellipse">
-            <a:avLst/>
-          </a:prstGeom>
-          <a:solidFill>
-            <a:srgbClr val="44546A"/>
-          </a:solidFill>
-          <a:ln>
-            <a:noFill/>
-          </a:ln>
-        </p:spPr>
-        <p:style>
-          <a:lnRef idx="2">
-            <a:schemeClr val="accent1">
-              <a:shade val="50000"/>
-            </a:schemeClr>
-          </a:lnRef>
-          <a:fillRef idx="1">
-            <a:schemeClr val="accent1"/>
-          </a:fillRef>
-          <a:effectRef idx="0">
-            <a:schemeClr val="accent1"/>
-          </a:effectRef>
-          <a:fontRef idx="minor">
-            <a:schemeClr val="lt1"/>
-          </a:fontRef>
-        </p:style>
-        <p:txBody>
-          <a:bodyPr rtlCol="0" anchor="ctr"/>
-          <a:lstStyle/>
-          <a:p>
-            <a:pPr algn="ctr"/>
-            <a:r>
-              <a:rPr lang="en-US" altLang="ko-KR" sz="2800" b="1" dirty="0">
-                <a:solidFill>
-                  <a:schemeClr val="bg1"/>
-                </a:solidFill>
-                <a:latin typeface="Arial" panose="020B0604020202020204" pitchFamily="34" charset="0"/>
-                <a:cs typeface="Arial" panose="020B0604020202020204" pitchFamily="34" charset="0"/>
-              </a:rPr>
-              <a:t>2</a:t>
-            </a:r>
-            <a:endParaRPr lang="ko-KR" altLang="en-US" sz="2800" b="1" dirty="0">
-              <a:solidFill>
-                <a:schemeClr val="bg1"/>
-              </a:solidFill>
-              <a:latin typeface="Arial" panose="020B0604020202020204" pitchFamily="34" charset="0"/>
-              <a:cs typeface="Arial" panose="020B0604020202020204" pitchFamily="34" charset="0"/>
-            </a:endParaRPr>
-          </a:p>
-        </p:txBody>
-      </p:sp>
-      <p:sp>
-        <p:nvSpPr>
-          <p:cNvPr id="16" name="타원 15"/>
-          <p:cNvSpPr/>
-          <p:nvPr/>
-        </p:nvSpPr>
-        <p:spPr>
-          <a:xfrm>
-            <a:off x="2044801" y="2729960"/>
-            <a:ext cx="576000" cy="576000"/>
-          </a:xfrm>
-          <a:prstGeom prst="ellipse">
-            <a:avLst/>
-          </a:prstGeom>
-          <a:solidFill>
-            <a:srgbClr val="44546A"/>
-          </a:solidFill>
-          <a:ln>
-            <a:noFill/>
-          </a:ln>
-        </p:spPr>
-        <p:style>
-          <a:lnRef idx="2">
-            <a:schemeClr val="accent1">
-              <a:shade val="50000"/>
-            </a:schemeClr>
-          </a:lnRef>
-          <a:fillRef idx="1">
-            <a:schemeClr val="accent1"/>
-          </a:fillRef>
-          <a:effectRef idx="0">
-            <a:schemeClr val="accent1"/>
-          </a:effectRef>
-          <a:fontRef idx="minor">
-            <a:schemeClr val="lt1"/>
-          </a:fontRef>
-        </p:style>
-        <p:txBody>
-          <a:bodyPr rtlCol="0" anchor="ctr"/>
-          <a:lstStyle/>
-          <a:p>
-            <a:pPr algn="ctr"/>
-            <a:r>
-              <a:rPr lang="en-US" altLang="ko-KR" sz="2800" b="1" dirty="0" smtClean="0">
-                <a:solidFill>
-                  <a:schemeClr val="bg1"/>
-                </a:solidFill>
-                <a:latin typeface="Arial" panose="020B0604020202020204" pitchFamily="34" charset="0"/>
-                <a:cs typeface="Arial" panose="020B0604020202020204" pitchFamily="34" charset="0"/>
-              </a:rPr>
-              <a:t>3</a:t>
-            </a:r>
-            <a:endParaRPr lang="ko-KR" altLang="en-US" sz="2800" b="1" dirty="0">
-              <a:solidFill>
-                <a:schemeClr val="bg1"/>
-              </a:solidFill>
-              <a:latin typeface="Arial" panose="020B0604020202020204" pitchFamily="34" charset="0"/>
-              <a:cs typeface="Arial" panose="020B0604020202020204" pitchFamily="34" charset="0"/>
-            </a:endParaRPr>
-          </a:p>
-        </p:txBody>
-      </p:sp>
-      <p:sp>
-        <p:nvSpPr>
-          <p:cNvPr id="17" name="타원 16"/>
-          <p:cNvSpPr/>
-          <p:nvPr/>
-        </p:nvSpPr>
-        <p:spPr>
-          <a:xfrm>
-            <a:off x="2044801" y="3499891"/>
-            <a:ext cx="576000" cy="576000"/>
-          </a:xfrm>
-          <a:prstGeom prst="ellipse">
-            <a:avLst/>
-          </a:prstGeom>
-          <a:solidFill>
-            <a:srgbClr val="44546A"/>
-          </a:solidFill>
-          <a:ln>
-            <a:noFill/>
-          </a:ln>
-        </p:spPr>
-        <p:style>
-          <a:lnRef idx="2">
-            <a:schemeClr val="accent1">
-              <a:shade val="50000"/>
-            </a:schemeClr>
-          </a:lnRef>
-          <a:fillRef idx="1">
-            <a:schemeClr val="accent1"/>
-          </a:fillRef>
-          <a:effectRef idx="0">
-            <a:schemeClr val="accent1"/>
-          </a:effectRef>
-          <a:fontRef idx="minor">
-            <a:schemeClr val="lt1"/>
-          </a:fontRef>
-        </p:style>
-        <p:txBody>
-          <a:bodyPr rtlCol="0" anchor="ctr"/>
-          <a:lstStyle/>
-          <a:p>
-            <a:pPr algn="ctr"/>
-            <a:r>
-              <a:rPr lang="en-US" altLang="ko-KR" sz="2800" b="1" dirty="0" smtClean="0">
-                <a:solidFill>
-                  <a:schemeClr val="bg1"/>
-                </a:solidFill>
-                <a:latin typeface="Arial" panose="020B0604020202020204" pitchFamily="34" charset="0"/>
-                <a:cs typeface="Arial" panose="020B0604020202020204" pitchFamily="34" charset="0"/>
-              </a:rPr>
-              <a:t>4</a:t>
-            </a:r>
-            <a:endParaRPr lang="ko-KR" altLang="en-US" sz="2800" b="1" dirty="0">
-              <a:solidFill>
-                <a:schemeClr val="bg1"/>
-              </a:solidFill>
-              <a:latin typeface="Arial" panose="020B0604020202020204" pitchFamily="34" charset="0"/>
-              <a:cs typeface="Arial" panose="020B0604020202020204" pitchFamily="34" charset="0"/>
-            </a:endParaRPr>
-          </a:p>
-        </p:txBody>
-      </p:sp>
-      <p:sp>
-        <p:nvSpPr>
-          <p:cNvPr id="18" name="타원 17"/>
-          <p:cNvSpPr/>
-          <p:nvPr/>
-        </p:nvSpPr>
-        <p:spPr>
-          <a:xfrm>
-            <a:off x="2044801" y="4269822"/>
-            <a:ext cx="576000" cy="576000"/>
-          </a:xfrm>
-          <a:prstGeom prst="ellipse">
-            <a:avLst/>
-          </a:prstGeom>
-          <a:solidFill>
-            <a:srgbClr val="44546A"/>
-          </a:solidFill>
-          <a:ln>
-            <a:noFill/>
-          </a:ln>
-        </p:spPr>
-        <p:style>
-          <a:lnRef idx="2">
-            <a:schemeClr val="accent1">
-              <a:shade val="50000"/>
-            </a:schemeClr>
-          </a:lnRef>
-          <a:fillRef idx="1">
-            <a:schemeClr val="accent1"/>
-          </a:fillRef>
-          <a:effectRef idx="0">
-            <a:schemeClr val="accent1"/>
-          </a:effectRef>
-          <a:fontRef idx="minor">
-            <a:schemeClr val="lt1"/>
-          </a:fontRef>
-        </p:style>
-        <p:txBody>
-          <a:bodyPr rtlCol="0" anchor="ctr"/>
-          <a:lstStyle/>
-          <a:p>
-            <a:pPr algn="ctr"/>
-            <a:r>
-              <a:rPr lang="en-US" altLang="ko-KR" sz="2800" b="1" dirty="0" smtClean="0">
-                <a:solidFill>
-                  <a:schemeClr val="bg1"/>
-                </a:solidFill>
-                <a:latin typeface="Arial" panose="020B0604020202020204" pitchFamily="34" charset="0"/>
-                <a:cs typeface="Arial" panose="020B0604020202020204" pitchFamily="34" charset="0"/>
-              </a:rPr>
-              <a:t>5</a:t>
-            </a:r>
-            <a:endParaRPr lang="ko-KR" altLang="en-US" sz="2800" b="1" dirty="0">
-              <a:solidFill>
-                <a:schemeClr val="bg1"/>
-              </a:solidFill>
-              <a:latin typeface="Arial" panose="020B0604020202020204" pitchFamily="34" charset="0"/>
-              <a:cs typeface="Arial" panose="020B0604020202020204" pitchFamily="34" charset="0"/>
-            </a:endParaRPr>
-          </a:p>
-        </p:txBody>
-      </p:sp>
-      <p:sp>
-        <p:nvSpPr>
-          <p:cNvPr id="19" name="타원 18"/>
-          <p:cNvSpPr/>
-          <p:nvPr/>
-        </p:nvSpPr>
-        <p:spPr>
-          <a:xfrm>
-            <a:off x="2044801" y="5039753"/>
-            <a:ext cx="576000" cy="576000"/>
-          </a:xfrm>
-          <a:prstGeom prst="ellipse">
-            <a:avLst/>
-          </a:prstGeom>
-          <a:solidFill>
-            <a:srgbClr val="44546A"/>
-          </a:solidFill>
-          <a:ln>
-            <a:noFill/>
-          </a:ln>
-        </p:spPr>
-        <p:style>
-          <a:lnRef idx="2">
-            <a:schemeClr val="accent1">
-              <a:shade val="50000"/>
-            </a:schemeClr>
-          </a:lnRef>
-          <a:fillRef idx="1">
-            <a:schemeClr val="accent1"/>
-          </a:fillRef>
-          <a:effectRef idx="0">
-            <a:schemeClr val="accent1"/>
-          </a:effectRef>
-          <a:fontRef idx="minor">
-            <a:schemeClr val="lt1"/>
-          </a:fontRef>
-        </p:style>
-        <p:txBody>
-          <a:bodyPr rtlCol="0" anchor="ctr"/>
-          <a:lstStyle/>
-          <a:p>
-            <a:pPr algn="ctr"/>
-            <a:r>
-              <a:rPr lang="en-US" altLang="ko-KR" sz="2800" b="1" dirty="0" smtClean="0">
-                <a:solidFill>
-                  <a:schemeClr val="bg1"/>
-                </a:solidFill>
-                <a:latin typeface="Arial" panose="020B0604020202020204" pitchFamily="34" charset="0"/>
-                <a:cs typeface="Arial" panose="020B0604020202020204" pitchFamily="34" charset="0"/>
-              </a:rPr>
-              <a:t>6</a:t>
-            </a:r>
-            <a:endParaRPr lang="ko-KR" altLang="en-US" sz="2800" b="1" dirty="0">
-              <a:solidFill>
-                <a:schemeClr val="bg1"/>
-              </a:solidFill>
-              <a:latin typeface="Arial" panose="020B0604020202020204" pitchFamily="34" charset="0"/>
-              <a:cs typeface="Arial" panose="020B0604020202020204" pitchFamily="34" charset="0"/>
-            </a:endParaRPr>
-          </a:p>
-        </p:txBody>
-      </p:sp>
-    </p:spTree>
-    <p:extLst>
-      <p:ext uri="{BB962C8B-B14F-4D97-AF65-F5344CB8AC3E}">
-        <p14:creationId xmlns:p14="http://schemas.microsoft.com/office/powerpoint/2010/main" val="2455392075"/>
-      </p:ext>
-    </p:extLst>
-  </p:cSld>
-  <p:clrMapOvr>
-    <a:masterClrMapping/>
-  </p:clrMapOvr>
-</p:sld>
-</file>
-
-<file path=ppt/slides/slide20.xml><?xml version="1.0" encoding="utf-8"?>
+<file path=ppt/slides/slide21.xml><?xml version="1.0" encoding="utf-8"?>
 <p:sld xmlns:a="http://schemas.openxmlformats.org/drawingml/2006/main" xmlns:r="http://schemas.openxmlformats.org/officeDocument/2006/relationships" xmlns:p="http://schemas.openxmlformats.org/presentationml/2006/main">
   <p:cSld>
     <p:spTree>
@@ -16781,7 +16952,7 @@
 </p:sld>
 </file>
 
-<file path=ppt/slides/slide21.xml><?xml version="1.0" encoding="utf-8"?>
+<file path=ppt/slides/slide22.xml><?xml version="1.0" encoding="utf-8"?>
 <p:sld xmlns:a="http://schemas.openxmlformats.org/drawingml/2006/main" xmlns:r="http://schemas.openxmlformats.org/officeDocument/2006/relationships" xmlns:p="http://schemas.openxmlformats.org/presentationml/2006/main">
   <p:cSld>
     <p:spTree>
@@ -16968,7 +17139,7 @@
 </p:sld>
 </file>
 
-<file path=ppt/slides/slide22.xml><?xml version="1.0" encoding="utf-8"?>
+<file path=ppt/slides/slide23.xml><?xml version="1.0" encoding="utf-8"?>
 <p:sld xmlns:a="http://schemas.openxmlformats.org/drawingml/2006/main" xmlns:r="http://schemas.openxmlformats.org/officeDocument/2006/relationships" xmlns:p="http://schemas.openxmlformats.org/presentationml/2006/main">
   <p:cSld>
     <p:spTree>
@@ -18941,7 +19112,7 @@
 </p:sld>
 </file>
 
-<file path=ppt/slides/slide23.xml><?xml version="1.0" encoding="utf-8"?>
+<file path=ppt/slides/slide24.xml><?xml version="1.0" encoding="utf-8"?>
 <p:sld xmlns:a="http://schemas.openxmlformats.org/drawingml/2006/main" xmlns:r="http://schemas.openxmlformats.org/officeDocument/2006/relationships" xmlns:p="http://schemas.openxmlformats.org/presentationml/2006/main">
   <p:cSld>
     <p:spTree>
@@ -18976,7 +19147,7 @@
             <a:fld id="{C5596875-2F2A-4E4F-B6FE-0AB921437886}" type="slidenum">
               <a:rPr lang="ko-KR" altLang="en-US" smtClean="0"/>
               <a:pPr/>
-              <a:t>23</a:t>
+              <a:t>24</a:t>
             </a:fld>
             <a:endParaRPr lang="ko-KR" altLang="en-US"/>
           </a:p>
@@ -19615,7 +19786,7 @@
 </p:sld>
 </file>
 
-<file path=ppt/slides/slide24.xml><?xml version="1.0" encoding="utf-8"?>
+<file path=ppt/slides/slide25.xml><?xml version="1.0" encoding="utf-8"?>
 <p:sld xmlns:a="http://schemas.openxmlformats.org/drawingml/2006/main" xmlns:r="http://schemas.openxmlformats.org/officeDocument/2006/relationships" xmlns:p="http://schemas.openxmlformats.org/presentationml/2006/main">
   <p:cSld>
     <p:spTree>
@@ -19650,7 +19821,7 @@
             <a:fld id="{C5596875-2F2A-4E4F-B6FE-0AB921437886}" type="slidenum">
               <a:rPr lang="ko-KR" altLang="en-US" smtClean="0"/>
               <a:pPr/>
-              <a:t>24</a:t>
+              <a:t>25</a:t>
             </a:fld>
             <a:endParaRPr lang="ko-KR" altLang="en-US"/>
           </a:p>
@@ -20390,7 +20561,7 @@
 </p:sld>
 </file>
 
-<file path=ppt/slides/slide25.xml><?xml version="1.0" encoding="utf-8"?>
+<file path=ppt/slides/slide26.xml><?xml version="1.0" encoding="utf-8"?>
 <p:sld xmlns:a="http://schemas.openxmlformats.org/drawingml/2006/main" xmlns:r="http://schemas.openxmlformats.org/officeDocument/2006/relationships" xmlns:p="http://schemas.openxmlformats.org/presentationml/2006/main">
   <p:cSld>
     <p:spTree>
@@ -20425,7 +20596,7 @@
             <a:fld id="{C5596875-2F2A-4E4F-B6FE-0AB921437886}" type="slidenum">
               <a:rPr lang="ko-KR" altLang="en-US" smtClean="0"/>
               <a:pPr/>
-              <a:t>25</a:t>
+              <a:t>26</a:t>
             </a:fld>
             <a:endParaRPr lang="ko-KR" altLang="en-US"/>
           </a:p>
@@ -20549,7 +20720,7 @@
 </p:sld>
 </file>
 
-<file path=ppt/slides/slide26.xml><?xml version="1.0" encoding="utf-8"?>
+<file path=ppt/slides/slide27.xml><?xml version="1.0" encoding="utf-8"?>
 <p:sld xmlns:a="http://schemas.openxmlformats.org/drawingml/2006/main" xmlns:r="http://schemas.openxmlformats.org/officeDocument/2006/relationships" xmlns:p="http://schemas.openxmlformats.org/presentationml/2006/main">
   <p:cSld>
     <p:spTree>
@@ -20584,7 +20755,7 @@
             <a:fld id="{C5596875-2F2A-4E4F-B6FE-0AB921437886}" type="slidenum">
               <a:rPr lang="ko-KR" altLang="en-US" smtClean="0"/>
               <a:pPr/>
-              <a:t>26</a:t>
+              <a:t>27</a:t>
             </a:fld>
             <a:endParaRPr lang="ko-KR" altLang="en-US"/>
           </a:p>
@@ -20739,7 +20910,7 @@
 </p:sld>
 </file>
 
-<file path=ppt/slides/slide27.xml><?xml version="1.0" encoding="utf-8"?>
+<file path=ppt/slides/slide28.xml><?xml version="1.0" encoding="utf-8"?>
 <p:sld xmlns:a="http://schemas.openxmlformats.org/drawingml/2006/main" xmlns:r="http://schemas.openxmlformats.org/officeDocument/2006/relationships" xmlns:p="http://schemas.openxmlformats.org/presentationml/2006/main">
   <p:cSld>
     <p:spTree>
@@ -20774,7 +20945,7 @@
             <a:fld id="{C5596875-2F2A-4E4F-B6FE-0AB921437886}" type="slidenum">
               <a:rPr lang="ko-KR" altLang="en-US" smtClean="0"/>
               <a:pPr/>
-              <a:t>27</a:t>
+              <a:t>28</a:t>
             </a:fld>
             <a:endParaRPr lang="ko-KR" altLang="en-US"/>
           </a:p>
@@ -20977,7 +21148,7 @@
 </p:sld>
 </file>
 
-<file path=ppt/slides/slide28.xml><?xml version="1.0" encoding="utf-8"?>
+<file path=ppt/slides/slide29.xml><?xml version="1.0" encoding="utf-8"?>
 <p:sld xmlns:a="http://schemas.openxmlformats.org/drawingml/2006/main" xmlns:r="http://schemas.openxmlformats.org/officeDocument/2006/relationships" xmlns:p="http://schemas.openxmlformats.org/presentationml/2006/main">
   <p:cSld>
     <p:spTree>
@@ -21034,7 +21205,7 @@
           <a:p>
             <a:fld id="{9B9B7D2E-B202-4D7A-9519-0C490A04EB9C}" type="datetime1">
               <a:rPr lang="ko-KR" altLang="en-US" smtClean="0"/>
-              <a:t>2019-10-30</a:t>
+              <a:t>2019-10-31</a:t>
             </a:fld>
             <a:endParaRPr lang="ko-KR" altLang="en-US"/>
           </a:p>
@@ -21057,7 +21228,7 @@
           <a:p>
             <a:fld id="{8765F8EB-1186-4395-8E70-F957669279DD}" type="slidenum">
               <a:rPr lang="ko-KR" altLang="en-US" smtClean="0"/>
-              <a:t>28</a:t>
+              <a:t>29</a:t>
             </a:fld>
             <a:endParaRPr lang="ko-KR" altLang="en-US"/>
           </a:p>
@@ -21708,136 +21879,6 @@
 </p:sld>
 </file>
 
-<file path=ppt/slides/slide29.xml><?xml version="1.0" encoding="utf-8"?>
-<p:sld xmlns:a="http://schemas.openxmlformats.org/drawingml/2006/main" xmlns:r="http://schemas.openxmlformats.org/officeDocument/2006/relationships" xmlns:p="http://schemas.openxmlformats.org/presentationml/2006/main">
-  <p:cSld>
-    <p:spTree>
-      <p:nvGrpSpPr>
-        <p:cNvPr id="1" name=""/>
-        <p:cNvGrpSpPr/>
-        <p:nvPr/>
-      </p:nvGrpSpPr>
-      <p:grpSpPr>
-        <a:xfrm>
-          <a:off x="0" y="0"/>
-          <a:ext cx="0" cy="0"/>
-          <a:chOff x="0" y="0"/>
-          <a:chExt cx="0" cy="0"/>
-        </a:xfrm>
-      </p:grpSpPr>
-      <p:sp>
-        <p:nvSpPr>
-          <p:cNvPr id="3" name="슬라이드 번호 개체 틀 2"/>
-          <p:cNvSpPr>
-            <a:spLocks noGrp="1"/>
-          </p:cNvSpPr>
-          <p:nvPr>
-            <p:ph type="sldNum" sz="quarter" idx="12"/>
-          </p:nvPr>
-        </p:nvSpPr>
-        <p:spPr/>
-        <p:txBody>
-          <a:bodyPr/>
-          <a:lstStyle/>
-          <a:p>
-            <a:fld id="{C5596875-2F2A-4E4F-B6FE-0AB921437886}" type="slidenum">
-              <a:rPr lang="ko-KR" altLang="en-US" smtClean="0"/>
-              <a:pPr/>
-              <a:t>29</a:t>
-            </a:fld>
-            <a:endParaRPr lang="ko-KR" altLang="en-US"/>
-          </a:p>
-        </p:txBody>
-      </p:sp>
-      <p:sp>
-        <p:nvSpPr>
-          <p:cNvPr id="5" name="직사각형 4"/>
-          <p:cNvSpPr/>
-          <p:nvPr/>
-        </p:nvSpPr>
-        <p:spPr>
-          <a:xfrm>
-            <a:off x="1500166" y="2500306"/>
-            <a:ext cx="6143668" cy="1857388"/>
-          </a:xfrm>
-          <a:prstGeom prst="rect">
-            <a:avLst/>
-          </a:prstGeom>
-          <a:solidFill>
-            <a:srgbClr val="3333FF"/>
-          </a:solidFill>
-          <a:ln>
-            <a:noFill/>
-          </a:ln>
-          <a:effectLst>
-            <a:outerShdw blurRad="50800" dist="38100" dir="5400000" algn="t" rotWithShape="0">
-              <a:prstClr val="black">
-                <a:alpha val="40000"/>
-              </a:prstClr>
-            </a:outerShdw>
-          </a:effectLst>
-        </p:spPr>
-        <p:style>
-          <a:lnRef idx="2">
-            <a:schemeClr val="accent1">
-              <a:shade val="50000"/>
-            </a:schemeClr>
-          </a:lnRef>
-          <a:fillRef idx="1">
-            <a:schemeClr val="accent1"/>
-          </a:fillRef>
-          <a:effectRef idx="0">
-            <a:schemeClr val="accent1"/>
-          </a:effectRef>
-          <a:fontRef idx="minor">
-            <a:schemeClr val="lt1"/>
-          </a:fontRef>
-        </p:style>
-        <p:txBody>
-          <a:bodyPr anchor="ctr"/>
-          <a:lstStyle/>
-          <a:p>
-            <a:pPr algn="ctr">
-              <a:lnSpc>
-                <a:spcPct val="150000"/>
-              </a:lnSpc>
-              <a:defRPr/>
-            </a:pPr>
-            <a:r>
-              <a:rPr lang="en-US" altLang="ko-KR" sz="3600" b="1" dirty="0" smtClean="0">
-                <a:solidFill>
-                  <a:schemeClr val="bg1"/>
-                </a:solidFill>
-                <a:latin typeface="Arial" pitchFamily="34" charset="0"/>
-                <a:ea typeface="Arial Unicode MS"/>
-                <a:cs typeface="Arial" pitchFamily="34" charset="0"/>
-              </a:rPr>
-              <a:t>Artificial Neural Network</a:t>
-            </a:r>
-            <a:endParaRPr lang="en-US" altLang="ko-KR" sz="2800" b="1" dirty="0">
-              <a:solidFill>
-                <a:srgbClr val="FFFF00"/>
-              </a:solidFill>
-              <a:latin typeface="Arial" pitchFamily="34" charset="0"/>
-              <a:ea typeface="Arial Unicode MS"/>
-              <a:cs typeface="Arial" pitchFamily="34" charset="0"/>
-            </a:endParaRPr>
-          </a:p>
-        </p:txBody>
-      </p:sp>
-    </p:spTree>
-    <p:extLst>
-      <p:ext uri="{BB962C8B-B14F-4D97-AF65-F5344CB8AC3E}">
-        <p14:creationId xmlns:p14="http://schemas.microsoft.com/office/powerpoint/2010/main" val="1034698581"/>
-      </p:ext>
-    </p:extLst>
-  </p:cSld>
-  <p:clrMapOvr>
-    <a:masterClrMapping/>
-  </p:clrMapOvr>
-</p:sld>
-</file>
-
 <file path=ppt/slides/slide3.xml><?xml version="1.0" encoding="utf-8"?>
 <p:sld xmlns:a="http://schemas.openxmlformats.org/drawingml/2006/main" xmlns:r="http://schemas.openxmlformats.org/officeDocument/2006/relationships" xmlns:p="http://schemas.openxmlformats.org/presentationml/2006/main">
   <p:cSld>
@@ -21969,6 +22010,136 @@
 </file>
 
 <file path=ppt/slides/slide30.xml><?xml version="1.0" encoding="utf-8"?>
+<p:sld xmlns:a="http://schemas.openxmlformats.org/drawingml/2006/main" xmlns:r="http://schemas.openxmlformats.org/officeDocument/2006/relationships" xmlns:p="http://schemas.openxmlformats.org/presentationml/2006/main">
+  <p:cSld>
+    <p:spTree>
+      <p:nvGrpSpPr>
+        <p:cNvPr id="1" name=""/>
+        <p:cNvGrpSpPr/>
+        <p:nvPr/>
+      </p:nvGrpSpPr>
+      <p:grpSpPr>
+        <a:xfrm>
+          <a:off x="0" y="0"/>
+          <a:ext cx="0" cy="0"/>
+          <a:chOff x="0" y="0"/>
+          <a:chExt cx="0" cy="0"/>
+        </a:xfrm>
+      </p:grpSpPr>
+      <p:sp>
+        <p:nvSpPr>
+          <p:cNvPr id="3" name="슬라이드 번호 개체 틀 2"/>
+          <p:cNvSpPr>
+            <a:spLocks noGrp="1"/>
+          </p:cNvSpPr>
+          <p:nvPr>
+            <p:ph type="sldNum" sz="quarter" idx="12"/>
+          </p:nvPr>
+        </p:nvSpPr>
+        <p:spPr/>
+        <p:txBody>
+          <a:bodyPr/>
+          <a:lstStyle/>
+          <a:p>
+            <a:fld id="{C5596875-2F2A-4E4F-B6FE-0AB921437886}" type="slidenum">
+              <a:rPr lang="ko-KR" altLang="en-US" smtClean="0"/>
+              <a:pPr/>
+              <a:t>30</a:t>
+            </a:fld>
+            <a:endParaRPr lang="ko-KR" altLang="en-US"/>
+          </a:p>
+        </p:txBody>
+      </p:sp>
+      <p:sp>
+        <p:nvSpPr>
+          <p:cNvPr id="5" name="직사각형 4"/>
+          <p:cNvSpPr/>
+          <p:nvPr/>
+        </p:nvSpPr>
+        <p:spPr>
+          <a:xfrm>
+            <a:off x="1500166" y="2500306"/>
+            <a:ext cx="6143668" cy="1857388"/>
+          </a:xfrm>
+          <a:prstGeom prst="rect">
+            <a:avLst/>
+          </a:prstGeom>
+          <a:solidFill>
+            <a:srgbClr val="3333FF"/>
+          </a:solidFill>
+          <a:ln>
+            <a:noFill/>
+          </a:ln>
+          <a:effectLst>
+            <a:outerShdw blurRad="50800" dist="38100" dir="5400000" algn="t" rotWithShape="0">
+              <a:prstClr val="black">
+                <a:alpha val="40000"/>
+              </a:prstClr>
+            </a:outerShdw>
+          </a:effectLst>
+        </p:spPr>
+        <p:style>
+          <a:lnRef idx="2">
+            <a:schemeClr val="accent1">
+              <a:shade val="50000"/>
+            </a:schemeClr>
+          </a:lnRef>
+          <a:fillRef idx="1">
+            <a:schemeClr val="accent1"/>
+          </a:fillRef>
+          <a:effectRef idx="0">
+            <a:schemeClr val="accent1"/>
+          </a:effectRef>
+          <a:fontRef idx="minor">
+            <a:schemeClr val="lt1"/>
+          </a:fontRef>
+        </p:style>
+        <p:txBody>
+          <a:bodyPr anchor="ctr"/>
+          <a:lstStyle/>
+          <a:p>
+            <a:pPr algn="ctr">
+              <a:lnSpc>
+                <a:spcPct val="150000"/>
+              </a:lnSpc>
+              <a:defRPr/>
+            </a:pPr>
+            <a:r>
+              <a:rPr lang="en-US" altLang="ko-KR" sz="3600" b="1" dirty="0" smtClean="0">
+                <a:solidFill>
+                  <a:schemeClr val="bg1"/>
+                </a:solidFill>
+                <a:latin typeface="Arial" pitchFamily="34" charset="0"/>
+                <a:ea typeface="Arial Unicode MS"/>
+                <a:cs typeface="Arial" pitchFamily="34" charset="0"/>
+              </a:rPr>
+              <a:t>Artificial Neural Network</a:t>
+            </a:r>
+            <a:endParaRPr lang="en-US" altLang="ko-KR" sz="2800" b="1" dirty="0">
+              <a:solidFill>
+                <a:srgbClr val="FFFF00"/>
+              </a:solidFill>
+              <a:latin typeface="Arial" pitchFamily="34" charset="0"/>
+              <a:ea typeface="Arial Unicode MS"/>
+              <a:cs typeface="Arial" pitchFamily="34" charset="0"/>
+            </a:endParaRPr>
+          </a:p>
+        </p:txBody>
+      </p:sp>
+    </p:spTree>
+    <p:extLst>
+      <p:ext uri="{BB962C8B-B14F-4D97-AF65-F5344CB8AC3E}">
+        <p14:creationId xmlns:p14="http://schemas.microsoft.com/office/powerpoint/2010/main" val="1034698581"/>
+      </p:ext>
+    </p:extLst>
+  </p:cSld>
+  <p:clrMapOvr>
+    <a:masterClrMapping/>
+  </p:clrMapOvr>
+</p:sld>
+</file>
+
+<file path=ppt/slides/slide31.xml><?xml version="1.0" encoding="utf-8"?>
 <p:sld xmlns:a="http://schemas.openxmlformats.org/drawingml/2006/main" xmlns:r="http://schemas.openxmlformats.org/officeDocument/2006/relationships" xmlns:p="http://schemas.openxmlformats.org/presentationml/2006/main">
   <p:cSld>
     <p:spTree>
@@ -22587,7 +22758,7 @@
 </p:sld>
 </file>
 
-<file path=ppt/slides/slide31.xml><?xml version="1.0" encoding="utf-8"?>
+<file path=ppt/slides/slide32.xml><?xml version="1.0" encoding="utf-8"?>
 <p:sld xmlns:a="http://schemas.openxmlformats.org/drawingml/2006/main" xmlns:r="http://schemas.openxmlformats.org/officeDocument/2006/relationships" xmlns:p="http://schemas.openxmlformats.org/presentationml/2006/main">
   <p:cSld>
     <p:spTree>
@@ -24924,7 +25095,7 @@
 </p:sld>
 </file>
 
-<file path=ppt/slides/slide32.xml><?xml version="1.0" encoding="utf-8"?>
+<file path=ppt/slides/slide33.xml><?xml version="1.0" encoding="utf-8"?>
 <p:sld xmlns:a="http://schemas.openxmlformats.org/drawingml/2006/main" xmlns:r="http://schemas.openxmlformats.org/officeDocument/2006/relationships" xmlns:p="http://schemas.openxmlformats.org/presentationml/2006/main">
   <p:cSld>
     <p:spTree>
@@ -27307,7 +27478,7 @@
 </p:sld>
 </file>
 
-<file path=ppt/slides/slide33.xml><?xml version="1.0" encoding="utf-8"?>
+<file path=ppt/slides/slide34.xml><?xml version="1.0" encoding="utf-8"?>
 <p:sld xmlns:a="http://schemas.openxmlformats.org/drawingml/2006/main" xmlns:r="http://schemas.openxmlformats.org/officeDocument/2006/relationships" xmlns:p="http://schemas.openxmlformats.org/presentationml/2006/main">
   <p:cSld>
     <p:spTree>
@@ -27915,7 +28086,7 @@
 </p:sld>
 </file>
 
-<file path=ppt/slides/slide34.xml><?xml version="1.0" encoding="utf-8"?>
+<file path=ppt/slides/slide35.xml><?xml version="1.0" encoding="utf-8"?>
 <p:sld xmlns:a="http://schemas.openxmlformats.org/drawingml/2006/main" xmlns:r="http://schemas.openxmlformats.org/officeDocument/2006/relationships" xmlns:p="http://schemas.openxmlformats.org/presentationml/2006/main">
   <p:cSld>
     <p:spTree>
@@ -29891,7 +30062,7 @@
 </p:sld>
 </file>
 
-<file path=ppt/slides/slide35.xml><?xml version="1.0" encoding="utf-8"?>
+<file path=ppt/slides/slide36.xml><?xml version="1.0" encoding="utf-8"?>
 <p:sld xmlns:a="http://schemas.openxmlformats.org/drawingml/2006/main" xmlns:r="http://schemas.openxmlformats.org/officeDocument/2006/relationships" xmlns:p="http://schemas.openxmlformats.org/presentationml/2006/main">
   <p:cSld>
     <p:spTree>
@@ -31115,7 +31286,7 @@
           <p:nvPr/>
         </p:nvPicPr>
         <p:blipFill>
-          <a:blip r:embed="rId5"/>
+          <a:blip r:embed="rId10"/>
           <a:stretch>
             <a:fillRect/>
           </a:stretch>
@@ -31143,7 +31314,7 @@
 </p:sld>
 </file>
 
-<file path=ppt/slides/slide36.xml><?xml version="1.0" encoding="utf-8"?>
+<file path=ppt/slides/slide37.xml><?xml version="1.0" encoding="utf-8"?>
 <p:sld xmlns:a="http://schemas.openxmlformats.org/drawingml/2006/main" xmlns:r="http://schemas.openxmlformats.org/officeDocument/2006/relationships" xmlns:p="http://schemas.openxmlformats.org/presentationml/2006/main">
   <p:cSld>
     <p:spTree>
@@ -31178,7 +31349,7 @@
             <a:fld id="{C5596875-2F2A-4E4F-B6FE-0AB921437886}" type="slidenum">
               <a:rPr lang="ko-KR" altLang="en-US" smtClean="0"/>
               <a:pPr/>
-              <a:t>36</a:t>
+              <a:t>37</a:t>
             </a:fld>
             <a:endParaRPr lang="ko-KR" altLang="en-US"/>
           </a:p>
@@ -32189,21 +32360,7 @@
                 <a:latin typeface="Arial" panose="020B0604020202020204" pitchFamily="34" charset="0"/>
                 <a:cs typeface="Arial" panose="020B0604020202020204" pitchFamily="34" charset="0"/>
               </a:rPr>
-              <a:t>D</a:t>
-            </a:r>
-            <a:r>
-              <a:rPr lang="en-US" altLang="ko-KR" sz="2000" dirty="0" smtClean="0">
-                <a:latin typeface="Arial" panose="020B0604020202020204" pitchFamily="34" charset="0"/>
-                <a:cs typeface="Arial" panose="020B0604020202020204" pitchFamily="34" charset="0"/>
-              </a:rPr>
-              <a:t>istributed </a:t>
-            </a:r>
-            <a:r>
-              <a:rPr lang="en-US" altLang="ko-KR" sz="2000" dirty="0" smtClean="0">
-                <a:latin typeface="Arial" panose="020B0604020202020204" pitchFamily="34" charset="0"/>
-                <a:cs typeface="Arial" panose="020B0604020202020204" pitchFamily="34" charset="0"/>
-              </a:rPr>
-              <a:t>Bragg Reflector</a:t>
+              <a:t>Distributed Bragg Reflector</a:t>
             </a:r>
             <a:endParaRPr lang="en-US" altLang="ko-KR" sz="2000" dirty="0">
               <a:latin typeface="Arial" panose="020B0604020202020204" pitchFamily="34" charset="0"/>

--- a/개인/석사학위논문/Thesis_Presentation_v2.pptx
+++ b/개인/석사학위논문/Thesis_Presentation_v2.pptx
@@ -9620,24 +9620,7 @@
                 <a:ea typeface="+mj-ea"/>
                 <a:cs typeface="Arial" pitchFamily="34" charset="0"/>
               </a:rPr>
-              <a:t> </a:t>
-            </a:r>
-            <a:r>
-              <a:rPr kumimoji="0" lang="en-US" altLang="ko-KR" sz="3200" b="1" i="0" u="none" strike="noStrike" kern="1200" cap="none" spc="0" normalizeH="0" noProof="0" dirty="0" smtClean="0">
-                <a:ln>
-                  <a:noFill/>
-                </a:ln>
-                <a:solidFill>
-                  <a:schemeClr val="bg1"/>
-                </a:solidFill>
-                <a:effectLst/>
-                <a:uLnTx/>
-                <a:uFillTx/>
-                <a:latin typeface="Arial" pitchFamily="34" charset="0"/>
-                <a:ea typeface="+mj-ea"/>
-                <a:cs typeface="Arial" pitchFamily="34" charset="0"/>
-              </a:rPr>
-              <a:t>Learning</a:t>
+              <a:t> Learning</a:t>
             </a:r>
             <a:endParaRPr kumimoji="0" lang="en-US" altLang="ko-KR" sz="2800" b="1" i="0" u="none" strike="noStrike" kern="1200" cap="none" spc="0" normalizeH="0" baseline="0" noProof="0" dirty="0" smtClean="0">
               <a:ln>
@@ -9656,6 +9639,30 @@
           </a:p>
         </p:txBody>
       </p:sp>
+      <p:pic>
+        <p:nvPicPr>
+          <p:cNvPr id="6" name="그림 5"/>
+          <p:cNvPicPr>
+            <a:picLocks noChangeAspect="1"/>
+          </p:cNvPicPr>
+          <p:nvPr/>
+        </p:nvPicPr>
+        <p:blipFill>
+          <a:blip r:embed="rId2"/>
+          <a:stretch>
+            <a:fillRect/>
+          </a:stretch>
+        </p:blipFill>
+        <p:spPr>
+          <a:xfrm>
+            <a:off x="1130818" y="1172602"/>
+            <a:ext cx="7169271" cy="4237598"/>
+          </a:xfrm>
+          <a:prstGeom prst="rect">
+            <a:avLst/>
+          </a:prstGeom>
+        </p:spPr>
+      </p:pic>
     </p:spTree>
     <p:extLst>
       <p:ext uri="{BB962C8B-B14F-4D97-AF65-F5344CB8AC3E}">

--- a/개인/석사학위논문/Thesis_Presentation_v2.pptx
+++ b/개인/석사학위논문/Thesis_Presentation_v2.pptx
@@ -5,7 +5,7 @@
     <p:sldMasterId id="2147483660" r:id="rId1"/>
   </p:sldMasterIdLst>
   <p:notesMasterIdLst>
-    <p:notesMasterId r:id="rId39"/>
+    <p:notesMasterId r:id="rId40"/>
   </p:notesMasterIdLst>
   <p:sldIdLst>
     <p:sldId id="256" r:id="rId2"/>
@@ -32,10 +32,10 @@
     <p:sldId id="270" r:id="rId23"/>
     <p:sldId id="271" r:id="rId24"/>
     <p:sldId id="301" r:id="rId25"/>
-    <p:sldId id="302" r:id="rId26"/>
-    <p:sldId id="303" r:id="rId27"/>
-    <p:sldId id="304" r:id="rId28"/>
-    <p:sldId id="305" r:id="rId29"/>
+    <p:sldId id="305" r:id="rId26"/>
+    <p:sldId id="302" r:id="rId27"/>
+    <p:sldId id="303" r:id="rId28"/>
+    <p:sldId id="304" r:id="rId29"/>
     <p:sldId id="306" r:id="rId30"/>
     <p:sldId id="266" r:id="rId31"/>
     <p:sldId id="292" r:id="rId32"/>
@@ -44,7 +44,8 @@
     <p:sldId id="281" r:id="rId35"/>
     <p:sldId id="282" r:id="rId36"/>
     <p:sldId id="283" r:id="rId37"/>
-    <p:sldId id="269" r:id="rId38"/>
+    <p:sldId id="308" r:id="rId38"/>
+    <p:sldId id="269" r:id="rId39"/>
   </p:sldIdLst>
   <p:sldSz cx="9144000" cy="6858000" type="screen4x3"/>
   <p:notesSz cx="6858000" cy="9144000"/>
@@ -3441,7 +3442,7 @@
           <a:p>
             <a:fld id="{C19762FB-3275-4DDD-8145-24885120BD1B}" type="datetimeFigureOut">
               <a:rPr lang="ko-KR" altLang="en-US" smtClean="0"/>
-              <a:t>2019-10-31</a:t>
+              <a:t>2019-11-04</a:t>
             </a:fld>
             <a:endParaRPr lang="ko-KR" altLang="en-US"/>
           </a:p>
@@ -3753,6 +3754,113 @@
           <a:bodyPr/>
           <a:lstStyle/>
           <a:p>
+            <a:pPr marL="0" marR="0" indent="0" algn="l" defTabSz="914400" rtl="0" eaLnBrk="1" fontAlgn="auto" latinLnBrk="1" hangingPunct="1">
+              <a:lnSpc>
+                <a:spcPct val="100000"/>
+              </a:lnSpc>
+              <a:spcBef>
+                <a:spcPts val="0"/>
+              </a:spcBef>
+              <a:spcAft>
+                <a:spcPts val="0"/>
+              </a:spcAft>
+              <a:buClrTx/>
+              <a:buSzTx/>
+              <a:buFontTx/>
+              <a:buNone/>
+              <a:tabLst/>
+              <a:defRPr/>
+            </a:pPr>
+            <a:r>
+              <a:rPr lang="en-US" altLang="ko-KR" dirty="0" smtClean="0">
+                <a:latin typeface="Arial" panose="020B0604020202020204" pitchFamily="34" charset="0"/>
+                <a:cs typeface="Arial" panose="020B0604020202020204" pitchFamily="34" charset="0"/>
+              </a:rPr>
+              <a:t>Frequencies from 100 GHz to 3 THz are promising bands for the next generation</a:t>
+            </a:r>
+          </a:p>
+        </p:txBody>
+      </p:sp>
+      <p:sp>
+        <p:nvSpPr>
+          <p:cNvPr id="4" name="슬라이드 번호 개체 틀 3"/>
+          <p:cNvSpPr>
+            <a:spLocks noGrp="1"/>
+          </p:cNvSpPr>
+          <p:nvPr>
+            <p:ph type="sldNum" sz="quarter" idx="10"/>
+          </p:nvPr>
+        </p:nvSpPr>
+        <p:spPr/>
+        <p:txBody>
+          <a:bodyPr/>
+          <a:lstStyle/>
+          <a:p>
+            <a:fld id="{9A50C8F2-A1FB-404D-9469-E82999C31DCB}" type="slidenum">
+              <a:rPr lang="ko-KR" altLang="en-US" smtClean="0"/>
+              <a:t>5</a:t>
+            </a:fld>
+            <a:endParaRPr lang="ko-KR" altLang="en-US"/>
+          </a:p>
+        </p:txBody>
+      </p:sp>
+    </p:spTree>
+    <p:extLst>
+      <p:ext uri="{BB962C8B-B14F-4D97-AF65-F5344CB8AC3E}">
+        <p14:creationId xmlns:p14="http://schemas.microsoft.com/office/powerpoint/2010/main" val="2662549321"/>
+      </p:ext>
+    </p:extLst>
+  </p:cSld>
+  <p:clrMapOvr>
+    <a:masterClrMapping/>
+  </p:clrMapOvr>
+</p:notes>
+</file>
+
+<file path=ppt/notesSlides/notesSlide2.xml><?xml version="1.0" encoding="utf-8"?>
+<p:notes xmlns:a="http://schemas.openxmlformats.org/drawingml/2006/main" xmlns:r="http://schemas.openxmlformats.org/officeDocument/2006/relationships" xmlns:p="http://schemas.openxmlformats.org/presentationml/2006/main">
+  <p:cSld>
+    <p:spTree>
+      <p:nvGrpSpPr>
+        <p:cNvPr id="1" name=""/>
+        <p:cNvGrpSpPr/>
+        <p:nvPr/>
+      </p:nvGrpSpPr>
+      <p:grpSpPr>
+        <a:xfrm>
+          <a:off x="0" y="0"/>
+          <a:ext cx="0" cy="0"/>
+          <a:chOff x="0" y="0"/>
+          <a:chExt cx="0" cy="0"/>
+        </a:xfrm>
+      </p:grpSpPr>
+      <p:sp>
+        <p:nvSpPr>
+          <p:cNvPr id="2" name="슬라이드 이미지 개체 틀 1"/>
+          <p:cNvSpPr>
+            <a:spLocks noGrp="1" noRot="1" noChangeAspect="1"/>
+          </p:cNvSpPr>
+          <p:nvPr>
+            <p:ph type="sldImg"/>
+          </p:nvPr>
+        </p:nvSpPr>
+        <p:spPr/>
+      </p:sp>
+      <p:sp>
+        <p:nvSpPr>
+          <p:cNvPr id="3" name="슬라이드 노트 개체 틀 2"/>
+          <p:cNvSpPr>
+            <a:spLocks noGrp="1"/>
+          </p:cNvSpPr>
+          <p:nvPr>
+            <p:ph type="body" idx="1"/>
+          </p:nvPr>
+        </p:nvSpPr>
+        <p:spPr/>
+        <p:txBody>
+          <a:bodyPr/>
+          <a:lstStyle/>
+          <a:p>
             <a:r>
               <a:rPr lang="ko-KR" altLang="en-US" dirty="0" smtClean="0"/>
               <a:t>광통신 소자 개발</a:t>
@@ -3797,7 +3905,7 @@
 </p:notes>
 </file>
 
-<file path=ppt/notesSlides/notesSlide2.xml><?xml version="1.0" encoding="utf-8"?>
+<file path=ppt/notesSlides/notesSlide3.xml><?xml version="1.0" encoding="utf-8"?>
 <p:notes xmlns:a="http://schemas.openxmlformats.org/drawingml/2006/main" xmlns:r="http://schemas.openxmlformats.org/officeDocument/2006/relationships" xmlns:p="http://schemas.openxmlformats.org/presentationml/2006/main">
   <p:cSld>
     <p:spTree>
@@ -3901,7 +4009,7 @@
 </p:notes>
 </file>
 
-<file path=ppt/notesSlides/notesSlide3.xml><?xml version="1.0" encoding="utf-8"?>
+<file path=ppt/notesSlides/notesSlide4.xml><?xml version="1.0" encoding="utf-8"?>
 <p:notes xmlns:a="http://schemas.openxmlformats.org/drawingml/2006/main" xmlns:r="http://schemas.openxmlformats.org/officeDocument/2006/relationships" xmlns:p="http://schemas.openxmlformats.org/presentationml/2006/main">
   <p:cSld>
     <p:spTree>
@@ -3997,7 +4105,7 @@
 </p:notes>
 </file>
 
-<file path=ppt/notesSlides/notesSlide4.xml><?xml version="1.0" encoding="utf-8"?>
+<file path=ppt/notesSlides/notesSlide5.xml><?xml version="1.0" encoding="utf-8"?>
 <p:notes xmlns:a="http://schemas.openxmlformats.org/drawingml/2006/main" xmlns:r="http://schemas.openxmlformats.org/officeDocument/2006/relationships" xmlns:p="http://schemas.openxmlformats.org/presentationml/2006/main">
   <p:cSld>
     <p:spTree>
@@ -4097,7 +4205,7 @@
 </p:notes>
 </file>
 
-<file path=ppt/notesSlides/notesSlide5.xml><?xml version="1.0" encoding="utf-8"?>
+<file path=ppt/notesSlides/notesSlide6.xml><?xml version="1.0" encoding="utf-8"?>
 <p:notes xmlns:a="http://schemas.openxmlformats.org/drawingml/2006/main" xmlns:r="http://schemas.openxmlformats.org/officeDocument/2006/relationships" xmlns:p="http://schemas.openxmlformats.org/presentationml/2006/main">
   <p:cSld>
     <p:spTree>
@@ -4185,7 +4293,296 @@
 </p:notes>
 </file>
 
-<file path=ppt/notesSlides/notesSlide6.xml><?xml version="1.0" encoding="utf-8"?>
+<file path=ppt/notesSlides/notesSlide7.xml><?xml version="1.0" encoding="utf-8"?>
+<p:notes xmlns:a="http://schemas.openxmlformats.org/drawingml/2006/main" xmlns:r="http://schemas.openxmlformats.org/officeDocument/2006/relationships" xmlns:p="http://schemas.openxmlformats.org/presentationml/2006/main">
+  <p:cSld>
+    <p:spTree>
+      <p:nvGrpSpPr>
+        <p:cNvPr id="1" name=""/>
+        <p:cNvGrpSpPr/>
+        <p:nvPr/>
+      </p:nvGrpSpPr>
+      <p:grpSpPr>
+        <a:xfrm>
+          <a:off x="0" y="0"/>
+          <a:ext cx="0" cy="0"/>
+          <a:chOff x="0" y="0"/>
+          <a:chExt cx="0" cy="0"/>
+        </a:xfrm>
+      </p:grpSpPr>
+      <p:sp>
+        <p:nvSpPr>
+          <p:cNvPr id="2" name="슬라이드 이미지 개체 틀 1"/>
+          <p:cNvSpPr>
+            <a:spLocks noGrp="1" noRot="1" noChangeAspect="1"/>
+          </p:cNvSpPr>
+          <p:nvPr>
+            <p:ph type="sldImg"/>
+          </p:nvPr>
+        </p:nvSpPr>
+        <p:spPr/>
+      </p:sp>
+      <p:sp>
+        <p:nvSpPr>
+          <p:cNvPr id="3" name="슬라이드 노트 개체 틀 2"/>
+          <p:cNvSpPr>
+            <a:spLocks noGrp="1"/>
+          </p:cNvSpPr>
+          <p:nvPr>
+            <p:ph type="body" idx="1"/>
+          </p:nvPr>
+        </p:nvSpPr>
+        <p:spPr/>
+        <p:txBody>
+          <a:bodyPr/>
+          <a:lstStyle/>
+          <a:p>
+            <a:pPr marL="0" marR="0" indent="0" algn="l" defTabSz="914400" rtl="0" eaLnBrk="1" fontAlgn="auto" latinLnBrk="1" hangingPunct="1">
+              <a:lnSpc>
+                <a:spcPct val="100000"/>
+              </a:lnSpc>
+              <a:spcBef>
+                <a:spcPts val="0"/>
+              </a:spcBef>
+              <a:spcAft>
+                <a:spcPts val="0"/>
+              </a:spcAft>
+              <a:buClrTx/>
+              <a:buSzTx/>
+              <a:buFontTx/>
+              <a:buNone/>
+              <a:tabLst/>
+              <a:defRPr/>
+            </a:pPr>
+            <a:r>
+              <a:rPr lang="en-US" altLang="ko-KR" sz="1200" kern="1200" dirty="0" smtClean="0">
+                <a:solidFill>
+                  <a:schemeClr val="tx1"/>
+                </a:solidFill>
+                <a:effectLst/>
+                <a:latin typeface="+mn-lt"/>
+                <a:ea typeface="+mn-ea"/>
+                <a:cs typeface="+mn-cs"/>
+              </a:rPr>
+              <a:t>FDTD</a:t>
+            </a:r>
+            <a:r>
+              <a:rPr lang="ko-KR" altLang="en-US" sz="1200" kern="1200" dirty="0" smtClean="0">
+                <a:solidFill>
+                  <a:schemeClr val="tx1"/>
+                </a:solidFill>
+                <a:effectLst/>
+                <a:latin typeface="+mn-lt"/>
+                <a:ea typeface="+mn-ea"/>
+                <a:cs typeface="+mn-cs"/>
+              </a:rPr>
+              <a:t>는 </a:t>
+            </a:r>
+            <a:r>
+              <a:rPr lang="en-US" altLang="ko-KR" sz="1200" kern="1200" dirty="0" smtClean="0">
+                <a:solidFill>
+                  <a:schemeClr val="tx1"/>
+                </a:solidFill>
+                <a:effectLst/>
+                <a:latin typeface="+mn-lt"/>
+                <a:ea typeface="+mn-ea"/>
+                <a:cs typeface="+mn-cs"/>
+              </a:rPr>
+              <a:t>Maxwell </a:t>
+            </a:r>
+            <a:r>
+              <a:rPr lang="ko-KR" altLang="en-US" sz="1200" kern="1200" dirty="0" smtClean="0">
+                <a:solidFill>
+                  <a:schemeClr val="tx1"/>
+                </a:solidFill>
+                <a:effectLst/>
+                <a:latin typeface="+mn-lt"/>
+                <a:ea typeface="+mn-ea"/>
+                <a:cs typeface="+mn-cs"/>
+              </a:rPr>
+              <a:t>방정식을 </a:t>
+            </a:r>
+            <a:r>
+              <a:rPr lang="en-US" altLang="ko-KR" sz="1200" kern="1200" dirty="0" smtClean="0">
+                <a:solidFill>
+                  <a:schemeClr val="tx1"/>
+                </a:solidFill>
+                <a:effectLst/>
+                <a:latin typeface="+mn-lt"/>
+                <a:ea typeface="+mn-ea"/>
+                <a:cs typeface="+mn-cs"/>
+              </a:rPr>
+              <a:t>Time domain</a:t>
+            </a:r>
+            <a:r>
+              <a:rPr lang="ko-KR" altLang="en-US" sz="1200" kern="1200" baseline="0" dirty="0" smtClean="0">
+                <a:solidFill>
+                  <a:schemeClr val="tx1"/>
+                </a:solidFill>
+                <a:effectLst/>
+                <a:latin typeface="+mn-lt"/>
+                <a:ea typeface="+mn-ea"/>
+                <a:cs typeface="+mn-cs"/>
+              </a:rPr>
+              <a:t> 에서 </a:t>
+            </a:r>
+            <a:r>
+              <a:rPr lang="en-US" altLang="ko-KR" sz="1200" kern="1200" baseline="0" dirty="0" smtClean="0">
+                <a:solidFill>
+                  <a:schemeClr val="tx1"/>
+                </a:solidFill>
+                <a:effectLst/>
+                <a:latin typeface="+mn-lt"/>
+                <a:ea typeface="+mn-ea"/>
+                <a:cs typeface="+mn-cs"/>
+              </a:rPr>
+              <a:t>numerical</a:t>
+            </a:r>
+            <a:r>
+              <a:rPr lang="ko-KR" altLang="en-US" sz="1200" kern="1200" baseline="0" dirty="0" smtClean="0">
+                <a:solidFill>
+                  <a:schemeClr val="tx1"/>
+                </a:solidFill>
+                <a:effectLst/>
+                <a:latin typeface="+mn-lt"/>
+                <a:ea typeface="+mn-ea"/>
+                <a:cs typeface="+mn-cs"/>
+              </a:rPr>
+              <a:t>하게 풀이하는 것으로</a:t>
+            </a:r>
+            <a:r>
+              <a:rPr lang="en-US" altLang="ko-KR" sz="1200" kern="1200" baseline="0" dirty="0" smtClean="0">
+                <a:solidFill>
+                  <a:schemeClr val="tx1"/>
+                </a:solidFill>
+                <a:effectLst/>
+                <a:latin typeface="+mn-lt"/>
+                <a:ea typeface="+mn-ea"/>
+                <a:cs typeface="+mn-cs"/>
+              </a:rPr>
+              <a:t>, </a:t>
+            </a:r>
+            <a:r>
+              <a:rPr lang="en-US" altLang="ko-KR" sz="1200" kern="1200" baseline="0" dirty="0" err="1" smtClean="0">
+                <a:solidFill>
+                  <a:schemeClr val="tx1"/>
+                </a:solidFill>
+                <a:effectLst/>
+                <a:latin typeface="+mn-lt"/>
+                <a:ea typeface="+mn-ea"/>
+                <a:cs typeface="+mn-cs"/>
+              </a:rPr>
+              <a:t>Lumerical</a:t>
+            </a:r>
+            <a:r>
+              <a:rPr lang="en-US" altLang="ko-KR" sz="1200" kern="1200" baseline="0" dirty="0" smtClean="0">
+                <a:solidFill>
+                  <a:schemeClr val="tx1"/>
+                </a:solidFill>
+                <a:effectLst/>
+                <a:latin typeface="+mn-lt"/>
+                <a:ea typeface="+mn-ea"/>
+                <a:cs typeface="+mn-cs"/>
+              </a:rPr>
+              <a:t> </a:t>
+            </a:r>
+            <a:r>
+              <a:rPr lang="ko-KR" altLang="en-US" sz="1200" kern="1200" baseline="0" dirty="0" smtClean="0">
+                <a:solidFill>
+                  <a:schemeClr val="tx1"/>
+                </a:solidFill>
+                <a:effectLst/>
+                <a:latin typeface="+mn-lt"/>
+                <a:ea typeface="+mn-ea"/>
+                <a:cs typeface="+mn-cs"/>
+              </a:rPr>
+              <a:t>사의 </a:t>
+            </a:r>
+            <a:r>
+              <a:rPr lang="en-US" altLang="ko-KR" sz="1200" kern="1200" baseline="0" dirty="0" smtClean="0">
+                <a:solidFill>
+                  <a:schemeClr val="tx1"/>
+                </a:solidFill>
+                <a:effectLst/>
+                <a:latin typeface="+mn-lt"/>
+                <a:ea typeface="+mn-ea"/>
+                <a:cs typeface="+mn-cs"/>
+              </a:rPr>
+              <a:t>FDTD Solution</a:t>
+            </a:r>
+            <a:r>
+              <a:rPr lang="ko-KR" altLang="en-US" sz="1200" kern="1200" baseline="0" dirty="0" smtClean="0">
+                <a:solidFill>
+                  <a:schemeClr val="tx1"/>
+                </a:solidFill>
+                <a:effectLst/>
+                <a:latin typeface="+mn-lt"/>
+                <a:ea typeface="+mn-ea"/>
+                <a:cs typeface="+mn-cs"/>
+              </a:rPr>
+              <a:t>을 사용했습니다</a:t>
+            </a:r>
+            <a:r>
+              <a:rPr lang="en-US" altLang="ko-KR" sz="1200" kern="1200" baseline="0" dirty="0" smtClean="0">
+                <a:solidFill>
+                  <a:schemeClr val="tx1"/>
+                </a:solidFill>
+                <a:effectLst/>
+                <a:latin typeface="+mn-lt"/>
+                <a:ea typeface="+mn-ea"/>
+                <a:cs typeface="+mn-cs"/>
+              </a:rPr>
+              <a:t>.</a:t>
+            </a:r>
+            <a:endParaRPr lang="en-US" altLang="ko-KR" sz="1200" kern="1200" dirty="0" smtClean="0">
+              <a:solidFill>
+                <a:schemeClr val="tx1"/>
+              </a:solidFill>
+              <a:effectLst/>
+              <a:latin typeface="+mn-lt"/>
+              <a:ea typeface="+mn-ea"/>
+              <a:cs typeface="+mn-cs"/>
+            </a:endParaRPr>
+          </a:p>
+        </p:txBody>
+      </p:sp>
+      <p:sp>
+        <p:nvSpPr>
+          <p:cNvPr id="4" name="슬라이드 번호 개체 틀 3"/>
+          <p:cNvSpPr>
+            <a:spLocks noGrp="1"/>
+          </p:cNvSpPr>
+          <p:nvPr>
+            <p:ph type="sldNum" sz="quarter" idx="10"/>
+          </p:nvPr>
+        </p:nvSpPr>
+        <p:spPr/>
+        <p:txBody>
+          <a:bodyPr/>
+          <a:lstStyle/>
+          <a:p>
+            <a:fld id="{9A50C8F2-A1FB-404D-9469-E82999C31DCB}" type="slidenum">
+              <a:rPr lang="ko-KR" altLang="en-US" smtClean="0"/>
+              <a:t>18</a:t>
+            </a:fld>
+            <a:endParaRPr lang="ko-KR" altLang="en-US"/>
+          </a:p>
+        </p:txBody>
+      </p:sp>
+    </p:spTree>
+    <p:extLst>
+      <p:ext uri="{BB962C8B-B14F-4D97-AF65-F5344CB8AC3E}">
+        <p14:creationId xmlns:p14="http://schemas.microsoft.com/office/powerpoint/2010/main" val="934917170"/>
+      </p:ext>
+    </p:extLst>
+  </p:cSld>
+  <p:clrMapOvr>
+    <a:masterClrMapping/>
+  </p:clrMapOvr>
+</p:notes>
+</file>
+
+<file path=ppt/notesSlides/notesSlide8.xml><?xml version="1.0" encoding="utf-8"?>
 <p:notes xmlns:a="http://schemas.openxmlformats.org/drawingml/2006/main" xmlns:r="http://schemas.openxmlformats.org/officeDocument/2006/relationships" xmlns:p="http://schemas.openxmlformats.org/presentationml/2006/main">
   <p:cSld>
     <p:spTree>
@@ -4408,7 +4805,7 @@
           <a:p>
             <a:fld id="{D5D80EBB-B890-43AE-9083-C96FE4A29910}" type="datetime1">
               <a:rPr lang="ko-KR" altLang="en-US" smtClean="0"/>
-              <a:t>2019-10-31</a:t>
+              <a:t>2019-11-04</a:t>
             </a:fld>
             <a:endParaRPr lang="ko-KR" altLang="en-US"/>
           </a:p>
@@ -4602,7 +4999,7 @@
           <a:p>
             <a:fld id="{154BE1C7-AA1F-4F3C-8E2B-C87B93FCCD4D}" type="datetime1">
               <a:rPr lang="ko-KR" altLang="en-US" smtClean="0"/>
-              <a:t>2019-10-31</a:t>
+              <a:t>2019-11-04</a:t>
             </a:fld>
             <a:endParaRPr lang="ko-KR" altLang="en-US"/>
           </a:p>
@@ -4806,7 +5203,7 @@
           <a:p>
             <a:fld id="{B5E04AD6-9B61-42B2-938C-66281B480C6A}" type="datetime1">
               <a:rPr lang="ko-KR" altLang="en-US" smtClean="0"/>
-              <a:t>2019-10-31</a:t>
+              <a:t>2019-11-04</a:t>
             </a:fld>
             <a:endParaRPr lang="ko-KR" altLang="en-US"/>
           </a:p>
@@ -4992,7 +5389,7 @@
           <a:p>
             <a:fld id="{CEDA20BB-A36C-44CB-A9A0-32BED543DE31}" type="datetimeFigureOut">
               <a:rPr lang="ko-KR" altLang="en-US" smtClean="0"/>
-              <a:t>2019-10-31</a:t>
+              <a:t>2019-11-04</a:t>
             </a:fld>
             <a:endParaRPr lang="ko-KR" altLang="en-US"/>
           </a:p>
@@ -5362,7 +5759,7 @@
           <a:p>
             <a:fld id="{218953AC-9849-456F-9E44-AECC60F5F9FC}" type="datetime1">
               <a:rPr lang="ko-KR" altLang="en-US" smtClean="0"/>
-              <a:t>2019-10-31</a:t>
+              <a:t>2019-11-04</a:t>
             </a:fld>
             <a:endParaRPr lang="ko-KR" altLang="en-US"/>
           </a:p>
@@ -5618,7 +6015,7 @@
           <a:p>
             <a:fld id="{8CCAAB59-4967-4F74-8A98-AEFD5F21617F}" type="datetime1">
               <a:rPr lang="ko-KR" altLang="en-US" smtClean="0"/>
-              <a:t>2019-10-31</a:t>
+              <a:t>2019-11-04</a:t>
             </a:fld>
             <a:endParaRPr lang="ko-KR" altLang="en-US"/>
           </a:p>
@@ -6009,7 +6406,7 @@
           <a:p>
             <a:fld id="{A3176D14-3ABC-4C75-AD2C-933C44F0B27E}" type="datetime1">
               <a:rPr lang="ko-KR" altLang="en-US" smtClean="0"/>
-              <a:t>2019-10-31</a:t>
+              <a:t>2019-11-04</a:t>
             </a:fld>
             <a:endParaRPr lang="ko-KR" altLang="en-US"/>
           </a:p>
@@ -6151,7 +6548,7 @@
           <a:p>
             <a:fld id="{21C282E5-3BC4-42EA-975E-4FBFF6C9C5B9}" type="datetime1">
               <a:rPr lang="ko-KR" altLang="en-US" smtClean="0"/>
-              <a:t>2019-10-31</a:t>
+              <a:t>2019-11-04</a:t>
             </a:fld>
             <a:endParaRPr lang="ko-KR" altLang="en-US"/>
           </a:p>
@@ -6270,7 +6667,7 @@
           <a:p>
             <a:fld id="{13ABF03C-3F6A-4FCA-9FFE-178AE350824F}" type="datetime1">
               <a:rPr lang="ko-KR" altLang="en-US" smtClean="0"/>
-              <a:t>2019-10-31</a:t>
+              <a:t>2019-11-04</a:t>
             </a:fld>
             <a:endParaRPr lang="ko-KR" altLang="en-US"/>
           </a:p>
@@ -6571,7 +6968,7 @@
           <a:p>
             <a:fld id="{B7D8EF2C-F87E-4B61-BE8F-F370400E961D}" type="datetime1">
               <a:rPr lang="ko-KR" altLang="en-US" smtClean="0"/>
-              <a:t>2019-10-31</a:t>
+              <a:t>2019-11-04</a:t>
             </a:fld>
             <a:endParaRPr lang="ko-KR" altLang="en-US"/>
           </a:p>
@@ -6852,7 +7249,7 @@
           <a:p>
             <a:fld id="{8F223CFE-2AAC-4812-9EB8-3FB62CB8BFB1}" type="datetime1">
               <a:rPr lang="ko-KR" altLang="en-US" smtClean="0"/>
-              <a:t>2019-10-31</a:t>
+              <a:t>2019-11-04</a:t>
             </a:fld>
             <a:endParaRPr lang="ko-KR" altLang="en-US"/>
           </a:p>
@@ -7787,6 +8184,13 @@
   <p:clrMapOvr>
     <a:masterClrMapping/>
   </p:clrMapOvr>
+  <p:timing>
+    <p:tnLst>
+      <p:par>
+        <p:cTn id="1" dur="indefinite" restart="never" nodeType="tmRoot"/>
+      </p:par>
+    </p:tnLst>
+  </p:timing>
 </p:sld>
 </file>
 
@@ -7807,6 +8211,108 @@
           <a:chExt cx="0" cy="0"/>
         </a:xfrm>
       </p:grpSpPr>
+      <p:sp>
+        <p:nvSpPr>
+          <p:cNvPr id="8" name="직사각형 7"/>
+          <p:cNvSpPr/>
+          <p:nvPr/>
+        </p:nvSpPr>
+        <p:spPr>
+          <a:xfrm>
+            <a:off x="545820" y="4721082"/>
+            <a:ext cx="8052360" cy="1635269"/>
+          </a:xfrm>
+          <a:prstGeom prst="rect">
+            <a:avLst/>
+          </a:prstGeom>
+          <a:solidFill>
+            <a:schemeClr val="accent4">
+              <a:lumMod val="40000"/>
+              <a:lumOff val="60000"/>
+            </a:schemeClr>
+          </a:solidFill>
+          <a:ln>
+            <a:solidFill>
+              <a:schemeClr val="tx1"/>
+            </a:solidFill>
+          </a:ln>
+        </p:spPr>
+        <p:style>
+          <a:lnRef idx="2">
+            <a:schemeClr val="accent1">
+              <a:shade val="50000"/>
+            </a:schemeClr>
+          </a:lnRef>
+          <a:fillRef idx="1">
+            <a:schemeClr val="accent1"/>
+          </a:fillRef>
+          <a:effectRef idx="0">
+            <a:schemeClr val="accent1"/>
+          </a:effectRef>
+          <a:fontRef idx="minor">
+            <a:schemeClr val="lt1"/>
+          </a:fontRef>
+        </p:style>
+        <p:txBody>
+          <a:bodyPr rtlCol="0" anchor="ctr"/>
+          <a:lstStyle/>
+          <a:p>
+            <a:pPr algn="ctr"/>
+            <a:endParaRPr lang="ko-KR" altLang="en-US"/>
+          </a:p>
+        </p:txBody>
+      </p:sp>
+      <p:sp>
+        <p:nvSpPr>
+          <p:cNvPr id="7" name="직사각형 6"/>
+          <p:cNvSpPr/>
+          <p:nvPr/>
+        </p:nvSpPr>
+        <p:spPr>
+          <a:xfrm>
+            <a:off x="545820" y="3489541"/>
+            <a:ext cx="8052360" cy="1129595"/>
+          </a:xfrm>
+          <a:prstGeom prst="rect">
+            <a:avLst/>
+          </a:prstGeom>
+          <a:solidFill>
+            <a:schemeClr val="accent4">
+              <a:lumMod val="40000"/>
+              <a:lumOff val="60000"/>
+            </a:schemeClr>
+          </a:solidFill>
+          <a:ln>
+            <a:solidFill>
+              <a:schemeClr val="tx1"/>
+            </a:solidFill>
+          </a:ln>
+        </p:spPr>
+        <p:style>
+          <a:lnRef idx="2">
+            <a:schemeClr val="accent1">
+              <a:shade val="50000"/>
+            </a:schemeClr>
+          </a:lnRef>
+          <a:fillRef idx="1">
+            <a:schemeClr val="accent1"/>
+          </a:fillRef>
+          <a:effectRef idx="0">
+            <a:schemeClr val="accent1"/>
+          </a:effectRef>
+          <a:fontRef idx="minor">
+            <a:schemeClr val="lt1"/>
+          </a:fontRef>
+        </p:style>
+        <p:txBody>
+          <a:bodyPr rtlCol="0" anchor="ctr"/>
+          <a:lstStyle/>
+          <a:p>
+            <a:pPr algn="ctr"/>
+            <a:endParaRPr lang="ko-KR" altLang="en-US"/>
+          </a:p>
+        </p:txBody>
+      </p:sp>
       <p:sp>
         <p:nvSpPr>
           <p:cNvPr id="3" name="슬라이드 번호 개체 틀 2"/>
@@ -7938,8 +8444,8 @@
         </p:nvSpPr>
         <p:spPr>
           <a:xfrm>
-            <a:off x="337496" y="3432416"/>
-            <a:ext cx="8207468" cy="923330"/>
+            <a:off x="611808" y="3592673"/>
+            <a:ext cx="7920384" cy="923330"/>
           </a:xfrm>
           <a:prstGeom prst="rect">
             <a:avLst/>
@@ -7990,7 +8496,10 @@
               <a:t>A computer program is said to learn from </a:t>
             </a:r>
             <a:r>
-              <a:rPr lang="en-US" altLang="ko-KR" i="1" u="sng" dirty="0">
+              <a:rPr lang="en-US" altLang="ko-KR" i="1" dirty="0">
+                <a:solidFill>
+                  <a:srgbClr val="0000FF"/>
+                </a:solidFill>
                 <a:latin typeface="Arial" panose="020B0604020202020204" pitchFamily="34" charset="0"/>
                 <a:cs typeface="Arial" panose="020B0604020202020204" pitchFamily="34" charset="0"/>
               </a:rPr>
@@ -8004,7 +8513,10 @@
               <a:t> with respect to some class of </a:t>
             </a:r>
             <a:r>
-              <a:rPr lang="en-US" altLang="ko-KR" i="1" u="sng" dirty="0">
+              <a:rPr lang="en-US" altLang="ko-KR" i="1" dirty="0">
+                <a:solidFill>
+                  <a:srgbClr val="0000FF"/>
+                </a:solidFill>
                 <a:latin typeface="Arial" panose="020B0604020202020204" pitchFamily="34" charset="0"/>
                 <a:cs typeface="Arial" panose="020B0604020202020204" pitchFamily="34" charset="0"/>
               </a:rPr>
@@ -8018,14 +8530,20 @@
               <a:t> and </a:t>
             </a:r>
             <a:r>
-              <a:rPr lang="en-US" altLang="ko-KR" i="1" u="sng" dirty="0">
+              <a:rPr lang="en-US" altLang="ko-KR" i="1" dirty="0">
+                <a:solidFill>
+                  <a:srgbClr val="0000FF"/>
+                </a:solidFill>
                 <a:latin typeface="Arial" panose="020B0604020202020204" pitchFamily="34" charset="0"/>
                 <a:cs typeface="Arial" panose="020B0604020202020204" pitchFamily="34" charset="0"/>
               </a:rPr>
               <a:t>performance measure </a:t>
             </a:r>
             <a:r>
-              <a:rPr lang="en-US" altLang="ko-KR" i="1" u="sng" dirty="0" smtClean="0">
+              <a:rPr lang="en-US" altLang="ko-KR" i="1" dirty="0" smtClean="0">
+                <a:solidFill>
+                  <a:srgbClr val="0000FF"/>
+                </a:solidFill>
                 <a:latin typeface="Arial" panose="020B0604020202020204" pitchFamily="34" charset="0"/>
                 <a:cs typeface="Arial" panose="020B0604020202020204" pitchFamily="34" charset="0"/>
               </a:rPr>
@@ -8053,8 +8571,8 @@
         </p:nvSpPr>
         <p:spPr>
           <a:xfrm>
-            <a:off x="337496" y="4602024"/>
-            <a:ext cx="8207468" cy="1477328"/>
+            <a:off x="545820" y="4800052"/>
+            <a:ext cx="8052360" cy="1477328"/>
           </a:xfrm>
           <a:prstGeom prst="rect">
             <a:avLst/>
@@ -8092,7 +8610,10 @@
               <a:t>Deep learning is a particular kind of machine learning that achieves great power and flexibility by learning to represent the world as </a:t>
             </a:r>
             <a:r>
-              <a:rPr lang="en-US" altLang="ko-KR" i="1" u="sng" dirty="0">
+              <a:rPr lang="en-US" altLang="ko-KR" i="1" dirty="0">
+                <a:solidFill>
+                  <a:srgbClr val="0000FF"/>
+                </a:solidFill>
                 <a:latin typeface="Arial" panose="020B0604020202020204" pitchFamily="34" charset="0"/>
                 <a:cs typeface="Arial" panose="020B0604020202020204" pitchFamily="34" charset="0"/>
               </a:rPr>
@@ -8106,7 +8627,10 @@
               <a:t>, with each concept defined in relation to </a:t>
             </a:r>
             <a:r>
-              <a:rPr lang="en-US" altLang="ko-KR" i="1" u="sng" dirty="0">
+              <a:rPr lang="en-US" altLang="ko-KR" i="1" dirty="0">
+                <a:solidFill>
+                  <a:srgbClr val="0000FF"/>
+                </a:solidFill>
                 <a:latin typeface="Arial" panose="020B0604020202020204" pitchFamily="34" charset="0"/>
                 <a:cs typeface="Arial" panose="020B0604020202020204" pitchFamily="34" charset="0"/>
               </a:rPr>
@@ -8176,6 +8700,54 @@
           <a:chExt cx="0" cy="0"/>
         </a:xfrm>
       </p:grpSpPr>
+      <p:sp>
+        <p:nvSpPr>
+          <p:cNvPr id="2" name="타원 1"/>
+          <p:cNvSpPr/>
+          <p:nvPr/>
+        </p:nvSpPr>
+        <p:spPr>
+          <a:xfrm>
+            <a:off x="606824" y="1107054"/>
+            <a:ext cx="7930352" cy="3692200"/>
+          </a:xfrm>
+          <a:prstGeom prst="ellipse">
+            <a:avLst/>
+          </a:prstGeom>
+          <a:solidFill>
+            <a:schemeClr val="bg1"/>
+          </a:solidFill>
+          <a:ln w="28575">
+            <a:solidFill>
+              <a:srgbClr val="0000FF"/>
+            </a:solidFill>
+          </a:ln>
+        </p:spPr>
+        <p:style>
+          <a:lnRef idx="2">
+            <a:schemeClr val="accent1">
+              <a:shade val="50000"/>
+            </a:schemeClr>
+          </a:lnRef>
+          <a:fillRef idx="1">
+            <a:schemeClr val="accent1"/>
+          </a:fillRef>
+          <a:effectRef idx="0">
+            <a:schemeClr val="accent1"/>
+          </a:effectRef>
+          <a:fontRef idx="minor">
+            <a:schemeClr val="lt1"/>
+          </a:fontRef>
+        </p:style>
+        <p:txBody>
+          <a:bodyPr rtlCol="0" anchor="ctr"/>
+          <a:lstStyle/>
+          <a:p>
+            <a:pPr algn="ctr"/>
+            <a:endParaRPr lang="ko-KR" altLang="en-US"/>
+          </a:p>
+        </p:txBody>
+      </p:sp>
       <p:sp>
         <p:nvSpPr>
           <p:cNvPr id="3" name="슬라이드 번호 개체 틀 2"/>
@@ -8484,7 +9056,9 @@
           <a:prstGeom prst="rect">
             <a:avLst/>
           </a:prstGeom>
-          <a:noFill/>
+          <a:solidFill>
+            <a:schemeClr val="bg1"/>
+          </a:solidFill>
         </p:spPr>
         <p:txBody>
           <a:bodyPr wrap="square" rtlCol="0">
@@ -8934,7 +9508,7 @@
         </p:blipFill>
         <p:spPr>
           <a:xfrm>
-            <a:off x="144767" y="2165776"/>
+            <a:off x="361585" y="2165776"/>
             <a:ext cx="1441856" cy="1080000"/>
           </a:xfrm>
           <a:prstGeom prst="rect">
@@ -8958,7 +9532,7 @@
         </p:blipFill>
         <p:spPr>
           <a:xfrm>
-            <a:off x="1808924" y="2110250"/>
+            <a:off x="2025742" y="2110250"/>
             <a:ext cx="805846" cy="1080000"/>
           </a:xfrm>
           <a:prstGeom prst="rect">
@@ -8989,7 +9563,7 @@
         </p:blipFill>
         <p:spPr bwMode="auto">
           <a:xfrm>
-            <a:off x="875448" y="3537963"/>
+            <a:off x="1092266" y="3537963"/>
             <a:ext cx="1623340" cy="1080000"/>
           </a:xfrm>
           <a:prstGeom prst="rect">
@@ -9030,7 +9604,7 @@
         </p:blipFill>
         <p:spPr bwMode="auto">
           <a:xfrm>
-            <a:off x="2737188" y="3591004"/>
+            <a:off x="2954006" y="3591004"/>
             <a:ext cx="1042270" cy="1080000"/>
           </a:xfrm>
           <a:prstGeom prst="rect">
@@ -9071,7 +9645,7 @@
         </p:blipFill>
         <p:spPr bwMode="auto">
           <a:xfrm>
-            <a:off x="2853619" y="2137901"/>
+            <a:off x="3070437" y="2137901"/>
             <a:ext cx="1619999" cy="1080000"/>
           </a:xfrm>
           <a:prstGeom prst="rect">
@@ -9097,7 +9671,7 @@
         </p:nvSpPr>
         <p:spPr>
           <a:xfrm>
-            <a:off x="3601701" y="967588"/>
+            <a:off x="3601701" y="780415"/>
             <a:ext cx="1940599" cy="523220"/>
           </a:xfrm>
           <a:prstGeom prst="rect">
@@ -9133,7 +9707,7 @@
         </p:nvSpPr>
         <p:spPr>
           <a:xfrm>
-            <a:off x="562145" y="1799975"/>
+            <a:off x="778963" y="1799975"/>
             <a:ext cx="607099" cy="369332"/>
           </a:xfrm>
           <a:prstGeom prst="rect">
@@ -9169,7 +9743,7 @@
         </p:nvSpPr>
         <p:spPr>
           <a:xfrm>
-            <a:off x="1908297" y="1818063"/>
+            <a:off x="2125115" y="1818063"/>
             <a:ext cx="607099" cy="369332"/>
           </a:xfrm>
           <a:prstGeom prst="rect">
@@ -9205,7 +9779,7 @@
         </p:nvSpPr>
         <p:spPr>
           <a:xfrm>
-            <a:off x="1232552" y="3426911"/>
+            <a:off x="1449370" y="3426911"/>
             <a:ext cx="607099" cy="369332"/>
           </a:xfrm>
           <a:prstGeom prst="rect">
@@ -9241,7 +9815,7 @@
         </p:nvSpPr>
         <p:spPr>
           <a:xfrm>
-            <a:off x="2954773" y="3260488"/>
+            <a:off x="3171591" y="3260488"/>
             <a:ext cx="607099" cy="369332"/>
           </a:xfrm>
           <a:prstGeom prst="rect">
@@ -9277,7 +9851,7 @@
         </p:nvSpPr>
         <p:spPr>
           <a:xfrm>
-            <a:off x="3455129" y="1815852"/>
+            <a:off x="3671947" y="1815852"/>
             <a:ext cx="607099" cy="369332"/>
           </a:xfrm>
           <a:prstGeom prst="rect">
@@ -9321,7 +9895,7 @@
         </p:blipFill>
         <p:spPr>
           <a:xfrm>
-            <a:off x="4815452" y="2706911"/>
+            <a:off x="5235976" y="2706911"/>
             <a:ext cx="1990366" cy="1440000"/>
           </a:xfrm>
           <a:prstGeom prst="rect">
@@ -9337,7 +9911,7 @@
         </p:nvSpPr>
         <p:spPr>
           <a:xfrm>
-            <a:off x="5507085" y="2315276"/>
+            <a:off x="5927609" y="2315276"/>
             <a:ext cx="607099" cy="369332"/>
           </a:xfrm>
           <a:prstGeom prst="rect">
@@ -9373,7 +9947,7 @@
         </p:nvSpPr>
         <p:spPr>
           <a:xfrm>
-            <a:off x="6563973" y="3167600"/>
+            <a:off x="6984497" y="3167600"/>
             <a:ext cx="789327" cy="628643"/>
           </a:xfrm>
           <a:prstGeom prst="rightArrow">
@@ -9419,7 +9993,7 @@
         </p:nvSpPr>
         <p:spPr>
           <a:xfrm>
-            <a:off x="7452299" y="3297255"/>
+            <a:off x="7872823" y="3297255"/>
             <a:ext cx="607099" cy="369332"/>
           </a:xfrm>
           <a:prstGeom prst="rect">
@@ -9469,20 +10043,84 @@
           </a:bodyPr>
           <a:lstStyle/>
           <a:p>
+            <a:pPr marL="285750" indent="-285750">
+              <a:buFont typeface="Arial" panose="020B0604020202020204" pitchFamily="34" charset="0"/>
+              <a:buChar char="•"/>
+            </a:pPr>
             <a:r>
               <a:rPr lang="en-US" altLang="ko-KR" b="1" dirty="0" smtClean="0">
                 <a:latin typeface="Arial" panose="020B0604020202020204" pitchFamily="34" charset="0"/>
                 <a:cs typeface="Arial" panose="020B0604020202020204" pitchFamily="34" charset="0"/>
               </a:rPr>
-              <a:t>Give labeled data </a:t>
+              <a:t>Give </a:t>
+            </a:r>
+            <a:r>
+              <a:rPr lang="en-US" altLang="ko-KR" b="1" dirty="0" smtClean="0">
+                <a:latin typeface="Arial" panose="020B0604020202020204" pitchFamily="34" charset="0"/>
+                <a:cs typeface="Arial" panose="020B0604020202020204" pitchFamily="34" charset="0"/>
+              </a:rPr>
+              <a:t>labeled data </a:t>
             </a:r>
             <a:r>
               <a:rPr lang="en-US" altLang="ko-KR" dirty="0" smtClean="0">
                 <a:latin typeface="Arial" panose="020B0604020202020204" pitchFamily="34" charset="0"/>
                 <a:cs typeface="Arial" panose="020B0604020202020204" pitchFamily="34" charset="0"/>
               </a:rPr>
-              <a:t>→ Find features itself</a:t>
+              <a:t>→ Find features </a:t>
             </a:r>
+            <a:r>
+              <a:rPr lang="en-US" altLang="ko-KR" dirty="0" smtClean="0">
+                <a:latin typeface="Arial" panose="020B0604020202020204" pitchFamily="34" charset="0"/>
+                <a:cs typeface="Arial" panose="020B0604020202020204" pitchFamily="34" charset="0"/>
+              </a:rPr>
+              <a:t>itself</a:t>
+            </a:r>
+          </a:p>
+        </p:txBody>
+      </p:sp>
+      <p:sp>
+        <p:nvSpPr>
+          <p:cNvPr id="21" name="타원 20"/>
+          <p:cNvSpPr/>
+          <p:nvPr/>
+        </p:nvSpPr>
+        <p:spPr>
+          <a:xfrm>
+            <a:off x="216818" y="1303635"/>
+            <a:ext cx="4883085" cy="3579450"/>
+          </a:xfrm>
+          <a:prstGeom prst="ellipse">
+            <a:avLst/>
+          </a:prstGeom>
+          <a:noFill/>
+          <a:ln w="28575">
+            <a:solidFill>
+              <a:srgbClr val="0000FF"/>
+            </a:solidFill>
+          </a:ln>
+        </p:spPr>
+        <p:style>
+          <a:lnRef idx="2">
+            <a:schemeClr val="accent1">
+              <a:shade val="50000"/>
+            </a:schemeClr>
+          </a:lnRef>
+          <a:fillRef idx="1">
+            <a:schemeClr val="accent1"/>
+          </a:fillRef>
+          <a:effectRef idx="0">
+            <a:schemeClr val="accent1"/>
+          </a:effectRef>
+          <a:fontRef idx="minor">
+            <a:schemeClr val="lt1"/>
+          </a:fontRef>
+        </p:style>
+        <p:txBody>
+          <a:bodyPr rtlCol="0" anchor="ctr"/>
+          <a:lstStyle/>
+          <a:p>
+            <a:pPr algn="ctr"/>
+            <a:endParaRPr lang="ko-KR" altLang="en-US"/>
           </a:p>
         </p:txBody>
       </p:sp>
@@ -9825,6 +10463,105 @@
       </p:grpSpPr>
       <p:sp>
         <p:nvSpPr>
+          <p:cNvPr id="13" name="직사각형 12"/>
+          <p:cNvSpPr/>
+          <p:nvPr/>
+        </p:nvSpPr>
+        <p:spPr>
+          <a:xfrm>
+            <a:off x="814153" y="5150511"/>
+            <a:ext cx="7515695" cy="875918"/>
+          </a:xfrm>
+          <a:prstGeom prst="rect">
+            <a:avLst/>
+          </a:prstGeom>
+          <a:solidFill>
+            <a:srgbClr val="FFFF00"/>
+          </a:solidFill>
+          <a:ln>
+            <a:solidFill>
+              <a:schemeClr val="tx1"/>
+            </a:solidFill>
+          </a:ln>
+        </p:spPr>
+        <p:style>
+          <a:lnRef idx="2">
+            <a:schemeClr val="accent1">
+              <a:shade val="50000"/>
+            </a:schemeClr>
+          </a:lnRef>
+          <a:fillRef idx="1">
+            <a:schemeClr val="accent1"/>
+          </a:fillRef>
+          <a:effectRef idx="0">
+            <a:schemeClr val="accent1"/>
+          </a:effectRef>
+          <a:fontRef idx="minor">
+            <a:schemeClr val="lt1"/>
+          </a:fontRef>
+        </p:style>
+        <p:txBody>
+          <a:bodyPr rtlCol="0" anchor="ctr"/>
+          <a:lstStyle/>
+          <a:p>
+            <a:pPr algn="ctr"/>
+            <a:endParaRPr lang="ko-KR" altLang="en-US"/>
+          </a:p>
+        </p:txBody>
+      </p:sp>
+      <p:sp>
+        <p:nvSpPr>
+          <p:cNvPr id="2" name="직사각형 1"/>
+          <p:cNvSpPr/>
+          <p:nvPr/>
+        </p:nvSpPr>
+        <p:spPr>
+          <a:xfrm>
+            <a:off x="3004110" y="1474373"/>
+            <a:ext cx="6035115" cy="3223454"/>
+          </a:xfrm>
+          <a:prstGeom prst="rect">
+            <a:avLst/>
+          </a:prstGeom>
+          <a:solidFill>
+            <a:schemeClr val="accent4">
+              <a:lumMod val="40000"/>
+              <a:lumOff val="60000"/>
+            </a:schemeClr>
+          </a:solidFill>
+          <a:ln>
+            <a:solidFill>
+              <a:schemeClr val="tx1"/>
+            </a:solidFill>
+          </a:ln>
+        </p:spPr>
+        <p:style>
+          <a:lnRef idx="2">
+            <a:schemeClr val="accent1">
+              <a:shade val="50000"/>
+            </a:schemeClr>
+          </a:lnRef>
+          <a:fillRef idx="1">
+            <a:schemeClr val="accent1"/>
+          </a:fillRef>
+          <a:effectRef idx="0">
+            <a:schemeClr val="accent1"/>
+          </a:effectRef>
+          <a:fontRef idx="minor">
+            <a:schemeClr val="lt1"/>
+          </a:fontRef>
+        </p:style>
+        <p:txBody>
+          <a:bodyPr rtlCol="0" anchor="ctr"/>
+          <a:lstStyle/>
+          <a:p>
+            <a:pPr algn="ctr"/>
+            <a:endParaRPr lang="ko-KR" altLang="en-US"/>
+          </a:p>
+        </p:txBody>
+      </p:sp>
+      <p:sp>
+        <p:nvSpPr>
           <p:cNvPr id="3" name="슬라이드 번호 개체 틀 2"/>
           <p:cNvSpPr>
             <a:spLocks noGrp="1"/>
@@ -9863,7 +10600,7 @@
         </p:blipFill>
         <p:spPr>
           <a:xfrm>
-            <a:off x="144690" y="1486568"/>
+            <a:off x="144689" y="1474373"/>
             <a:ext cx="2859421" cy="3223454"/>
           </a:xfrm>
           <a:prstGeom prst="rect">
@@ -9970,8 +10707,8 @@
           </a:p>
         </p:txBody>
       </p:sp>
-      <mc:AlternateContent xmlns:mc="http://schemas.openxmlformats.org/markup-compatibility/2006" xmlns:a14="http://schemas.microsoft.com/office/drawing/2010/main">
-        <mc:Choice Requires="a14">
+      <mc:AlternateContent xmlns:mc="http://schemas.openxmlformats.org/markup-compatibility/2006">
+        <mc:Choice xmlns:a14="http://schemas.microsoft.com/office/drawing/2010/main" Requires="a14">
           <p:sp>
             <p:nvSpPr>
               <p:cNvPr id="80" name="직사각형 79"/>
@@ -9980,8 +10717,8 @@
             </p:nvSpPr>
             <p:spPr>
               <a:xfrm>
-                <a:off x="3429000" y="1097982"/>
-                <a:ext cx="5524500" cy="540725"/>
+                <a:off x="3004110" y="1539243"/>
+                <a:ext cx="5522878" cy="391261"/>
               </a:xfrm>
               <a:prstGeom prst="rect">
                 <a:avLst/>
@@ -9993,11 +10730,6 @@
               </a:bodyPr>
               <a:lstStyle/>
               <a:p>
-                <a:pPr>
-                  <a:lnSpc>
-                    <a:spcPct val="150000"/>
-                  </a:lnSpc>
-                </a:pPr>
                 <a:r>
                   <a:rPr lang="en-US" altLang="ko-KR" dirty="0" smtClean="0">
                     <a:latin typeface="Arial" panose="020B0604020202020204" pitchFamily="34" charset="0"/>
@@ -10091,7 +10823,7 @@
             </p:txBody>
           </p:sp>
         </mc:Choice>
-        <mc:Fallback xmlns="">
+        <mc:Fallback>
           <p:sp>
             <p:nvSpPr>
               <p:cNvPr id="80" name="직사각형 79"/>
@@ -10102,8 +10834,8 @@
             </p:nvSpPr>
             <p:spPr>
               <a:xfrm>
-                <a:off x="3429000" y="1097982"/>
-                <a:ext cx="5524500" cy="540725"/>
+                <a:off x="3004110" y="1539243"/>
+                <a:ext cx="5522878" cy="391261"/>
               </a:xfrm>
               <a:prstGeom prst="rect">
                 <a:avLst/>
@@ -10111,7 +10843,7 @@
               <a:blipFill>
                 <a:blip r:embed="rId3"/>
                 <a:stretch>
-                  <a:fillRect l="-993" b="-5618"/>
+                  <a:fillRect l="-993" t="-9375" b="-17188"/>
                 </a:stretch>
               </a:blipFill>
             </p:spPr>
@@ -10130,8 +10862,8 @@
           </p:sp>
         </mc:Fallback>
       </mc:AlternateContent>
-      <mc:AlternateContent xmlns:mc="http://schemas.openxmlformats.org/markup-compatibility/2006" xmlns:a14="http://schemas.microsoft.com/office/drawing/2010/main">
-        <mc:Choice Requires="a14">
+      <mc:AlternateContent xmlns:mc="http://schemas.openxmlformats.org/markup-compatibility/2006">
+        <mc:Choice xmlns:a14="http://schemas.microsoft.com/office/drawing/2010/main" Requires="a14">
           <p:sp>
             <p:nvSpPr>
               <p:cNvPr id="81" name="TextBox 80"/>
@@ -10140,7 +10872,7 @@
             </p:nvSpPr>
             <p:spPr>
               <a:xfrm>
-                <a:off x="5134281" y="1650219"/>
+                <a:off x="5078396" y="2054819"/>
                 <a:ext cx="1886542" cy="456985"/>
               </a:xfrm>
               <a:prstGeom prst="rect">
@@ -10411,7 +11143,7 @@
             </p:txBody>
           </p:sp>
         </mc:Choice>
-        <mc:Fallback xmlns="">
+        <mc:Fallback>
           <p:sp>
             <p:nvSpPr>
               <p:cNvPr id="81" name="TextBox 80"/>
@@ -10422,7 +11154,7 @@
             </p:nvSpPr>
             <p:spPr>
               <a:xfrm>
-                <a:off x="5134281" y="1650219"/>
+                <a:off x="5078396" y="2054819"/>
                 <a:ext cx="1886542" cy="456985"/>
               </a:xfrm>
               <a:prstGeom prst="rect">
@@ -10431,7 +11163,7 @@
               <a:blipFill>
                 <a:blip r:embed="rId4"/>
                 <a:stretch>
-                  <a:fillRect t="-1333" b="-9333"/>
+                  <a:fillRect t="-1333" b="-10667"/>
                 </a:stretch>
               </a:blipFill>
             </p:spPr>
@@ -10458,8 +11190,8 @@
         </p:nvSpPr>
         <p:spPr>
           <a:xfrm>
-            <a:off x="3429000" y="2393995"/>
-            <a:ext cx="5524500" cy="456535"/>
+            <a:off x="3004110" y="2631232"/>
+            <a:ext cx="3208154" cy="369332"/>
           </a:xfrm>
           <a:prstGeom prst="rect">
             <a:avLst/>
@@ -10471,11 +11203,6 @@
           </a:bodyPr>
           <a:lstStyle/>
           <a:p>
-            <a:pPr>
-              <a:lnSpc>
-                <a:spcPct val="150000"/>
-              </a:lnSpc>
-            </a:pPr>
             <a:r>
               <a:rPr lang="en-US" altLang="ko-KR" dirty="0" smtClean="0">
                 <a:latin typeface="Arial" panose="020B0604020202020204" pitchFamily="34" charset="0"/>
@@ -10490,8 +11217,8 @@
           </a:p>
         </p:txBody>
       </p:sp>
-      <mc:AlternateContent xmlns:mc="http://schemas.openxmlformats.org/markup-compatibility/2006" xmlns:a14="http://schemas.microsoft.com/office/drawing/2010/main">
-        <mc:Choice Requires="a14">
+      <mc:AlternateContent xmlns:mc="http://schemas.openxmlformats.org/markup-compatibility/2006">
+        <mc:Choice xmlns:a14="http://schemas.microsoft.com/office/drawing/2010/main" Requires="a14">
           <p:sp>
             <p:nvSpPr>
               <p:cNvPr id="83" name="TextBox 82"/>
@@ -10500,7 +11227,7 @@
             </p:nvSpPr>
             <p:spPr>
               <a:xfrm>
-                <a:off x="3201605" y="2977497"/>
+                <a:off x="3145720" y="3119992"/>
                 <a:ext cx="5751895" cy="604396"/>
               </a:xfrm>
               <a:prstGeom prst="rect">
@@ -11374,7 +12101,7 @@
             </p:txBody>
           </p:sp>
         </mc:Choice>
-        <mc:Fallback xmlns="">
+        <mc:Fallback>
           <p:sp>
             <p:nvSpPr>
               <p:cNvPr id="83" name="TextBox 82"/>
@@ -11385,7 +12112,7 @@
             </p:nvSpPr>
             <p:spPr>
               <a:xfrm>
-                <a:off x="3201605" y="2977497"/>
+                <a:off x="3145720" y="3119992"/>
                 <a:ext cx="5751895" cy="604396"/>
               </a:xfrm>
               <a:prstGeom prst="rect">
@@ -11413,8 +12140,8 @@
           </p:sp>
         </mc:Fallback>
       </mc:AlternateContent>
-      <mc:AlternateContent xmlns:mc="http://schemas.openxmlformats.org/markup-compatibility/2006" xmlns:a14="http://schemas.microsoft.com/office/drawing/2010/main">
-        <mc:Choice Requires="a14">
+      <mc:AlternateContent xmlns:mc="http://schemas.openxmlformats.org/markup-compatibility/2006">
+        <mc:Choice xmlns:a14="http://schemas.microsoft.com/office/drawing/2010/main" Requires="a14">
           <p:sp>
             <p:nvSpPr>
               <p:cNvPr id="84" name="직사각형 83"/>
@@ -11423,8 +12150,8 @@
             </p:nvSpPr>
             <p:spPr>
               <a:xfrm>
-                <a:off x="6283625" y="3708860"/>
-                <a:ext cx="2669875" cy="697820"/>
+                <a:off x="6536861" y="3847842"/>
+                <a:ext cx="2360754" cy="495970"/>
               </a:xfrm>
               <a:prstGeom prst="rect">
                 <a:avLst/>
@@ -11436,11 +12163,6 @@
               </a:bodyPr>
               <a:lstStyle/>
               <a:p>
-                <a:pPr>
-                  <a:lnSpc>
-                    <a:spcPct val="150000"/>
-                  </a:lnSpc>
-                </a:pPr>
                 <a:r>
                   <a:rPr lang="en-US" altLang="ko-KR" sz="1600" dirty="0" smtClean="0">
                     <a:latin typeface="Arial" panose="020B0604020202020204" pitchFamily="34" charset="0"/>
@@ -11680,7 +12402,7 @@
             </p:txBody>
           </p:sp>
         </mc:Choice>
-        <mc:Fallback xmlns="">
+        <mc:Fallback>
           <p:sp>
             <p:nvSpPr>
               <p:cNvPr id="84" name="직사각형 83"/>
@@ -11691,8 +12413,8 @@
             </p:nvSpPr>
             <p:spPr>
               <a:xfrm>
-                <a:off x="6283625" y="3708860"/>
-                <a:ext cx="2669875" cy="697820"/>
+                <a:off x="6536861" y="3847842"/>
+                <a:ext cx="2360754" cy="495970"/>
               </a:xfrm>
               <a:prstGeom prst="rect">
                 <a:avLst/>
@@ -11700,7 +12422,7 @@
               <a:blipFill>
                 <a:blip r:embed="rId6"/>
                 <a:stretch>
-                  <a:fillRect l="-1370"/>
+                  <a:fillRect l="-1289"/>
                 </a:stretch>
               </a:blipFill>
             </p:spPr>
@@ -11719,8 +12441,8 @@
           </p:sp>
         </mc:Fallback>
       </mc:AlternateContent>
-      <mc:AlternateContent xmlns:mc="http://schemas.openxmlformats.org/markup-compatibility/2006" xmlns:a14="http://schemas.microsoft.com/office/drawing/2010/main">
-        <mc:Choice Requires="a14">
+      <mc:AlternateContent xmlns:mc="http://schemas.openxmlformats.org/markup-compatibility/2006">
+        <mc:Choice xmlns:a14="http://schemas.microsoft.com/office/drawing/2010/main" Requires="a14">
           <p:sp>
             <p:nvSpPr>
               <p:cNvPr id="86" name="TextBox 15"/>
@@ -11729,7 +12451,7 @@
             </p:nvSpPr>
             <p:spPr>
               <a:xfrm>
-                <a:off x="455111" y="5243729"/>
+                <a:off x="1011293" y="5362484"/>
                 <a:ext cx="5097999" cy="465769"/>
               </a:xfrm>
               <a:prstGeom prst="rect">
@@ -12429,7 +13151,7 @@
             </p:txBody>
           </p:sp>
         </mc:Choice>
-        <mc:Fallback xmlns="">
+        <mc:Fallback>
           <p:sp>
             <p:nvSpPr>
               <p:cNvPr id="86" name="TextBox 15"/>
@@ -12440,7 +13162,7 @@
             </p:nvSpPr>
             <p:spPr>
               <a:xfrm>
-                <a:off x="455111" y="5243729"/>
+                <a:off x="1011293" y="5362484"/>
                 <a:ext cx="5097999" cy="465769"/>
               </a:xfrm>
               <a:prstGeom prst="rect">
@@ -12449,7 +13171,7 @@
               <a:blipFill>
                 <a:blip r:embed="rId7"/>
                 <a:stretch>
-                  <a:fillRect t="-1299" b="-9091"/>
+                  <a:fillRect t="-2632" b="-10526"/>
                 </a:stretch>
               </a:blipFill>
             </p:spPr>
@@ -12468,8 +13190,8 @@
           </p:sp>
         </mc:Fallback>
       </mc:AlternateContent>
-      <mc:AlternateContent xmlns:mc="http://schemas.openxmlformats.org/markup-compatibility/2006" xmlns:a14="http://schemas.microsoft.com/office/drawing/2010/main">
-        <mc:Choice Requires="a14">
+      <mc:AlternateContent xmlns:mc="http://schemas.openxmlformats.org/markup-compatibility/2006">
+        <mc:Choice xmlns:a14="http://schemas.microsoft.com/office/drawing/2010/main" Requires="a14">
           <p:sp>
             <p:nvSpPr>
               <p:cNvPr id="87" name="TextBox 86"/>
@@ -12478,7 +13200,7 @@
             </p:nvSpPr>
             <p:spPr>
               <a:xfrm>
-                <a:off x="5857335" y="5102632"/>
+                <a:off x="6413517" y="5309745"/>
                 <a:ext cx="1632113" cy="571247"/>
               </a:xfrm>
               <a:prstGeom prst="rect">
@@ -12644,7 +13366,7 @@
             </p:txBody>
           </p:sp>
         </mc:Choice>
-        <mc:Fallback xmlns="">
+        <mc:Fallback>
           <p:sp>
             <p:nvSpPr>
               <p:cNvPr id="87" name="TextBox 86"/>
@@ -12655,7 +13377,7 @@
             </p:nvSpPr>
             <p:spPr>
               <a:xfrm>
-                <a:off x="5857335" y="5102632"/>
+                <a:off x="6413517" y="5309745"/>
                 <a:ext cx="1632113" cy="571247"/>
               </a:xfrm>
               <a:prstGeom prst="rect">
@@ -12713,6 +13435,150 @@
           <a:chExt cx="0" cy="0"/>
         </a:xfrm>
       </p:grpSpPr>
+      <p:sp>
+        <p:nvSpPr>
+          <p:cNvPr id="17" name="직사각형 16"/>
+          <p:cNvSpPr/>
+          <p:nvPr/>
+        </p:nvSpPr>
+        <p:spPr>
+          <a:xfrm>
+            <a:off x="75661" y="4205072"/>
+            <a:ext cx="4138762" cy="1467945"/>
+          </a:xfrm>
+          <a:prstGeom prst="rect">
+            <a:avLst/>
+          </a:prstGeom>
+          <a:solidFill>
+            <a:srgbClr val="FFFF00"/>
+          </a:solidFill>
+          <a:ln>
+            <a:solidFill>
+              <a:schemeClr val="tx1"/>
+            </a:solidFill>
+          </a:ln>
+        </p:spPr>
+        <p:style>
+          <a:lnRef idx="2">
+            <a:schemeClr val="accent1">
+              <a:shade val="50000"/>
+            </a:schemeClr>
+          </a:lnRef>
+          <a:fillRef idx="1">
+            <a:schemeClr val="accent1"/>
+          </a:fillRef>
+          <a:effectRef idx="0">
+            <a:schemeClr val="accent1"/>
+          </a:effectRef>
+          <a:fontRef idx="minor">
+            <a:schemeClr val="lt1"/>
+          </a:fontRef>
+        </p:style>
+        <p:txBody>
+          <a:bodyPr rtlCol="0" anchor="ctr"/>
+          <a:lstStyle/>
+          <a:p>
+            <a:pPr algn="ctr"/>
+            <a:endParaRPr lang="ko-KR" altLang="en-US"/>
+          </a:p>
+        </p:txBody>
+      </p:sp>
+      <p:sp>
+        <p:nvSpPr>
+          <p:cNvPr id="16" name="직사각형 15"/>
+          <p:cNvSpPr/>
+          <p:nvPr/>
+        </p:nvSpPr>
+        <p:spPr>
+          <a:xfrm>
+            <a:off x="2502619" y="2701836"/>
+            <a:ext cx="4138762" cy="755557"/>
+          </a:xfrm>
+          <a:prstGeom prst="rect">
+            <a:avLst/>
+          </a:prstGeom>
+          <a:solidFill>
+            <a:srgbClr val="FFFF00"/>
+          </a:solidFill>
+          <a:ln>
+            <a:solidFill>
+              <a:schemeClr val="tx1"/>
+            </a:solidFill>
+          </a:ln>
+        </p:spPr>
+        <p:style>
+          <a:lnRef idx="2">
+            <a:schemeClr val="accent1">
+              <a:shade val="50000"/>
+            </a:schemeClr>
+          </a:lnRef>
+          <a:fillRef idx="1">
+            <a:schemeClr val="accent1"/>
+          </a:fillRef>
+          <a:effectRef idx="0">
+            <a:schemeClr val="accent1"/>
+          </a:effectRef>
+          <a:fontRef idx="minor">
+            <a:schemeClr val="lt1"/>
+          </a:fontRef>
+        </p:style>
+        <p:txBody>
+          <a:bodyPr rtlCol="0" anchor="ctr"/>
+          <a:lstStyle/>
+          <a:p>
+            <a:pPr algn="ctr"/>
+            <a:endParaRPr lang="ko-KR" altLang="en-US"/>
+          </a:p>
+        </p:txBody>
+      </p:sp>
+      <p:sp>
+        <p:nvSpPr>
+          <p:cNvPr id="15" name="직사각형 14"/>
+          <p:cNvSpPr/>
+          <p:nvPr/>
+        </p:nvSpPr>
+        <p:spPr>
+          <a:xfrm>
+            <a:off x="3283976" y="1633686"/>
+            <a:ext cx="2551216" cy="559829"/>
+          </a:xfrm>
+          <a:prstGeom prst="rect">
+            <a:avLst/>
+          </a:prstGeom>
+          <a:solidFill>
+            <a:srgbClr val="FFFF00"/>
+          </a:solidFill>
+          <a:ln>
+            <a:solidFill>
+              <a:schemeClr val="tx1"/>
+            </a:solidFill>
+          </a:ln>
+        </p:spPr>
+        <p:style>
+          <a:lnRef idx="2">
+            <a:schemeClr val="accent1">
+              <a:shade val="50000"/>
+            </a:schemeClr>
+          </a:lnRef>
+          <a:fillRef idx="1">
+            <a:schemeClr val="accent1"/>
+          </a:fillRef>
+          <a:effectRef idx="0">
+            <a:schemeClr val="accent1"/>
+          </a:effectRef>
+          <a:fontRef idx="minor">
+            <a:schemeClr val="lt1"/>
+          </a:fontRef>
+        </p:style>
+        <p:txBody>
+          <a:bodyPr rtlCol="0" anchor="ctr"/>
+          <a:lstStyle/>
+          <a:p>
+            <a:pPr algn="ctr"/>
+            <a:endParaRPr lang="ko-KR" altLang="en-US"/>
+          </a:p>
+        </p:txBody>
+      </p:sp>
       <p:sp>
         <p:nvSpPr>
           <p:cNvPr id="3" name="슬라이드 번호 개체 틀 2"/>
@@ -12844,8 +13710,8 @@
         </p:nvSpPr>
         <p:spPr>
           <a:xfrm>
-            <a:off x="-19050" y="803784"/>
-            <a:ext cx="9182100" cy="923330"/>
+            <a:off x="75220" y="803784"/>
+            <a:ext cx="8980857" cy="923330"/>
           </a:xfrm>
           <a:prstGeom prst="rect">
             <a:avLst/>
@@ -12898,7 +13764,7 @@
         </p:nvSpPr>
         <p:spPr>
           <a:xfrm>
-            <a:off x="-19050" y="2103665"/>
+            <a:off x="75220" y="2103665"/>
             <a:ext cx="3866431" cy="507831"/>
           </a:xfrm>
           <a:prstGeom prst="rect">
@@ -12938,7 +13804,7 @@
         </p:nvSpPr>
         <p:spPr>
           <a:xfrm>
-            <a:off x="-19050" y="3457393"/>
+            <a:off x="75220" y="3457393"/>
             <a:ext cx="3624892" cy="507831"/>
           </a:xfrm>
           <a:prstGeom prst="rect">
@@ -12978,7 +13844,7 @@
         </p:nvSpPr>
         <p:spPr>
           <a:xfrm>
-            <a:off x="-19050" y="5809018"/>
+            <a:off x="75220" y="5809018"/>
             <a:ext cx="7480899" cy="507831"/>
           </a:xfrm>
           <a:prstGeom prst="rect">
@@ -13052,8 +13918,8 @@
           </a:p>
         </p:txBody>
       </p:sp>
-      <mc:AlternateContent xmlns:mc="http://schemas.openxmlformats.org/markup-compatibility/2006" xmlns:a14="http://schemas.microsoft.com/office/drawing/2010/main">
-        <mc:Choice Requires="a14">
+      <mc:AlternateContent xmlns:mc="http://schemas.openxmlformats.org/markup-compatibility/2006">
+        <mc:Choice xmlns:a14="http://schemas.microsoft.com/office/drawing/2010/main" Requires="a14">
           <p:sp>
             <p:nvSpPr>
               <p:cNvPr id="5" name="TextBox 4"/>
@@ -13062,7 +13928,7 @@
             </p:nvSpPr>
             <p:spPr>
               <a:xfrm>
-                <a:off x="3550599" y="1766616"/>
+                <a:off x="3550599" y="1775101"/>
                 <a:ext cx="2042803" cy="276999"/>
               </a:xfrm>
               <a:prstGeom prst="rect">
@@ -13234,7 +14100,7 @@
             </p:txBody>
           </p:sp>
         </mc:Choice>
-        <mc:Fallback xmlns="">
+        <mc:Fallback>
           <p:sp>
             <p:nvSpPr>
               <p:cNvPr id="5" name="TextBox 4"/>
@@ -13245,7 +14111,7 @@
             </p:nvSpPr>
             <p:spPr>
               <a:xfrm>
-                <a:off x="3550599" y="1766616"/>
+                <a:off x="3550599" y="1775101"/>
                 <a:ext cx="2042803" cy="276999"/>
               </a:xfrm>
               <a:prstGeom prst="rect">
@@ -13254,7 +14120,7 @@
               <a:blipFill>
                 <a:blip r:embed="rId2"/>
                 <a:stretch>
-                  <a:fillRect l="-1190" t="-2222" r="-2381" b="-35556"/>
+                  <a:fillRect l="-1190" t="-2174" r="-2381" b="-32609"/>
                 </a:stretch>
               </a:blipFill>
             </p:spPr>
@@ -13273,8 +14139,8 @@
           </p:sp>
         </mc:Fallback>
       </mc:AlternateContent>
-      <mc:AlternateContent xmlns:mc="http://schemas.openxmlformats.org/markup-compatibility/2006" xmlns:a14="http://schemas.microsoft.com/office/drawing/2010/main">
-        <mc:Choice Requires="a14">
+      <mc:AlternateContent xmlns:mc="http://schemas.openxmlformats.org/markup-compatibility/2006">
+        <mc:Choice xmlns:a14="http://schemas.microsoft.com/office/drawing/2010/main" Requires="a14">
           <p:sp>
             <p:nvSpPr>
               <p:cNvPr id="14" name="TextBox 15"/>
@@ -13283,7 +14149,7 @@
             </p:nvSpPr>
             <p:spPr>
               <a:xfrm>
-                <a:off x="2784524" y="2801560"/>
+                <a:off x="2784524" y="2846730"/>
                 <a:ext cx="3574953" cy="465769"/>
               </a:xfrm>
               <a:prstGeom prst="rect">
@@ -13799,7 +14665,7 @@
             </p:txBody>
           </p:sp>
         </mc:Choice>
-        <mc:Fallback xmlns="">
+        <mc:Fallback>
           <p:sp>
             <p:nvSpPr>
               <p:cNvPr id="14" name="TextBox 15"/>
@@ -13810,7 +14676,7 @@
             </p:nvSpPr>
             <p:spPr>
               <a:xfrm>
-                <a:off x="2784524" y="2801560"/>
+                <a:off x="2784524" y="2846730"/>
                 <a:ext cx="3574953" cy="465769"/>
               </a:xfrm>
               <a:prstGeom prst="rect">
@@ -13819,7 +14685,7 @@
               <a:blipFill>
                 <a:blip r:embed="rId3"/>
                 <a:stretch>
-                  <a:fillRect l="-1024" t="-2632" r="-5290" b="-10526"/>
+                  <a:fillRect l="-1024" t="-1316" r="-5290" b="-10526"/>
                 </a:stretch>
               </a:blipFill>
             </p:spPr>
@@ -13838,8 +14704,8 @@
           </p:sp>
         </mc:Fallback>
       </mc:AlternateContent>
-      <mc:AlternateContent xmlns:mc="http://schemas.openxmlformats.org/markup-compatibility/2006" xmlns:a14="http://schemas.microsoft.com/office/drawing/2010/main">
-        <mc:Choice Requires="a14">
+      <mc:AlternateContent xmlns:mc="http://schemas.openxmlformats.org/markup-compatibility/2006">
+        <mc:Choice xmlns:a14="http://schemas.microsoft.com/office/drawing/2010/main" Requires="a14">
           <p:sp>
             <p:nvSpPr>
               <p:cNvPr id="13" name="TextBox 12"/>
@@ -13848,7 +14714,7 @@
             </p:nvSpPr>
             <p:spPr>
               <a:xfrm>
-                <a:off x="223203" y="4118283"/>
+                <a:off x="223203" y="4344523"/>
                 <a:ext cx="3894784" cy="1189043"/>
               </a:xfrm>
               <a:prstGeom prst="rect">
@@ -14377,7 +15243,7 @@
             </p:txBody>
           </p:sp>
         </mc:Choice>
-        <mc:Fallback xmlns="">
+        <mc:Fallback>
           <p:sp>
             <p:nvSpPr>
               <p:cNvPr id="13" name="TextBox 12"/>
@@ -14388,7 +15254,7 @@
             </p:nvSpPr>
             <p:spPr>
               <a:xfrm>
-                <a:off x="223203" y="4118283"/>
+                <a:off x="223203" y="4344523"/>
                 <a:ext cx="3894784" cy="1189043"/>
               </a:xfrm>
               <a:prstGeom prst="rect">
@@ -14432,7 +15298,7 @@
         </p:blipFill>
         <p:spPr>
           <a:xfrm>
-            <a:off x="4310858" y="3821528"/>
+            <a:off x="4310858" y="3774393"/>
             <a:ext cx="4745219" cy="1782552"/>
           </a:xfrm>
           <a:prstGeom prst="rect">
@@ -14715,14 +15581,14 @@
           <p:nvPr/>
         </p:nvPicPr>
         <p:blipFill>
-          <a:blip r:embed="rId2"/>
+          <a:blip r:embed="rId3"/>
           <a:stretch>
             <a:fillRect/>
           </a:stretch>
         </p:blipFill>
         <p:spPr>
           <a:xfrm>
-            <a:off x="7047677" y="1973312"/>
+            <a:off x="6869877" y="3065007"/>
             <a:ext cx="1447347" cy="1800000"/>
           </a:xfrm>
           <a:prstGeom prst="rect">
@@ -14738,8 +15604,8 @@
         </p:nvSpPr>
         <p:spPr>
           <a:xfrm>
-            <a:off x="-19050" y="1003963"/>
-            <a:ext cx="9182100" cy="456535"/>
+            <a:off x="176090" y="921151"/>
+            <a:ext cx="6231510" cy="1338828"/>
           </a:xfrm>
           <a:prstGeom prst="rect">
             <a:avLst/>
@@ -14755,6 +15621,22 @@
               <a:lnSpc>
                 <a:spcPct val="150000"/>
               </a:lnSpc>
+              <a:buFont typeface="Arial" panose="020B0604020202020204" pitchFamily="34" charset="0"/>
+              <a:buChar char="•"/>
+            </a:pPr>
+            <a:r>
+              <a:rPr lang="en-US" altLang="ko-KR" b="1" dirty="0" smtClean="0">
+                <a:latin typeface="Arial" panose="020B0604020202020204" pitchFamily="34" charset="0"/>
+                <a:cs typeface="Arial" panose="020B0604020202020204" pitchFamily="34" charset="0"/>
+              </a:rPr>
+              <a:t>1x2 Power Splitter?</a:t>
+            </a:r>
+          </a:p>
+          <a:p>
+            <a:pPr marL="285750" indent="-285750">
+              <a:lnSpc>
+                <a:spcPct val="150000"/>
+              </a:lnSpc>
               <a:buFontTx/>
               <a:buChar char="-"/>
             </a:pPr>
@@ -14763,12 +15645,257 @@
                 <a:latin typeface="Arial" panose="020B0604020202020204" pitchFamily="34" charset="0"/>
                 <a:cs typeface="Arial" panose="020B0604020202020204" pitchFamily="34" charset="0"/>
               </a:rPr>
-              <a:t>Equally divide the power into the output ports</a:t>
+              <a:t>Equally </a:t>
+            </a:r>
+            <a:r>
+              <a:rPr lang="en-US" altLang="ko-KR" dirty="0" smtClean="0">
+                <a:latin typeface="Arial" panose="020B0604020202020204" pitchFamily="34" charset="0"/>
+                <a:cs typeface="Arial" panose="020B0604020202020204" pitchFamily="34" charset="0"/>
+              </a:rPr>
+              <a:t>divide the power into the output </a:t>
+            </a:r>
+            <a:r>
+              <a:rPr lang="en-US" altLang="ko-KR" dirty="0" smtClean="0">
+                <a:latin typeface="Arial" panose="020B0604020202020204" pitchFamily="34" charset="0"/>
+                <a:cs typeface="Arial" panose="020B0604020202020204" pitchFamily="34" charset="0"/>
+              </a:rPr>
+              <a:t>ports</a:t>
+            </a:r>
+          </a:p>
+          <a:p>
+            <a:pPr marL="285750" indent="-285750">
+              <a:lnSpc>
+                <a:spcPct val="150000"/>
+              </a:lnSpc>
+              <a:buFontTx/>
+              <a:buChar char="-"/>
+            </a:pPr>
+            <a:r>
+              <a:rPr lang="en-US" altLang="ko-KR" dirty="0" smtClean="0">
+                <a:latin typeface="Arial" panose="020B0604020202020204" pitchFamily="34" charset="0"/>
+                <a:cs typeface="Arial" panose="020B0604020202020204" pitchFamily="34" charset="0"/>
+              </a:rPr>
+              <a:t>Frequently used in fiber and channel waveguide devices</a:t>
             </a:r>
             <a:endParaRPr lang="en-US" altLang="ko-KR" dirty="0">
               <a:latin typeface="Arial" panose="020B0604020202020204" pitchFamily="34" charset="0"/>
               <a:cs typeface="Arial" panose="020B0604020202020204" pitchFamily="34" charset="0"/>
             </a:endParaRPr>
+          </a:p>
+        </p:txBody>
+      </p:sp>
+      <p:pic>
+        <p:nvPicPr>
+          <p:cNvPr id="2" name="그림 1"/>
+          <p:cNvPicPr>
+            <a:picLocks noChangeAspect="1"/>
+          </p:cNvPicPr>
+          <p:nvPr/>
+        </p:nvPicPr>
+        <p:blipFill rotWithShape="1">
+          <a:blip r:embed="rId4"/>
+          <a:srcRect t="18429"/>
+          <a:stretch/>
+        </p:blipFill>
+        <p:spPr>
+          <a:xfrm>
+            <a:off x="614522" y="2757794"/>
+            <a:ext cx="1544626" cy="2414427"/>
+          </a:xfrm>
+          <a:prstGeom prst="rect">
+            <a:avLst/>
+          </a:prstGeom>
+        </p:spPr>
+      </p:pic>
+      <p:pic>
+        <p:nvPicPr>
+          <p:cNvPr id="5" name="그림 4"/>
+          <p:cNvPicPr>
+            <a:picLocks noChangeAspect="1"/>
+          </p:cNvPicPr>
+          <p:nvPr/>
+        </p:nvPicPr>
+        <p:blipFill>
+          <a:blip r:embed="rId5"/>
+          <a:stretch>
+            <a:fillRect/>
+          </a:stretch>
+        </p:blipFill>
+        <p:spPr>
+          <a:xfrm>
+            <a:off x="3010744" y="3425007"/>
+            <a:ext cx="1080000" cy="1080000"/>
+          </a:xfrm>
+          <a:prstGeom prst="rect">
+            <a:avLst/>
+          </a:prstGeom>
+        </p:spPr>
+      </p:pic>
+      <p:pic>
+        <p:nvPicPr>
+          <p:cNvPr id="43" name="그림 42"/>
+          <p:cNvPicPr>
+            <a:picLocks noChangeAspect="1"/>
+          </p:cNvPicPr>
+          <p:nvPr/>
+        </p:nvPicPr>
+        <p:blipFill>
+          <a:blip r:embed="rId6"/>
+          <a:stretch>
+            <a:fillRect/>
+          </a:stretch>
+        </p:blipFill>
+        <p:spPr>
+          <a:xfrm>
+            <a:off x="4942340" y="3425007"/>
+            <a:ext cx="1075940" cy="1080000"/>
+          </a:xfrm>
+          <a:prstGeom prst="rect">
+            <a:avLst/>
+          </a:prstGeom>
+        </p:spPr>
+      </p:pic>
+      <p:sp>
+        <p:nvSpPr>
+          <p:cNvPr id="44" name="아래쪽 화살표 43"/>
+          <p:cNvSpPr/>
+          <p:nvPr/>
+        </p:nvSpPr>
+        <p:spPr>
+          <a:xfrm rot="16200000">
+            <a:off x="1956295" y="3816834"/>
+            <a:ext cx="1257300" cy="296345"/>
+          </a:xfrm>
+          <a:prstGeom prst="downArrow">
+            <a:avLst/>
+          </a:prstGeom>
+          <a:solidFill>
+            <a:srgbClr val="0070C0"/>
+          </a:solidFill>
+          <a:ln>
+            <a:solidFill>
+              <a:schemeClr val="tx1"/>
+            </a:solidFill>
+          </a:ln>
+        </p:spPr>
+        <p:style>
+          <a:lnRef idx="2">
+            <a:schemeClr val="accent1">
+              <a:shade val="50000"/>
+            </a:schemeClr>
+          </a:lnRef>
+          <a:fillRef idx="1">
+            <a:schemeClr val="accent1"/>
+          </a:fillRef>
+          <a:effectRef idx="0">
+            <a:schemeClr val="accent1"/>
+          </a:effectRef>
+          <a:fontRef idx="minor">
+            <a:schemeClr val="lt1"/>
+          </a:fontRef>
+        </p:style>
+        <p:txBody>
+          <a:bodyPr rtlCol="0" anchor="ctr"/>
+          <a:lstStyle/>
+          <a:p>
+            <a:pPr algn="ctr"/>
+            <a:endParaRPr lang="ko-KR" altLang="en-US"/>
+          </a:p>
+        </p:txBody>
+      </p:sp>
+      <p:sp>
+        <p:nvSpPr>
+          <p:cNvPr id="45" name="아래쪽 화살표 44"/>
+          <p:cNvSpPr/>
+          <p:nvPr/>
+        </p:nvSpPr>
+        <p:spPr>
+          <a:xfrm rot="16200000">
+            <a:off x="3885863" y="3816835"/>
+            <a:ext cx="1257300" cy="296345"/>
+          </a:xfrm>
+          <a:prstGeom prst="downArrow">
+            <a:avLst/>
+          </a:prstGeom>
+          <a:solidFill>
+            <a:srgbClr val="0070C0"/>
+          </a:solidFill>
+          <a:ln>
+            <a:solidFill>
+              <a:schemeClr val="tx1"/>
+            </a:solidFill>
+          </a:ln>
+        </p:spPr>
+        <p:style>
+          <a:lnRef idx="2">
+            <a:schemeClr val="accent1">
+              <a:shade val="50000"/>
+            </a:schemeClr>
+          </a:lnRef>
+          <a:fillRef idx="1">
+            <a:schemeClr val="accent1"/>
+          </a:fillRef>
+          <a:effectRef idx="0">
+            <a:schemeClr val="accent1"/>
+          </a:effectRef>
+          <a:fontRef idx="minor">
+            <a:schemeClr val="lt1"/>
+          </a:fontRef>
+        </p:style>
+        <p:txBody>
+          <a:bodyPr rtlCol="0" anchor="ctr"/>
+          <a:lstStyle/>
+          <a:p>
+            <a:pPr algn="ctr"/>
+            <a:endParaRPr lang="ko-KR" altLang="en-US"/>
+          </a:p>
+        </p:txBody>
+      </p:sp>
+      <p:sp>
+        <p:nvSpPr>
+          <p:cNvPr id="46" name="아래쪽 화살표 45"/>
+          <p:cNvSpPr/>
+          <p:nvPr/>
+        </p:nvSpPr>
+        <p:spPr>
+          <a:xfrm rot="16200000">
+            <a:off x="5808741" y="3816835"/>
+            <a:ext cx="1257300" cy="296345"/>
+          </a:xfrm>
+          <a:prstGeom prst="downArrow">
+            <a:avLst/>
+          </a:prstGeom>
+          <a:solidFill>
+            <a:srgbClr val="0070C0"/>
+          </a:solidFill>
+          <a:ln>
+            <a:solidFill>
+              <a:schemeClr val="tx1"/>
+            </a:solidFill>
+          </a:ln>
+        </p:spPr>
+        <p:style>
+          <a:lnRef idx="2">
+            <a:schemeClr val="accent1">
+              <a:shade val="50000"/>
+            </a:schemeClr>
+          </a:lnRef>
+          <a:fillRef idx="1">
+            <a:schemeClr val="accent1"/>
+          </a:fillRef>
+          <a:effectRef idx="0">
+            <a:schemeClr val="accent1"/>
+          </a:effectRef>
+          <a:fontRef idx="minor">
+            <a:schemeClr val="lt1"/>
+          </a:fontRef>
+        </p:style>
+        <p:txBody>
+          <a:bodyPr rtlCol="0" anchor="ctr"/>
+          <a:lstStyle/>
+          <a:p>
+            <a:pPr algn="ctr"/>
+            <a:endParaRPr lang="ko-KR" altLang="en-US"/>
           </a:p>
         </p:txBody>
       </p:sp>
@@ -15441,6 +16568,13 @@
   <p:clrMapOvr>
     <a:masterClrMapping/>
   </p:clrMapOvr>
+  <p:timing>
+    <p:tnLst>
+      <p:par>
+        <p:cTn id="1" dur="indefinite" restart="never" nodeType="tmRoot"/>
+      </p:par>
+    </p:tnLst>
+  </p:timing>
 </p:sld>
 </file>
 
@@ -17163,6 +18297,98 @@
           <a:chExt cx="0" cy="0"/>
         </a:xfrm>
       </p:grpSpPr>
+      <p:sp>
+        <p:nvSpPr>
+          <p:cNvPr id="24" name="직사각형 23"/>
+          <p:cNvSpPr/>
+          <p:nvPr/>
+        </p:nvSpPr>
+        <p:spPr>
+          <a:xfrm>
+            <a:off x="241504" y="2801565"/>
+            <a:ext cx="8751667" cy="3589807"/>
+          </a:xfrm>
+          <a:prstGeom prst="rect">
+            <a:avLst/>
+          </a:prstGeom>
+          <a:noFill/>
+          <a:ln w="28575">
+            <a:solidFill>
+              <a:srgbClr val="0000FF"/>
+            </a:solidFill>
+          </a:ln>
+        </p:spPr>
+        <p:style>
+          <a:lnRef idx="2">
+            <a:schemeClr val="accent1">
+              <a:shade val="50000"/>
+            </a:schemeClr>
+          </a:lnRef>
+          <a:fillRef idx="1">
+            <a:schemeClr val="accent1"/>
+          </a:fillRef>
+          <a:effectRef idx="0">
+            <a:schemeClr val="accent1"/>
+          </a:effectRef>
+          <a:fontRef idx="minor">
+            <a:schemeClr val="lt1"/>
+          </a:fontRef>
+        </p:style>
+        <p:txBody>
+          <a:bodyPr rtlCol="0" anchor="ctr"/>
+          <a:lstStyle/>
+          <a:p>
+            <a:pPr algn="ctr"/>
+            <a:endParaRPr lang="ko-KR" altLang="en-US"/>
+          </a:p>
+        </p:txBody>
+      </p:sp>
+      <p:sp>
+        <p:nvSpPr>
+          <p:cNvPr id="23" name="직사각형 22"/>
+          <p:cNvSpPr/>
+          <p:nvPr/>
+        </p:nvSpPr>
+        <p:spPr>
+          <a:xfrm>
+            <a:off x="241504" y="980523"/>
+            <a:ext cx="8751667" cy="1670356"/>
+          </a:xfrm>
+          <a:prstGeom prst="rect">
+            <a:avLst/>
+          </a:prstGeom>
+          <a:noFill/>
+          <a:ln w="28575">
+            <a:solidFill>
+              <a:srgbClr val="0000FF"/>
+            </a:solidFill>
+          </a:ln>
+        </p:spPr>
+        <p:style>
+          <a:lnRef idx="2">
+            <a:schemeClr val="accent1">
+              <a:shade val="50000"/>
+            </a:schemeClr>
+          </a:lnRef>
+          <a:fillRef idx="1">
+            <a:schemeClr val="accent1"/>
+          </a:fillRef>
+          <a:effectRef idx="0">
+            <a:schemeClr val="accent1"/>
+          </a:effectRef>
+          <a:fontRef idx="minor">
+            <a:schemeClr val="lt1"/>
+          </a:fontRef>
+        </p:style>
+        <p:txBody>
+          <a:bodyPr rtlCol="0" anchor="ctr"/>
+          <a:lstStyle/>
+          <a:p>
+            <a:pPr algn="ctr"/>
+            <a:endParaRPr lang="ko-KR" altLang="en-US"/>
+          </a:p>
+        </p:txBody>
+      </p:sp>
       <p:cxnSp>
         <p:nvCxnSpPr>
           <p:cNvPr id="6" name="직선 화살표 연결선 5"/>
@@ -17171,7 +18397,7 @@
         </p:nvCxnSpPr>
         <p:spPr>
           <a:xfrm>
-            <a:off x="2137607" y="1994260"/>
+            <a:off x="2137607" y="1937698"/>
             <a:ext cx="1649333" cy="0"/>
           </a:xfrm>
           <a:prstGeom prst="straightConnector1">
@@ -17204,7 +18430,7 @@
         </p:nvSpPr>
         <p:spPr>
           <a:xfrm>
-            <a:off x="1850019" y="1251221"/>
+            <a:off x="1850019" y="1194659"/>
             <a:ext cx="2132246" cy="646331"/>
           </a:xfrm>
           <a:prstGeom prst="rect">
@@ -17241,8 +18467,8 @@
           </a:p>
         </p:txBody>
       </p:sp>
-      <mc:AlternateContent xmlns:mc="http://schemas.openxmlformats.org/markup-compatibility/2006" xmlns:a14="http://schemas.microsoft.com/office/drawing/2010/main">
-        <mc:Choice Requires="a14">
+      <mc:AlternateContent xmlns:mc="http://schemas.openxmlformats.org/markup-compatibility/2006">
+        <mc:Choice xmlns:a14="http://schemas.microsoft.com/office/drawing/2010/main" Requires="a14">
           <p:sp>
             <p:nvSpPr>
               <p:cNvPr id="9" name="TextBox 8"/>
@@ -17251,7 +18477,7 @@
             </p:nvSpPr>
             <p:spPr>
               <a:xfrm>
-                <a:off x="4086090" y="1577515"/>
+                <a:off x="4086090" y="1520953"/>
                 <a:ext cx="1702069" cy="776046"/>
               </a:xfrm>
               <a:prstGeom prst="rect">
@@ -17382,7 +18608,7 @@
             </p:txBody>
           </p:sp>
         </mc:Choice>
-        <mc:Fallback xmlns="">
+        <mc:Fallback>
           <p:sp>
             <p:nvSpPr>
               <p:cNvPr id="9" name="TextBox 8"/>
@@ -17393,7 +18619,7 @@
             </p:nvSpPr>
             <p:spPr>
               <a:xfrm>
-                <a:off x="4086090" y="1577515"/>
+                <a:off x="4086090" y="1520953"/>
                 <a:ext cx="1702069" cy="776046"/>
               </a:xfrm>
               <a:prstGeom prst="rect">
@@ -17429,7 +18655,7 @@
         </p:nvSpPr>
         <p:spPr>
           <a:xfrm>
-            <a:off x="4205857" y="1048091"/>
+            <a:off x="4205857" y="991529"/>
             <a:ext cx="1523488" cy="369332"/>
           </a:xfrm>
           <a:prstGeom prst="rect">
@@ -17465,7 +18691,7 @@
         </p:nvCxnSpPr>
         <p:spPr>
           <a:xfrm>
-            <a:off x="6035644" y="1994260"/>
+            <a:off x="6035644" y="1937698"/>
             <a:ext cx="1795550" cy="0"/>
           </a:xfrm>
           <a:prstGeom prst="straightConnector1">
@@ -17490,8 +18716,8 @@
           </a:fontRef>
         </p:style>
       </p:cxnSp>
-      <mc:AlternateContent xmlns:mc="http://schemas.openxmlformats.org/markup-compatibility/2006" xmlns:a14="http://schemas.microsoft.com/office/drawing/2010/main">
-        <mc:Choice Requires="a14">
+      <mc:AlternateContent xmlns:mc="http://schemas.openxmlformats.org/markup-compatibility/2006">
+        <mc:Choice xmlns:a14="http://schemas.microsoft.com/office/drawing/2010/main" Requires="a14">
           <p:sp>
             <p:nvSpPr>
               <p:cNvPr id="12" name="TextBox 11"/>
@@ -17500,7 +18726,7 @@
             </p:nvSpPr>
             <p:spPr>
               <a:xfrm>
-                <a:off x="5909652" y="1114353"/>
+                <a:off x="5909652" y="1057791"/>
                 <a:ext cx="2323803" cy="646331"/>
               </a:xfrm>
               <a:prstGeom prst="rect">
@@ -17600,7 +18826,7 @@
             </p:txBody>
           </p:sp>
         </mc:Choice>
-        <mc:Fallback xmlns="">
+        <mc:Fallback>
           <p:sp>
             <p:nvSpPr>
               <p:cNvPr id="12" name="TextBox 11"/>
@@ -17611,7 +18837,7 @@
             </p:nvSpPr>
             <p:spPr>
               <a:xfrm>
-                <a:off x="5909652" y="1114353"/>
+                <a:off x="5909652" y="1057791"/>
                 <a:ext cx="2323803" cy="646331"/>
               </a:xfrm>
               <a:prstGeom prst="rect">
@@ -17639,8 +18865,8 @@
           </p:sp>
         </mc:Fallback>
       </mc:AlternateContent>
-      <mc:AlternateContent xmlns:mc="http://schemas.openxmlformats.org/markup-compatibility/2006" xmlns:a14="http://schemas.microsoft.com/office/drawing/2010/main">
-        <mc:Choice Requires="a14">
+      <mc:AlternateContent xmlns:mc="http://schemas.openxmlformats.org/markup-compatibility/2006">
+        <mc:Choice xmlns:a14="http://schemas.microsoft.com/office/drawing/2010/main" Requires="a14">
           <p:sp>
             <p:nvSpPr>
               <p:cNvPr id="13" name="TextBox 12"/>
@@ -17649,7 +18875,7 @@
             </p:nvSpPr>
             <p:spPr>
               <a:xfrm>
-                <a:off x="8212202" y="1890385"/>
+                <a:off x="8212202" y="1833823"/>
                 <a:ext cx="392223" cy="207749"/>
               </a:xfrm>
               <a:prstGeom prst="rect">
@@ -17737,7 +18963,7 @@
             </p:txBody>
           </p:sp>
         </mc:Choice>
-        <mc:Fallback xmlns="">
+        <mc:Fallback>
           <p:sp>
             <p:nvSpPr>
               <p:cNvPr id="13" name="TextBox 12"/>
@@ -17748,7 +18974,7 @@
             </p:nvSpPr>
             <p:spPr>
               <a:xfrm>
-                <a:off x="8212202" y="1890385"/>
+                <a:off x="8212202" y="1833823"/>
                 <a:ext cx="392223" cy="207749"/>
               </a:xfrm>
               <a:prstGeom prst="rect">
@@ -17757,7 +18983,7 @@
               <a:blipFill>
                 <a:blip r:embed="rId5"/>
                 <a:stretch>
-                  <a:fillRect l="-9375" r="-3125" b="-20588"/>
+                  <a:fillRect l="-9375" r="-3125" b="-17647"/>
                 </a:stretch>
               </a:blipFill>
             </p:spPr>
@@ -17776,8 +19002,8 @@
           </p:sp>
         </mc:Fallback>
       </mc:AlternateContent>
-      <mc:AlternateContent xmlns:mc="http://schemas.openxmlformats.org/markup-compatibility/2006" xmlns:a14="http://schemas.microsoft.com/office/drawing/2010/main">
-        <mc:Choice Requires="a14">
+      <mc:AlternateContent xmlns:mc="http://schemas.openxmlformats.org/markup-compatibility/2006">
+        <mc:Choice xmlns:a14="http://schemas.microsoft.com/office/drawing/2010/main" Requires="a14">
           <p:sp>
             <p:nvSpPr>
               <p:cNvPr id="14" name="TextBox 13"/>
@@ -17786,7 +19012,7 @@
             </p:nvSpPr>
             <p:spPr>
               <a:xfrm>
-                <a:off x="4008160" y="3271562"/>
+                <a:off x="4008160" y="3356405"/>
                 <a:ext cx="1127681" cy="503151"/>
               </a:xfrm>
               <a:prstGeom prst="rect">
@@ -17903,7 +19129,7 @@
             </p:txBody>
           </p:sp>
         </mc:Choice>
-        <mc:Fallback xmlns="">
+        <mc:Fallback>
           <p:sp>
             <p:nvSpPr>
               <p:cNvPr id="14" name="TextBox 13"/>
@@ -17914,7 +19140,7 @@
             </p:nvSpPr>
             <p:spPr>
               <a:xfrm>
-                <a:off x="4008160" y="3271562"/>
+                <a:off x="4008160" y="3356405"/>
                 <a:ext cx="1127681" cy="503151"/>
               </a:xfrm>
               <a:prstGeom prst="rect">
@@ -17942,8 +19168,8 @@
           </p:sp>
         </mc:Fallback>
       </mc:AlternateContent>
-      <mc:AlternateContent xmlns:mc="http://schemas.openxmlformats.org/markup-compatibility/2006" xmlns:a14="http://schemas.microsoft.com/office/drawing/2010/main">
-        <mc:Choice Requires="a14">
+      <mc:AlternateContent xmlns:mc="http://schemas.openxmlformats.org/markup-compatibility/2006">
+        <mc:Choice xmlns:a14="http://schemas.microsoft.com/office/drawing/2010/main" Requires="a14">
           <p:sp>
             <p:nvSpPr>
               <p:cNvPr id="15" name="TextBox 14"/>
@@ -17952,7 +19178,7 @@
             </p:nvSpPr>
             <p:spPr>
               <a:xfrm>
-                <a:off x="3838723" y="4147149"/>
+                <a:off x="3838723" y="4231992"/>
                 <a:ext cx="1466555" cy="455830"/>
               </a:xfrm>
               <a:prstGeom prst="rect">
@@ -18178,7 +19404,7 @@
             </p:txBody>
           </p:sp>
         </mc:Choice>
-        <mc:Fallback xmlns="">
+        <mc:Fallback>
           <p:sp>
             <p:nvSpPr>
               <p:cNvPr id="15" name="TextBox 14"/>
@@ -18189,7 +19415,7 @@
             </p:nvSpPr>
             <p:spPr>
               <a:xfrm>
-                <a:off x="3838723" y="4147149"/>
+                <a:off x="3838723" y="4231992"/>
                 <a:ext cx="1466555" cy="455830"/>
               </a:xfrm>
               <a:prstGeom prst="rect">
@@ -18217,8 +19443,8 @@
           </p:sp>
         </mc:Fallback>
       </mc:AlternateContent>
-      <mc:AlternateContent xmlns:mc="http://schemas.openxmlformats.org/markup-compatibility/2006" xmlns:a14="http://schemas.microsoft.com/office/drawing/2010/main">
-        <mc:Choice Requires="a14">
+      <mc:AlternateContent xmlns:mc="http://schemas.openxmlformats.org/markup-compatibility/2006">
+        <mc:Choice xmlns:a14="http://schemas.microsoft.com/office/drawing/2010/main" Requires="a14">
           <p:sp>
             <p:nvSpPr>
               <p:cNvPr id="17" name="TextBox 16"/>
@@ -18227,7 +19453,7 @@
             </p:nvSpPr>
             <p:spPr>
               <a:xfrm>
-                <a:off x="3980845" y="4791528"/>
+                <a:off x="3980845" y="4876371"/>
                 <a:ext cx="1182311" cy="410690"/>
               </a:xfrm>
               <a:prstGeom prst="rect">
@@ -18368,7 +19594,7 @@
             </p:txBody>
           </p:sp>
         </mc:Choice>
-        <mc:Fallback xmlns="">
+        <mc:Fallback>
           <p:sp>
             <p:nvSpPr>
               <p:cNvPr id="17" name="TextBox 16"/>
@@ -18379,7 +19605,7 @@
             </p:nvSpPr>
             <p:spPr>
               <a:xfrm>
-                <a:off x="3980845" y="4791528"/>
+                <a:off x="3980845" y="4876371"/>
                 <a:ext cx="1182311" cy="410690"/>
               </a:xfrm>
               <a:prstGeom prst="rect">
@@ -18388,7 +19614,7 @@
               <a:blipFill>
                 <a:blip r:embed="rId8"/>
                 <a:stretch>
-                  <a:fillRect l="-3093" t="-91045" r="-24227" b="-82090"/>
+                  <a:fillRect l="-3093" t="-92537" r="-24227" b="-80597"/>
                 </a:stretch>
               </a:blipFill>
             </p:spPr>
@@ -18407,8 +19633,8 @@
           </p:sp>
         </mc:Fallback>
       </mc:AlternateContent>
-      <mc:AlternateContent xmlns:mc="http://schemas.openxmlformats.org/markup-compatibility/2006" xmlns:a14="http://schemas.microsoft.com/office/drawing/2010/main">
-        <mc:Choice Requires="a14">
+      <mc:AlternateContent xmlns:mc="http://schemas.openxmlformats.org/markup-compatibility/2006">
+        <mc:Choice xmlns:a14="http://schemas.microsoft.com/office/drawing/2010/main" Requires="a14">
           <p:sp>
             <p:nvSpPr>
               <p:cNvPr id="18" name="TextBox 17"/>
@@ -18417,7 +19643,7 @@
             </p:nvSpPr>
             <p:spPr>
               <a:xfrm>
-                <a:off x="3616226" y="5436045"/>
+                <a:off x="3616226" y="5520888"/>
                 <a:ext cx="1911549" cy="539635"/>
               </a:xfrm>
               <a:prstGeom prst="rect">
@@ -18692,7 +19918,7 @@
             </p:txBody>
           </p:sp>
         </mc:Choice>
-        <mc:Fallback xmlns="">
+        <mc:Fallback>
           <p:sp>
             <p:nvSpPr>
               <p:cNvPr id="18" name="TextBox 17"/>
@@ -18703,7 +19929,7 @@
             </p:nvSpPr>
             <p:spPr>
               <a:xfrm>
-                <a:off x="3616226" y="5436045"/>
+                <a:off x="3616226" y="5520888"/>
                 <a:ext cx="1911549" cy="539635"/>
               </a:xfrm>
               <a:prstGeom prst="rect">
@@ -18739,7 +19965,7 @@
         </p:nvSpPr>
         <p:spPr>
           <a:xfrm>
-            <a:off x="608472" y="2895990"/>
+            <a:off x="608472" y="2980833"/>
             <a:ext cx="5301180" cy="369332"/>
           </a:xfrm>
           <a:prstGeom prst="rect">
@@ -18782,7 +20008,7 @@
         </p:nvSpPr>
         <p:spPr>
           <a:xfrm>
-            <a:off x="608473" y="3717659"/>
+            <a:off x="608473" y="3802502"/>
             <a:ext cx="3597384" cy="369332"/>
           </a:xfrm>
           <a:prstGeom prst="rect">
@@ -18821,7 +20047,7 @@
         </p:nvSpPr>
         <p:spPr>
           <a:xfrm>
-            <a:off x="608473" y="4502001"/>
+            <a:off x="608473" y="4586844"/>
             <a:ext cx="2049002" cy="369332"/>
           </a:xfrm>
           <a:prstGeom prst="rect">
@@ -18857,13 +20083,15 @@
         </p:nvSpPr>
         <p:spPr>
           <a:xfrm>
-            <a:off x="401942" y="807970"/>
+            <a:off x="401942" y="751408"/>
             <a:ext cx="1849552" cy="369332"/>
           </a:xfrm>
           <a:prstGeom prst="rect">
             <a:avLst/>
           </a:prstGeom>
-          <a:noFill/>
+          <a:solidFill>
+            <a:schemeClr val="bg1"/>
+          </a:solidFill>
         </p:spPr>
         <p:txBody>
           <a:bodyPr wrap="square" rtlCol="0">
@@ -18894,13 +20122,15 @@
         </p:nvSpPr>
         <p:spPr>
           <a:xfrm>
-            <a:off x="401941" y="2599049"/>
+            <a:off x="401941" y="2683892"/>
             <a:ext cx="2065214" cy="369332"/>
           </a:xfrm>
           <a:prstGeom prst="rect">
             <a:avLst/>
           </a:prstGeom>
-          <a:noFill/>
+          <a:solidFill>
+            <a:schemeClr val="bg1"/>
+          </a:solidFill>
         </p:spPr>
         <p:txBody>
           <a:bodyPr wrap="square" rtlCol="0">
@@ -19038,7 +20268,7 @@
         </p:blipFill>
         <p:spPr>
           <a:xfrm>
-            <a:off x="6080827" y="4791528"/>
+            <a:off x="6080827" y="4876371"/>
             <a:ext cx="2670279" cy="1450974"/>
           </a:xfrm>
           <a:prstGeom prst="rect">
@@ -19062,7 +20292,7 @@
         </p:blipFill>
         <p:spPr>
           <a:xfrm>
-            <a:off x="552974" y="1252476"/>
+            <a:off x="552974" y="1195914"/>
             <a:ext cx="1080000" cy="1290152"/>
           </a:xfrm>
           <a:prstGeom prst="rect">
@@ -19078,7 +20308,7 @@
         </p:nvSpPr>
         <p:spPr>
           <a:xfrm>
-            <a:off x="6575495" y="4618402"/>
+            <a:off x="6575495" y="4703245"/>
             <a:ext cx="1680942" cy="276999"/>
           </a:xfrm>
           <a:prstGeom prst="rect">
@@ -19223,24 +20453,7 @@
                 <a:ea typeface="+mj-ea"/>
                 <a:cs typeface="Arial" pitchFamily="34" charset="0"/>
               </a:rPr>
-              <a:t>Design Platform</a:t>
-            </a:r>
-            <a:r>
-              <a:rPr kumimoji="0" lang="en-US" altLang="ko-KR" sz="3200" b="1" i="0" u="none" strike="noStrike" kern="1200" cap="none" spc="0" normalizeH="0" noProof="0" dirty="0" smtClean="0">
-                <a:ln>
-                  <a:noFill/>
-                </a:ln>
-                <a:solidFill>
-                  <a:schemeClr val="bg1"/>
-                </a:solidFill>
-                <a:effectLst/>
-                <a:uLnTx/>
-                <a:uFillTx/>
-                <a:latin typeface="Arial" pitchFamily="34" charset="0"/>
-                <a:ea typeface="+mj-ea"/>
-                <a:cs typeface="Arial" pitchFamily="34" charset="0"/>
-              </a:rPr>
-              <a:t> - S</a:t>
+              <a:t>Design </a:t>
             </a:r>
             <a:r>
               <a:rPr kumimoji="0" lang="en-US" altLang="ko-KR" sz="3200" b="1" i="0" u="none" strike="noStrike" kern="1200" cap="none" spc="0" normalizeH="0" baseline="0" noProof="0" dirty="0" smtClean="0">
@@ -19257,7 +20470,7 @@
                 <a:ea typeface="+mj-ea"/>
                 <a:cs typeface="Arial" pitchFamily="34" charset="0"/>
               </a:rPr>
-              <a:t>tructure</a:t>
+              <a:t>Platform</a:t>
             </a:r>
             <a:endParaRPr kumimoji="0" lang="en-US" altLang="ko-KR" sz="2800" b="1" i="0" u="none" strike="noStrike" kern="1200" cap="none" spc="0" normalizeH="0" baseline="0" noProof="0" dirty="0" smtClean="0">
               <a:ln>
@@ -19364,8 +20577,8 @@
           </a:prstGeom>
         </p:spPr>
       </p:pic>
-      <mc:AlternateContent xmlns:mc="http://schemas.openxmlformats.org/markup-compatibility/2006" xmlns:a14="http://schemas.microsoft.com/office/drawing/2010/main">
-        <mc:Choice Requires="a14">
+      <mc:AlternateContent xmlns:mc="http://schemas.openxmlformats.org/markup-compatibility/2006">
+        <mc:Choice xmlns:a14="http://schemas.microsoft.com/office/drawing/2010/main" Requires="a14">
           <p:sp>
             <p:nvSpPr>
               <p:cNvPr id="39" name="직사각형 38"/>
@@ -19374,7 +20587,7 @@
             </p:nvSpPr>
             <p:spPr>
               <a:xfrm>
-                <a:off x="5480625" y="3449425"/>
+                <a:off x="5908834" y="3571402"/>
                 <a:ext cx="2727331" cy="959045"/>
               </a:xfrm>
               <a:prstGeom prst="rect">
@@ -19540,7 +20753,7 @@
             </p:txBody>
           </p:sp>
         </mc:Choice>
-        <mc:Fallback xmlns="">
+        <mc:Fallback>
           <p:sp>
             <p:nvSpPr>
               <p:cNvPr id="39" name="직사각형 38"/>
@@ -19551,7 +20764,7 @@
             </p:nvSpPr>
             <p:spPr>
               <a:xfrm>
-                <a:off x="5480625" y="3449425"/>
+                <a:off x="5908834" y="3571402"/>
                 <a:ext cx="2727331" cy="959045"/>
               </a:xfrm>
               <a:prstGeom prst="rect">
@@ -19736,7 +20949,7 @@
         <p:spPr>
           <a:xfrm>
             <a:off x="526996" y="3607117"/>
-            <a:ext cx="4281055" cy="923330"/>
+            <a:ext cx="5063099" cy="923330"/>
           </a:xfrm>
           <a:prstGeom prst="rect">
             <a:avLst/>
@@ -19771,7 +20984,13 @@
               <a:rPr lang="en-US" altLang="ko-KR" b="0" dirty="0" smtClean="0">
                 <a:cs typeface="Arial" panose="020B0604020202020204" pitchFamily="34" charset="0"/>
               </a:rPr>
-              <a:t>Wavelength: 150 – 3000 um (5 um step)</a:t>
+              <a:t>Wavelength: 150 – 3000 um (5 um </a:t>
+            </a:r>
+            <a:r>
+              <a:rPr lang="en-US" altLang="ko-KR" b="0" dirty="0" smtClean="0">
+                <a:cs typeface="Arial" panose="020B0604020202020204" pitchFamily="34" charset="0"/>
+              </a:rPr>
+              <a:t>step, 570 points)</a:t>
             </a:r>
             <a:endParaRPr lang="en-US" altLang="ko-KR" dirty="0">
               <a:latin typeface="Arial" panose="020B0604020202020204" pitchFamily="34" charset="0"/>
@@ -19829,6 +21048,305 @@
               <a:rPr lang="ko-KR" altLang="en-US" smtClean="0"/>
               <a:pPr/>
               <a:t>25</a:t>
+            </a:fld>
+            <a:endParaRPr lang="ko-KR" altLang="en-US"/>
+          </a:p>
+        </p:txBody>
+      </p:sp>
+      <p:sp>
+        <p:nvSpPr>
+          <p:cNvPr id="4" name="Rectangle 12"/>
+          <p:cNvSpPr txBox="1">
+            <a:spLocks noChangeArrowheads="1"/>
+          </p:cNvSpPr>
+          <p:nvPr/>
+        </p:nvSpPr>
+        <p:spPr bwMode="auto">
+          <a:xfrm>
+            <a:off x="0" y="-24"/>
+            <a:ext cx="9144000" cy="720000"/>
+          </a:xfrm>
+          <a:prstGeom prst="rect">
+            <a:avLst/>
+          </a:prstGeom>
+          <a:solidFill>
+            <a:srgbClr val="0000FF"/>
+          </a:solidFill>
+          <a:ln>
+            <a:miter lim="800000"/>
+            <a:headEnd/>
+            <a:tailEnd/>
+          </a:ln>
+        </p:spPr>
+        <p:txBody>
+          <a:bodyPr vert="horz" lIns="91440" tIns="45720" rIns="91440" bIns="45720" rtlCol="0" anchor="ctr">
+            <a:normAutofit/>
+          </a:bodyPr>
+          <a:lstStyle/>
+          <a:p>
+            <a:pPr marL="0" marR="0" lvl="0" indent="0" algn="ctr" defTabSz="914400" rtl="0" eaLnBrk="1" fontAlgn="auto" latinLnBrk="1" hangingPunct="1">
+              <a:lnSpc>
+                <a:spcPct val="100000"/>
+              </a:lnSpc>
+              <a:spcBef>
+                <a:spcPct val="0"/>
+              </a:spcBef>
+              <a:spcAft>
+                <a:spcPts val="0"/>
+              </a:spcAft>
+              <a:buClrTx/>
+              <a:buSzTx/>
+              <a:buFontTx/>
+              <a:buNone/>
+              <a:tabLst/>
+              <a:defRPr/>
+            </a:pPr>
+            <a:r>
+              <a:rPr kumimoji="0" lang="en-US" altLang="ko-KR" sz="3200" b="1" i="0" u="none" strike="noStrike" kern="1200" cap="none" spc="0" normalizeH="0" baseline="0" noProof="0" dirty="0" smtClean="0">
+                <a:ln>
+                  <a:noFill/>
+                </a:ln>
+                <a:solidFill>
+                  <a:schemeClr val="bg1"/>
+                </a:solidFill>
+                <a:effectLst/>
+                <a:uLnTx/>
+                <a:uFillTx/>
+                <a:latin typeface="Arial" pitchFamily="34" charset="0"/>
+                <a:ea typeface="+mj-ea"/>
+                <a:cs typeface="Arial" pitchFamily="34" charset="0"/>
+              </a:rPr>
+              <a:t>Design Platform</a:t>
+            </a:r>
+            <a:endParaRPr kumimoji="0" lang="en-US" altLang="ko-KR" sz="2800" b="1" i="0" u="none" strike="noStrike" kern="1200" cap="none" spc="0" normalizeH="0" baseline="0" noProof="0" dirty="0" smtClean="0">
+              <a:ln>
+                <a:noFill/>
+              </a:ln>
+              <a:solidFill>
+                <a:schemeClr val="bg1"/>
+              </a:solidFill>
+              <a:effectLst/>
+              <a:uLnTx/>
+              <a:uFillTx/>
+              <a:latin typeface="Arial" pitchFamily="34" charset="0"/>
+              <a:ea typeface="+mj-ea"/>
+              <a:cs typeface="Arial" pitchFamily="34" charset="0"/>
+            </a:endParaRPr>
+          </a:p>
+        </p:txBody>
+      </p:sp>
+      <p:sp>
+        <p:nvSpPr>
+          <p:cNvPr id="2" name="직사각형 1"/>
+          <p:cNvSpPr/>
+          <p:nvPr/>
+        </p:nvSpPr>
+        <p:spPr>
+          <a:xfrm>
+            <a:off x="0" y="940311"/>
+            <a:ext cx="9220200" cy="507831"/>
+          </a:xfrm>
+          <a:prstGeom prst="rect">
+            <a:avLst/>
+          </a:prstGeom>
+        </p:spPr>
+        <p:txBody>
+          <a:bodyPr wrap="square">
+            <a:spAutoFit/>
+          </a:bodyPr>
+          <a:lstStyle/>
+          <a:p>
+            <a:pPr>
+              <a:lnSpc>
+                <a:spcPct val="150000"/>
+              </a:lnSpc>
+            </a:pPr>
+            <a:r>
+              <a:rPr lang="en-US" altLang="ko-KR" dirty="0">
+                <a:latin typeface="Arial" panose="020B0604020202020204" pitchFamily="34" charset="0"/>
+                <a:cs typeface="Arial" panose="020B0604020202020204" pitchFamily="34" charset="0"/>
+              </a:rPr>
+              <a:t>Photonic Integrated Circuits (PICs) based on Silicon-on-Insulator (SOI)</a:t>
+            </a:r>
+            <a:r>
+              <a:rPr lang="ko-KR" altLang="en-US" dirty="0">
+                <a:latin typeface="Arial" panose="020B0604020202020204" pitchFamily="34" charset="0"/>
+                <a:cs typeface="Arial" panose="020B0604020202020204" pitchFamily="34" charset="0"/>
+              </a:rPr>
+              <a:t>에 대한 관심 </a:t>
+            </a:r>
+            <a:r>
+              <a:rPr lang="ko-KR" altLang="en-US" dirty="0" smtClean="0">
+                <a:latin typeface="Arial" panose="020B0604020202020204" pitchFamily="34" charset="0"/>
+                <a:cs typeface="Arial" panose="020B0604020202020204" pitchFamily="34" charset="0"/>
+              </a:rPr>
+              <a:t>증폭</a:t>
+            </a:r>
+            <a:endParaRPr lang="en-US" altLang="ko-KR" dirty="0">
+              <a:latin typeface="Arial" panose="020B0604020202020204" pitchFamily="34" charset="0"/>
+              <a:cs typeface="Arial" panose="020B0604020202020204" pitchFamily="34" charset="0"/>
+            </a:endParaRPr>
+          </a:p>
+        </p:txBody>
+      </p:sp>
+      <p:pic>
+        <p:nvPicPr>
+          <p:cNvPr id="5" name="그림 4"/>
+          <p:cNvPicPr>
+            <a:picLocks noChangeAspect="1"/>
+          </p:cNvPicPr>
+          <p:nvPr/>
+        </p:nvPicPr>
+        <p:blipFill>
+          <a:blip r:embed="rId2"/>
+          <a:stretch>
+            <a:fillRect/>
+          </a:stretch>
+        </p:blipFill>
+        <p:spPr>
+          <a:xfrm>
+            <a:off x="236879" y="1764669"/>
+            <a:ext cx="1769678" cy="2712441"/>
+          </a:xfrm>
+          <a:prstGeom prst="rect">
+            <a:avLst/>
+          </a:prstGeom>
+        </p:spPr>
+      </p:pic>
+      <p:pic>
+        <p:nvPicPr>
+          <p:cNvPr id="565" name="그림 564"/>
+          <p:cNvPicPr>
+            <a:picLocks noChangeAspect="1"/>
+          </p:cNvPicPr>
+          <p:nvPr/>
+        </p:nvPicPr>
+        <p:blipFill>
+          <a:blip r:embed="rId3"/>
+          <a:stretch>
+            <a:fillRect/>
+          </a:stretch>
+        </p:blipFill>
+        <p:spPr>
+          <a:xfrm>
+            <a:off x="2359867" y="2093691"/>
+            <a:ext cx="2060627" cy="1255885"/>
+          </a:xfrm>
+          <a:prstGeom prst="rect">
+            <a:avLst/>
+          </a:prstGeom>
+        </p:spPr>
+      </p:pic>
+      <p:sp>
+        <p:nvSpPr>
+          <p:cNvPr id="7" name="직사각형 6"/>
+          <p:cNvSpPr/>
+          <p:nvPr/>
+        </p:nvSpPr>
+        <p:spPr>
+          <a:xfrm>
+            <a:off x="917521" y="4538712"/>
+            <a:ext cx="5483279" cy="507831"/>
+          </a:xfrm>
+          <a:prstGeom prst="rect">
+            <a:avLst/>
+          </a:prstGeom>
+        </p:spPr>
+        <p:txBody>
+          <a:bodyPr wrap="square">
+            <a:spAutoFit/>
+          </a:bodyPr>
+          <a:lstStyle/>
+          <a:p>
+            <a:pPr>
+              <a:lnSpc>
+                <a:spcPct val="150000"/>
+              </a:lnSpc>
+            </a:pPr>
+            <a:r>
+              <a:rPr lang="en-US" altLang="ko-KR" dirty="0" smtClean="0">
+                <a:latin typeface="Arial" panose="020B0604020202020204" pitchFamily="34" charset="0"/>
+                <a:cs typeface="Arial" panose="020B0604020202020204" pitchFamily="34" charset="0"/>
+              </a:rPr>
+              <a:t>Design </a:t>
+            </a:r>
+            <a:r>
+              <a:rPr lang="en-US" altLang="ko-KR" dirty="0" smtClean="0">
+                <a:latin typeface="Arial" panose="020B0604020202020204" pitchFamily="34" charset="0"/>
+                <a:cs typeface="Arial" panose="020B0604020202020204" pitchFamily="34" charset="0"/>
+              </a:rPr>
+              <a:t>Band: 275 – 325 um (</a:t>
+            </a:r>
+            <a:r>
+              <a:rPr lang="en-US" altLang="ko-KR" dirty="0" smtClean="0">
+                <a:latin typeface="Arial" panose="020B0604020202020204" pitchFamily="34" charset="0"/>
+                <a:cs typeface="Arial" panose="020B0604020202020204" pitchFamily="34" charset="0"/>
+              </a:rPr>
+              <a:t>2 um step, 26 points</a:t>
+            </a:r>
+            <a:r>
+              <a:rPr lang="en-US" altLang="ko-KR" dirty="0" smtClean="0">
+                <a:latin typeface="Arial" panose="020B0604020202020204" pitchFamily="34" charset="0"/>
+                <a:cs typeface="Arial" panose="020B0604020202020204" pitchFamily="34" charset="0"/>
+              </a:rPr>
+              <a:t>)</a:t>
+            </a:r>
+            <a:endParaRPr lang="en-US" altLang="ko-KR" dirty="0" smtClean="0">
+              <a:latin typeface="Arial" panose="020B0604020202020204" pitchFamily="34" charset="0"/>
+              <a:cs typeface="Arial" panose="020B0604020202020204" pitchFamily="34" charset="0"/>
+            </a:endParaRPr>
+          </a:p>
+        </p:txBody>
+      </p:sp>
+    </p:spTree>
+    <p:extLst>
+      <p:ext uri="{BB962C8B-B14F-4D97-AF65-F5344CB8AC3E}">
+        <p14:creationId xmlns:p14="http://schemas.microsoft.com/office/powerpoint/2010/main" val="1002164811"/>
+      </p:ext>
+    </p:extLst>
+  </p:cSld>
+  <p:clrMapOvr>
+    <a:masterClrMapping/>
+  </p:clrMapOvr>
+</p:sld>
+</file>
+
+<file path=ppt/slides/slide26.xml><?xml version="1.0" encoding="utf-8"?>
+<p:sld xmlns:a="http://schemas.openxmlformats.org/drawingml/2006/main" xmlns:r="http://schemas.openxmlformats.org/officeDocument/2006/relationships" xmlns:p="http://schemas.openxmlformats.org/presentationml/2006/main">
+  <p:cSld>
+    <p:spTree>
+      <p:nvGrpSpPr>
+        <p:cNvPr id="1" name=""/>
+        <p:cNvGrpSpPr/>
+        <p:nvPr/>
+      </p:nvGrpSpPr>
+      <p:grpSpPr>
+        <a:xfrm>
+          <a:off x="0" y="0"/>
+          <a:ext cx="0" cy="0"/>
+          <a:chOff x="0" y="0"/>
+          <a:chExt cx="0" cy="0"/>
+        </a:xfrm>
+      </p:grpSpPr>
+      <p:sp>
+        <p:nvSpPr>
+          <p:cNvPr id="3" name="슬라이드 번호 개체 틀 2"/>
+          <p:cNvSpPr>
+            <a:spLocks noGrp="1"/>
+          </p:cNvSpPr>
+          <p:nvPr>
+            <p:ph type="sldNum" sz="quarter" idx="12"/>
+          </p:nvPr>
+        </p:nvSpPr>
+        <p:spPr/>
+        <p:txBody>
+          <a:bodyPr/>
+          <a:lstStyle/>
+          <a:p>
+            <a:fld id="{C5596875-2F2A-4E4F-B6FE-0AB921437886}" type="slidenum">
+              <a:rPr lang="ko-KR" altLang="en-US" smtClean="0"/>
+              <a:pPr/>
+              <a:t>26</a:t>
             </a:fld>
             <a:endParaRPr lang="ko-KR" altLang="en-US"/>
           </a:p>
@@ -19929,7 +21447,7 @@
                 <a:ea typeface="Adobe Fan Heiti Std B" panose="020B0700000000000000" pitchFamily="34" charset="-128"/>
                 <a:cs typeface="Arial" panose="020B0604020202020204" pitchFamily="34" charset="0"/>
               </a:rPr>
-              <a:t>ARL</a:t>
+              <a:t>DBR</a:t>
             </a:r>
             <a:endParaRPr lang="ko-KR" altLang="en-US" b="1" dirty="0">
               <a:latin typeface="Arial" panose="020B0604020202020204" pitchFamily="34" charset="0"/>
@@ -19938,135 +21456,6 @@
           </a:p>
         </p:txBody>
       </p:sp>
-      <p:sp>
-        <p:nvSpPr>
-          <p:cNvPr id="6" name="TextBox 5"/>
-          <p:cNvSpPr txBox="1"/>
-          <p:nvPr/>
-        </p:nvSpPr>
-        <p:spPr>
-          <a:xfrm>
-            <a:off x="401941" y="3224960"/>
-            <a:ext cx="811717" cy="369332"/>
-          </a:xfrm>
-          <a:prstGeom prst="rect">
-            <a:avLst/>
-          </a:prstGeom>
-          <a:noFill/>
-        </p:spPr>
-        <p:txBody>
-          <a:bodyPr wrap="square" rtlCol="0">
-            <a:spAutoFit/>
-          </a:bodyPr>
-          <a:lstStyle/>
-          <a:p>
-            <a:r>
-              <a:rPr lang="en-US" altLang="ko-KR" b="1" dirty="0" smtClean="0">
-                <a:latin typeface="Arial" panose="020B0604020202020204" pitchFamily="34" charset="0"/>
-                <a:ea typeface="Adobe Fan Heiti Std B" panose="020B0700000000000000" pitchFamily="34" charset="-128"/>
-                <a:cs typeface="Arial" panose="020B0604020202020204" pitchFamily="34" charset="0"/>
-              </a:rPr>
-              <a:t>ANN</a:t>
-            </a:r>
-            <a:endParaRPr lang="ko-KR" altLang="en-US" b="1" dirty="0">
-              <a:latin typeface="Arial" panose="020B0604020202020204" pitchFamily="34" charset="0"/>
-              <a:cs typeface="Arial" panose="020B0604020202020204" pitchFamily="34" charset="0"/>
-            </a:endParaRPr>
-          </a:p>
-        </p:txBody>
-      </p:sp>
-      <p:sp>
-        <p:nvSpPr>
-          <p:cNvPr id="7" name="직사각형 6"/>
-          <p:cNvSpPr/>
-          <p:nvPr/>
-        </p:nvSpPr>
-        <p:spPr>
-          <a:xfrm>
-            <a:off x="565852" y="3559216"/>
-            <a:ext cx="4281055" cy="1338828"/>
-          </a:xfrm>
-          <a:prstGeom prst="rect">
-            <a:avLst/>
-          </a:prstGeom>
-        </p:spPr>
-        <p:txBody>
-          <a:bodyPr wrap="square">
-            <a:spAutoFit/>
-          </a:bodyPr>
-          <a:lstStyle/>
-          <a:p>
-            <a:pPr>
-              <a:lnSpc>
-                <a:spcPct val="150000"/>
-              </a:lnSpc>
-            </a:pPr>
-            <a:r>
-              <a:rPr lang="en-US" altLang="ko-KR" dirty="0" smtClean="0">
-                <a:latin typeface="Arial" panose="020B0604020202020204" pitchFamily="34" charset="0"/>
-                <a:cs typeface="Arial" panose="020B0604020202020204" pitchFamily="34" charset="0"/>
-              </a:rPr>
-              <a:t>Input layer: 80 node</a:t>
-            </a:r>
-          </a:p>
-          <a:p>
-            <a:pPr>
-              <a:lnSpc>
-                <a:spcPct val="150000"/>
-              </a:lnSpc>
-            </a:pPr>
-            <a:r>
-              <a:rPr lang="en-US" altLang="ko-KR" dirty="0" smtClean="0">
-                <a:latin typeface="Arial" panose="020B0604020202020204" pitchFamily="34" charset="0"/>
-                <a:cs typeface="Arial" panose="020B0604020202020204" pitchFamily="34" charset="0"/>
-              </a:rPr>
-              <a:t>Output layer: 570 node</a:t>
-            </a:r>
-          </a:p>
-          <a:p>
-            <a:pPr>
-              <a:lnSpc>
-                <a:spcPct val="150000"/>
-              </a:lnSpc>
-            </a:pPr>
-            <a:r>
-              <a:rPr lang="en-US" altLang="ko-KR" dirty="0" smtClean="0">
-                <a:latin typeface="Arial" panose="020B0604020202020204" pitchFamily="34" charset="0"/>
-                <a:cs typeface="Arial" panose="020B0604020202020204" pitchFamily="34" charset="0"/>
-              </a:rPr>
-              <a:t>Hidden layer: 3 layer, 200 node</a:t>
-            </a:r>
-            <a:endParaRPr lang="en-US" altLang="ko-KR" dirty="0">
-              <a:latin typeface="Arial" panose="020B0604020202020204" pitchFamily="34" charset="0"/>
-              <a:cs typeface="Arial" panose="020B0604020202020204" pitchFamily="34" charset="0"/>
-            </a:endParaRPr>
-          </a:p>
-        </p:txBody>
-      </p:sp>
-      <p:pic>
-        <p:nvPicPr>
-          <p:cNvPr id="8" name="그림 7"/>
-          <p:cNvPicPr>
-            <a:picLocks noChangeAspect="1"/>
-          </p:cNvPicPr>
-          <p:nvPr/>
-        </p:nvPicPr>
-        <p:blipFill>
-          <a:blip r:embed="rId2"/>
-          <a:stretch>
-            <a:fillRect/>
-          </a:stretch>
-        </p:blipFill>
-        <p:spPr>
-          <a:xfrm>
-            <a:off x="5806426" y="3807652"/>
-            <a:ext cx="2164107" cy="1736016"/>
-          </a:xfrm>
-          <a:prstGeom prst="rect">
-            <a:avLst/>
-          </a:prstGeom>
-        </p:spPr>
-      </p:pic>
       <mc:AlternateContent xmlns:mc="http://schemas.openxmlformats.org/markup-compatibility/2006" xmlns:a14="http://schemas.microsoft.com/office/drawing/2010/main">
         <mc:Choice Requires="a14">
           <p:sp>
@@ -20337,224 +21726,43 @@
           </a:prstGeom>
         </p:spPr>
       </p:pic>
-      <mc:AlternateContent xmlns:mc="http://schemas.openxmlformats.org/markup-compatibility/2006" xmlns:a14="http://schemas.microsoft.com/office/drawing/2010/main">
-        <mc:Choice Requires="a14">
-          <p:sp>
-            <p:nvSpPr>
-              <p:cNvPr id="20" name="직사각형 19"/>
-              <p:cNvSpPr/>
-              <p:nvPr/>
-            </p:nvSpPr>
-            <p:spPr>
-              <a:xfrm>
-                <a:off x="1670953" y="5057477"/>
-                <a:ext cx="2070852" cy="972382"/>
-              </a:xfrm>
-              <a:prstGeom prst="rect">
-                <a:avLst/>
-              </a:prstGeom>
-            </p:spPr>
-            <p:txBody>
-              <a:bodyPr wrap="square">
-                <a:spAutoFit/>
-              </a:bodyPr>
-              <a:lstStyle/>
-              <a:p>
-                <a:pPr>
-                  <a:lnSpc>
-                    <a:spcPct val="150000"/>
-                  </a:lnSpc>
-                </a:pPr>
-                <a14:m>
-                  <m:oMathPara xmlns:m="http://schemas.openxmlformats.org/officeDocument/2006/math">
-                    <m:oMathParaPr>
-                      <m:jc m:val="centerGroup"/>
-                    </m:oMathParaPr>
-                    <m:oMath xmlns:m="http://schemas.openxmlformats.org/officeDocument/2006/math">
-                      <m:r>
-                        <a:rPr lang="en-US" altLang="ko-KR" b="0" i="1" smtClean="0">
-                          <a:latin typeface="Cambria Math" panose="02040503050406030204" pitchFamily="18" charset="0"/>
-                          <a:cs typeface="Arial" panose="020B0604020202020204" pitchFamily="34" charset="0"/>
-                        </a:rPr>
-                        <m:t>𝑐𝑜𝑠𝑡</m:t>
-                      </m:r>
-                      <m:r>
-                        <a:rPr lang="en-US" altLang="ko-KR" b="0" i="1" smtClean="0">
-                          <a:latin typeface="Cambria Math" panose="02040503050406030204" pitchFamily="18" charset="0"/>
-                          <a:cs typeface="Arial" panose="020B0604020202020204" pitchFamily="34" charset="0"/>
-                        </a:rPr>
-                        <m:t>=</m:t>
-                      </m:r>
-                      <m:f>
-                        <m:fPr>
-                          <m:ctrlPr>
-                            <a:rPr lang="en-US" altLang="ko-KR" b="0" i="1" smtClean="0">
-                              <a:latin typeface="Cambria Math" panose="02040503050406030204" pitchFamily="18" charset="0"/>
-                              <a:cs typeface="Arial" panose="020B0604020202020204" pitchFamily="34" charset="0"/>
-                            </a:rPr>
-                          </m:ctrlPr>
-                        </m:fPr>
-                        <m:num>
-                          <m:r>
-                            <m:rPr>
-                              <m:sty m:val="p"/>
-                            </m:rPr>
-                            <a:rPr lang="en-US" altLang="ko-KR" b="0" i="0" smtClean="0">
-                              <a:latin typeface="Cambria Math" panose="02040503050406030204" pitchFamily="18" charset="0"/>
-                              <a:cs typeface="Arial" panose="020B0604020202020204" pitchFamily="34" charset="0"/>
-                            </a:rPr>
-                            <m:t>sum</m:t>
-                          </m:r>
-                          <m:d>
-                            <m:dPr>
-                              <m:ctrlPr>
-                                <a:rPr lang="en-US" altLang="ko-KR" b="0" i="1" smtClean="0">
-                                  <a:latin typeface="Cambria Math" panose="02040503050406030204" pitchFamily="18" charset="0"/>
-                                  <a:cs typeface="Arial" panose="020B0604020202020204" pitchFamily="34" charset="0"/>
-                                </a:rPr>
-                              </m:ctrlPr>
-                            </m:dPr>
-                            <m:e>
-                              <m:sSub>
-                                <m:sSubPr>
-                                  <m:ctrlPr>
-                                    <a:rPr lang="en-US" altLang="ko-KR" b="0" i="1" smtClean="0">
-                                      <a:latin typeface="Cambria Math" panose="02040503050406030204" pitchFamily="18" charset="0"/>
-                                      <a:cs typeface="Arial" panose="020B0604020202020204" pitchFamily="34" charset="0"/>
-                                    </a:rPr>
-                                  </m:ctrlPr>
-                                </m:sSubPr>
-                                <m:e>
-                                  <m:r>
-                                    <a:rPr lang="en-US" altLang="ko-KR" b="0" i="1" smtClean="0">
-                                      <a:latin typeface="Cambria Math" panose="02040503050406030204" pitchFamily="18" charset="0"/>
-                                      <a:cs typeface="Arial" panose="020B0604020202020204" pitchFamily="34" charset="0"/>
-                                    </a:rPr>
-                                    <m:t>𝑅</m:t>
-                                  </m:r>
-                                </m:e>
-                                <m:sub>
-                                  <m:r>
-                                    <m:rPr>
-                                      <m:sty m:val="p"/>
-                                    </m:rPr>
-                                    <a:rPr lang="en-US" altLang="ko-KR" b="0" i="0" smtClean="0">
-                                      <a:latin typeface="Cambria Math" panose="02040503050406030204" pitchFamily="18" charset="0"/>
-                                      <a:cs typeface="Arial" panose="020B0604020202020204" pitchFamily="34" charset="0"/>
-                                    </a:rPr>
-                                    <m:t>out</m:t>
-                                  </m:r>
-                                </m:sub>
-                              </m:sSub>
-                            </m:e>
-                          </m:d>
-                        </m:num>
-                        <m:den>
-                          <m:r>
-                            <m:rPr>
-                              <m:sty m:val="p"/>
-                            </m:rPr>
-                            <a:rPr lang="en-US" altLang="ko-KR" b="0" i="0" smtClean="0">
-                              <a:latin typeface="Cambria Math" panose="02040503050406030204" pitchFamily="18" charset="0"/>
-                              <a:cs typeface="Arial" panose="020B0604020202020204" pitchFamily="34" charset="0"/>
-                            </a:rPr>
-                            <m:t>sum</m:t>
-                          </m:r>
-                          <m:d>
-                            <m:dPr>
-                              <m:ctrlPr>
-                                <a:rPr lang="en-US" altLang="ko-KR" b="0" i="1" smtClean="0">
-                                  <a:latin typeface="Cambria Math" panose="02040503050406030204" pitchFamily="18" charset="0"/>
-                                  <a:cs typeface="Arial" panose="020B0604020202020204" pitchFamily="34" charset="0"/>
-                                </a:rPr>
-                              </m:ctrlPr>
-                            </m:dPr>
-                            <m:e>
-                              <m:sSub>
-                                <m:sSubPr>
-                                  <m:ctrlPr>
-                                    <a:rPr lang="en-US" altLang="ko-KR" b="0" i="1" smtClean="0">
-                                      <a:latin typeface="Cambria Math" panose="02040503050406030204" pitchFamily="18" charset="0"/>
-                                      <a:cs typeface="Arial" panose="020B0604020202020204" pitchFamily="34" charset="0"/>
-                                    </a:rPr>
-                                  </m:ctrlPr>
-                                </m:sSubPr>
-                                <m:e>
-                                  <m:r>
-                                    <a:rPr lang="en-US" altLang="ko-KR" b="0" i="1" smtClean="0">
-                                      <a:latin typeface="Cambria Math" panose="02040503050406030204" pitchFamily="18" charset="0"/>
-                                      <a:cs typeface="Arial" panose="020B0604020202020204" pitchFamily="34" charset="0"/>
-                                    </a:rPr>
-                                    <m:t>𝑅</m:t>
-                                  </m:r>
-                                </m:e>
-                                <m:sub>
-                                  <m:r>
-                                    <m:rPr>
-                                      <m:sty m:val="p"/>
-                                    </m:rPr>
-                                    <a:rPr lang="en-US" altLang="ko-KR" b="0" i="0" smtClean="0">
-                                      <a:latin typeface="Cambria Math" panose="02040503050406030204" pitchFamily="18" charset="0"/>
-                                      <a:cs typeface="Arial" panose="020B0604020202020204" pitchFamily="34" charset="0"/>
-                                    </a:rPr>
-                                    <m:t>in</m:t>
-                                  </m:r>
-                                </m:sub>
-                              </m:sSub>
-                            </m:e>
-                          </m:d>
-                        </m:den>
-                      </m:f>
-                    </m:oMath>
-                  </m:oMathPara>
-                </a14:m>
-                <a:endParaRPr lang="en-US" altLang="ko-KR" dirty="0">
-                  <a:latin typeface="Arial" panose="020B0604020202020204" pitchFamily="34" charset="0"/>
-                  <a:cs typeface="Arial" panose="020B0604020202020204" pitchFamily="34" charset="0"/>
-                </a:endParaRPr>
-              </a:p>
-            </p:txBody>
-          </p:sp>
-        </mc:Choice>
-        <mc:Fallback xmlns="">
-          <p:sp>
-            <p:nvSpPr>
-              <p:cNvPr id="20" name="직사각형 19"/>
-              <p:cNvSpPr>
-                <a:spLocks noRot="1" noChangeAspect="1" noMove="1" noResize="1" noEditPoints="1" noAdjustHandles="1" noChangeArrowheads="1" noChangeShapeType="1" noTextEdit="1"/>
-              </p:cNvSpPr>
-              <p:nvPr/>
-            </p:nvSpPr>
-            <p:spPr>
-              <a:xfrm>
-                <a:off x="1670953" y="5057477"/>
-                <a:ext cx="2070852" cy="972382"/>
-              </a:xfrm>
-              <a:prstGeom prst="rect">
-                <a:avLst/>
-              </a:prstGeom>
-              <a:blipFill>
-                <a:blip r:embed="rId5"/>
-                <a:stretch>
-                  <a:fillRect/>
-                </a:stretch>
-              </a:blipFill>
-            </p:spPr>
-            <p:txBody>
-              <a:bodyPr/>
-              <a:lstStyle/>
-              <a:p>
-                <a:r>
-                  <a:rPr lang="ko-KR" altLang="en-US">
-                    <a:noFill/>
-                  </a:rPr>
-                  <a:t> </a:t>
-                </a:r>
-              </a:p>
-            </p:txBody>
-          </p:sp>
-        </mc:Fallback>
-      </mc:AlternateContent>
+      <p:sp>
+        <p:nvSpPr>
+          <p:cNvPr id="11" name="TextBox 10"/>
+          <p:cNvSpPr txBox="1"/>
+          <p:nvPr/>
+        </p:nvSpPr>
+        <p:spPr>
+          <a:xfrm>
+            <a:off x="401942" y="3669696"/>
+            <a:ext cx="2328558" cy="369332"/>
+          </a:xfrm>
+          <a:prstGeom prst="rect">
+            <a:avLst/>
+          </a:prstGeom>
+          <a:noFill/>
+        </p:spPr>
+        <p:txBody>
+          <a:bodyPr wrap="square" rtlCol="0">
+            <a:spAutoFit/>
+          </a:bodyPr>
+          <a:lstStyle/>
+          <a:p>
+            <a:r>
+              <a:rPr lang="en-US" altLang="ko-KR" b="1" dirty="0" smtClean="0">
+                <a:latin typeface="Arial" panose="020B0604020202020204" pitchFamily="34" charset="0"/>
+                <a:ea typeface="Adobe Fan Heiti Std B" panose="020B0700000000000000" pitchFamily="34" charset="-128"/>
+                <a:cs typeface="Arial" panose="020B0604020202020204" pitchFamily="34" charset="0"/>
+              </a:rPr>
+              <a:t>1x2 Power Splitter</a:t>
+            </a:r>
+            <a:endParaRPr lang="ko-KR" altLang="en-US" b="1" dirty="0">
+              <a:latin typeface="Arial" panose="020B0604020202020204" pitchFamily="34" charset="0"/>
+              <a:cs typeface="Arial" panose="020B0604020202020204" pitchFamily="34" charset="0"/>
+            </a:endParaRPr>
+          </a:p>
+        </p:txBody>
+      </p:sp>
     </p:spTree>
     <p:extLst>
       <p:ext uri="{BB962C8B-B14F-4D97-AF65-F5344CB8AC3E}">
@@ -20568,7 +21776,7 @@
 </p:sld>
 </file>
 
-<file path=ppt/slides/slide26.xml><?xml version="1.0" encoding="utf-8"?>
+<file path=ppt/slides/slide27.xml><?xml version="1.0" encoding="utf-8"?>
 <p:sld xmlns:a="http://schemas.openxmlformats.org/drawingml/2006/main" xmlns:r="http://schemas.openxmlformats.org/officeDocument/2006/relationships" xmlns:p="http://schemas.openxmlformats.org/presentationml/2006/main">
   <p:cSld>
     <p:spTree>
@@ -20603,7 +21811,7 @@
             <a:fld id="{C5596875-2F2A-4E4F-B6FE-0AB921437886}" type="slidenum">
               <a:rPr lang="ko-KR" altLang="en-US" smtClean="0"/>
               <a:pPr/>
-              <a:t>26</a:t>
+              <a:t>27</a:t>
             </a:fld>
             <a:endParaRPr lang="ko-KR" altLang="en-US"/>
           </a:p>
@@ -20727,7 +21935,7 @@
 </p:sld>
 </file>
 
-<file path=ppt/slides/slide27.xml><?xml version="1.0" encoding="utf-8"?>
+<file path=ppt/slides/slide28.xml><?xml version="1.0" encoding="utf-8"?>
 <p:sld xmlns:a="http://schemas.openxmlformats.org/drawingml/2006/main" xmlns:r="http://schemas.openxmlformats.org/officeDocument/2006/relationships" xmlns:p="http://schemas.openxmlformats.org/presentationml/2006/main">
   <p:cSld>
     <p:spTree>
@@ -20762,7 +21970,7 @@
             <a:fld id="{C5596875-2F2A-4E4F-B6FE-0AB921437886}" type="slidenum">
               <a:rPr lang="ko-KR" altLang="en-US" smtClean="0"/>
               <a:pPr/>
-              <a:t>27</a:t>
+              <a:t>28</a:t>
             </a:fld>
             <a:endParaRPr lang="ko-KR" altLang="en-US"/>
           </a:p>
@@ -20917,244 +22125,6 @@
 </p:sld>
 </file>
 
-<file path=ppt/slides/slide28.xml><?xml version="1.0" encoding="utf-8"?>
-<p:sld xmlns:a="http://schemas.openxmlformats.org/drawingml/2006/main" xmlns:r="http://schemas.openxmlformats.org/officeDocument/2006/relationships" xmlns:p="http://schemas.openxmlformats.org/presentationml/2006/main">
-  <p:cSld>
-    <p:spTree>
-      <p:nvGrpSpPr>
-        <p:cNvPr id="1" name=""/>
-        <p:cNvGrpSpPr/>
-        <p:nvPr/>
-      </p:nvGrpSpPr>
-      <p:grpSpPr>
-        <a:xfrm>
-          <a:off x="0" y="0"/>
-          <a:ext cx="0" cy="0"/>
-          <a:chOff x="0" y="0"/>
-          <a:chExt cx="0" cy="0"/>
-        </a:xfrm>
-      </p:grpSpPr>
-      <p:sp>
-        <p:nvSpPr>
-          <p:cNvPr id="3" name="슬라이드 번호 개체 틀 2"/>
-          <p:cNvSpPr>
-            <a:spLocks noGrp="1"/>
-          </p:cNvSpPr>
-          <p:nvPr>
-            <p:ph type="sldNum" sz="quarter" idx="12"/>
-          </p:nvPr>
-        </p:nvSpPr>
-        <p:spPr/>
-        <p:txBody>
-          <a:bodyPr/>
-          <a:lstStyle/>
-          <a:p>
-            <a:fld id="{C5596875-2F2A-4E4F-B6FE-0AB921437886}" type="slidenum">
-              <a:rPr lang="ko-KR" altLang="en-US" smtClean="0"/>
-              <a:pPr/>
-              <a:t>28</a:t>
-            </a:fld>
-            <a:endParaRPr lang="ko-KR" altLang="en-US"/>
-          </a:p>
-        </p:txBody>
-      </p:sp>
-      <p:sp>
-        <p:nvSpPr>
-          <p:cNvPr id="4" name="Rectangle 12"/>
-          <p:cNvSpPr txBox="1">
-            <a:spLocks noChangeArrowheads="1"/>
-          </p:cNvSpPr>
-          <p:nvPr/>
-        </p:nvSpPr>
-        <p:spPr bwMode="auto">
-          <a:xfrm>
-            <a:off x="0" y="-24"/>
-            <a:ext cx="9144000" cy="720000"/>
-          </a:xfrm>
-          <a:prstGeom prst="rect">
-            <a:avLst/>
-          </a:prstGeom>
-          <a:solidFill>
-            <a:srgbClr val="0000FF"/>
-          </a:solidFill>
-          <a:ln>
-            <a:miter lim="800000"/>
-            <a:headEnd/>
-            <a:tailEnd/>
-          </a:ln>
-        </p:spPr>
-        <p:txBody>
-          <a:bodyPr vert="horz" lIns="91440" tIns="45720" rIns="91440" bIns="45720" rtlCol="0" anchor="ctr">
-            <a:normAutofit/>
-          </a:bodyPr>
-          <a:lstStyle/>
-          <a:p>
-            <a:pPr marL="0" marR="0" lvl="0" indent="0" algn="ctr" defTabSz="914400" rtl="0" eaLnBrk="1" fontAlgn="auto" latinLnBrk="1" hangingPunct="1">
-              <a:lnSpc>
-                <a:spcPct val="100000"/>
-              </a:lnSpc>
-              <a:spcBef>
-                <a:spcPct val="0"/>
-              </a:spcBef>
-              <a:spcAft>
-                <a:spcPts val="0"/>
-              </a:spcAft>
-              <a:buClrTx/>
-              <a:buSzTx/>
-              <a:buFontTx/>
-              <a:buNone/>
-              <a:tabLst/>
-              <a:defRPr/>
-            </a:pPr>
-            <a:r>
-              <a:rPr kumimoji="0" lang="en-US" altLang="ko-KR" sz="3200" b="1" i="0" u="none" strike="noStrike" kern="1200" cap="none" spc="0" normalizeH="0" baseline="0" noProof="0" dirty="0" smtClean="0">
-                <a:ln>
-                  <a:noFill/>
-                </a:ln>
-                <a:solidFill>
-                  <a:schemeClr val="bg1"/>
-                </a:solidFill>
-                <a:effectLst/>
-                <a:uLnTx/>
-                <a:uFillTx/>
-                <a:latin typeface="Arial" pitchFamily="34" charset="0"/>
-                <a:ea typeface="+mj-ea"/>
-                <a:cs typeface="Arial" pitchFamily="34" charset="0"/>
-              </a:rPr>
-              <a:t>Design Platform</a:t>
-            </a:r>
-            <a:endParaRPr kumimoji="0" lang="en-US" altLang="ko-KR" sz="2800" b="1" i="0" u="none" strike="noStrike" kern="1200" cap="none" spc="0" normalizeH="0" baseline="0" noProof="0" dirty="0" smtClean="0">
-              <a:ln>
-                <a:noFill/>
-              </a:ln>
-              <a:solidFill>
-                <a:schemeClr val="bg1"/>
-              </a:solidFill>
-              <a:effectLst/>
-              <a:uLnTx/>
-              <a:uFillTx/>
-              <a:latin typeface="Arial" pitchFamily="34" charset="0"/>
-              <a:ea typeface="+mj-ea"/>
-              <a:cs typeface="Arial" pitchFamily="34" charset="0"/>
-            </a:endParaRPr>
-          </a:p>
-        </p:txBody>
-      </p:sp>
-      <p:sp>
-        <p:nvSpPr>
-          <p:cNvPr id="2" name="직사각형 1"/>
-          <p:cNvSpPr/>
-          <p:nvPr/>
-        </p:nvSpPr>
-        <p:spPr>
-          <a:xfrm>
-            <a:off x="0" y="940311"/>
-            <a:ext cx="9220200" cy="507831"/>
-          </a:xfrm>
-          <a:prstGeom prst="rect">
-            <a:avLst/>
-          </a:prstGeom>
-        </p:spPr>
-        <p:txBody>
-          <a:bodyPr wrap="square">
-            <a:spAutoFit/>
-          </a:bodyPr>
-          <a:lstStyle/>
-          <a:p>
-            <a:pPr>
-              <a:lnSpc>
-                <a:spcPct val="150000"/>
-              </a:lnSpc>
-            </a:pPr>
-            <a:r>
-              <a:rPr lang="en-US" altLang="ko-KR" dirty="0">
-                <a:latin typeface="Arial" panose="020B0604020202020204" pitchFamily="34" charset="0"/>
-                <a:cs typeface="Arial" panose="020B0604020202020204" pitchFamily="34" charset="0"/>
-              </a:rPr>
-              <a:t>Photonic Integrated Circuits (PICs) based on Silicon-on-Insulator (SOI)</a:t>
-            </a:r>
-            <a:r>
-              <a:rPr lang="ko-KR" altLang="en-US" dirty="0">
-                <a:latin typeface="Arial" panose="020B0604020202020204" pitchFamily="34" charset="0"/>
-                <a:cs typeface="Arial" panose="020B0604020202020204" pitchFamily="34" charset="0"/>
-              </a:rPr>
-              <a:t>에 대한 관심 </a:t>
-            </a:r>
-            <a:r>
-              <a:rPr lang="ko-KR" altLang="en-US" dirty="0" smtClean="0">
-                <a:latin typeface="Arial" panose="020B0604020202020204" pitchFamily="34" charset="0"/>
-                <a:cs typeface="Arial" panose="020B0604020202020204" pitchFamily="34" charset="0"/>
-              </a:rPr>
-              <a:t>증폭</a:t>
-            </a:r>
-            <a:endParaRPr lang="en-US" altLang="ko-KR" dirty="0">
-              <a:latin typeface="Arial" panose="020B0604020202020204" pitchFamily="34" charset="0"/>
-              <a:cs typeface="Arial" panose="020B0604020202020204" pitchFamily="34" charset="0"/>
-            </a:endParaRPr>
-          </a:p>
-        </p:txBody>
-      </p:sp>
-      <p:pic>
-        <p:nvPicPr>
-          <p:cNvPr id="5" name="그림 4"/>
-          <p:cNvPicPr>
-            <a:picLocks noChangeAspect="1"/>
-          </p:cNvPicPr>
-          <p:nvPr/>
-        </p:nvPicPr>
-        <p:blipFill>
-          <a:blip r:embed="rId2"/>
-          <a:stretch>
-            <a:fillRect/>
-          </a:stretch>
-        </p:blipFill>
-        <p:spPr>
-          <a:xfrm>
-            <a:off x="236879" y="1764669"/>
-            <a:ext cx="1769678" cy="2712441"/>
-          </a:xfrm>
-          <a:prstGeom prst="rect">
-            <a:avLst/>
-          </a:prstGeom>
-        </p:spPr>
-      </p:pic>
-      <p:pic>
-        <p:nvPicPr>
-          <p:cNvPr id="565" name="그림 564"/>
-          <p:cNvPicPr>
-            <a:picLocks noChangeAspect="1"/>
-          </p:cNvPicPr>
-          <p:nvPr/>
-        </p:nvPicPr>
-        <p:blipFill>
-          <a:blip r:embed="rId3"/>
-          <a:stretch>
-            <a:fillRect/>
-          </a:stretch>
-        </p:blipFill>
-        <p:spPr>
-          <a:xfrm>
-            <a:off x="2359867" y="2093691"/>
-            <a:ext cx="2060627" cy="1255885"/>
-          </a:xfrm>
-          <a:prstGeom prst="rect">
-            <a:avLst/>
-          </a:prstGeom>
-        </p:spPr>
-      </p:pic>
-    </p:spTree>
-    <p:extLst>
-      <p:ext uri="{BB962C8B-B14F-4D97-AF65-F5344CB8AC3E}">
-        <p14:creationId xmlns:p14="http://schemas.microsoft.com/office/powerpoint/2010/main" val="1002164811"/>
-      </p:ext>
-    </p:extLst>
-  </p:cSld>
-  <p:clrMapOvr>
-    <a:masterClrMapping/>
-  </p:clrMapOvr>
-</p:sld>
-</file>
-
 <file path=ppt/slides/slide29.xml><?xml version="1.0" encoding="utf-8"?>
 <p:sld xmlns:a="http://schemas.openxmlformats.org/drawingml/2006/main" xmlns:r="http://schemas.openxmlformats.org/officeDocument/2006/relationships" xmlns:p="http://schemas.openxmlformats.org/presentationml/2006/main">
   <p:cSld>
@@ -21212,7 +22182,7 @@
           <a:p>
             <a:fld id="{9B9B7D2E-B202-4D7A-9519-0C490A04EB9C}" type="datetime1">
               <a:rPr lang="ko-KR" altLang="en-US" smtClean="0"/>
-              <a:t>2019-10-31</a:t>
+              <a:t>2019-11-04</a:t>
             </a:fld>
             <a:endParaRPr lang="ko-KR" altLang="en-US"/>
           </a:p>
@@ -21847,7 +22817,52 @@
                 <a:ea typeface="+mj-ea"/>
                 <a:cs typeface="Arial" pitchFamily="34" charset="0"/>
               </a:rPr>
-              <a:t>Design Platform</a:t>
+              <a:t>Transmittance of 1x2</a:t>
+            </a:r>
+            <a:r>
+              <a:rPr kumimoji="0" lang="en-US" altLang="ko-KR" sz="3200" b="1" i="0" u="none" strike="noStrike" kern="1200" cap="none" spc="0" normalizeH="0" noProof="0" dirty="0" smtClean="0">
+                <a:ln>
+                  <a:noFill/>
+                </a:ln>
+                <a:solidFill>
+                  <a:schemeClr val="bg1"/>
+                </a:solidFill>
+                <a:effectLst/>
+                <a:uLnTx/>
+                <a:uFillTx/>
+                <a:latin typeface="Arial" pitchFamily="34" charset="0"/>
+                <a:ea typeface="+mj-ea"/>
+                <a:cs typeface="Arial" pitchFamily="34" charset="0"/>
+              </a:rPr>
+              <a:t> </a:t>
+            </a:r>
+            <a:r>
+              <a:rPr lang="en-US" altLang="ko-KR" sz="3200" b="1" noProof="0" dirty="0" smtClean="0">
+                <a:solidFill>
+                  <a:schemeClr val="bg1"/>
+                </a:solidFill>
+                <a:latin typeface="Arial" pitchFamily="34" charset="0"/>
+                <a:ea typeface="+mj-ea"/>
+                <a:cs typeface="Arial" pitchFamily="34" charset="0"/>
+              </a:rPr>
+              <a:t>Power </a:t>
+            </a:r>
+            <a:r>
+              <a:rPr kumimoji="0" lang="en-US" altLang="ko-KR" sz="3200" b="1" i="0" u="none" strike="noStrike" kern="1200" cap="none" spc="0" normalizeH="0" baseline="0" noProof="0" dirty="0" smtClean="0">
+                <a:ln>
+                  <a:noFill/>
+                </a:ln>
+                <a:solidFill>
+                  <a:schemeClr val="bg1"/>
+                </a:solidFill>
+                <a:effectLst/>
+                <a:uLnTx/>
+                <a:uFillTx/>
+                <a:latin typeface="Arial" pitchFamily="34" charset="0"/>
+                <a:ea typeface="+mj-ea"/>
+                <a:cs typeface="Arial" pitchFamily="34" charset="0"/>
+              </a:rPr>
+              <a:t>Splitter</a:t>
             </a:r>
             <a:endParaRPr kumimoji="0" lang="en-US" altLang="ko-KR" sz="2800" b="1" i="0" u="none" strike="noStrike" kern="1200" cap="none" spc="0" normalizeH="0" baseline="0" noProof="0" dirty="0" smtClean="0">
               <a:ln>
@@ -22013,6 +23028,13 @@
   <p:clrMapOvr>
     <a:masterClrMapping/>
   </p:clrMapOvr>
+  <p:timing>
+    <p:tnLst>
+      <p:par>
+        <p:cTn id="1" dur="indefinite" restart="never" nodeType="tmRoot"/>
+      </p:par>
+    </p:tnLst>
+  </p:timing>
 </p:sld>
 </file>
 
@@ -31286,7 +32308,7 @@
       </p:sp>
       <p:pic>
         <p:nvPicPr>
-          <p:cNvPr id="46" name="그림 45"/>
+          <p:cNvPr id="51" name="그림 50"/>
           <p:cNvPicPr>
             <a:picLocks noChangeAspect="1"/>
           </p:cNvPicPr>
@@ -31300,8 +32322,8 @@
         </p:blipFill>
         <p:spPr>
           <a:xfrm>
-            <a:off x="3373705" y="4237597"/>
-            <a:ext cx="2396590" cy="1599430"/>
+            <a:off x="3391894" y="4175809"/>
+            <a:ext cx="2147887" cy="1723005"/>
           </a:xfrm>
           <a:prstGeom prst="rect">
             <a:avLst/>
@@ -31357,6 +32379,474 @@
               <a:rPr lang="ko-KR" altLang="en-US" smtClean="0"/>
               <a:pPr/>
               <a:t>37</a:t>
+            </a:fld>
+            <a:endParaRPr lang="ko-KR" altLang="en-US"/>
+          </a:p>
+        </p:txBody>
+      </p:sp>
+      <p:sp>
+        <p:nvSpPr>
+          <p:cNvPr id="4" name="Rectangle 12"/>
+          <p:cNvSpPr txBox="1">
+            <a:spLocks noChangeArrowheads="1"/>
+          </p:cNvSpPr>
+          <p:nvPr/>
+        </p:nvSpPr>
+        <p:spPr bwMode="auto">
+          <a:xfrm>
+            <a:off x="0" y="-24"/>
+            <a:ext cx="9144000" cy="720000"/>
+          </a:xfrm>
+          <a:prstGeom prst="rect">
+            <a:avLst/>
+          </a:prstGeom>
+          <a:solidFill>
+            <a:srgbClr val="0000FF"/>
+          </a:solidFill>
+          <a:ln>
+            <a:miter lim="800000"/>
+            <a:headEnd/>
+            <a:tailEnd/>
+          </a:ln>
+        </p:spPr>
+        <p:txBody>
+          <a:bodyPr vert="horz" lIns="91440" tIns="45720" rIns="91440" bIns="45720" rtlCol="0" anchor="ctr">
+            <a:normAutofit/>
+          </a:bodyPr>
+          <a:lstStyle/>
+          <a:p>
+            <a:pPr lvl="0" algn="ctr">
+              <a:spcBef>
+                <a:spcPct val="0"/>
+              </a:spcBef>
+              <a:defRPr/>
+            </a:pPr>
+            <a:r>
+              <a:rPr lang="en-US" altLang="ko-KR" sz="3200" b="1" dirty="0">
+                <a:solidFill>
+                  <a:schemeClr val="bg1"/>
+                </a:solidFill>
+                <a:latin typeface="Arial" pitchFamily="34" charset="0"/>
+                <a:cs typeface="Arial" pitchFamily="34" charset="0"/>
+              </a:rPr>
+              <a:t>Design Platform </a:t>
+            </a:r>
+            <a:r>
+              <a:rPr lang="en-US" altLang="ko-KR" sz="3200" b="1" dirty="0" smtClean="0">
+                <a:solidFill>
+                  <a:schemeClr val="bg1"/>
+                </a:solidFill>
+                <a:latin typeface="Arial" pitchFamily="34" charset="0"/>
+                <a:cs typeface="Arial" pitchFamily="34" charset="0"/>
+              </a:rPr>
+              <a:t>- Algorithm</a:t>
+            </a:r>
+            <a:endParaRPr lang="en-US" altLang="ko-KR" sz="2800" b="1" dirty="0">
+              <a:solidFill>
+                <a:schemeClr val="bg1"/>
+              </a:solidFill>
+              <a:latin typeface="Arial" pitchFamily="34" charset="0"/>
+              <a:cs typeface="Arial" pitchFamily="34" charset="0"/>
+            </a:endParaRPr>
+          </a:p>
+        </p:txBody>
+      </p:sp>
+      <p:sp>
+        <p:nvSpPr>
+          <p:cNvPr id="6" name="TextBox 5"/>
+          <p:cNvSpPr txBox="1"/>
+          <p:nvPr/>
+        </p:nvSpPr>
+        <p:spPr>
+          <a:xfrm>
+            <a:off x="401941" y="3224960"/>
+            <a:ext cx="811717" cy="369332"/>
+          </a:xfrm>
+          <a:prstGeom prst="rect">
+            <a:avLst/>
+          </a:prstGeom>
+          <a:noFill/>
+        </p:spPr>
+        <p:txBody>
+          <a:bodyPr wrap="square" rtlCol="0">
+            <a:spAutoFit/>
+          </a:bodyPr>
+          <a:lstStyle/>
+          <a:p>
+            <a:r>
+              <a:rPr lang="en-US" altLang="ko-KR" b="1" dirty="0" smtClean="0">
+                <a:latin typeface="Arial" panose="020B0604020202020204" pitchFamily="34" charset="0"/>
+                <a:ea typeface="Adobe Fan Heiti Std B" panose="020B0700000000000000" pitchFamily="34" charset="-128"/>
+                <a:cs typeface="Arial" panose="020B0604020202020204" pitchFamily="34" charset="0"/>
+              </a:rPr>
+              <a:t>ANN</a:t>
+            </a:r>
+            <a:endParaRPr lang="ko-KR" altLang="en-US" b="1" dirty="0">
+              <a:latin typeface="Arial" panose="020B0604020202020204" pitchFamily="34" charset="0"/>
+              <a:cs typeface="Arial" panose="020B0604020202020204" pitchFamily="34" charset="0"/>
+            </a:endParaRPr>
+          </a:p>
+        </p:txBody>
+      </p:sp>
+      <p:sp>
+        <p:nvSpPr>
+          <p:cNvPr id="7" name="직사각형 6"/>
+          <p:cNvSpPr/>
+          <p:nvPr/>
+        </p:nvSpPr>
+        <p:spPr>
+          <a:xfrm>
+            <a:off x="565852" y="3559216"/>
+            <a:ext cx="4281055" cy="1338828"/>
+          </a:xfrm>
+          <a:prstGeom prst="rect">
+            <a:avLst/>
+          </a:prstGeom>
+        </p:spPr>
+        <p:txBody>
+          <a:bodyPr wrap="square">
+            <a:spAutoFit/>
+          </a:bodyPr>
+          <a:lstStyle/>
+          <a:p>
+            <a:pPr>
+              <a:lnSpc>
+                <a:spcPct val="150000"/>
+              </a:lnSpc>
+            </a:pPr>
+            <a:r>
+              <a:rPr lang="en-US" altLang="ko-KR" dirty="0" smtClean="0">
+                <a:latin typeface="Arial" panose="020B0604020202020204" pitchFamily="34" charset="0"/>
+                <a:cs typeface="Arial" panose="020B0604020202020204" pitchFamily="34" charset="0"/>
+              </a:rPr>
+              <a:t>Input layer: 80 node</a:t>
+            </a:r>
+          </a:p>
+          <a:p>
+            <a:pPr>
+              <a:lnSpc>
+                <a:spcPct val="150000"/>
+              </a:lnSpc>
+            </a:pPr>
+            <a:r>
+              <a:rPr lang="en-US" altLang="ko-KR" dirty="0" smtClean="0">
+                <a:latin typeface="Arial" panose="020B0604020202020204" pitchFamily="34" charset="0"/>
+                <a:cs typeface="Arial" panose="020B0604020202020204" pitchFamily="34" charset="0"/>
+              </a:rPr>
+              <a:t>Output layer: 570 node</a:t>
+            </a:r>
+          </a:p>
+          <a:p>
+            <a:pPr>
+              <a:lnSpc>
+                <a:spcPct val="150000"/>
+              </a:lnSpc>
+            </a:pPr>
+            <a:r>
+              <a:rPr lang="en-US" altLang="ko-KR" dirty="0" smtClean="0">
+                <a:latin typeface="Arial" panose="020B0604020202020204" pitchFamily="34" charset="0"/>
+                <a:cs typeface="Arial" panose="020B0604020202020204" pitchFamily="34" charset="0"/>
+              </a:rPr>
+              <a:t>Hidden layer: 3 layer, 200 node</a:t>
+            </a:r>
+            <a:endParaRPr lang="en-US" altLang="ko-KR" dirty="0">
+              <a:latin typeface="Arial" panose="020B0604020202020204" pitchFamily="34" charset="0"/>
+              <a:cs typeface="Arial" panose="020B0604020202020204" pitchFamily="34" charset="0"/>
+            </a:endParaRPr>
+          </a:p>
+        </p:txBody>
+      </p:sp>
+      <p:pic>
+        <p:nvPicPr>
+          <p:cNvPr id="8" name="그림 7"/>
+          <p:cNvPicPr>
+            <a:picLocks noChangeAspect="1"/>
+          </p:cNvPicPr>
+          <p:nvPr/>
+        </p:nvPicPr>
+        <p:blipFill>
+          <a:blip r:embed="rId2"/>
+          <a:stretch>
+            <a:fillRect/>
+          </a:stretch>
+        </p:blipFill>
+        <p:spPr>
+          <a:xfrm>
+            <a:off x="5806426" y="3807652"/>
+            <a:ext cx="2164107" cy="1736016"/>
+          </a:xfrm>
+          <a:prstGeom prst="rect">
+            <a:avLst/>
+          </a:prstGeom>
+        </p:spPr>
+      </p:pic>
+      <mc:AlternateContent xmlns:mc="http://schemas.openxmlformats.org/markup-compatibility/2006" xmlns:a14="http://schemas.microsoft.com/office/drawing/2010/main">
+        <mc:Choice Requires="a14">
+          <p:sp>
+            <p:nvSpPr>
+              <p:cNvPr id="20" name="직사각형 19"/>
+              <p:cNvSpPr/>
+              <p:nvPr/>
+            </p:nvSpPr>
+            <p:spPr>
+              <a:xfrm>
+                <a:off x="1670953" y="5057477"/>
+                <a:ext cx="2070852" cy="972382"/>
+              </a:xfrm>
+              <a:prstGeom prst="rect">
+                <a:avLst/>
+              </a:prstGeom>
+            </p:spPr>
+            <p:txBody>
+              <a:bodyPr wrap="square">
+                <a:spAutoFit/>
+              </a:bodyPr>
+              <a:lstStyle/>
+              <a:p>
+                <a:pPr>
+                  <a:lnSpc>
+                    <a:spcPct val="150000"/>
+                  </a:lnSpc>
+                </a:pPr>
+                <a14:m>
+                  <m:oMathPara xmlns:m="http://schemas.openxmlformats.org/officeDocument/2006/math">
+                    <m:oMathParaPr>
+                      <m:jc m:val="centerGroup"/>
+                    </m:oMathParaPr>
+                    <m:oMath xmlns:m="http://schemas.openxmlformats.org/officeDocument/2006/math">
+                      <m:r>
+                        <a:rPr lang="en-US" altLang="ko-KR" b="0" i="1" smtClean="0">
+                          <a:latin typeface="Cambria Math" panose="02040503050406030204" pitchFamily="18" charset="0"/>
+                          <a:cs typeface="Arial" panose="020B0604020202020204" pitchFamily="34" charset="0"/>
+                        </a:rPr>
+                        <m:t>𝑐𝑜𝑠𝑡</m:t>
+                      </m:r>
+                      <m:r>
+                        <a:rPr lang="en-US" altLang="ko-KR" b="0" i="1" smtClean="0">
+                          <a:latin typeface="Cambria Math" panose="02040503050406030204" pitchFamily="18" charset="0"/>
+                          <a:cs typeface="Arial" panose="020B0604020202020204" pitchFamily="34" charset="0"/>
+                        </a:rPr>
+                        <m:t>=</m:t>
+                      </m:r>
+                      <m:f>
+                        <m:fPr>
+                          <m:ctrlPr>
+                            <a:rPr lang="en-US" altLang="ko-KR" b="0" i="1" smtClean="0">
+                              <a:latin typeface="Cambria Math" panose="02040503050406030204" pitchFamily="18" charset="0"/>
+                              <a:cs typeface="Arial" panose="020B0604020202020204" pitchFamily="34" charset="0"/>
+                            </a:rPr>
+                          </m:ctrlPr>
+                        </m:fPr>
+                        <m:num>
+                          <m:r>
+                            <m:rPr>
+                              <m:sty m:val="p"/>
+                            </m:rPr>
+                            <a:rPr lang="en-US" altLang="ko-KR" b="0" i="0" smtClean="0">
+                              <a:latin typeface="Cambria Math" panose="02040503050406030204" pitchFamily="18" charset="0"/>
+                              <a:cs typeface="Arial" panose="020B0604020202020204" pitchFamily="34" charset="0"/>
+                            </a:rPr>
+                            <m:t>sum</m:t>
+                          </m:r>
+                          <m:d>
+                            <m:dPr>
+                              <m:ctrlPr>
+                                <a:rPr lang="en-US" altLang="ko-KR" b="0" i="1" smtClean="0">
+                                  <a:latin typeface="Cambria Math" panose="02040503050406030204" pitchFamily="18" charset="0"/>
+                                  <a:cs typeface="Arial" panose="020B0604020202020204" pitchFamily="34" charset="0"/>
+                                </a:rPr>
+                              </m:ctrlPr>
+                            </m:dPr>
+                            <m:e>
+                              <m:sSub>
+                                <m:sSubPr>
+                                  <m:ctrlPr>
+                                    <a:rPr lang="en-US" altLang="ko-KR" b="0" i="1" smtClean="0">
+                                      <a:latin typeface="Cambria Math" panose="02040503050406030204" pitchFamily="18" charset="0"/>
+                                      <a:cs typeface="Arial" panose="020B0604020202020204" pitchFamily="34" charset="0"/>
+                                    </a:rPr>
+                                  </m:ctrlPr>
+                                </m:sSubPr>
+                                <m:e>
+                                  <m:r>
+                                    <a:rPr lang="en-US" altLang="ko-KR" b="0" i="1" smtClean="0">
+                                      <a:latin typeface="Cambria Math" panose="02040503050406030204" pitchFamily="18" charset="0"/>
+                                      <a:cs typeface="Arial" panose="020B0604020202020204" pitchFamily="34" charset="0"/>
+                                    </a:rPr>
+                                    <m:t>𝑅</m:t>
+                                  </m:r>
+                                </m:e>
+                                <m:sub>
+                                  <m:r>
+                                    <m:rPr>
+                                      <m:sty m:val="p"/>
+                                    </m:rPr>
+                                    <a:rPr lang="en-US" altLang="ko-KR" b="0" i="0" smtClean="0">
+                                      <a:latin typeface="Cambria Math" panose="02040503050406030204" pitchFamily="18" charset="0"/>
+                                      <a:cs typeface="Arial" panose="020B0604020202020204" pitchFamily="34" charset="0"/>
+                                    </a:rPr>
+                                    <m:t>out</m:t>
+                                  </m:r>
+                                </m:sub>
+                              </m:sSub>
+                            </m:e>
+                          </m:d>
+                        </m:num>
+                        <m:den>
+                          <m:r>
+                            <m:rPr>
+                              <m:sty m:val="p"/>
+                            </m:rPr>
+                            <a:rPr lang="en-US" altLang="ko-KR" b="0" i="0" smtClean="0">
+                              <a:latin typeface="Cambria Math" panose="02040503050406030204" pitchFamily="18" charset="0"/>
+                              <a:cs typeface="Arial" panose="020B0604020202020204" pitchFamily="34" charset="0"/>
+                            </a:rPr>
+                            <m:t>sum</m:t>
+                          </m:r>
+                          <m:d>
+                            <m:dPr>
+                              <m:ctrlPr>
+                                <a:rPr lang="en-US" altLang="ko-KR" b="0" i="1" smtClean="0">
+                                  <a:latin typeface="Cambria Math" panose="02040503050406030204" pitchFamily="18" charset="0"/>
+                                  <a:cs typeface="Arial" panose="020B0604020202020204" pitchFamily="34" charset="0"/>
+                                </a:rPr>
+                              </m:ctrlPr>
+                            </m:dPr>
+                            <m:e>
+                              <m:sSub>
+                                <m:sSubPr>
+                                  <m:ctrlPr>
+                                    <a:rPr lang="en-US" altLang="ko-KR" b="0" i="1" smtClean="0">
+                                      <a:latin typeface="Cambria Math" panose="02040503050406030204" pitchFamily="18" charset="0"/>
+                                      <a:cs typeface="Arial" panose="020B0604020202020204" pitchFamily="34" charset="0"/>
+                                    </a:rPr>
+                                  </m:ctrlPr>
+                                </m:sSubPr>
+                                <m:e>
+                                  <m:r>
+                                    <a:rPr lang="en-US" altLang="ko-KR" b="0" i="1" smtClean="0">
+                                      <a:latin typeface="Cambria Math" panose="02040503050406030204" pitchFamily="18" charset="0"/>
+                                      <a:cs typeface="Arial" panose="020B0604020202020204" pitchFamily="34" charset="0"/>
+                                    </a:rPr>
+                                    <m:t>𝑅</m:t>
+                                  </m:r>
+                                </m:e>
+                                <m:sub>
+                                  <m:r>
+                                    <m:rPr>
+                                      <m:sty m:val="p"/>
+                                    </m:rPr>
+                                    <a:rPr lang="en-US" altLang="ko-KR" b="0" i="0" smtClean="0">
+                                      <a:latin typeface="Cambria Math" panose="02040503050406030204" pitchFamily="18" charset="0"/>
+                                      <a:cs typeface="Arial" panose="020B0604020202020204" pitchFamily="34" charset="0"/>
+                                    </a:rPr>
+                                    <m:t>in</m:t>
+                                  </m:r>
+                                </m:sub>
+                              </m:sSub>
+                            </m:e>
+                          </m:d>
+                        </m:den>
+                      </m:f>
+                    </m:oMath>
+                  </m:oMathPara>
+                </a14:m>
+                <a:endParaRPr lang="en-US" altLang="ko-KR" dirty="0">
+                  <a:latin typeface="Arial" panose="020B0604020202020204" pitchFamily="34" charset="0"/>
+                  <a:cs typeface="Arial" panose="020B0604020202020204" pitchFamily="34" charset="0"/>
+                </a:endParaRPr>
+              </a:p>
+            </p:txBody>
+          </p:sp>
+        </mc:Choice>
+        <mc:Fallback xmlns="">
+          <p:sp>
+            <p:nvSpPr>
+              <p:cNvPr id="20" name="직사각형 19"/>
+              <p:cNvSpPr>
+                <a:spLocks noRot="1" noChangeAspect="1" noMove="1" noResize="1" noEditPoints="1" noAdjustHandles="1" noChangeArrowheads="1" noChangeShapeType="1" noTextEdit="1"/>
+              </p:cNvSpPr>
+              <p:nvPr/>
+            </p:nvSpPr>
+            <p:spPr>
+              <a:xfrm>
+                <a:off x="1670953" y="5057477"/>
+                <a:ext cx="2070852" cy="972382"/>
+              </a:xfrm>
+              <a:prstGeom prst="rect">
+                <a:avLst/>
+              </a:prstGeom>
+              <a:blipFill>
+                <a:blip r:embed="rId5"/>
+                <a:stretch>
+                  <a:fillRect/>
+                </a:stretch>
+              </a:blipFill>
+            </p:spPr>
+            <p:txBody>
+              <a:bodyPr/>
+              <a:lstStyle/>
+              <a:p>
+                <a:r>
+                  <a:rPr lang="ko-KR" altLang="en-US">
+                    <a:noFill/>
+                  </a:rPr>
+                  <a:t> </a:t>
+                </a:r>
+              </a:p>
+            </p:txBody>
+          </p:sp>
+        </mc:Fallback>
+      </mc:AlternateContent>
+    </p:spTree>
+    <p:extLst>
+      <p:ext uri="{BB962C8B-B14F-4D97-AF65-F5344CB8AC3E}">
+        <p14:creationId xmlns:p14="http://schemas.microsoft.com/office/powerpoint/2010/main" val="2590718198"/>
+      </p:ext>
+    </p:extLst>
+  </p:cSld>
+  <p:clrMapOvr>
+    <a:masterClrMapping/>
+  </p:clrMapOvr>
+</p:sld>
+</file>
+
+<file path=ppt/slides/slide38.xml><?xml version="1.0" encoding="utf-8"?>
+<p:sld xmlns:a="http://schemas.openxmlformats.org/drawingml/2006/main" xmlns:r="http://schemas.openxmlformats.org/officeDocument/2006/relationships" xmlns:p="http://schemas.openxmlformats.org/presentationml/2006/main">
+  <p:cSld>
+    <p:spTree>
+      <p:nvGrpSpPr>
+        <p:cNvPr id="1" name=""/>
+        <p:cNvGrpSpPr/>
+        <p:nvPr/>
+      </p:nvGrpSpPr>
+      <p:grpSpPr>
+        <a:xfrm>
+          <a:off x="0" y="0"/>
+          <a:ext cx="0" cy="0"/>
+          <a:chOff x="0" y="0"/>
+          <a:chExt cx="0" cy="0"/>
+        </a:xfrm>
+      </p:grpSpPr>
+      <p:sp>
+        <p:nvSpPr>
+          <p:cNvPr id="3" name="슬라이드 번호 개체 틀 2"/>
+          <p:cNvSpPr>
+            <a:spLocks noGrp="1"/>
+          </p:cNvSpPr>
+          <p:nvPr>
+            <p:ph type="sldNum" sz="quarter" idx="12"/>
+          </p:nvPr>
+        </p:nvSpPr>
+        <p:spPr/>
+        <p:txBody>
+          <a:bodyPr/>
+          <a:lstStyle/>
+          <a:p>
+            <a:fld id="{C5596875-2F2A-4E4F-B6FE-0AB921437886}" type="slidenum">
+              <a:rPr lang="ko-KR" altLang="en-US" smtClean="0"/>
+              <a:pPr/>
+              <a:t>38</a:t>
             </a:fld>
             <a:endParaRPr lang="ko-KR" altLang="en-US"/>
           </a:p>
@@ -31608,6 +33098,13 @@
   <p:clrMapOvr>
     <a:masterClrMapping/>
   </p:clrMapOvr>
+  <p:timing>
+    <p:tnLst>
+      <p:par>
+        <p:cTn id="1" dur="indefinite" restart="never" nodeType="tmRoot"/>
+      </p:par>
+    </p:tnLst>
+  </p:timing>
 </p:sld>
 </file>
 
@@ -31734,49 +33231,110 @@
           </a:p>
         </p:txBody>
       </p:sp>
-      <p:sp>
-        <p:nvSpPr>
-          <p:cNvPr id="2" name="TextBox 1"/>
-          <p:cNvSpPr txBox="1"/>
+      <p:grpSp>
+        <p:nvGrpSpPr>
+          <p:cNvPr id="7" name="그룹 6"/>
+          <p:cNvGrpSpPr/>
           <p:nvPr/>
-        </p:nvSpPr>
-        <p:spPr>
+        </p:nvGrpSpPr>
+        <p:grpSpPr>
           <a:xfrm>
-            <a:off x="142875" y="4754220"/>
-            <a:ext cx="6619875" cy="369332"/>
+            <a:off x="1682751" y="4518629"/>
+            <a:ext cx="5778499" cy="552097"/>
+            <a:chOff x="1682749" y="4634806"/>
+            <a:chExt cx="5778499" cy="552097"/>
           </a:xfrm>
-          <a:prstGeom prst="rect">
-            <a:avLst/>
-          </a:prstGeom>
-          <a:noFill/>
-        </p:spPr>
-        <p:txBody>
-          <a:bodyPr wrap="square" rtlCol="0">
-            <a:spAutoFit/>
-          </a:bodyPr>
-          <a:lstStyle/>
-          <a:p>
-            <a:r>
-              <a:rPr lang="en-US" altLang="ko-KR" dirty="0" err="1" smtClean="0">
+        </p:grpSpPr>
+        <p:sp>
+          <p:nvSpPr>
+            <p:cNvPr id="5" name="직사각형 4"/>
+            <p:cNvSpPr/>
+            <p:nvPr/>
+          </p:nvSpPr>
+          <p:spPr>
+            <a:xfrm>
+              <a:off x="1682749" y="4634806"/>
+              <a:ext cx="5778499" cy="552097"/>
+            </a:xfrm>
+            <a:prstGeom prst="rect">
+              <a:avLst/>
+            </a:prstGeom>
+            <a:noFill/>
+            <a:ln w="28575">
+              <a:solidFill>
+                <a:srgbClr val="0000FF"/>
+              </a:solidFill>
+            </a:ln>
+          </p:spPr>
+          <p:style>
+            <a:lnRef idx="2">
+              <a:schemeClr val="accent1">
+                <a:shade val="50000"/>
+              </a:schemeClr>
+            </a:lnRef>
+            <a:fillRef idx="1">
+              <a:schemeClr val="accent1"/>
+            </a:fillRef>
+            <a:effectRef idx="0">
+              <a:schemeClr val="accent1"/>
+            </a:effectRef>
+            <a:fontRef idx="minor">
+              <a:schemeClr val="lt1"/>
+            </a:fontRef>
+          </p:style>
+          <p:txBody>
+            <a:bodyPr rtlCol="0" anchor="ctr"/>
+            <a:lstStyle/>
+            <a:p>
+              <a:pPr algn="ctr"/>
+              <a:endParaRPr lang="ko-KR" altLang="en-US"/>
+            </a:p>
+          </p:txBody>
+        </p:sp>
+        <p:sp>
+          <p:nvSpPr>
+            <p:cNvPr id="2" name="TextBox 1"/>
+            <p:cNvSpPr txBox="1"/>
+            <p:nvPr/>
+          </p:nvSpPr>
+          <p:spPr>
+            <a:xfrm>
+              <a:off x="2216749" y="4726189"/>
+              <a:ext cx="4710498" cy="369332"/>
+            </a:xfrm>
+            <a:prstGeom prst="rect">
+              <a:avLst/>
+            </a:prstGeom>
+            <a:noFill/>
+          </p:spPr>
+          <p:txBody>
+            <a:bodyPr wrap="square" rtlCol="0">
+              <a:spAutoFit/>
+            </a:bodyPr>
+            <a:lstStyle/>
+            <a:p>
+              <a:r>
+                <a:rPr lang="en-US" altLang="ko-KR" dirty="0" smtClean="0">
+                  <a:latin typeface="Arial" panose="020B0604020202020204" pitchFamily="34" charset="0"/>
+                  <a:cs typeface="Arial" panose="020B0604020202020204" pitchFamily="34" charset="0"/>
+                </a:rPr>
+                <a:t>Required </a:t>
+              </a:r>
+              <a:r>
+                <a:rPr lang="en-US" altLang="ko-KR" dirty="0" smtClean="0">
+                  <a:latin typeface="Arial" panose="020B0604020202020204" pitchFamily="34" charset="0"/>
+                  <a:cs typeface="Arial" panose="020B0604020202020204" pitchFamily="34" charset="0"/>
+                </a:rPr>
+                <a:t>date rates double every 18 months</a:t>
+              </a:r>
+              <a:endParaRPr lang="ko-KR" altLang="en-US" dirty="0">
                 <a:latin typeface="Arial" panose="020B0604020202020204" pitchFamily="34" charset="0"/>
                 <a:cs typeface="Arial" panose="020B0604020202020204" pitchFamily="34" charset="0"/>
-              </a:rPr>
-              <a:t>Edholm’s</a:t>
-            </a:r>
-            <a:r>
-              <a:rPr lang="en-US" altLang="ko-KR" dirty="0" smtClean="0">
-                <a:latin typeface="Arial" panose="020B0604020202020204" pitchFamily="34" charset="0"/>
-                <a:cs typeface="Arial" panose="020B0604020202020204" pitchFamily="34" charset="0"/>
-              </a:rPr>
-              <a:t> law: Required date rates double every 18 months</a:t>
-            </a:r>
-            <a:endParaRPr lang="ko-KR" altLang="en-US" dirty="0">
-              <a:latin typeface="Arial" panose="020B0604020202020204" pitchFamily="34" charset="0"/>
-              <a:cs typeface="Arial" panose="020B0604020202020204" pitchFamily="34" charset="0"/>
-            </a:endParaRPr>
-          </a:p>
-        </p:txBody>
-      </p:sp>
+              </a:endParaRPr>
+            </a:p>
+          </p:txBody>
+        </p:sp>
+      </p:grpSp>
       <p:pic>
         <p:nvPicPr>
           <p:cNvPr id="61" name="그림 60"/>
@@ -31786,15 +33344,15 @@
           <p:nvPr/>
         </p:nvPicPr>
         <p:blipFill>
-          <a:blip r:embed="rId2"/>
+          <a:blip r:embed="rId3"/>
           <a:stretch>
             <a:fillRect/>
           </a:stretch>
         </p:blipFill>
         <p:spPr>
           <a:xfrm>
-            <a:off x="1684302" y="1046159"/>
-            <a:ext cx="5775397" cy="3318624"/>
+            <a:off x="1870851" y="982659"/>
+            <a:ext cx="5402298" cy="3104236"/>
           </a:xfrm>
           <a:prstGeom prst="rect">
             <a:avLst/>
@@ -31803,49 +33361,210 @@
       </p:pic>
       <p:sp>
         <p:nvSpPr>
-          <p:cNvPr id="62" name="TextBox 61"/>
-          <p:cNvSpPr txBox="1"/>
+          <p:cNvPr id="6" name="직사각형 5"/>
+          <p:cNvSpPr/>
           <p:nvPr/>
         </p:nvSpPr>
         <p:spPr>
           <a:xfrm>
-            <a:off x="142875" y="5278286"/>
-            <a:ext cx="8405902" cy="646331"/>
+            <a:off x="3802077" y="4280680"/>
+            <a:ext cx="1650837" cy="369332"/>
           </a:xfrm>
           <a:prstGeom prst="rect">
             <a:avLst/>
           </a:prstGeom>
-          <a:noFill/>
+          <a:solidFill>
+            <a:schemeClr val="bg1"/>
+          </a:solidFill>
+          <a:ln w="28575">
+            <a:solidFill>
+              <a:schemeClr val="bg1"/>
+            </a:solidFill>
+          </a:ln>
         </p:spPr>
         <p:txBody>
-          <a:bodyPr wrap="square" rtlCol="0">
+          <a:bodyPr wrap="none">
             <a:spAutoFit/>
           </a:bodyPr>
           <a:lstStyle/>
           <a:p>
             <a:r>
-              <a:rPr lang="en-US" altLang="ko-KR" dirty="0" smtClean="0">
+              <a:rPr lang="en-US" altLang="ko-KR" b="1" dirty="0" err="1">
                 <a:latin typeface="Arial" panose="020B0604020202020204" pitchFamily="34" charset="0"/>
                 <a:cs typeface="Arial" panose="020B0604020202020204" pitchFamily="34" charset="0"/>
               </a:rPr>
-              <a:t>Frequencies from 100 GHz to 3 THz are promising bands for the next generation</a:t>
+              <a:t>Edholm’s</a:t>
             </a:r>
-          </a:p>
-          <a:p>
             <a:r>
-              <a:rPr lang="en-US" altLang="ko-KR" dirty="0" smtClean="0">
+              <a:rPr lang="en-US" altLang="ko-KR" b="1" dirty="0">
                 <a:latin typeface="Arial" panose="020B0604020202020204" pitchFamily="34" charset="0"/>
                 <a:cs typeface="Arial" panose="020B0604020202020204" pitchFamily="34" charset="0"/>
               </a:rPr>
-              <a:t>=&gt; Need THz band communication</a:t>
+              <a:t> law</a:t>
             </a:r>
-            <a:endParaRPr lang="ko-KR" altLang="en-US" dirty="0">
-              <a:latin typeface="Arial" panose="020B0604020202020204" pitchFamily="34" charset="0"/>
-              <a:cs typeface="Arial" panose="020B0604020202020204" pitchFamily="34" charset="0"/>
-            </a:endParaRPr>
+            <a:endParaRPr lang="ko-KR" altLang="en-US" b="1" dirty="0"/>
           </a:p>
         </p:txBody>
       </p:sp>
+      <p:sp>
+        <p:nvSpPr>
+          <p:cNvPr id="10" name="아래쪽 화살표 9"/>
+          <p:cNvSpPr/>
+          <p:nvPr/>
+        </p:nvSpPr>
+        <p:spPr>
+          <a:xfrm>
+            <a:off x="3943350" y="5206115"/>
+            <a:ext cx="1257300" cy="296345"/>
+          </a:xfrm>
+          <a:prstGeom prst="downArrow">
+            <a:avLst/>
+          </a:prstGeom>
+          <a:solidFill>
+            <a:srgbClr val="0070C0"/>
+          </a:solidFill>
+          <a:ln>
+            <a:solidFill>
+              <a:schemeClr val="tx1"/>
+            </a:solidFill>
+          </a:ln>
+        </p:spPr>
+        <p:style>
+          <a:lnRef idx="2">
+            <a:schemeClr val="accent1">
+              <a:shade val="50000"/>
+            </a:schemeClr>
+          </a:lnRef>
+          <a:fillRef idx="1">
+            <a:schemeClr val="accent1"/>
+          </a:fillRef>
+          <a:effectRef idx="0">
+            <a:schemeClr val="accent1"/>
+          </a:effectRef>
+          <a:fontRef idx="minor">
+            <a:schemeClr val="lt1"/>
+          </a:fontRef>
+        </p:style>
+        <p:txBody>
+          <a:bodyPr rtlCol="0" anchor="ctr"/>
+          <a:lstStyle/>
+          <a:p>
+            <a:pPr algn="ctr"/>
+            <a:endParaRPr lang="ko-KR" altLang="en-US"/>
+          </a:p>
+        </p:txBody>
+      </p:sp>
+      <p:grpSp>
+        <p:nvGrpSpPr>
+          <p:cNvPr id="8" name="그룹 7"/>
+          <p:cNvGrpSpPr/>
+          <p:nvPr/>
+        </p:nvGrpSpPr>
+        <p:grpSpPr>
+          <a:xfrm>
+            <a:off x="1682750" y="5637849"/>
+            <a:ext cx="5778499" cy="552097"/>
+            <a:chOff x="1682750" y="5637849"/>
+            <a:chExt cx="5778499" cy="552097"/>
+          </a:xfrm>
+        </p:grpSpPr>
+        <p:sp>
+          <p:nvSpPr>
+            <p:cNvPr id="62" name="TextBox 61"/>
+            <p:cNvSpPr txBox="1"/>
+            <p:nvPr/>
+          </p:nvSpPr>
+          <p:spPr>
+            <a:xfrm>
+              <a:off x="2812596" y="5729231"/>
+              <a:ext cx="3518806" cy="369332"/>
+            </a:xfrm>
+            <a:prstGeom prst="rect">
+              <a:avLst/>
+            </a:prstGeom>
+            <a:noFill/>
+          </p:spPr>
+          <p:txBody>
+            <a:bodyPr wrap="square" rtlCol="0">
+              <a:spAutoFit/>
+            </a:bodyPr>
+            <a:lstStyle/>
+            <a:p>
+              <a:r>
+                <a:rPr lang="en-US" altLang="ko-KR" dirty="0" smtClean="0">
+                  <a:latin typeface="Arial" panose="020B0604020202020204" pitchFamily="34" charset="0"/>
+                  <a:cs typeface="Arial" panose="020B0604020202020204" pitchFamily="34" charset="0"/>
+                </a:rPr>
+                <a:t>Need </a:t>
+              </a:r>
+              <a:r>
+                <a:rPr lang="en-US" altLang="ko-KR" b="1" dirty="0" smtClean="0">
+                  <a:latin typeface="Arial" panose="020B0604020202020204" pitchFamily="34" charset="0"/>
+                  <a:cs typeface="Arial" panose="020B0604020202020204" pitchFamily="34" charset="0"/>
+                </a:rPr>
+                <a:t>THz band </a:t>
+              </a:r>
+              <a:r>
+                <a:rPr lang="en-US" altLang="ko-KR" dirty="0" smtClean="0">
+                  <a:latin typeface="Arial" panose="020B0604020202020204" pitchFamily="34" charset="0"/>
+                  <a:cs typeface="Arial" panose="020B0604020202020204" pitchFamily="34" charset="0"/>
+                </a:rPr>
+                <a:t>communication</a:t>
+              </a:r>
+              <a:endParaRPr lang="ko-KR" altLang="en-US" dirty="0">
+                <a:latin typeface="Arial" panose="020B0604020202020204" pitchFamily="34" charset="0"/>
+                <a:cs typeface="Arial" panose="020B0604020202020204" pitchFamily="34" charset="0"/>
+              </a:endParaRPr>
+            </a:p>
+          </p:txBody>
+        </p:sp>
+        <p:sp>
+          <p:nvSpPr>
+            <p:cNvPr id="11" name="직사각형 10"/>
+            <p:cNvSpPr/>
+            <p:nvPr/>
+          </p:nvSpPr>
+          <p:spPr>
+            <a:xfrm>
+              <a:off x="1682750" y="5637849"/>
+              <a:ext cx="5778499" cy="552097"/>
+            </a:xfrm>
+            <a:prstGeom prst="rect">
+              <a:avLst/>
+            </a:prstGeom>
+            <a:noFill/>
+            <a:ln w="28575">
+              <a:solidFill>
+                <a:srgbClr val="0000FF"/>
+              </a:solidFill>
+            </a:ln>
+          </p:spPr>
+          <p:style>
+            <a:lnRef idx="2">
+              <a:schemeClr val="accent1">
+                <a:shade val="50000"/>
+              </a:schemeClr>
+            </a:lnRef>
+            <a:fillRef idx="1">
+              <a:schemeClr val="accent1"/>
+            </a:fillRef>
+            <a:effectRef idx="0">
+              <a:schemeClr val="accent1"/>
+            </a:effectRef>
+            <a:fontRef idx="minor">
+              <a:schemeClr val="lt1"/>
+            </a:fontRef>
+          </p:style>
+          <p:txBody>
+            <a:bodyPr rtlCol="0" anchor="ctr"/>
+            <a:lstStyle/>
+            <a:p>
+              <a:pPr algn="ctr"/>
+              <a:endParaRPr lang="ko-KR" altLang="en-US"/>
+            </a:p>
+          </p:txBody>
+        </p:sp>
+      </p:grpSp>
     </p:spTree>
     <p:extLst>
       <p:ext uri="{BB962C8B-B14F-4D97-AF65-F5344CB8AC3E}">
@@ -31856,6 +33575,13 @@
   <p:clrMapOvr>
     <a:masterClrMapping/>
   </p:clrMapOvr>
+  <p:timing>
+    <p:tnLst>
+      <p:par>
+        <p:cTn id="1" dur="indefinite" restart="never" nodeType="tmRoot"/>
+      </p:par>
+    </p:tnLst>
+  </p:timing>
 </p:sld>
 </file>
 
@@ -31999,46 +33725,6 @@
           </a:p>
         </p:txBody>
       </p:sp>
-      <p:sp>
-        <p:nvSpPr>
-          <p:cNvPr id="2" name="직사각형 1"/>
-          <p:cNvSpPr/>
-          <p:nvPr/>
-        </p:nvSpPr>
-        <p:spPr>
-          <a:xfrm>
-            <a:off x="0" y="5841028"/>
-            <a:ext cx="9220200" cy="456535"/>
-          </a:xfrm>
-          <a:prstGeom prst="rect">
-            <a:avLst/>
-          </a:prstGeom>
-        </p:spPr>
-        <p:txBody>
-          <a:bodyPr wrap="square">
-            <a:spAutoFit/>
-          </a:bodyPr>
-          <a:lstStyle/>
-          <a:p>
-            <a:pPr>
-              <a:lnSpc>
-                <a:spcPct val="150000"/>
-              </a:lnSpc>
-            </a:pPr>
-            <a:r>
-              <a:rPr lang="en-US" altLang="ko-KR" dirty="0" smtClean="0">
-                <a:latin typeface="Arial" panose="020B0604020202020204" pitchFamily="34" charset="0"/>
-                <a:cs typeface="Arial" panose="020B0604020202020204" pitchFamily="34" charset="0"/>
-              </a:rPr>
-              <a:t>THz has big water absorption -&gt; optical fiber communication first</a:t>
-            </a:r>
-            <a:endParaRPr lang="en-US" altLang="ko-KR" dirty="0">
-              <a:latin typeface="Arial" panose="020B0604020202020204" pitchFamily="34" charset="0"/>
-              <a:cs typeface="Arial" panose="020B0604020202020204" pitchFamily="34" charset="0"/>
-            </a:endParaRPr>
-          </a:p>
-        </p:txBody>
-      </p:sp>
       <p:pic>
         <p:nvPicPr>
           <p:cNvPr id="5" name="그림 4"/>
@@ -32055,64 +33741,117 @@
         </p:blipFill>
         <p:spPr>
           <a:xfrm>
-            <a:off x="792152" y="896759"/>
-            <a:ext cx="7559695" cy="4767485"/>
+            <a:off x="1420014" y="1110737"/>
+            <a:ext cx="6303972" cy="3975569"/>
           </a:xfrm>
           <a:prstGeom prst="rect">
             <a:avLst/>
           </a:prstGeom>
         </p:spPr>
       </p:pic>
-    </p:spTree>
-    <p:extLst>
-      <p:ext uri="{BB962C8B-B14F-4D97-AF65-F5344CB8AC3E}">
-        <p14:creationId xmlns:p14="http://schemas.microsoft.com/office/powerpoint/2010/main" val="798063523"/>
-      </p:ext>
-    </p:extLst>
-  </p:cSld>
-  <p:clrMapOvr>
-    <a:masterClrMapping/>
-  </p:clrMapOvr>
-</p:sld>
-</file>
-
-<file path=ppt/slides/slide7.xml><?xml version="1.0" encoding="utf-8"?>
-<p:sld xmlns:a="http://schemas.openxmlformats.org/drawingml/2006/main" xmlns:r="http://schemas.openxmlformats.org/officeDocument/2006/relationships" xmlns:p="http://schemas.openxmlformats.org/presentationml/2006/main">
-  <p:cSld>
-    <p:spTree>
-      <p:nvGrpSpPr>
-        <p:cNvPr id="1" name=""/>
-        <p:cNvGrpSpPr/>
-        <p:nvPr/>
-      </p:nvGrpSpPr>
-      <p:grpSpPr>
-        <a:xfrm>
-          <a:off x="0" y="0"/>
-          <a:ext cx="0" cy="0"/>
-          <a:chOff x="0" y="0"/>
-          <a:chExt cx="0" cy="0"/>
-        </a:xfrm>
-      </p:grpSpPr>
       <p:sp>
         <p:nvSpPr>
-          <p:cNvPr id="1161" name="직사각형 1160"/>
+          <p:cNvPr id="6" name="직사각형 5"/>
           <p:cNvSpPr/>
           <p:nvPr/>
         </p:nvSpPr>
         <p:spPr>
           <a:xfrm>
-            <a:off x="793630" y="1848135"/>
-            <a:ext cx="7556740" cy="3759035"/>
+            <a:off x="4953774" y="5514393"/>
+            <a:ext cx="2990076" cy="369332"/>
           </a:xfrm>
           <a:prstGeom prst="rect">
             <a:avLst/>
           </a:prstGeom>
+          <a:ln w="28575">
+            <a:solidFill>
+              <a:srgbClr val="0000FF"/>
+            </a:solidFill>
+          </a:ln>
+        </p:spPr>
+        <p:txBody>
+          <a:bodyPr wrap="square" anchor="ctr">
+            <a:spAutoFit/>
+          </a:bodyPr>
+          <a:lstStyle/>
+          <a:p>
+            <a:pPr algn="ctr"/>
+            <a:r>
+              <a:rPr lang="en-US" altLang="ko-KR" dirty="0">
+                <a:latin typeface="Arial" panose="020B0604020202020204" pitchFamily="34" charset="0"/>
+                <a:cs typeface="Arial" panose="020B0604020202020204" pitchFamily="34" charset="0"/>
+              </a:rPr>
+              <a:t>optical fiber </a:t>
+            </a:r>
+            <a:r>
+              <a:rPr lang="en-US" altLang="ko-KR" dirty="0" smtClean="0">
+                <a:latin typeface="Arial" panose="020B0604020202020204" pitchFamily="34" charset="0"/>
+                <a:cs typeface="Arial" panose="020B0604020202020204" pitchFamily="34" charset="0"/>
+              </a:rPr>
+              <a:t>communication</a:t>
+            </a:r>
+            <a:endParaRPr lang="ko-KR" altLang="en-US" dirty="0"/>
+          </a:p>
+        </p:txBody>
+      </p:sp>
+      <p:sp>
+        <p:nvSpPr>
+          <p:cNvPr id="7" name="직사각형 6"/>
+          <p:cNvSpPr/>
+          <p:nvPr/>
+        </p:nvSpPr>
+        <p:spPr>
+          <a:xfrm>
+            <a:off x="1675413" y="5514393"/>
+            <a:ext cx="2399055" cy="369332"/>
+          </a:xfrm>
+          <a:prstGeom prst="rect">
+            <a:avLst/>
+          </a:prstGeom>
+          <a:ln w="28575">
+            <a:solidFill>
+              <a:srgbClr val="0000FF"/>
+            </a:solidFill>
+          </a:ln>
+        </p:spPr>
+        <p:txBody>
+          <a:bodyPr wrap="none">
+            <a:spAutoFit/>
+          </a:bodyPr>
+          <a:lstStyle/>
+          <a:p>
+            <a:r>
+              <a:rPr lang="en-US" altLang="ko-KR" dirty="0" smtClean="0">
+                <a:latin typeface="Arial" panose="020B0604020202020204" pitchFamily="34" charset="0"/>
+                <a:cs typeface="Arial" panose="020B0604020202020204" pitchFamily="34" charset="0"/>
+              </a:rPr>
+              <a:t>Large THz signal loss</a:t>
+            </a:r>
+            <a:endParaRPr lang="en-US" altLang="ko-KR" dirty="0">
+              <a:latin typeface="Arial" panose="020B0604020202020204" pitchFamily="34" charset="0"/>
+              <a:cs typeface="Arial" panose="020B0604020202020204" pitchFamily="34" charset="0"/>
+            </a:endParaRPr>
+          </a:p>
+        </p:txBody>
+      </p:sp>
+      <p:sp>
+        <p:nvSpPr>
+          <p:cNvPr id="8" name="아래쪽 화살표 7"/>
+          <p:cNvSpPr/>
+          <p:nvPr/>
+        </p:nvSpPr>
+        <p:spPr>
+          <a:xfrm rot="16200000">
+            <a:off x="4292128" y="5374824"/>
+            <a:ext cx="443985" cy="648471"/>
+          </a:xfrm>
+          <a:prstGeom prst="downArrow">
+            <a:avLst/>
+          </a:prstGeom>
           <a:solidFill>
-            <a:schemeClr val="bg2">
-              <a:lumMod val="75000"/>
-            </a:schemeClr>
+            <a:srgbClr val="0070C0"/>
           </a:solidFill>
-          <a:ln w="38100">
+          <a:ln>
             <a:noFill/>
           </a:ln>
         </p:spPr>
@@ -32141,6 +33880,43 @@
           </a:p>
         </p:txBody>
       </p:sp>
+    </p:spTree>
+    <p:extLst>
+      <p:ext uri="{BB962C8B-B14F-4D97-AF65-F5344CB8AC3E}">
+        <p14:creationId xmlns:p14="http://schemas.microsoft.com/office/powerpoint/2010/main" val="798063523"/>
+      </p:ext>
+    </p:extLst>
+  </p:cSld>
+  <p:clrMapOvr>
+    <a:masterClrMapping/>
+  </p:clrMapOvr>
+  <p:timing>
+    <p:tnLst>
+      <p:par>
+        <p:cTn id="1" dur="indefinite" restart="never" nodeType="tmRoot"/>
+      </p:par>
+    </p:tnLst>
+  </p:timing>
+</p:sld>
+</file>
+
+<file path=ppt/slides/slide7.xml><?xml version="1.0" encoding="utf-8"?>
+<p:sld xmlns:a="http://schemas.openxmlformats.org/drawingml/2006/main" xmlns:r="http://schemas.openxmlformats.org/officeDocument/2006/relationships" xmlns:p="http://schemas.openxmlformats.org/presentationml/2006/main">
+  <p:cSld>
+    <p:spTree>
+      <p:nvGrpSpPr>
+        <p:cNvPr id="1" name=""/>
+        <p:cNvGrpSpPr/>
+        <p:nvPr/>
+      </p:nvGrpSpPr>
+      <p:grpSpPr>
+        <a:xfrm>
+          <a:off x="0" y="0"/>
+          <a:ext cx="0" cy="0"/>
+          <a:chOff x="0" y="0"/>
+          <a:chExt cx="0" cy="0"/>
+        </a:xfrm>
+      </p:grpSpPr>
       <p:sp>
         <p:nvSpPr>
           <p:cNvPr id="3" name="슬라이드 번호 개체 틀 2"/>
@@ -32247,312 +34023,262 @@
           </a:p>
         </p:txBody>
       </p:sp>
-      <p:sp>
-        <p:nvSpPr>
-          <p:cNvPr id="2" name="직사각형 1"/>
-          <p:cNvSpPr/>
+      <p:grpSp>
+        <p:nvGrpSpPr>
+          <p:cNvPr id="6" name="그룹 5"/>
+          <p:cNvGrpSpPr/>
           <p:nvPr/>
-        </p:nvSpPr>
-        <p:spPr>
+        </p:nvGrpSpPr>
+        <p:grpSpPr>
           <a:xfrm>
-            <a:off x="0" y="897179"/>
-            <a:ext cx="9220200" cy="456535"/>
+            <a:off x="4837159" y="2169652"/>
+            <a:ext cx="3198507" cy="2979385"/>
+            <a:chOff x="4837159" y="2169652"/>
+            <a:chExt cx="3198507" cy="2979385"/>
           </a:xfrm>
-          <a:prstGeom prst="rect">
-            <a:avLst/>
-          </a:prstGeom>
-        </p:spPr>
-        <p:txBody>
-          <a:bodyPr wrap="square">
-            <a:spAutoFit/>
-          </a:bodyPr>
-          <a:lstStyle/>
-          <a:p>
-            <a:pPr>
-              <a:lnSpc>
-                <a:spcPct val="150000"/>
-              </a:lnSpc>
-            </a:pPr>
-            <a:r>
-              <a:rPr lang="en-US" altLang="ko-KR" dirty="0" smtClean="0">
+        </p:grpSpPr>
+        <p:sp>
+          <p:nvSpPr>
+            <p:cNvPr id="1166" name="직사각형 1165"/>
+            <p:cNvSpPr/>
+            <p:nvPr/>
+          </p:nvSpPr>
+          <p:spPr>
+            <a:xfrm>
+              <a:off x="4837159" y="2169652"/>
+              <a:ext cx="3198507" cy="2979385"/>
+            </a:xfrm>
+            <a:prstGeom prst="rect">
+              <a:avLst/>
+            </a:prstGeom>
+            <a:solidFill>
+              <a:schemeClr val="accent6">
+                <a:lumMod val="60000"/>
+                <a:lumOff val="40000"/>
+              </a:schemeClr>
+            </a:solidFill>
+            <a:ln>
+              <a:noFill/>
+            </a:ln>
+          </p:spPr>
+          <p:style>
+            <a:lnRef idx="2">
+              <a:schemeClr val="accent1">
+                <a:shade val="50000"/>
+              </a:schemeClr>
+            </a:lnRef>
+            <a:fillRef idx="1">
+              <a:schemeClr val="accent1"/>
+            </a:fillRef>
+            <a:effectRef idx="0">
+              <a:schemeClr val="accent1"/>
+            </a:effectRef>
+            <a:fontRef idx="minor">
+              <a:schemeClr val="lt1"/>
+            </a:fontRef>
+          </p:style>
+          <p:txBody>
+            <a:bodyPr rtlCol="0" anchor="ctr"/>
+            <a:lstStyle/>
+            <a:p>
+              <a:pPr algn="ctr"/>
+              <a:endParaRPr lang="ko-KR" altLang="en-US"/>
+            </a:p>
+          </p:txBody>
+        </p:sp>
+        <p:pic>
+          <p:nvPicPr>
+            <p:cNvPr id="1140" name="그림 1139"/>
+            <p:cNvPicPr>
+              <a:picLocks noChangeAspect="1"/>
+            </p:cNvPicPr>
+            <p:nvPr/>
+          </p:nvPicPr>
+          <p:blipFill>
+            <a:blip r:embed="rId3"/>
+            <a:stretch>
+              <a:fillRect/>
+            </a:stretch>
+          </p:blipFill>
+          <p:spPr>
+            <a:xfrm>
+              <a:off x="5712739" y="2892620"/>
+              <a:ext cx="1447347" cy="1800000"/>
+            </a:xfrm>
+            <a:prstGeom prst="rect">
+              <a:avLst/>
+            </a:prstGeom>
+          </p:spPr>
+        </p:pic>
+        <p:sp>
+          <p:nvSpPr>
+            <p:cNvPr id="1160" name="직사각형 1159"/>
+            <p:cNvSpPr/>
+            <p:nvPr/>
+          </p:nvSpPr>
+          <p:spPr>
+            <a:xfrm>
+              <a:off x="5313870" y="2169652"/>
+              <a:ext cx="2245084" cy="456535"/>
+            </a:xfrm>
+            <a:prstGeom prst="rect">
+              <a:avLst/>
+            </a:prstGeom>
+          </p:spPr>
+          <p:txBody>
+            <a:bodyPr wrap="square">
+              <a:spAutoFit/>
+            </a:bodyPr>
+            <a:lstStyle/>
+            <a:p>
+              <a:pPr>
+                <a:lnSpc>
+                  <a:spcPct val="150000"/>
+                </a:lnSpc>
+              </a:pPr>
+              <a:r>
+                <a:rPr lang="en-US" altLang="ko-KR" b="1" dirty="0" smtClean="0">
+                  <a:latin typeface="Arial" panose="020B0604020202020204" pitchFamily="34" charset="0"/>
+                  <a:cs typeface="Arial" panose="020B0604020202020204" pitchFamily="34" charset="0"/>
+                </a:rPr>
+                <a:t>1x2 Power Splitter</a:t>
+              </a:r>
+              <a:endParaRPr lang="en-US" altLang="ko-KR" b="1" dirty="0">
                 <a:latin typeface="Arial" panose="020B0604020202020204" pitchFamily="34" charset="0"/>
                 <a:cs typeface="Arial" panose="020B0604020202020204" pitchFamily="34" charset="0"/>
-              </a:rPr>
-              <a:t>THz optical fiber communication device</a:t>
-            </a:r>
-            <a:endParaRPr lang="en-US" altLang="ko-KR" dirty="0">
-              <a:latin typeface="Arial" panose="020B0604020202020204" pitchFamily="34" charset="0"/>
-              <a:cs typeface="Arial" panose="020B0604020202020204" pitchFamily="34" charset="0"/>
-            </a:endParaRPr>
-          </a:p>
-        </p:txBody>
-      </p:sp>
-      <p:sp>
-        <p:nvSpPr>
-          <p:cNvPr id="1162" name="직사각형 1161"/>
-          <p:cNvSpPr/>
+              </a:endParaRPr>
+            </a:p>
+          </p:txBody>
+        </p:sp>
+      </p:grpSp>
+      <p:grpSp>
+        <p:nvGrpSpPr>
+          <p:cNvPr id="5" name="그룹 4"/>
+          <p:cNvGrpSpPr/>
           <p:nvPr/>
-        </p:nvSpPr>
-        <p:spPr>
+        </p:nvGrpSpPr>
+        <p:grpSpPr>
           <a:xfrm>
-            <a:off x="1080149" y="2411540"/>
-            <a:ext cx="3198507" cy="2979385"/>
+            <a:off x="1048189" y="2169652"/>
+            <a:ext cx="3230468" cy="2979385"/>
+            <a:chOff x="1048189" y="2169652"/>
+            <a:chExt cx="3230468" cy="2979385"/>
           </a:xfrm>
-          <a:prstGeom prst="rect">
-            <a:avLst/>
-          </a:prstGeom>
-          <a:solidFill>
-            <a:schemeClr val="accent2">
-              <a:lumMod val="60000"/>
-              <a:lumOff val="40000"/>
-            </a:schemeClr>
-          </a:solidFill>
-          <a:ln>
-            <a:noFill/>
-          </a:ln>
-        </p:spPr>
-        <p:style>
-          <a:lnRef idx="2">
-            <a:schemeClr val="accent1">
-              <a:shade val="50000"/>
-            </a:schemeClr>
-          </a:lnRef>
-          <a:fillRef idx="1">
-            <a:schemeClr val="accent1"/>
-          </a:fillRef>
-          <a:effectRef idx="0">
-            <a:schemeClr val="accent1"/>
-          </a:effectRef>
-          <a:fontRef idx="minor">
-            <a:schemeClr val="lt1"/>
-          </a:fontRef>
-        </p:style>
-        <p:txBody>
-          <a:bodyPr rtlCol="0" anchor="ctr"/>
-          <a:lstStyle/>
-          <a:p>
-            <a:pPr algn="ctr"/>
-            <a:endParaRPr lang="ko-KR" altLang="en-US"/>
-          </a:p>
-        </p:txBody>
-      </p:sp>
-      <p:sp>
-        <p:nvSpPr>
-          <p:cNvPr id="1159" name="직사각형 1158"/>
-          <p:cNvSpPr/>
-          <p:nvPr/>
-        </p:nvSpPr>
-        <p:spPr>
-          <a:xfrm>
-            <a:off x="1048188" y="2393344"/>
-            <a:ext cx="3262427" cy="553998"/>
-          </a:xfrm>
-          <a:prstGeom prst="rect">
-            <a:avLst/>
-          </a:prstGeom>
-        </p:spPr>
-        <p:txBody>
-          <a:bodyPr wrap="square">
-            <a:spAutoFit/>
-          </a:bodyPr>
-          <a:lstStyle/>
-          <a:p>
-            <a:pPr>
-              <a:lnSpc>
-                <a:spcPct val="150000"/>
-              </a:lnSpc>
-            </a:pPr>
-            <a:r>
-              <a:rPr lang="en-US" altLang="ko-KR" sz="2000" dirty="0" smtClean="0">
+        </p:grpSpPr>
+        <p:sp>
+          <p:nvSpPr>
+            <p:cNvPr id="1162" name="직사각형 1161"/>
+            <p:cNvSpPr/>
+            <p:nvPr/>
+          </p:nvSpPr>
+          <p:spPr>
+            <a:xfrm>
+              <a:off x="1064170" y="2169652"/>
+              <a:ext cx="3198507" cy="2979385"/>
+            </a:xfrm>
+            <a:prstGeom prst="rect">
+              <a:avLst/>
+            </a:prstGeom>
+            <a:solidFill>
+              <a:schemeClr val="accent2">
+                <a:lumMod val="60000"/>
+                <a:lumOff val="40000"/>
+              </a:schemeClr>
+            </a:solidFill>
+            <a:ln>
+              <a:noFill/>
+            </a:ln>
+          </p:spPr>
+          <p:style>
+            <a:lnRef idx="2">
+              <a:schemeClr val="accent1">
+                <a:shade val="50000"/>
+              </a:schemeClr>
+            </a:lnRef>
+            <a:fillRef idx="1">
+              <a:schemeClr val="accent1"/>
+            </a:fillRef>
+            <a:effectRef idx="0">
+              <a:schemeClr val="accent1"/>
+            </a:effectRef>
+            <a:fontRef idx="minor">
+              <a:schemeClr val="lt1"/>
+            </a:fontRef>
+          </p:style>
+          <p:txBody>
+            <a:bodyPr rtlCol="0" anchor="ctr"/>
+            <a:lstStyle/>
+            <a:p>
+              <a:pPr algn="ctr"/>
+              <a:endParaRPr lang="ko-KR" altLang="en-US"/>
+            </a:p>
+          </p:txBody>
+        </p:sp>
+        <p:sp>
+          <p:nvSpPr>
+            <p:cNvPr id="1159" name="직사각형 1158"/>
+            <p:cNvSpPr/>
+            <p:nvPr/>
+          </p:nvSpPr>
+          <p:spPr>
+            <a:xfrm>
+              <a:off x="1048189" y="2169652"/>
+              <a:ext cx="3230468" cy="507831"/>
+            </a:xfrm>
+            <a:prstGeom prst="rect">
+              <a:avLst/>
+            </a:prstGeom>
+          </p:spPr>
+          <p:txBody>
+            <a:bodyPr wrap="square">
+              <a:spAutoFit/>
+            </a:bodyPr>
+            <a:lstStyle/>
+            <a:p>
+              <a:pPr>
+                <a:lnSpc>
+                  <a:spcPct val="150000"/>
+                </a:lnSpc>
+              </a:pPr>
+              <a:r>
+                <a:rPr lang="en-US" altLang="ko-KR" b="1" dirty="0" smtClean="0">
+                  <a:latin typeface="Arial" panose="020B0604020202020204" pitchFamily="34" charset="0"/>
+                  <a:cs typeface="Arial" panose="020B0604020202020204" pitchFamily="34" charset="0"/>
+                </a:rPr>
+                <a:t>Distributed Bragg Reflector</a:t>
+              </a:r>
+              <a:endParaRPr lang="en-US" altLang="ko-KR" b="1" dirty="0">
                 <a:latin typeface="Arial" panose="020B0604020202020204" pitchFamily="34" charset="0"/>
                 <a:cs typeface="Arial" panose="020B0604020202020204" pitchFamily="34" charset="0"/>
-              </a:rPr>
-              <a:t>Distributed Bragg Reflector</a:t>
-            </a:r>
-            <a:endParaRPr lang="en-US" altLang="ko-KR" sz="2000" dirty="0">
-              <a:latin typeface="Arial" panose="020B0604020202020204" pitchFamily="34" charset="0"/>
-              <a:cs typeface="Arial" panose="020B0604020202020204" pitchFamily="34" charset="0"/>
-            </a:endParaRPr>
-          </a:p>
-        </p:txBody>
-      </p:sp>
-      <p:sp>
-        <p:nvSpPr>
-          <p:cNvPr id="1166" name="직사각형 1165"/>
-          <p:cNvSpPr/>
-          <p:nvPr/>
-        </p:nvSpPr>
-        <p:spPr>
-          <a:xfrm>
-            <a:off x="4837159" y="2411540"/>
-            <a:ext cx="3198507" cy="2979385"/>
-          </a:xfrm>
-          <a:prstGeom prst="rect">
-            <a:avLst/>
-          </a:prstGeom>
-          <a:solidFill>
-            <a:schemeClr val="accent6">
-              <a:lumMod val="60000"/>
-              <a:lumOff val="40000"/>
-            </a:schemeClr>
-          </a:solidFill>
-          <a:ln>
-            <a:noFill/>
-          </a:ln>
-        </p:spPr>
-        <p:style>
-          <a:lnRef idx="2">
-            <a:schemeClr val="accent1">
-              <a:shade val="50000"/>
-            </a:schemeClr>
-          </a:lnRef>
-          <a:fillRef idx="1">
-            <a:schemeClr val="accent1"/>
-          </a:fillRef>
-          <a:effectRef idx="0">
-            <a:schemeClr val="accent1"/>
-          </a:effectRef>
-          <a:fontRef idx="minor">
-            <a:schemeClr val="lt1"/>
-          </a:fontRef>
-        </p:style>
-        <p:txBody>
-          <a:bodyPr rtlCol="0" anchor="ctr"/>
-          <a:lstStyle/>
-          <a:p>
-            <a:pPr algn="ctr"/>
-            <a:endParaRPr lang="ko-KR" altLang="en-US"/>
-          </a:p>
-        </p:txBody>
-      </p:sp>
-      <p:pic>
-        <p:nvPicPr>
-          <p:cNvPr id="1140" name="그림 1139"/>
-          <p:cNvPicPr>
-            <a:picLocks noChangeAspect="1"/>
-          </p:cNvPicPr>
-          <p:nvPr/>
-        </p:nvPicPr>
-        <p:blipFill>
-          <a:blip r:embed="rId3"/>
-          <a:stretch>
-            <a:fillRect/>
-          </a:stretch>
-        </p:blipFill>
-        <p:spPr>
-          <a:xfrm>
-            <a:off x="5790377" y="3116312"/>
-            <a:ext cx="1447347" cy="1800000"/>
-          </a:xfrm>
-          <a:prstGeom prst="rect">
-            <a:avLst/>
-          </a:prstGeom>
-        </p:spPr>
-      </p:pic>
-      <p:sp>
-        <p:nvSpPr>
-          <p:cNvPr id="1160" name="직사각형 1159"/>
-          <p:cNvSpPr/>
-          <p:nvPr/>
-        </p:nvSpPr>
-        <p:spPr>
-          <a:xfrm>
-            <a:off x="5391508" y="2393344"/>
-            <a:ext cx="2245084" cy="553998"/>
-          </a:xfrm>
-          <a:prstGeom prst="rect">
-            <a:avLst/>
-          </a:prstGeom>
-        </p:spPr>
-        <p:txBody>
-          <a:bodyPr wrap="square">
-            <a:spAutoFit/>
-          </a:bodyPr>
-          <a:lstStyle/>
-          <a:p>
-            <a:pPr>
-              <a:lnSpc>
-                <a:spcPct val="150000"/>
-              </a:lnSpc>
-            </a:pPr>
-            <a:r>
-              <a:rPr lang="en-US" altLang="ko-KR" sz="2000" dirty="0" smtClean="0">
-                <a:latin typeface="Arial" panose="020B0604020202020204" pitchFamily="34" charset="0"/>
-                <a:cs typeface="Arial" panose="020B0604020202020204" pitchFamily="34" charset="0"/>
-              </a:rPr>
-              <a:t>1x2 Power Splitter</a:t>
-            </a:r>
-            <a:endParaRPr lang="en-US" altLang="ko-KR" sz="2000" dirty="0">
-              <a:latin typeface="Arial" panose="020B0604020202020204" pitchFamily="34" charset="0"/>
-              <a:cs typeface="Arial" panose="020B0604020202020204" pitchFamily="34" charset="0"/>
-            </a:endParaRPr>
-          </a:p>
-        </p:txBody>
-      </p:sp>
-      <p:pic>
-        <p:nvPicPr>
-          <p:cNvPr id="1157" name="그림 1156"/>
-          <p:cNvPicPr>
-            <a:picLocks noChangeAspect="1"/>
-          </p:cNvPicPr>
-          <p:nvPr/>
-        </p:nvPicPr>
-        <p:blipFill>
-          <a:blip r:embed="rId4"/>
-          <a:stretch>
-            <a:fillRect/>
-          </a:stretch>
-        </p:blipFill>
-        <p:spPr>
-          <a:xfrm>
-            <a:off x="1425409" y="2936312"/>
-            <a:ext cx="2507986" cy="2160000"/>
-          </a:xfrm>
-          <a:prstGeom prst="rect">
-            <a:avLst/>
-          </a:prstGeom>
-        </p:spPr>
-      </p:pic>
-      <p:sp>
-        <p:nvSpPr>
-          <p:cNvPr id="1167" name="직사각형 1166"/>
-          <p:cNvSpPr/>
-          <p:nvPr/>
-        </p:nvSpPr>
-        <p:spPr>
-          <a:xfrm>
-            <a:off x="3264379" y="1779729"/>
-            <a:ext cx="2691441" cy="646331"/>
-          </a:xfrm>
-          <a:prstGeom prst="rect">
-            <a:avLst/>
-          </a:prstGeom>
-        </p:spPr>
-        <p:txBody>
-          <a:bodyPr wrap="square">
-            <a:spAutoFit/>
-          </a:bodyPr>
-          <a:lstStyle/>
-          <a:p>
-            <a:pPr>
-              <a:lnSpc>
-                <a:spcPct val="150000"/>
-              </a:lnSpc>
-            </a:pPr>
-            <a:r>
-              <a:rPr lang="en-US" altLang="ko-KR" sz="2400" b="1" dirty="0" smtClean="0">
-                <a:latin typeface="Arial" panose="020B0604020202020204" pitchFamily="34" charset="0"/>
-                <a:cs typeface="Arial" panose="020B0604020202020204" pitchFamily="34" charset="0"/>
-              </a:rPr>
-              <a:t>Design Structure</a:t>
-            </a:r>
-            <a:endParaRPr lang="en-US" altLang="ko-KR" sz="2400" b="1" dirty="0">
-              <a:latin typeface="Arial" panose="020B0604020202020204" pitchFamily="34" charset="0"/>
-              <a:cs typeface="Arial" panose="020B0604020202020204" pitchFamily="34" charset="0"/>
-            </a:endParaRPr>
-          </a:p>
-        </p:txBody>
-      </p:sp>
+              </a:endParaRPr>
+            </a:p>
+          </p:txBody>
+        </p:sp>
+        <p:pic>
+          <p:nvPicPr>
+            <p:cNvPr id="1157" name="그림 1156"/>
+            <p:cNvPicPr>
+              <a:picLocks noChangeAspect="1"/>
+            </p:cNvPicPr>
+            <p:nvPr/>
+          </p:nvPicPr>
+          <p:blipFill>
+            <a:blip r:embed="rId4"/>
+            <a:stretch>
+              <a:fillRect/>
+            </a:stretch>
+          </p:blipFill>
+          <p:spPr>
+            <a:xfrm>
+              <a:off x="1409430" y="2712620"/>
+              <a:ext cx="2507986" cy="2160000"/>
+            </a:xfrm>
+            <a:prstGeom prst="rect">
+              <a:avLst/>
+            </a:prstGeom>
+          </p:spPr>
+        </p:pic>
+      </p:grpSp>
     </p:spTree>
     <p:extLst>
       <p:ext uri="{BB962C8B-B14F-4D97-AF65-F5344CB8AC3E}">
@@ -32563,6 +34289,13 @@
   <p:clrMapOvr>
     <a:masterClrMapping/>
   </p:clrMapOvr>
+  <p:timing>
+    <p:tnLst>
+      <p:par>
+        <p:cTn id="1" dur="indefinite" restart="never" nodeType="tmRoot"/>
+      </p:par>
+    </p:tnLst>
+  </p:timing>
 </p:sld>
 </file>
 
@@ -33087,6 +34820,13 @@
   <p:clrMapOvr>
     <a:masterClrMapping/>
   </p:clrMapOvr>
+  <p:timing>
+    <p:tnLst>
+      <p:par>
+        <p:cTn id="1" dur="indefinite" restart="never" nodeType="tmRoot"/>
+      </p:par>
+    </p:tnLst>
+  </p:timing>
 </p:sld>
 </file>
 
@@ -33194,7 +34934,24 @@
                 <a:ea typeface="+mj-ea"/>
                 <a:cs typeface="Arial" pitchFamily="34" charset="0"/>
               </a:rPr>
-              <a:t>Design Method</a:t>
+              <a:t>Why Machine</a:t>
+            </a:r>
+            <a:r>
+              <a:rPr kumimoji="0" lang="en-US" altLang="ko-KR" sz="3200" b="1" i="0" u="none" strike="noStrike" kern="1200" cap="none" spc="0" normalizeH="0" noProof="0" dirty="0" smtClean="0">
+                <a:ln>
+                  <a:noFill/>
+                </a:ln>
+                <a:solidFill>
+                  <a:schemeClr val="bg1"/>
+                </a:solidFill>
+                <a:effectLst/>
+                <a:uLnTx/>
+                <a:uFillTx/>
+                <a:latin typeface="Arial" pitchFamily="34" charset="0"/>
+                <a:ea typeface="+mj-ea"/>
+                <a:cs typeface="Arial" pitchFamily="34" charset="0"/>
+              </a:rPr>
+              <a:t> Learning?</a:t>
             </a:r>
             <a:endParaRPr kumimoji="0" lang="en-US" altLang="ko-KR" sz="2800" b="1" i="0" u="none" strike="noStrike" kern="1200" cap="none" spc="0" normalizeH="0" baseline="0" noProof="0" dirty="0" smtClean="0">
               <a:ln>
@@ -33221,8 +34978,8 @@
         </p:nvSpPr>
         <p:spPr>
           <a:xfrm>
-            <a:off x="0" y="897179"/>
-            <a:ext cx="9220200" cy="507831"/>
+            <a:off x="66675" y="5718841"/>
+            <a:ext cx="9220200" cy="456535"/>
           </a:xfrm>
           <a:prstGeom prst="rect">
             <a:avLst/>
@@ -33240,25 +34997,11 @@
               </a:lnSpc>
             </a:pPr>
             <a:r>
-              <a:rPr lang="en-US" altLang="ko-KR" dirty="0">
+              <a:rPr lang="en-US" altLang="ko-KR" dirty="0" smtClean="0">
                 <a:latin typeface="Arial" panose="020B0604020202020204" pitchFamily="34" charset="0"/>
                 <a:cs typeface="Arial" panose="020B0604020202020204" pitchFamily="34" charset="0"/>
               </a:rPr>
-              <a:t>Photonic Integrated Circuits (PICs) based on Silicon-on-Insulator (SOI)</a:t>
-            </a:r>
-            <a:r>
-              <a:rPr lang="ko-KR" altLang="en-US" dirty="0">
-                <a:latin typeface="Arial" panose="020B0604020202020204" pitchFamily="34" charset="0"/>
-                <a:cs typeface="Arial" panose="020B0604020202020204" pitchFamily="34" charset="0"/>
-              </a:rPr>
-              <a:t>에 대한 관심 </a:t>
-            </a:r>
-            <a:r>
-              <a:rPr lang="ko-KR" altLang="en-US" dirty="0" smtClean="0">
-                <a:latin typeface="Arial" panose="020B0604020202020204" pitchFamily="34" charset="0"/>
-                <a:cs typeface="Arial" panose="020B0604020202020204" pitchFamily="34" charset="0"/>
-              </a:rPr>
-              <a:t>증폭</a:t>
+              <a:t>Machine Learning has </a:t>
             </a:r>
             <a:endParaRPr lang="en-US" altLang="ko-KR" dirty="0">
               <a:latin typeface="Arial" panose="020B0604020202020204" pitchFamily="34" charset="0"/>
@@ -33269,7 +35012,7 @@
       </p:sp>
       <p:pic>
         <p:nvPicPr>
-          <p:cNvPr id="6" name="그림 5"/>
+          <p:cNvPr id="39" name="그림 38"/>
           <p:cNvPicPr>
             <a:picLocks noChangeAspect="1"/>
           </p:cNvPicPr>
@@ -33283,8 +35026,8 @@
         </p:blipFill>
         <p:spPr>
           <a:xfrm>
-            <a:off x="2029135" y="2120763"/>
-            <a:ext cx="4743099" cy="3194581"/>
+            <a:off x="1280010" y="1046985"/>
+            <a:ext cx="6583980" cy="4344847"/>
           </a:xfrm>
           <a:prstGeom prst="rect">
             <a:avLst/>

--- a/개인/석사학위논문/Thesis_Presentation_v2.pptx
+++ b/개인/석사학위논문/Thesis_Presentation_v2.pptx
@@ -5,7 +5,7 @@
     <p:sldMasterId id="2147483660" r:id="rId1"/>
   </p:sldMasterIdLst>
   <p:notesMasterIdLst>
-    <p:notesMasterId r:id="rId40"/>
+    <p:notesMasterId r:id="rId39"/>
   </p:notesMasterIdLst>
   <p:sldIdLst>
     <p:sldId id="256" r:id="rId2"/>
@@ -35,17 +35,16 @@
     <p:sldId id="305" r:id="rId26"/>
     <p:sldId id="302" r:id="rId27"/>
     <p:sldId id="303" r:id="rId28"/>
-    <p:sldId id="304" r:id="rId29"/>
-    <p:sldId id="306" r:id="rId30"/>
-    <p:sldId id="266" r:id="rId31"/>
-    <p:sldId id="292" r:id="rId32"/>
-    <p:sldId id="284" r:id="rId33"/>
-    <p:sldId id="285" r:id="rId34"/>
-    <p:sldId id="281" r:id="rId35"/>
-    <p:sldId id="282" r:id="rId36"/>
-    <p:sldId id="283" r:id="rId37"/>
-    <p:sldId id="308" r:id="rId38"/>
-    <p:sldId id="269" r:id="rId39"/>
+    <p:sldId id="306" r:id="rId29"/>
+    <p:sldId id="266" r:id="rId30"/>
+    <p:sldId id="292" r:id="rId31"/>
+    <p:sldId id="284" r:id="rId32"/>
+    <p:sldId id="285" r:id="rId33"/>
+    <p:sldId id="281" r:id="rId34"/>
+    <p:sldId id="282" r:id="rId35"/>
+    <p:sldId id="283" r:id="rId36"/>
+    <p:sldId id="308" r:id="rId37"/>
+    <p:sldId id="269" r:id="rId38"/>
   </p:sldIdLst>
   <p:sldSz cx="9144000" cy="6858000" type="screen4x3"/>
   <p:notesSz cx="6858000" cy="9144000"/>
@@ -3442,7 +3441,7 @@
           <a:p>
             <a:fld id="{C19762FB-3275-4DDD-8145-24885120BD1B}" type="datetimeFigureOut">
               <a:rPr lang="ko-KR" altLang="en-US" smtClean="0"/>
-              <a:t>2019-11-04</a:t>
+              <a:t>2019-11-07</a:t>
             </a:fld>
             <a:endParaRPr lang="ko-KR" altLang="en-US"/>
           </a:p>
@@ -4805,7 +4804,7 @@
           <a:p>
             <a:fld id="{D5D80EBB-B890-43AE-9083-C96FE4A29910}" type="datetime1">
               <a:rPr lang="ko-KR" altLang="en-US" smtClean="0"/>
-              <a:t>2019-11-04</a:t>
+              <a:t>2019-11-07</a:t>
             </a:fld>
             <a:endParaRPr lang="ko-KR" altLang="en-US"/>
           </a:p>
@@ -4999,7 +4998,7 @@
           <a:p>
             <a:fld id="{154BE1C7-AA1F-4F3C-8E2B-C87B93FCCD4D}" type="datetime1">
               <a:rPr lang="ko-KR" altLang="en-US" smtClean="0"/>
-              <a:t>2019-11-04</a:t>
+              <a:t>2019-11-07</a:t>
             </a:fld>
             <a:endParaRPr lang="ko-KR" altLang="en-US"/>
           </a:p>
@@ -5203,7 +5202,7 @@
           <a:p>
             <a:fld id="{B5E04AD6-9B61-42B2-938C-66281B480C6A}" type="datetime1">
               <a:rPr lang="ko-KR" altLang="en-US" smtClean="0"/>
-              <a:t>2019-11-04</a:t>
+              <a:t>2019-11-07</a:t>
             </a:fld>
             <a:endParaRPr lang="ko-KR" altLang="en-US"/>
           </a:p>
@@ -5389,7 +5388,7 @@
           <a:p>
             <a:fld id="{CEDA20BB-A36C-44CB-A9A0-32BED543DE31}" type="datetimeFigureOut">
               <a:rPr lang="ko-KR" altLang="en-US" smtClean="0"/>
-              <a:t>2019-11-04</a:t>
+              <a:t>2019-11-07</a:t>
             </a:fld>
             <a:endParaRPr lang="ko-KR" altLang="en-US"/>
           </a:p>
@@ -5759,7 +5758,7 @@
           <a:p>
             <a:fld id="{218953AC-9849-456F-9E44-AECC60F5F9FC}" type="datetime1">
               <a:rPr lang="ko-KR" altLang="en-US" smtClean="0"/>
-              <a:t>2019-11-04</a:t>
+              <a:t>2019-11-07</a:t>
             </a:fld>
             <a:endParaRPr lang="ko-KR" altLang="en-US"/>
           </a:p>
@@ -6015,7 +6014,7 @@
           <a:p>
             <a:fld id="{8CCAAB59-4967-4F74-8A98-AEFD5F21617F}" type="datetime1">
               <a:rPr lang="ko-KR" altLang="en-US" smtClean="0"/>
-              <a:t>2019-11-04</a:t>
+              <a:t>2019-11-07</a:t>
             </a:fld>
             <a:endParaRPr lang="ko-KR" altLang="en-US"/>
           </a:p>
@@ -6406,7 +6405,7 @@
           <a:p>
             <a:fld id="{A3176D14-3ABC-4C75-AD2C-933C44F0B27E}" type="datetime1">
               <a:rPr lang="ko-KR" altLang="en-US" smtClean="0"/>
-              <a:t>2019-11-04</a:t>
+              <a:t>2019-11-07</a:t>
             </a:fld>
             <a:endParaRPr lang="ko-KR" altLang="en-US"/>
           </a:p>
@@ -6548,7 +6547,7 @@
           <a:p>
             <a:fld id="{21C282E5-3BC4-42EA-975E-4FBFF6C9C5B9}" type="datetime1">
               <a:rPr lang="ko-KR" altLang="en-US" smtClean="0"/>
-              <a:t>2019-11-04</a:t>
+              <a:t>2019-11-07</a:t>
             </a:fld>
             <a:endParaRPr lang="ko-KR" altLang="en-US"/>
           </a:p>
@@ -6667,7 +6666,7 @@
           <a:p>
             <a:fld id="{13ABF03C-3F6A-4FCA-9FFE-178AE350824F}" type="datetime1">
               <a:rPr lang="ko-KR" altLang="en-US" smtClean="0"/>
-              <a:t>2019-11-04</a:t>
+              <a:t>2019-11-07</a:t>
             </a:fld>
             <a:endParaRPr lang="ko-KR" altLang="en-US"/>
           </a:p>
@@ -6968,7 +6967,7 @@
           <a:p>
             <a:fld id="{B7D8EF2C-F87E-4B61-BE8F-F370400E961D}" type="datetime1">
               <a:rPr lang="ko-KR" altLang="en-US" smtClean="0"/>
-              <a:t>2019-11-04</a:t>
+              <a:t>2019-11-07</a:t>
             </a:fld>
             <a:endParaRPr lang="ko-KR" altLang="en-US"/>
           </a:p>
@@ -7249,7 +7248,7 @@
           <a:p>
             <a:fld id="{8F223CFE-2AAC-4812-9EB8-3FB62CB8BFB1}" type="datetime1">
               <a:rPr lang="ko-KR" altLang="en-US" smtClean="0"/>
-              <a:t>2019-11-04</a:t>
+              <a:t>2019-11-07</a:t>
             </a:fld>
             <a:endParaRPr lang="ko-KR" altLang="en-US"/>
           </a:p>
@@ -10052,28 +10051,14 @@
                 <a:latin typeface="Arial" panose="020B0604020202020204" pitchFamily="34" charset="0"/>
                 <a:cs typeface="Arial" panose="020B0604020202020204" pitchFamily="34" charset="0"/>
               </a:rPr>
-              <a:t>Give </a:t>
-            </a:r>
-            <a:r>
-              <a:rPr lang="en-US" altLang="ko-KR" b="1" dirty="0" smtClean="0">
-                <a:latin typeface="Arial" panose="020B0604020202020204" pitchFamily="34" charset="0"/>
-                <a:cs typeface="Arial" panose="020B0604020202020204" pitchFamily="34" charset="0"/>
-              </a:rPr>
-              <a:t>labeled data </a:t>
+              <a:t>Give labeled data </a:t>
             </a:r>
             <a:r>
               <a:rPr lang="en-US" altLang="ko-KR" dirty="0" smtClean="0">
                 <a:latin typeface="Arial" panose="020B0604020202020204" pitchFamily="34" charset="0"/>
                 <a:cs typeface="Arial" panose="020B0604020202020204" pitchFamily="34" charset="0"/>
               </a:rPr>
-              <a:t>→ Find features </a:t>
-            </a:r>
-            <a:r>
-              <a:rPr lang="en-US" altLang="ko-KR" dirty="0" smtClean="0">
-                <a:latin typeface="Arial" panose="020B0604020202020204" pitchFamily="34" charset="0"/>
-                <a:cs typeface="Arial" panose="020B0604020202020204" pitchFamily="34" charset="0"/>
-              </a:rPr>
-              <a:t>itself</a:t>
+              <a:t>→ Find features itself</a:t>
             </a:r>
           </a:p>
         </p:txBody>
@@ -10707,8 +10692,8 @@
           </a:p>
         </p:txBody>
       </p:sp>
-      <mc:AlternateContent xmlns:mc="http://schemas.openxmlformats.org/markup-compatibility/2006">
-        <mc:Choice xmlns:a14="http://schemas.microsoft.com/office/drawing/2010/main" Requires="a14">
+      <mc:AlternateContent xmlns:mc="http://schemas.openxmlformats.org/markup-compatibility/2006" xmlns:a14="http://schemas.microsoft.com/office/drawing/2010/main">
+        <mc:Choice Requires="a14">
           <p:sp>
             <p:nvSpPr>
               <p:cNvPr id="80" name="직사각형 79"/>
@@ -10823,7 +10808,7 @@
             </p:txBody>
           </p:sp>
         </mc:Choice>
-        <mc:Fallback>
+        <mc:Fallback xmlns="">
           <p:sp>
             <p:nvSpPr>
               <p:cNvPr id="80" name="직사각형 79"/>
@@ -10862,8 +10847,8 @@
           </p:sp>
         </mc:Fallback>
       </mc:AlternateContent>
-      <mc:AlternateContent xmlns:mc="http://schemas.openxmlformats.org/markup-compatibility/2006">
-        <mc:Choice xmlns:a14="http://schemas.microsoft.com/office/drawing/2010/main" Requires="a14">
+      <mc:AlternateContent xmlns:mc="http://schemas.openxmlformats.org/markup-compatibility/2006" xmlns:a14="http://schemas.microsoft.com/office/drawing/2010/main">
+        <mc:Choice Requires="a14">
           <p:sp>
             <p:nvSpPr>
               <p:cNvPr id="81" name="TextBox 80"/>
@@ -11143,7 +11128,7 @@
             </p:txBody>
           </p:sp>
         </mc:Choice>
-        <mc:Fallback>
+        <mc:Fallback xmlns="">
           <p:sp>
             <p:nvSpPr>
               <p:cNvPr id="81" name="TextBox 80"/>
@@ -11217,8 +11202,8 @@
           </a:p>
         </p:txBody>
       </p:sp>
-      <mc:AlternateContent xmlns:mc="http://schemas.openxmlformats.org/markup-compatibility/2006">
-        <mc:Choice xmlns:a14="http://schemas.microsoft.com/office/drawing/2010/main" Requires="a14">
+      <mc:AlternateContent xmlns:mc="http://schemas.openxmlformats.org/markup-compatibility/2006" xmlns:a14="http://schemas.microsoft.com/office/drawing/2010/main">
+        <mc:Choice Requires="a14">
           <p:sp>
             <p:nvSpPr>
               <p:cNvPr id="83" name="TextBox 82"/>
@@ -12101,7 +12086,7 @@
             </p:txBody>
           </p:sp>
         </mc:Choice>
-        <mc:Fallback>
+        <mc:Fallback xmlns="">
           <p:sp>
             <p:nvSpPr>
               <p:cNvPr id="83" name="TextBox 82"/>
@@ -12140,8 +12125,8 @@
           </p:sp>
         </mc:Fallback>
       </mc:AlternateContent>
-      <mc:AlternateContent xmlns:mc="http://schemas.openxmlformats.org/markup-compatibility/2006">
-        <mc:Choice xmlns:a14="http://schemas.microsoft.com/office/drawing/2010/main" Requires="a14">
+      <mc:AlternateContent xmlns:mc="http://schemas.openxmlformats.org/markup-compatibility/2006" xmlns:a14="http://schemas.microsoft.com/office/drawing/2010/main">
+        <mc:Choice Requires="a14">
           <p:sp>
             <p:nvSpPr>
               <p:cNvPr id="84" name="직사각형 83"/>
@@ -12402,7 +12387,7 @@
             </p:txBody>
           </p:sp>
         </mc:Choice>
-        <mc:Fallback>
+        <mc:Fallback xmlns="">
           <p:sp>
             <p:nvSpPr>
               <p:cNvPr id="84" name="직사각형 83"/>
@@ -12441,8 +12426,8 @@
           </p:sp>
         </mc:Fallback>
       </mc:AlternateContent>
-      <mc:AlternateContent xmlns:mc="http://schemas.openxmlformats.org/markup-compatibility/2006">
-        <mc:Choice xmlns:a14="http://schemas.microsoft.com/office/drawing/2010/main" Requires="a14">
+      <mc:AlternateContent xmlns:mc="http://schemas.openxmlformats.org/markup-compatibility/2006" xmlns:a14="http://schemas.microsoft.com/office/drawing/2010/main">
+        <mc:Choice Requires="a14">
           <p:sp>
             <p:nvSpPr>
               <p:cNvPr id="86" name="TextBox 15"/>
@@ -13151,7 +13136,7 @@
             </p:txBody>
           </p:sp>
         </mc:Choice>
-        <mc:Fallback>
+        <mc:Fallback xmlns="">
           <p:sp>
             <p:nvSpPr>
               <p:cNvPr id="86" name="TextBox 15"/>
@@ -13190,8 +13175,8 @@
           </p:sp>
         </mc:Fallback>
       </mc:AlternateContent>
-      <mc:AlternateContent xmlns:mc="http://schemas.openxmlformats.org/markup-compatibility/2006">
-        <mc:Choice xmlns:a14="http://schemas.microsoft.com/office/drawing/2010/main" Requires="a14">
+      <mc:AlternateContent xmlns:mc="http://schemas.openxmlformats.org/markup-compatibility/2006" xmlns:a14="http://schemas.microsoft.com/office/drawing/2010/main">
+        <mc:Choice Requires="a14">
           <p:sp>
             <p:nvSpPr>
               <p:cNvPr id="87" name="TextBox 86"/>
@@ -13366,7 +13351,7 @@
             </p:txBody>
           </p:sp>
         </mc:Choice>
-        <mc:Fallback>
+        <mc:Fallback xmlns="">
           <p:sp>
             <p:nvSpPr>
               <p:cNvPr id="87" name="TextBox 86"/>
@@ -13918,8 +13903,8 @@
           </a:p>
         </p:txBody>
       </p:sp>
-      <mc:AlternateContent xmlns:mc="http://schemas.openxmlformats.org/markup-compatibility/2006">
-        <mc:Choice xmlns:a14="http://schemas.microsoft.com/office/drawing/2010/main" Requires="a14">
+      <mc:AlternateContent xmlns:mc="http://schemas.openxmlformats.org/markup-compatibility/2006" xmlns:a14="http://schemas.microsoft.com/office/drawing/2010/main">
+        <mc:Choice Requires="a14">
           <p:sp>
             <p:nvSpPr>
               <p:cNvPr id="5" name="TextBox 4"/>
@@ -14100,7 +14085,7 @@
             </p:txBody>
           </p:sp>
         </mc:Choice>
-        <mc:Fallback>
+        <mc:Fallback xmlns="">
           <p:sp>
             <p:nvSpPr>
               <p:cNvPr id="5" name="TextBox 4"/>
@@ -14139,8 +14124,8 @@
           </p:sp>
         </mc:Fallback>
       </mc:AlternateContent>
-      <mc:AlternateContent xmlns:mc="http://schemas.openxmlformats.org/markup-compatibility/2006">
-        <mc:Choice xmlns:a14="http://schemas.microsoft.com/office/drawing/2010/main" Requires="a14">
+      <mc:AlternateContent xmlns:mc="http://schemas.openxmlformats.org/markup-compatibility/2006" xmlns:a14="http://schemas.microsoft.com/office/drawing/2010/main">
+        <mc:Choice Requires="a14">
           <p:sp>
             <p:nvSpPr>
               <p:cNvPr id="14" name="TextBox 15"/>
@@ -14665,7 +14650,7 @@
             </p:txBody>
           </p:sp>
         </mc:Choice>
-        <mc:Fallback>
+        <mc:Fallback xmlns="">
           <p:sp>
             <p:nvSpPr>
               <p:cNvPr id="14" name="TextBox 15"/>
@@ -14704,8 +14689,8 @@
           </p:sp>
         </mc:Fallback>
       </mc:AlternateContent>
-      <mc:AlternateContent xmlns:mc="http://schemas.openxmlformats.org/markup-compatibility/2006">
-        <mc:Choice xmlns:a14="http://schemas.microsoft.com/office/drawing/2010/main" Requires="a14">
+      <mc:AlternateContent xmlns:mc="http://schemas.openxmlformats.org/markup-compatibility/2006" xmlns:a14="http://schemas.microsoft.com/office/drawing/2010/main">
+        <mc:Choice Requires="a14">
           <p:sp>
             <p:nvSpPr>
               <p:cNvPr id="13" name="TextBox 12"/>
@@ -15243,7 +15228,7 @@
             </p:txBody>
           </p:sp>
         </mc:Choice>
-        <mc:Fallback>
+        <mc:Fallback xmlns="">
           <p:sp>
             <p:nvSpPr>
               <p:cNvPr id="13" name="TextBox 12"/>
@@ -15645,21 +15630,7 @@
                 <a:latin typeface="Arial" panose="020B0604020202020204" pitchFamily="34" charset="0"/>
                 <a:cs typeface="Arial" panose="020B0604020202020204" pitchFamily="34" charset="0"/>
               </a:rPr>
-              <a:t>Equally </a:t>
-            </a:r>
-            <a:r>
-              <a:rPr lang="en-US" altLang="ko-KR" dirty="0" smtClean="0">
-                <a:latin typeface="Arial" panose="020B0604020202020204" pitchFamily="34" charset="0"/>
-                <a:cs typeface="Arial" panose="020B0604020202020204" pitchFamily="34" charset="0"/>
-              </a:rPr>
-              <a:t>divide the power into the output </a:t>
-            </a:r>
-            <a:r>
-              <a:rPr lang="en-US" altLang="ko-KR" dirty="0" smtClean="0">
-                <a:latin typeface="Arial" panose="020B0604020202020204" pitchFamily="34" charset="0"/>
-                <a:cs typeface="Arial" panose="020B0604020202020204" pitchFamily="34" charset="0"/>
-              </a:rPr>
-              <a:t>ports</a:t>
+              <a:t>Equally divide the power into the output ports</a:t>
             </a:r>
           </a:p>
           <a:p>
@@ -18467,8 +18438,8 @@
           </a:p>
         </p:txBody>
       </p:sp>
-      <mc:AlternateContent xmlns:mc="http://schemas.openxmlformats.org/markup-compatibility/2006">
-        <mc:Choice xmlns:a14="http://schemas.microsoft.com/office/drawing/2010/main" Requires="a14">
+      <mc:AlternateContent xmlns:mc="http://schemas.openxmlformats.org/markup-compatibility/2006" xmlns:a14="http://schemas.microsoft.com/office/drawing/2010/main">
+        <mc:Choice Requires="a14">
           <p:sp>
             <p:nvSpPr>
               <p:cNvPr id="9" name="TextBox 8"/>
@@ -18608,7 +18579,7 @@
             </p:txBody>
           </p:sp>
         </mc:Choice>
-        <mc:Fallback>
+        <mc:Fallback xmlns="">
           <p:sp>
             <p:nvSpPr>
               <p:cNvPr id="9" name="TextBox 8"/>
@@ -18716,8 +18687,8 @@
           </a:fontRef>
         </p:style>
       </p:cxnSp>
-      <mc:AlternateContent xmlns:mc="http://schemas.openxmlformats.org/markup-compatibility/2006">
-        <mc:Choice xmlns:a14="http://schemas.microsoft.com/office/drawing/2010/main" Requires="a14">
+      <mc:AlternateContent xmlns:mc="http://schemas.openxmlformats.org/markup-compatibility/2006" xmlns:a14="http://schemas.microsoft.com/office/drawing/2010/main">
+        <mc:Choice Requires="a14">
           <p:sp>
             <p:nvSpPr>
               <p:cNvPr id="12" name="TextBox 11"/>
@@ -18826,7 +18797,7 @@
             </p:txBody>
           </p:sp>
         </mc:Choice>
-        <mc:Fallback>
+        <mc:Fallback xmlns="">
           <p:sp>
             <p:nvSpPr>
               <p:cNvPr id="12" name="TextBox 11"/>
@@ -18865,8 +18836,8 @@
           </p:sp>
         </mc:Fallback>
       </mc:AlternateContent>
-      <mc:AlternateContent xmlns:mc="http://schemas.openxmlformats.org/markup-compatibility/2006">
-        <mc:Choice xmlns:a14="http://schemas.microsoft.com/office/drawing/2010/main" Requires="a14">
+      <mc:AlternateContent xmlns:mc="http://schemas.openxmlformats.org/markup-compatibility/2006" xmlns:a14="http://schemas.microsoft.com/office/drawing/2010/main">
+        <mc:Choice Requires="a14">
           <p:sp>
             <p:nvSpPr>
               <p:cNvPr id="13" name="TextBox 12"/>
@@ -18963,7 +18934,7 @@
             </p:txBody>
           </p:sp>
         </mc:Choice>
-        <mc:Fallback>
+        <mc:Fallback xmlns="">
           <p:sp>
             <p:nvSpPr>
               <p:cNvPr id="13" name="TextBox 12"/>
@@ -19002,8 +18973,8 @@
           </p:sp>
         </mc:Fallback>
       </mc:AlternateContent>
-      <mc:AlternateContent xmlns:mc="http://schemas.openxmlformats.org/markup-compatibility/2006">
-        <mc:Choice xmlns:a14="http://schemas.microsoft.com/office/drawing/2010/main" Requires="a14">
+      <mc:AlternateContent xmlns:mc="http://schemas.openxmlformats.org/markup-compatibility/2006" xmlns:a14="http://schemas.microsoft.com/office/drawing/2010/main">
+        <mc:Choice Requires="a14">
           <p:sp>
             <p:nvSpPr>
               <p:cNvPr id="14" name="TextBox 13"/>
@@ -19129,7 +19100,7 @@
             </p:txBody>
           </p:sp>
         </mc:Choice>
-        <mc:Fallback>
+        <mc:Fallback xmlns="">
           <p:sp>
             <p:nvSpPr>
               <p:cNvPr id="14" name="TextBox 13"/>
@@ -19168,8 +19139,8 @@
           </p:sp>
         </mc:Fallback>
       </mc:AlternateContent>
-      <mc:AlternateContent xmlns:mc="http://schemas.openxmlformats.org/markup-compatibility/2006">
-        <mc:Choice xmlns:a14="http://schemas.microsoft.com/office/drawing/2010/main" Requires="a14">
+      <mc:AlternateContent xmlns:mc="http://schemas.openxmlformats.org/markup-compatibility/2006" xmlns:a14="http://schemas.microsoft.com/office/drawing/2010/main">
+        <mc:Choice Requires="a14">
           <p:sp>
             <p:nvSpPr>
               <p:cNvPr id="15" name="TextBox 14"/>
@@ -19404,7 +19375,7 @@
             </p:txBody>
           </p:sp>
         </mc:Choice>
-        <mc:Fallback>
+        <mc:Fallback xmlns="">
           <p:sp>
             <p:nvSpPr>
               <p:cNvPr id="15" name="TextBox 14"/>
@@ -19443,8 +19414,8 @@
           </p:sp>
         </mc:Fallback>
       </mc:AlternateContent>
-      <mc:AlternateContent xmlns:mc="http://schemas.openxmlformats.org/markup-compatibility/2006">
-        <mc:Choice xmlns:a14="http://schemas.microsoft.com/office/drawing/2010/main" Requires="a14">
+      <mc:AlternateContent xmlns:mc="http://schemas.openxmlformats.org/markup-compatibility/2006" xmlns:a14="http://schemas.microsoft.com/office/drawing/2010/main">
+        <mc:Choice Requires="a14">
           <p:sp>
             <p:nvSpPr>
               <p:cNvPr id="17" name="TextBox 16"/>
@@ -19594,7 +19565,7 @@
             </p:txBody>
           </p:sp>
         </mc:Choice>
-        <mc:Fallback>
+        <mc:Fallback xmlns="">
           <p:sp>
             <p:nvSpPr>
               <p:cNvPr id="17" name="TextBox 16"/>
@@ -19633,8 +19604,8 @@
           </p:sp>
         </mc:Fallback>
       </mc:AlternateContent>
-      <mc:AlternateContent xmlns:mc="http://schemas.openxmlformats.org/markup-compatibility/2006">
-        <mc:Choice xmlns:a14="http://schemas.microsoft.com/office/drawing/2010/main" Requires="a14">
+      <mc:AlternateContent xmlns:mc="http://schemas.openxmlformats.org/markup-compatibility/2006" xmlns:a14="http://schemas.microsoft.com/office/drawing/2010/main">
+        <mc:Choice Requires="a14">
           <p:sp>
             <p:nvSpPr>
               <p:cNvPr id="18" name="TextBox 17"/>
@@ -19918,7 +19889,7 @@
             </p:txBody>
           </p:sp>
         </mc:Choice>
-        <mc:Fallback>
+        <mc:Fallback xmlns="">
           <p:sp>
             <p:nvSpPr>
               <p:cNvPr id="18" name="TextBox 17"/>
@@ -20470,7 +20441,18 @@
                 <a:ea typeface="+mj-ea"/>
                 <a:cs typeface="Arial" pitchFamily="34" charset="0"/>
               </a:rPr>
-              <a:t>Platform</a:t>
+              <a:t>Platform - </a:t>
+            </a:r>
+            <a:r>
+              <a:rPr lang="en-US" altLang="ko-KR" sz="3200" b="1" dirty="0" smtClean="0">
+                <a:solidFill>
+                  <a:schemeClr val="bg1"/>
+                </a:solidFill>
+                <a:latin typeface="Arial" pitchFamily="34" charset="0"/>
+                <a:ea typeface="+mj-ea"/>
+                <a:cs typeface="Arial" pitchFamily="34" charset="0"/>
+              </a:rPr>
+              <a:t>Structure</a:t>
             </a:r>
             <a:endParaRPr kumimoji="0" lang="en-US" altLang="ko-KR" sz="2800" b="1" i="0" u="none" strike="noStrike" kern="1200" cap="none" spc="0" normalizeH="0" baseline="0" noProof="0" dirty="0" smtClean="0">
               <a:ln>
@@ -20485,46 +20467,6 @@
               <a:latin typeface="Arial" pitchFamily="34" charset="0"/>
               <a:ea typeface="+mj-ea"/>
               <a:cs typeface="Arial" pitchFamily="34" charset="0"/>
-            </a:endParaRPr>
-          </a:p>
-        </p:txBody>
-      </p:sp>
-      <p:sp>
-        <p:nvSpPr>
-          <p:cNvPr id="2" name="직사각형 1"/>
-          <p:cNvSpPr/>
-          <p:nvPr/>
-        </p:nvSpPr>
-        <p:spPr>
-          <a:xfrm>
-            <a:off x="0" y="940311"/>
-            <a:ext cx="9057736" cy="507831"/>
-          </a:xfrm>
-          <a:prstGeom prst="rect">
-            <a:avLst/>
-          </a:prstGeom>
-        </p:spPr>
-        <p:txBody>
-          <a:bodyPr wrap="square">
-            <a:spAutoFit/>
-          </a:bodyPr>
-          <a:lstStyle/>
-          <a:p>
-            <a:pPr>
-              <a:lnSpc>
-                <a:spcPct val="150000"/>
-              </a:lnSpc>
-            </a:pPr>
-            <a:r>
-              <a:rPr lang="en-US" altLang="ko-KR" dirty="0" smtClean="0">
-                <a:latin typeface="Arial" panose="020B0604020202020204" pitchFamily="34" charset="0"/>
-                <a:cs typeface="Arial" panose="020B0604020202020204" pitchFamily="34" charset="0"/>
-              </a:rPr>
-              <a:t>Start with index unknown material</a:t>
-            </a:r>
-            <a:endParaRPr lang="en-US" altLang="ko-KR" dirty="0">
-              <a:latin typeface="Arial" panose="020B0604020202020204" pitchFamily="34" charset="0"/>
-              <a:cs typeface="Arial" panose="020B0604020202020204" pitchFamily="34" charset="0"/>
             </a:endParaRPr>
           </a:p>
         </p:txBody>
@@ -20545,7 +20487,7 @@
         </p:blipFill>
         <p:spPr>
           <a:xfrm>
-            <a:off x="2205736" y="1448142"/>
+            <a:off x="2205736" y="1265506"/>
             <a:ext cx="4732529" cy="1796080"/>
           </a:xfrm>
           <a:prstGeom prst="rect">
@@ -20569,7 +20511,7 @@
         </p:blipFill>
         <p:spPr>
           <a:xfrm>
-            <a:off x="7272500" y="2036025"/>
+            <a:off x="7272500" y="1781502"/>
             <a:ext cx="1057044" cy="1102803"/>
           </a:xfrm>
           <a:prstGeom prst="rect">
@@ -20587,7 +20529,7 @@
             </p:nvSpPr>
             <p:spPr>
               <a:xfrm>
-                <a:off x="5908834" y="3571402"/>
+                <a:off x="3863217" y="4822062"/>
                 <a:ext cx="2727331" cy="959045"/>
               </a:xfrm>
               <a:prstGeom prst="rect">
@@ -20764,7 +20706,7 @@
             </p:nvSpPr>
             <p:spPr>
               <a:xfrm>
-                <a:off x="5908834" y="3571402"/>
+                <a:off x="3863217" y="4822062"/>
                 <a:ext cx="2727331" cy="959045"/>
               </a:xfrm>
               <a:prstGeom prst="rect">
@@ -20792,8 +20734,8 @@
           </p:sp>
         </mc:Fallback>
       </mc:AlternateContent>
-      <mc:AlternateContent xmlns:mc="http://schemas.openxmlformats.org/markup-compatibility/2006" xmlns:a14="http://schemas.microsoft.com/office/drawing/2010/main">
-        <mc:Choice Requires="a14">
+      <mc:AlternateContent xmlns:mc="http://schemas.openxmlformats.org/markup-compatibility/2006">
+        <mc:Choice xmlns:a14="http://schemas.microsoft.com/office/drawing/2010/main" Requires="a14">
           <p:sp>
             <p:nvSpPr>
               <p:cNvPr id="8" name="직사각형 7"/>
@@ -20802,8 +20744,8 @@
             </p:nvSpPr>
             <p:spPr>
               <a:xfrm>
-                <a:off x="409862" y="4693837"/>
-                <a:ext cx="2727331" cy="923330"/>
+                <a:off x="842070" y="5440896"/>
+                <a:ext cx="2727331" cy="507831"/>
               </a:xfrm>
               <a:prstGeom prst="rect">
                 <a:avLst/>
@@ -20814,20 +20756,6 @@
                 <a:spAutoFit/>
               </a:bodyPr>
               <a:lstStyle/>
-              <a:p>
-                <a:pPr>
-                  <a:lnSpc>
-                    <a:spcPct val="150000"/>
-                  </a:lnSpc>
-                </a:pPr>
-                <a:r>
-                  <a:rPr lang="en-US" altLang="ko-KR" dirty="0" smtClean="0">
-                    <a:latin typeface="Arial" panose="020B0604020202020204" pitchFamily="34" charset="0"/>
-                    <a:cs typeface="Arial" panose="020B0604020202020204" pitchFamily="34" charset="0"/>
-                  </a:rPr>
-                  <a:t>DBR </a:t>
-                </a:r>
-              </a:p>
               <a:p>
                 <a:pPr>
                   <a:lnSpc>
@@ -20901,7 +20829,7 @@
             </p:txBody>
           </p:sp>
         </mc:Choice>
-        <mc:Fallback xmlns="">
+        <mc:Fallback>
           <p:sp>
             <p:nvSpPr>
               <p:cNvPr id="8" name="직사각형 7"/>
@@ -20912,8 +20840,8 @@
             </p:nvSpPr>
             <p:spPr>
               <a:xfrm>
-                <a:off x="409862" y="4693837"/>
-                <a:ext cx="2727331" cy="923330"/>
+                <a:off x="842070" y="5440896"/>
+                <a:ext cx="2727331" cy="507831"/>
               </a:xfrm>
               <a:prstGeom prst="rect">
                 <a:avLst/>
@@ -20921,7 +20849,7 @@
               <a:blipFill>
                 <a:blip r:embed="rId5"/>
                 <a:stretch>
-                  <a:fillRect l="-1786" b="-4636"/>
+                  <a:fillRect b="-9639"/>
                 </a:stretch>
               </a:blipFill>
             </p:spPr>
@@ -20948,8 +20876,8 @@
         </p:nvSpPr>
         <p:spPr>
           <a:xfrm>
-            <a:off x="526996" y="3607117"/>
-            <a:ext cx="5063099" cy="923330"/>
+            <a:off x="526995" y="3607117"/>
+            <a:ext cx="5414925" cy="1338828"/>
           </a:xfrm>
           <a:prstGeom prst="rect">
             <a:avLst/>
@@ -20982,17 +20910,70 @@
             </a:pPr>
             <a:r>
               <a:rPr lang="en-US" altLang="ko-KR" b="0" dirty="0" smtClean="0">
+                <a:latin typeface="Arial" panose="020B0604020202020204" pitchFamily="34" charset="0"/>
                 <a:cs typeface="Arial" panose="020B0604020202020204" pitchFamily="34" charset="0"/>
               </a:rPr>
-              <a:t>Wavelength: 150 – 3000 um (5 um </a:t>
+              <a:t>Wavelength: 150 – 3000 um (5 um step, 570 points</a:t>
             </a:r>
             <a:r>
               <a:rPr lang="en-US" altLang="ko-KR" b="0" dirty="0" smtClean="0">
+                <a:latin typeface="Arial" panose="020B0604020202020204" pitchFamily="34" charset="0"/>
                 <a:cs typeface="Arial" panose="020B0604020202020204" pitchFamily="34" charset="0"/>
               </a:rPr>
-              <a:t>step, 570 points)</a:t>
+              <a:t>)</a:t>
+            </a:r>
+          </a:p>
+          <a:p>
+            <a:pPr>
+              <a:lnSpc>
+                <a:spcPct val="150000"/>
+              </a:lnSpc>
+            </a:pPr>
+            <a:r>
+              <a:rPr lang="en-US" altLang="ko-KR" dirty="0" smtClean="0">
+                <a:latin typeface="Arial" panose="020B0604020202020204" pitchFamily="34" charset="0"/>
+                <a:cs typeface="Arial" panose="020B0604020202020204" pitchFamily="34" charset="0"/>
+              </a:rPr>
+              <a:t>TE mode</a:t>
             </a:r>
             <a:endParaRPr lang="en-US" altLang="ko-KR" dirty="0">
+              <a:latin typeface="Arial" panose="020B0604020202020204" pitchFamily="34" charset="0"/>
+              <a:cs typeface="Arial" panose="020B0604020202020204" pitchFamily="34" charset="0"/>
+            </a:endParaRPr>
+          </a:p>
+        </p:txBody>
+      </p:sp>
+      <p:sp>
+        <p:nvSpPr>
+          <p:cNvPr id="10" name="TextBox 9"/>
+          <p:cNvSpPr txBox="1"/>
+          <p:nvPr/>
+        </p:nvSpPr>
+        <p:spPr>
+          <a:xfrm>
+            <a:off x="175170" y="803461"/>
+            <a:ext cx="703651" cy="369332"/>
+          </a:xfrm>
+          <a:prstGeom prst="rect">
+            <a:avLst/>
+          </a:prstGeom>
+          <a:noFill/>
+        </p:spPr>
+        <p:txBody>
+          <a:bodyPr wrap="square" rtlCol="0">
+            <a:spAutoFit/>
+          </a:bodyPr>
+          <a:lstStyle/>
+          <a:p>
+            <a:r>
+              <a:rPr lang="en-US" altLang="ko-KR" b="1" dirty="0" smtClean="0">
+                <a:latin typeface="Arial" panose="020B0604020202020204" pitchFamily="34" charset="0"/>
+                <a:ea typeface="Adobe Fan Heiti Std B" panose="020B0700000000000000" pitchFamily="34" charset="-128"/>
+                <a:cs typeface="Arial" panose="020B0604020202020204" pitchFamily="34" charset="0"/>
+              </a:rPr>
+              <a:t>DBR</a:t>
+            </a:r>
+            <a:endParaRPr lang="ko-KR" altLang="en-US" b="1" dirty="0">
               <a:latin typeface="Arial" panose="020B0604020202020204" pitchFamily="34" charset="0"/>
               <a:cs typeface="Arial" panose="020B0604020202020204" pitchFamily="34" charset="0"/>
             </a:endParaRPr>
@@ -21116,7 +21097,24 @@
                 <a:ea typeface="+mj-ea"/>
                 <a:cs typeface="Arial" pitchFamily="34" charset="0"/>
               </a:rPr>
-              <a:t>Design Platform</a:t>
+              <a:t>Design </a:t>
+            </a:r>
+            <a:r>
+              <a:rPr kumimoji="0" lang="en-US" altLang="ko-KR" sz="3200" b="1" i="0" u="none" strike="noStrike" kern="1200" cap="none" spc="0" normalizeH="0" baseline="0" noProof="0" dirty="0" smtClean="0">
+                <a:ln>
+                  <a:noFill/>
+                </a:ln>
+                <a:solidFill>
+                  <a:schemeClr val="bg1"/>
+                </a:solidFill>
+                <a:effectLst/>
+                <a:uLnTx/>
+                <a:uFillTx/>
+                <a:latin typeface="Arial" pitchFamily="34" charset="0"/>
+                <a:ea typeface="+mj-ea"/>
+                <a:cs typeface="Arial" pitchFamily="34" charset="0"/>
+              </a:rPr>
+              <a:t>Platform - Structure</a:t>
             </a:r>
             <a:endParaRPr kumimoji="0" lang="en-US" altLang="ko-KR" sz="2800" b="1" i="0" u="none" strike="noStrike" kern="1200" cap="none" spc="0" normalizeH="0" baseline="0" noProof="0" dirty="0" smtClean="0">
               <a:ln>
@@ -21131,60 +21129,6 @@
               <a:latin typeface="Arial" pitchFamily="34" charset="0"/>
               <a:ea typeface="+mj-ea"/>
               <a:cs typeface="Arial" pitchFamily="34" charset="0"/>
-            </a:endParaRPr>
-          </a:p>
-        </p:txBody>
-      </p:sp>
-      <p:sp>
-        <p:nvSpPr>
-          <p:cNvPr id="2" name="직사각형 1"/>
-          <p:cNvSpPr/>
-          <p:nvPr/>
-        </p:nvSpPr>
-        <p:spPr>
-          <a:xfrm>
-            <a:off x="0" y="940311"/>
-            <a:ext cx="9220200" cy="507831"/>
-          </a:xfrm>
-          <a:prstGeom prst="rect">
-            <a:avLst/>
-          </a:prstGeom>
-        </p:spPr>
-        <p:txBody>
-          <a:bodyPr wrap="square">
-            <a:spAutoFit/>
-          </a:bodyPr>
-          <a:lstStyle/>
-          <a:p>
-            <a:pPr>
-              <a:lnSpc>
-                <a:spcPct val="150000"/>
-              </a:lnSpc>
-            </a:pPr>
-            <a:r>
-              <a:rPr lang="en-US" altLang="ko-KR" dirty="0">
-                <a:latin typeface="Arial" panose="020B0604020202020204" pitchFamily="34" charset="0"/>
-                <a:cs typeface="Arial" panose="020B0604020202020204" pitchFamily="34" charset="0"/>
-              </a:rPr>
-              <a:t>Photonic Integrated Circuits (PICs) based on Silicon-on-Insulator (SOI)</a:t>
-            </a:r>
-            <a:r>
-              <a:rPr lang="ko-KR" altLang="en-US" dirty="0">
-                <a:latin typeface="Arial" panose="020B0604020202020204" pitchFamily="34" charset="0"/>
-                <a:cs typeface="Arial" panose="020B0604020202020204" pitchFamily="34" charset="0"/>
-              </a:rPr>
-              <a:t>에 대한 관심 </a:t>
-            </a:r>
-            <a:r>
-              <a:rPr lang="ko-KR" altLang="en-US" dirty="0" smtClean="0">
-                <a:latin typeface="Arial" panose="020B0604020202020204" pitchFamily="34" charset="0"/>
-                <a:cs typeface="Arial" panose="020B0604020202020204" pitchFamily="34" charset="0"/>
-              </a:rPr>
-              <a:t>증폭</a:t>
-            </a:r>
-            <a:endParaRPr lang="en-US" altLang="ko-KR" dirty="0">
-              <a:latin typeface="Arial" panose="020B0604020202020204" pitchFamily="34" charset="0"/>
-              <a:cs typeface="Arial" panose="020B0604020202020204" pitchFamily="34" charset="0"/>
             </a:endParaRPr>
           </a:p>
         </p:txBody>
@@ -21205,7 +21149,7 @@
         </p:blipFill>
         <p:spPr>
           <a:xfrm>
-            <a:off x="236879" y="1764669"/>
+            <a:off x="2720527" y="1373454"/>
             <a:ext cx="1769678" cy="2712441"/>
           </a:xfrm>
           <a:prstGeom prst="rect">
@@ -21229,7 +21173,7 @@
         </p:blipFill>
         <p:spPr>
           <a:xfrm>
-            <a:off x="2359867" y="2093691"/>
+            <a:off x="4849221" y="1912011"/>
             <a:ext cx="2060627" cy="1255885"/>
           </a:xfrm>
           <a:prstGeom prst="rect">
@@ -21245,8 +21189,8 @@
         </p:nvSpPr>
         <p:spPr>
           <a:xfrm>
-            <a:off x="917521" y="4538712"/>
-            <a:ext cx="5483279" cy="507831"/>
+            <a:off x="285925" y="4085895"/>
+            <a:ext cx="5483279" cy="923330"/>
           </a:xfrm>
           <a:prstGeom prst="rect">
             <a:avLst/>
@@ -21268,21 +21212,7 @@
                 <a:latin typeface="Arial" panose="020B0604020202020204" pitchFamily="34" charset="0"/>
                 <a:cs typeface="Arial" panose="020B0604020202020204" pitchFamily="34" charset="0"/>
               </a:rPr>
-              <a:t>Design </a:t>
-            </a:r>
-            <a:r>
-              <a:rPr lang="en-US" altLang="ko-KR" dirty="0" smtClean="0">
-                <a:latin typeface="Arial" panose="020B0604020202020204" pitchFamily="34" charset="0"/>
-                <a:cs typeface="Arial" panose="020B0604020202020204" pitchFamily="34" charset="0"/>
-              </a:rPr>
-              <a:t>Band: 275 – 325 um (</a:t>
-            </a:r>
-            <a:r>
-              <a:rPr lang="en-US" altLang="ko-KR" dirty="0" smtClean="0">
-                <a:latin typeface="Arial" panose="020B0604020202020204" pitchFamily="34" charset="0"/>
-                <a:cs typeface="Arial" panose="020B0604020202020204" pitchFamily="34" charset="0"/>
-              </a:rPr>
-              <a:t>2 um step, 26 points</a:t>
+              <a:t>Design Band: 275 – 325 um (2 um step, 26 points</a:t>
             </a:r>
             <a:r>
               <a:rPr lang="en-US" altLang="ko-KR" dirty="0" smtClean="0">
@@ -21291,7 +21221,58 @@
               </a:rPr>
               <a:t>)</a:t>
             </a:r>
+          </a:p>
+          <a:p>
+            <a:pPr>
+              <a:lnSpc>
+                <a:spcPct val="150000"/>
+              </a:lnSpc>
+            </a:pPr>
+            <a:r>
+              <a:rPr lang="en-US" altLang="ko-KR" dirty="0" smtClean="0">
+                <a:latin typeface="Arial" panose="020B0604020202020204" pitchFamily="34" charset="0"/>
+                <a:cs typeface="Arial" panose="020B0604020202020204" pitchFamily="34" charset="0"/>
+              </a:rPr>
+              <a:t>TM mode</a:t>
+            </a:r>
             <a:endParaRPr lang="en-US" altLang="ko-KR" dirty="0" smtClean="0">
+              <a:latin typeface="Arial" panose="020B0604020202020204" pitchFamily="34" charset="0"/>
+              <a:cs typeface="Arial" panose="020B0604020202020204" pitchFamily="34" charset="0"/>
+            </a:endParaRPr>
+          </a:p>
+        </p:txBody>
+      </p:sp>
+      <p:sp>
+        <p:nvSpPr>
+          <p:cNvPr id="8" name="TextBox 7"/>
+          <p:cNvSpPr txBox="1"/>
+          <p:nvPr/>
+        </p:nvSpPr>
+        <p:spPr>
+          <a:xfrm>
+            <a:off x="175170" y="803461"/>
+            <a:ext cx="2184697" cy="369332"/>
+          </a:xfrm>
+          <a:prstGeom prst="rect">
+            <a:avLst/>
+          </a:prstGeom>
+          <a:noFill/>
+        </p:spPr>
+        <p:txBody>
+          <a:bodyPr wrap="square" rtlCol="0">
+            <a:spAutoFit/>
+          </a:bodyPr>
+          <a:lstStyle/>
+          <a:p>
+            <a:r>
+              <a:rPr lang="en-US" altLang="ko-KR" b="1" dirty="0" smtClean="0">
+                <a:latin typeface="Arial" panose="020B0604020202020204" pitchFamily="34" charset="0"/>
+                <a:ea typeface="Adobe Fan Heiti Std B" panose="020B0700000000000000" pitchFamily="34" charset="-128"/>
+                <a:cs typeface="Arial" panose="020B0604020202020204" pitchFamily="34" charset="0"/>
+              </a:rPr>
+              <a:t>1x2 Power Splitter</a:t>
+            </a:r>
+            <a:endParaRPr lang="ko-KR" altLang="en-US" b="1" dirty="0">
               <a:latin typeface="Arial" panose="020B0604020202020204" pitchFamily="34" charset="0"/>
               <a:cs typeface="Arial" panose="020B0604020202020204" pitchFamily="34" charset="0"/>
             </a:endParaRPr>
@@ -21397,7 +21378,7 @@
                 <a:latin typeface="Arial" pitchFamily="34" charset="0"/>
                 <a:cs typeface="Arial" pitchFamily="34" charset="0"/>
               </a:rPr>
-              <a:t>Design Platform </a:t>
+              <a:t>Design </a:t>
             </a:r>
             <a:r>
               <a:rPr lang="en-US" altLang="ko-KR" sz="3200" b="1" dirty="0" smtClean="0">
@@ -21407,7 +21388,7 @@
                 <a:latin typeface="Arial" pitchFamily="34" charset="0"/>
                 <a:cs typeface="Arial" pitchFamily="34" charset="0"/>
               </a:rPr>
-              <a:t>- Algorithm</a:t>
+              <a:t>Platform - Algorithm</a:t>
             </a:r>
             <a:endParaRPr lang="en-US" altLang="ko-KR" sz="2800" b="1" dirty="0">
               <a:solidFill>
@@ -21456,8 +21437,8 @@
           </a:p>
         </p:txBody>
       </p:sp>
-      <mc:AlternateContent xmlns:mc="http://schemas.openxmlformats.org/markup-compatibility/2006" xmlns:a14="http://schemas.microsoft.com/office/drawing/2010/main">
-        <mc:Choice Requires="a14">
+      <mc:AlternateContent xmlns:mc="http://schemas.openxmlformats.org/markup-compatibility/2006">
+        <mc:Choice xmlns:a14="http://schemas.microsoft.com/office/drawing/2010/main" Requires="a14">
           <p:sp>
             <p:nvSpPr>
               <p:cNvPr id="9" name="직사각형 8"/>
@@ -21466,7 +21447,7 @@
             </p:nvSpPr>
             <p:spPr>
               <a:xfrm>
-                <a:off x="458988" y="1514603"/>
+                <a:off x="458988" y="1043574"/>
                 <a:ext cx="4494785" cy="507831"/>
               </a:xfrm>
               <a:prstGeom prst="rect">
@@ -21663,7 +21644,7 @@
             </p:txBody>
           </p:sp>
         </mc:Choice>
-        <mc:Fallback xmlns="">
+        <mc:Fallback>
           <p:sp>
             <p:nvSpPr>
               <p:cNvPr id="9" name="직사각형 8"/>
@@ -21674,14 +21655,14 @@
             </p:nvSpPr>
             <p:spPr>
               <a:xfrm>
-                <a:off x="458988" y="1514603"/>
+                <a:off x="458988" y="1043574"/>
                 <a:ext cx="4494785" cy="507831"/>
               </a:xfrm>
               <a:prstGeom prst="rect">
                 <a:avLst/>
               </a:prstGeom>
               <a:blipFill>
-                <a:blip r:embed="rId3"/>
+                <a:blip r:embed="rId2"/>
                 <a:stretch>
                   <a:fillRect/>
                 </a:stretch>
@@ -21711,15 +21692,15 @@
           <p:nvPr/>
         </p:nvPicPr>
         <p:blipFill>
-          <a:blip r:embed="rId4"/>
+          <a:blip r:embed="rId3"/>
           <a:stretch>
             <a:fillRect/>
           </a:stretch>
         </p:blipFill>
         <p:spPr>
           <a:xfrm>
-            <a:off x="5564921" y="1177302"/>
-            <a:ext cx="2509958" cy="1881071"/>
+            <a:off x="1795929" y="1551405"/>
+            <a:ext cx="2882140" cy="2160000"/>
           </a:xfrm>
           <a:prstGeom prst="rect">
             <a:avLst/>
@@ -21763,6 +21744,312 @@
           </a:p>
         </p:txBody>
       </p:sp>
+      <p:pic>
+        <p:nvPicPr>
+          <p:cNvPr id="2" name="그림 1"/>
+          <p:cNvPicPr>
+            <a:picLocks noChangeAspect="1"/>
+          </p:cNvPicPr>
+          <p:nvPr/>
+        </p:nvPicPr>
+        <p:blipFill>
+          <a:blip r:embed="rId4"/>
+          <a:stretch>
+            <a:fillRect/>
+          </a:stretch>
+        </p:blipFill>
+        <p:spPr>
+          <a:xfrm>
+            <a:off x="5010819" y="1567091"/>
+            <a:ext cx="2851844" cy="2160000"/>
+          </a:xfrm>
+          <a:prstGeom prst="rect">
+            <a:avLst/>
+          </a:prstGeom>
+        </p:spPr>
+      </p:pic>
+      <mc:AlternateContent xmlns:mc="http://schemas.openxmlformats.org/markup-compatibility/2006">
+        <mc:Choice xmlns:a14="http://schemas.microsoft.com/office/drawing/2010/main" Requires="a14">
+          <p:sp>
+            <p:nvSpPr>
+              <p:cNvPr id="12" name="직사각형 11"/>
+              <p:cNvSpPr/>
+              <p:nvPr/>
+            </p:nvSpPr>
+            <p:spPr>
+              <a:xfrm>
+                <a:off x="458989" y="4063291"/>
+                <a:ext cx="2171090" cy="507831"/>
+              </a:xfrm>
+              <a:prstGeom prst="rect">
+                <a:avLst/>
+              </a:prstGeom>
+            </p:spPr>
+            <p:txBody>
+              <a:bodyPr wrap="square">
+                <a:spAutoFit/>
+              </a:bodyPr>
+              <a:lstStyle/>
+              <a:p>
+                <a:pPr>
+                  <a:lnSpc>
+                    <a:spcPct val="150000"/>
+                  </a:lnSpc>
+                </a:pPr>
+                <a14:m>
+                  <m:oMathPara xmlns:m="http://schemas.openxmlformats.org/officeDocument/2006/math">
+                    <m:oMathParaPr>
+                      <m:jc m:val="centerGroup"/>
+                    </m:oMathParaPr>
+                    <m:oMath xmlns:m="http://schemas.openxmlformats.org/officeDocument/2006/math">
+                      <m:r>
+                        <a:rPr lang="en-US" altLang="ko-KR" b="0" i="1" smtClean="0">
+                          <a:latin typeface="Cambria Math" panose="02040503050406030204" pitchFamily="18" charset="0"/>
+                          <a:cs typeface="Arial" panose="020B0604020202020204" pitchFamily="34" charset="0"/>
+                        </a:rPr>
+                        <m:t>𝑟𝑒𝑤𝑎𝑟𝑑</m:t>
+                      </m:r>
+                      <m:r>
+                        <a:rPr lang="en-US" altLang="ko-KR" b="0" i="1" smtClean="0">
+                          <a:latin typeface="Cambria Math" panose="02040503050406030204" pitchFamily="18" charset="0"/>
+                          <a:cs typeface="Arial" panose="020B0604020202020204" pitchFamily="34" charset="0"/>
+                        </a:rPr>
+                        <m:t>=</m:t>
+                      </m:r>
+                      <m:func>
+                        <m:funcPr>
+                          <m:ctrlPr>
+                            <a:rPr lang="en-US" altLang="ko-KR" b="0" i="1" smtClean="0">
+                              <a:latin typeface="Cambria Math" panose="02040503050406030204" pitchFamily="18" charset="0"/>
+                              <a:cs typeface="Arial" panose="020B0604020202020204" pitchFamily="34" charset="0"/>
+                            </a:rPr>
+                          </m:ctrlPr>
+                        </m:funcPr>
+                        <m:fName>
+                          <m:r>
+                            <m:rPr>
+                              <m:sty m:val="p"/>
+                            </m:rPr>
+                            <a:rPr lang="en-US" altLang="ko-KR" b="0" i="0" smtClean="0">
+                              <a:latin typeface="Cambria Math" panose="02040503050406030204" pitchFamily="18" charset="0"/>
+                              <a:cs typeface="Arial" panose="020B0604020202020204" pitchFamily="34" charset="0"/>
+                            </a:rPr>
+                            <m:t>min</m:t>
+                          </m:r>
+                        </m:fName>
+                        <m:e>
+                          <m:d>
+                            <m:dPr>
+                              <m:ctrlPr>
+                                <a:rPr lang="en-US" altLang="ko-KR" b="0" i="1" smtClean="0">
+                                  <a:latin typeface="Cambria Math" panose="02040503050406030204" pitchFamily="18" charset="0"/>
+                                  <a:cs typeface="Arial" panose="020B0604020202020204" pitchFamily="34" charset="0"/>
+                                </a:rPr>
+                              </m:ctrlPr>
+                            </m:dPr>
+                            <m:e>
+                              <m:r>
+                                <a:rPr lang="en-US" altLang="ko-KR" b="0" i="1" smtClean="0">
+                                  <a:latin typeface="Cambria Math" panose="02040503050406030204" pitchFamily="18" charset="0"/>
+                                  <a:cs typeface="Arial" panose="020B0604020202020204" pitchFamily="34" charset="0"/>
+                                </a:rPr>
+                                <m:t>𝑇</m:t>
+                              </m:r>
+                            </m:e>
+                          </m:d>
+                        </m:e>
+                      </m:func>
+                    </m:oMath>
+                  </m:oMathPara>
+                </a14:m>
+                <a:endParaRPr lang="en-US" altLang="ko-KR" dirty="0">
+                  <a:latin typeface="Arial" panose="020B0604020202020204" pitchFamily="34" charset="0"/>
+                  <a:cs typeface="Arial" panose="020B0604020202020204" pitchFamily="34" charset="0"/>
+                </a:endParaRPr>
+              </a:p>
+            </p:txBody>
+          </p:sp>
+        </mc:Choice>
+        <mc:Fallback>
+          <p:sp>
+            <p:nvSpPr>
+              <p:cNvPr id="12" name="직사각형 11"/>
+              <p:cNvSpPr>
+                <a:spLocks noRot="1" noChangeAspect="1" noMove="1" noResize="1" noEditPoints="1" noAdjustHandles="1" noChangeArrowheads="1" noChangeShapeType="1" noTextEdit="1"/>
+              </p:cNvSpPr>
+              <p:nvPr/>
+            </p:nvSpPr>
+            <p:spPr>
+              <a:xfrm>
+                <a:off x="458989" y="4063291"/>
+                <a:ext cx="2171090" cy="507831"/>
+              </a:xfrm>
+              <a:prstGeom prst="rect">
+                <a:avLst/>
+              </a:prstGeom>
+              <a:blipFill>
+                <a:blip r:embed="rId5"/>
+                <a:stretch>
+                  <a:fillRect/>
+                </a:stretch>
+              </a:blipFill>
+            </p:spPr>
+            <p:txBody>
+              <a:bodyPr/>
+              <a:lstStyle/>
+              <a:p>
+                <a:r>
+                  <a:rPr lang="ko-KR" altLang="en-US">
+                    <a:noFill/>
+                  </a:rPr>
+                  <a:t> </a:t>
+                </a:r>
+              </a:p>
+            </p:txBody>
+          </p:sp>
+        </mc:Fallback>
+      </mc:AlternateContent>
+      <mc:AlternateContent xmlns:mc="http://schemas.openxmlformats.org/markup-compatibility/2006">
+        <mc:Choice xmlns:a14="http://schemas.microsoft.com/office/drawing/2010/main" Requires="a14">
+          <p:sp>
+            <p:nvSpPr>
+              <p:cNvPr id="13" name="직사각형 12"/>
+              <p:cNvSpPr/>
+              <p:nvPr/>
+            </p:nvSpPr>
+            <p:spPr>
+              <a:xfrm>
+                <a:off x="458989" y="4595385"/>
+                <a:ext cx="2171090" cy="507831"/>
+              </a:xfrm>
+              <a:prstGeom prst="rect">
+                <a:avLst/>
+              </a:prstGeom>
+            </p:spPr>
+            <p:txBody>
+              <a:bodyPr wrap="square">
+                <a:spAutoFit/>
+              </a:bodyPr>
+              <a:lstStyle/>
+              <a:p>
+                <a:pPr>
+                  <a:lnSpc>
+                    <a:spcPct val="150000"/>
+                  </a:lnSpc>
+                </a:pPr>
+                <a14:m>
+                  <m:oMathPara xmlns:m="http://schemas.openxmlformats.org/officeDocument/2006/math">
+                    <m:oMathParaPr>
+                      <m:jc m:val="centerGroup"/>
+                    </m:oMathParaPr>
+                    <m:oMath xmlns:m="http://schemas.openxmlformats.org/officeDocument/2006/math">
+                      <m:r>
+                        <a:rPr lang="en-US" altLang="ko-KR" b="0" i="1" smtClean="0">
+                          <a:latin typeface="Cambria Math" panose="02040503050406030204" pitchFamily="18" charset="0"/>
+                          <a:cs typeface="Arial" panose="020B0604020202020204" pitchFamily="34" charset="0"/>
+                        </a:rPr>
+                        <m:t>𝑟𝑒𝑤𝑎𝑟𝑑</m:t>
+                      </m:r>
+                      <m:r>
+                        <a:rPr lang="en-US" altLang="ko-KR" b="0" i="1" smtClean="0">
+                          <a:latin typeface="Cambria Math" panose="02040503050406030204" pitchFamily="18" charset="0"/>
+                          <a:cs typeface="Arial" panose="020B0604020202020204" pitchFamily="34" charset="0"/>
+                        </a:rPr>
+                        <m:t>=</m:t>
+                      </m:r>
+                      <m:func>
+                        <m:funcPr>
+                          <m:ctrlPr>
+                            <a:rPr lang="en-US" altLang="ko-KR" b="0" i="1" smtClean="0">
+                              <a:latin typeface="Cambria Math" panose="02040503050406030204" pitchFamily="18" charset="0"/>
+                              <a:cs typeface="Arial" panose="020B0604020202020204" pitchFamily="34" charset="0"/>
+                            </a:rPr>
+                          </m:ctrlPr>
+                        </m:funcPr>
+                        <m:fName>
+                          <m:r>
+                            <m:rPr>
+                              <m:sty m:val="p"/>
+                            </m:rPr>
+                            <a:rPr lang="en-US" altLang="ko-KR" b="0" i="0" smtClean="0">
+                              <a:latin typeface="Cambria Math" panose="02040503050406030204" pitchFamily="18" charset="0"/>
+                              <a:cs typeface="Arial" panose="020B0604020202020204" pitchFamily="34" charset="0"/>
+                            </a:rPr>
+                            <m:t>mean</m:t>
+                          </m:r>
+                        </m:fName>
+                        <m:e>
+                          <m:d>
+                            <m:dPr>
+                              <m:ctrlPr>
+                                <a:rPr lang="en-US" altLang="ko-KR" b="0" i="1" smtClean="0">
+                                  <a:latin typeface="Cambria Math" panose="02040503050406030204" pitchFamily="18" charset="0"/>
+                                  <a:cs typeface="Arial" panose="020B0604020202020204" pitchFamily="34" charset="0"/>
+                                </a:rPr>
+                              </m:ctrlPr>
+                            </m:dPr>
+                            <m:e>
+                              <m:r>
+                                <a:rPr lang="en-US" altLang="ko-KR" b="0" i="1" smtClean="0">
+                                  <a:latin typeface="Cambria Math" panose="02040503050406030204" pitchFamily="18" charset="0"/>
+                                  <a:cs typeface="Arial" panose="020B0604020202020204" pitchFamily="34" charset="0"/>
+                                </a:rPr>
+                                <m:t>𝑇</m:t>
+                              </m:r>
+                            </m:e>
+                          </m:d>
+                        </m:e>
+                      </m:func>
+                    </m:oMath>
+                  </m:oMathPara>
+                </a14:m>
+                <a:endParaRPr lang="en-US" altLang="ko-KR" dirty="0">
+                  <a:latin typeface="Arial" panose="020B0604020202020204" pitchFamily="34" charset="0"/>
+                  <a:cs typeface="Arial" panose="020B0604020202020204" pitchFamily="34" charset="0"/>
+                </a:endParaRPr>
+              </a:p>
+            </p:txBody>
+          </p:sp>
+        </mc:Choice>
+        <mc:Fallback>
+          <p:sp>
+            <p:nvSpPr>
+              <p:cNvPr id="13" name="직사각형 12"/>
+              <p:cNvSpPr>
+                <a:spLocks noRot="1" noChangeAspect="1" noMove="1" noResize="1" noEditPoints="1" noAdjustHandles="1" noChangeArrowheads="1" noChangeShapeType="1" noTextEdit="1"/>
+              </p:cNvSpPr>
+              <p:nvPr/>
+            </p:nvSpPr>
+            <p:spPr>
+              <a:xfrm>
+                <a:off x="458989" y="4595385"/>
+                <a:ext cx="2171090" cy="507831"/>
+              </a:xfrm>
+              <a:prstGeom prst="rect">
+                <a:avLst/>
+              </a:prstGeom>
+              <a:blipFill>
+                <a:blip r:embed="rId6"/>
+                <a:stretch>
+                  <a:fillRect/>
+                </a:stretch>
+              </a:blipFill>
+            </p:spPr>
+            <p:txBody>
+              <a:bodyPr/>
+              <a:lstStyle/>
+              <a:p>
+                <a:r>
+                  <a:rPr lang="ko-KR" altLang="en-US">
+                    <a:noFill/>
+                  </a:rPr>
+                  <a:t> </a:t>
+                </a:r>
+              </a:p>
+            </p:txBody>
+          </p:sp>
+        </mc:Fallback>
+      </mc:AlternateContent>
     </p:spTree>
     <p:extLst>
       <p:ext uri="{BB962C8B-B14F-4D97-AF65-F5344CB8AC3E}">
@@ -21898,30 +22185,6 @@
           </a:prstGeom>
         </p:spPr>
       </p:pic>
-      <p:pic>
-        <p:nvPicPr>
-          <p:cNvPr id="17" name="그림 16"/>
-          <p:cNvPicPr>
-            <a:picLocks noChangeAspect="1"/>
-          </p:cNvPicPr>
-          <p:nvPr/>
-        </p:nvPicPr>
-        <p:blipFill>
-          <a:blip r:embed="rId3"/>
-          <a:stretch>
-            <a:fillRect/>
-          </a:stretch>
-        </p:blipFill>
-        <p:spPr>
-          <a:xfrm>
-            <a:off x="5709809" y="819729"/>
-            <a:ext cx="3254445" cy="2440313"/>
-          </a:xfrm>
-          <a:prstGeom prst="rect">
-            <a:avLst/>
-          </a:prstGeom>
-        </p:spPr>
-      </p:pic>
     </p:spTree>
     <p:extLst>
       <p:ext uri="{BB962C8B-B14F-4D97-AF65-F5344CB8AC3E}">
@@ -21936,196 +22199,6 @@
 </file>
 
 <file path=ppt/slides/slide28.xml><?xml version="1.0" encoding="utf-8"?>
-<p:sld xmlns:a="http://schemas.openxmlformats.org/drawingml/2006/main" xmlns:r="http://schemas.openxmlformats.org/officeDocument/2006/relationships" xmlns:p="http://schemas.openxmlformats.org/presentationml/2006/main">
-  <p:cSld>
-    <p:spTree>
-      <p:nvGrpSpPr>
-        <p:cNvPr id="1" name=""/>
-        <p:cNvGrpSpPr/>
-        <p:nvPr/>
-      </p:nvGrpSpPr>
-      <p:grpSpPr>
-        <a:xfrm>
-          <a:off x="0" y="0"/>
-          <a:ext cx="0" cy="0"/>
-          <a:chOff x="0" y="0"/>
-          <a:chExt cx="0" cy="0"/>
-        </a:xfrm>
-      </p:grpSpPr>
-      <p:sp>
-        <p:nvSpPr>
-          <p:cNvPr id="3" name="슬라이드 번호 개체 틀 2"/>
-          <p:cNvSpPr>
-            <a:spLocks noGrp="1"/>
-          </p:cNvSpPr>
-          <p:nvPr>
-            <p:ph type="sldNum" sz="quarter" idx="12"/>
-          </p:nvPr>
-        </p:nvSpPr>
-        <p:spPr/>
-        <p:txBody>
-          <a:bodyPr/>
-          <a:lstStyle/>
-          <a:p>
-            <a:fld id="{C5596875-2F2A-4E4F-B6FE-0AB921437886}" type="slidenum">
-              <a:rPr lang="ko-KR" altLang="en-US" smtClean="0"/>
-              <a:pPr/>
-              <a:t>28</a:t>
-            </a:fld>
-            <a:endParaRPr lang="ko-KR" altLang="en-US"/>
-          </a:p>
-        </p:txBody>
-      </p:sp>
-      <p:sp>
-        <p:nvSpPr>
-          <p:cNvPr id="4" name="Rectangle 12"/>
-          <p:cNvSpPr txBox="1">
-            <a:spLocks noChangeArrowheads="1"/>
-          </p:cNvSpPr>
-          <p:nvPr/>
-        </p:nvSpPr>
-        <p:spPr bwMode="auto">
-          <a:xfrm>
-            <a:off x="0" y="-24"/>
-            <a:ext cx="9144000" cy="720000"/>
-          </a:xfrm>
-          <a:prstGeom prst="rect">
-            <a:avLst/>
-          </a:prstGeom>
-          <a:solidFill>
-            <a:srgbClr val="0000FF"/>
-          </a:solidFill>
-          <a:ln>
-            <a:miter lim="800000"/>
-            <a:headEnd/>
-            <a:tailEnd/>
-          </a:ln>
-        </p:spPr>
-        <p:txBody>
-          <a:bodyPr vert="horz" lIns="91440" tIns="45720" rIns="91440" bIns="45720" rtlCol="0" anchor="ctr">
-            <a:normAutofit/>
-          </a:bodyPr>
-          <a:lstStyle/>
-          <a:p>
-            <a:pPr lvl="0" algn="ctr">
-              <a:spcBef>
-                <a:spcPct val="0"/>
-              </a:spcBef>
-              <a:defRPr/>
-            </a:pPr>
-            <a:r>
-              <a:rPr lang="en-US" altLang="ko-KR" sz="3200" b="1" dirty="0">
-                <a:solidFill>
-                  <a:schemeClr val="bg1"/>
-                </a:solidFill>
-                <a:latin typeface="Arial" pitchFamily="34" charset="0"/>
-                <a:cs typeface="Arial" pitchFamily="34" charset="0"/>
-              </a:rPr>
-              <a:t>Spatial Distribution of E-field</a:t>
-            </a:r>
-            <a:endParaRPr kumimoji="0" lang="en-US" altLang="ko-KR" sz="2800" b="1" i="0" u="none" strike="noStrike" kern="1200" cap="none" spc="0" normalizeH="0" baseline="0" noProof="0" dirty="0" smtClean="0">
-              <a:ln>
-                <a:noFill/>
-              </a:ln>
-              <a:solidFill>
-                <a:schemeClr val="bg1"/>
-              </a:solidFill>
-              <a:effectLst/>
-              <a:uLnTx/>
-              <a:uFillTx/>
-              <a:latin typeface="Arial" pitchFamily="34" charset="0"/>
-              <a:ea typeface="+mj-ea"/>
-              <a:cs typeface="Arial" pitchFamily="34" charset="0"/>
-            </a:endParaRPr>
-          </a:p>
-        </p:txBody>
-      </p:sp>
-      <p:pic>
-        <p:nvPicPr>
-          <p:cNvPr id="7" name="그림 6"/>
-          <p:cNvPicPr>
-            <a:picLocks noChangeAspect="1"/>
-          </p:cNvPicPr>
-          <p:nvPr/>
-        </p:nvPicPr>
-        <p:blipFill>
-          <a:blip r:embed="rId2"/>
-          <a:stretch>
-            <a:fillRect/>
-          </a:stretch>
-        </p:blipFill>
-        <p:spPr>
-          <a:xfrm>
-            <a:off x="0" y="2074165"/>
-            <a:ext cx="2880615" cy="2160000"/>
-          </a:xfrm>
-          <a:prstGeom prst="rect">
-            <a:avLst/>
-          </a:prstGeom>
-        </p:spPr>
-      </p:pic>
-      <p:pic>
-        <p:nvPicPr>
-          <p:cNvPr id="8" name="그림 7"/>
-          <p:cNvPicPr>
-            <a:picLocks noChangeAspect="1"/>
-          </p:cNvPicPr>
-          <p:nvPr/>
-        </p:nvPicPr>
-        <p:blipFill>
-          <a:blip r:embed="rId3"/>
-          <a:stretch>
-            <a:fillRect/>
-          </a:stretch>
-        </p:blipFill>
-        <p:spPr>
-          <a:xfrm>
-            <a:off x="3063355" y="2074165"/>
-            <a:ext cx="2880614" cy="2160000"/>
-          </a:xfrm>
-          <a:prstGeom prst="rect">
-            <a:avLst/>
-          </a:prstGeom>
-        </p:spPr>
-      </p:pic>
-      <p:pic>
-        <p:nvPicPr>
-          <p:cNvPr id="9" name="그림 8"/>
-          <p:cNvPicPr>
-            <a:picLocks noChangeAspect="1"/>
-          </p:cNvPicPr>
-          <p:nvPr/>
-        </p:nvPicPr>
-        <p:blipFill>
-          <a:blip r:embed="rId4"/>
-          <a:stretch>
-            <a:fillRect/>
-          </a:stretch>
-        </p:blipFill>
-        <p:spPr>
-          <a:xfrm>
-            <a:off x="6126708" y="2074165"/>
-            <a:ext cx="2880615" cy="2160000"/>
-          </a:xfrm>
-          <a:prstGeom prst="rect">
-            <a:avLst/>
-          </a:prstGeom>
-        </p:spPr>
-      </p:pic>
-    </p:spTree>
-    <p:extLst>
-      <p:ext uri="{BB962C8B-B14F-4D97-AF65-F5344CB8AC3E}">
-        <p14:creationId xmlns:p14="http://schemas.microsoft.com/office/powerpoint/2010/main" val="1433220035"/>
-      </p:ext>
-    </p:extLst>
-  </p:cSld>
-  <p:clrMapOvr>
-    <a:masterClrMapping/>
-  </p:clrMapOvr>
-</p:sld>
-</file>
-
-<file path=ppt/slides/slide29.xml><?xml version="1.0" encoding="utf-8"?>
 <p:sld xmlns:a="http://schemas.openxmlformats.org/drawingml/2006/main" xmlns:r="http://schemas.openxmlformats.org/officeDocument/2006/relationships" xmlns:p="http://schemas.openxmlformats.org/presentationml/2006/main">
   <p:cSld>
     <p:spTree>
@@ -22165,52 +22238,6 @@
           </a:prstGeom>
         </p:spPr>
       </p:pic>
-      <p:sp>
-        <p:nvSpPr>
-          <p:cNvPr id="3" name="날짜 개체 틀 2"/>
-          <p:cNvSpPr>
-            <a:spLocks noGrp="1"/>
-          </p:cNvSpPr>
-          <p:nvPr>
-            <p:ph type="dt" sz="half" idx="10"/>
-          </p:nvPr>
-        </p:nvSpPr>
-        <p:spPr/>
-        <p:txBody>
-          <a:bodyPr/>
-          <a:lstStyle/>
-          <a:p>
-            <a:fld id="{9B9B7D2E-B202-4D7A-9519-0C490A04EB9C}" type="datetime1">
-              <a:rPr lang="ko-KR" altLang="en-US" smtClean="0"/>
-              <a:t>2019-11-04</a:t>
-            </a:fld>
-            <a:endParaRPr lang="ko-KR" altLang="en-US"/>
-          </a:p>
-        </p:txBody>
-      </p:sp>
-      <p:sp>
-        <p:nvSpPr>
-          <p:cNvPr id="4" name="슬라이드 번호 개체 틀 3"/>
-          <p:cNvSpPr>
-            <a:spLocks noGrp="1"/>
-          </p:cNvSpPr>
-          <p:nvPr>
-            <p:ph type="sldNum" sz="quarter" idx="12"/>
-          </p:nvPr>
-        </p:nvSpPr>
-        <p:spPr/>
-        <p:txBody>
-          <a:bodyPr/>
-          <a:lstStyle/>
-          <a:p>
-            <a:fld id="{8765F8EB-1186-4395-8E70-F957669279DD}" type="slidenum">
-              <a:rPr lang="ko-KR" altLang="en-US" smtClean="0"/>
-              <a:t>29</a:t>
-            </a:fld>
-            <a:endParaRPr lang="ko-KR" altLang="en-US"/>
-          </a:p>
-        </p:txBody>
-      </p:sp>
       <p:sp>
         <p:nvSpPr>
           <p:cNvPr id="45" name="TextBox 44"/>
@@ -22364,7 +22391,7 @@
         </p:nvSpPr>
         <p:spPr>
           <a:xfrm>
-            <a:off x="1144052" y="1236649"/>
+            <a:off x="885776" y="1279792"/>
             <a:ext cx="1264129" cy="300082"/>
           </a:xfrm>
           <a:prstGeom prst="rect">
@@ -22901,6 +22928,136 @@
 </p:sld>
 </file>
 
+<file path=ppt/slides/slide29.xml><?xml version="1.0" encoding="utf-8"?>
+<p:sld xmlns:a="http://schemas.openxmlformats.org/drawingml/2006/main" xmlns:r="http://schemas.openxmlformats.org/officeDocument/2006/relationships" xmlns:p="http://schemas.openxmlformats.org/presentationml/2006/main">
+  <p:cSld>
+    <p:spTree>
+      <p:nvGrpSpPr>
+        <p:cNvPr id="1" name=""/>
+        <p:cNvGrpSpPr/>
+        <p:nvPr/>
+      </p:nvGrpSpPr>
+      <p:grpSpPr>
+        <a:xfrm>
+          <a:off x="0" y="0"/>
+          <a:ext cx="0" cy="0"/>
+          <a:chOff x="0" y="0"/>
+          <a:chExt cx="0" cy="0"/>
+        </a:xfrm>
+      </p:grpSpPr>
+      <p:sp>
+        <p:nvSpPr>
+          <p:cNvPr id="3" name="슬라이드 번호 개체 틀 2"/>
+          <p:cNvSpPr>
+            <a:spLocks noGrp="1"/>
+          </p:cNvSpPr>
+          <p:nvPr>
+            <p:ph type="sldNum" sz="quarter" idx="12"/>
+          </p:nvPr>
+        </p:nvSpPr>
+        <p:spPr/>
+        <p:txBody>
+          <a:bodyPr/>
+          <a:lstStyle/>
+          <a:p>
+            <a:fld id="{C5596875-2F2A-4E4F-B6FE-0AB921437886}" type="slidenum">
+              <a:rPr lang="ko-KR" altLang="en-US" smtClean="0"/>
+              <a:pPr/>
+              <a:t>29</a:t>
+            </a:fld>
+            <a:endParaRPr lang="ko-KR" altLang="en-US"/>
+          </a:p>
+        </p:txBody>
+      </p:sp>
+      <p:sp>
+        <p:nvSpPr>
+          <p:cNvPr id="5" name="직사각형 4"/>
+          <p:cNvSpPr/>
+          <p:nvPr/>
+        </p:nvSpPr>
+        <p:spPr>
+          <a:xfrm>
+            <a:off x="1500166" y="2500306"/>
+            <a:ext cx="6143668" cy="1857388"/>
+          </a:xfrm>
+          <a:prstGeom prst="rect">
+            <a:avLst/>
+          </a:prstGeom>
+          <a:solidFill>
+            <a:srgbClr val="3333FF"/>
+          </a:solidFill>
+          <a:ln>
+            <a:noFill/>
+          </a:ln>
+          <a:effectLst>
+            <a:outerShdw blurRad="50800" dist="38100" dir="5400000" algn="t" rotWithShape="0">
+              <a:prstClr val="black">
+                <a:alpha val="40000"/>
+              </a:prstClr>
+            </a:outerShdw>
+          </a:effectLst>
+        </p:spPr>
+        <p:style>
+          <a:lnRef idx="2">
+            <a:schemeClr val="accent1">
+              <a:shade val="50000"/>
+            </a:schemeClr>
+          </a:lnRef>
+          <a:fillRef idx="1">
+            <a:schemeClr val="accent1"/>
+          </a:fillRef>
+          <a:effectRef idx="0">
+            <a:schemeClr val="accent1"/>
+          </a:effectRef>
+          <a:fontRef idx="minor">
+            <a:schemeClr val="lt1"/>
+          </a:fontRef>
+        </p:style>
+        <p:txBody>
+          <a:bodyPr anchor="ctr"/>
+          <a:lstStyle/>
+          <a:p>
+            <a:pPr algn="ctr">
+              <a:lnSpc>
+                <a:spcPct val="150000"/>
+              </a:lnSpc>
+              <a:defRPr/>
+            </a:pPr>
+            <a:r>
+              <a:rPr lang="en-US" altLang="ko-KR" sz="3600" b="1" dirty="0" smtClean="0">
+                <a:solidFill>
+                  <a:schemeClr val="bg1"/>
+                </a:solidFill>
+                <a:latin typeface="Arial" pitchFamily="34" charset="0"/>
+                <a:ea typeface="Arial Unicode MS"/>
+                <a:cs typeface="Arial" pitchFamily="34" charset="0"/>
+              </a:rPr>
+              <a:t>Artificial Neural Network</a:t>
+            </a:r>
+            <a:endParaRPr lang="en-US" altLang="ko-KR" sz="2800" b="1" dirty="0">
+              <a:solidFill>
+                <a:srgbClr val="FFFF00"/>
+              </a:solidFill>
+              <a:latin typeface="Arial" pitchFamily="34" charset="0"/>
+              <a:ea typeface="Arial Unicode MS"/>
+              <a:cs typeface="Arial" pitchFamily="34" charset="0"/>
+            </a:endParaRPr>
+          </a:p>
+        </p:txBody>
+      </p:sp>
+    </p:spTree>
+    <p:extLst>
+      <p:ext uri="{BB962C8B-B14F-4D97-AF65-F5344CB8AC3E}">
+        <p14:creationId xmlns:p14="http://schemas.microsoft.com/office/powerpoint/2010/main" val="1034698581"/>
+      </p:ext>
+    </p:extLst>
+  </p:cSld>
+  <p:clrMapOvr>
+    <a:masterClrMapping/>
+  </p:clrMapOvr>
+</p:sld>
+</file>
+
 <file path=ppt/slides/slide3.xml><?xml version="1.0" encoding="utf-8"?>
 <p:sld xmlns:a="http://schemas.openxmlformats.org/drawingml/2006/main" xmlns:r="http://schemas.openxmlformats.org/officeDocument/2006/relationships" xmlns:p="http://schemas.openxmlformats.org/presentationml/2006/main">
   <p:cSld>
@@ -23039,136 +23196,6 @@
 </file>
 
 <file path=ppt/slides/slide30.xml><?xml version="1.0" encoding="utf-8"?>
-<p:sld xmlns:a="http://schemas.openxmlformats.org/drawingml/2006/main" xmlns:r="http://schemas.openxmlformats.org/officeDocument/2006/relationships" xmlns:p="http://schemas.openxmlformats.org/presentationml/2006/main">
-  <p:cSld>
-    <p:spTree>
-      <p:nvGrpSpPr>
-        <p:cNvPr id="1" name=""/>
-        <p:cNvGrpSpPr/>
-        <p:nvPr/>
-      </p:nvGrpSpPr>
-      <p:grpSpPr>
-        <a:xfrm>
-          <a:off x="0" y="0"/>
-          <a:ext cx="0" cy="0"/>
-          <a:chOff x="0" y="0"/>
-          <a:chExt cx="0" cy="0"/>
-        </a:xfrm>
-      </p:grpSpPr>
-      <p:sp>
-        <p:nvSpPr>
-          <p:cNvPr id="3" name="슬라이드 번호 개체 틀 2"/>
-          <p:cNvSpPr>
-            <a:spLocks noGrp="1"/>
-          </p:cNvSpPr>
-          <p:nvPr>
-            <p:ph type="sldNum" sz="quarter" idx="12"/>
-          </p:nvPr>
-        </p:nvSpPr>
-        <p:spPr/>
-        <p:txBody>
-          <a:bodyPr/>
-          <a:lstStyle/>
-          <a:p>
-            <a:fld id="{C5596875-2F2A-4E4F-B6FE-0AB921437886}" type="slidenum">
-              <a:rPr lang="ko-KR" altLang="en-US" smtClean="0"/>
-              <a:pPr/>
-              <a:t>30</a:t>
-            </a:fld>
-            <a:endParaRPr lang="ko-KR" altLang="en-US"/>
-          </a:p>
-        </p:txBody>
-      </p:sp>
-      <p:sp>
-        <p:nvSpPr>
-          <p:cNvPr id="5" name="직사각형 4"/>
-          <p:cNvSpPr/>
-          <p:nvPr/>
-        </p:nvSpPr>
-        <p:spPr>
-          <a:xfrm>
-            <a:off x="1500166" y="2500306"/>
-            <a:ext cx="6143668" cy="1857388"/>
-          </a:xfrm>
-          <a:prstGeom prst="rect">
-            <a:avLst/>
-          </a:prstGeom>
-          <a:solidFill>
-            <a:srgbClr val="3333FF"/>
-          </a:solidFill>
-          <a:ln>
-            <a:noFill/>
-          </a:ln>
-          <a:effectLst>
-            <a:outerShdw blurRad="50800" dist="38100" dir="5400000" algn="t" rotWithShape="0">
-              <a:prstClr val="black">
-                <a:alpha val="40000"/>
-              </a:prstClr>
-            </a:outerShdw>
-          </a:effectLst>
-        </p:spPr>
-        <p:style>
-          <a:lnRef idx="2">
-            <a:schemeClr val="accent1">
-              <a:shade val="50000"/>
-            </a:schemeClr>
-          </a:lnRef>
-          <a:fillRef idx="1">
-            <a:schemeClr val="accent1"/>
-          </a:fillRef>
-          <a:effectRef idx="0">
-            <a:schemeClr val="accent1"/>
-          </a:effectRef>
-          <a:fontRef idx="minor">
-            <a:schemeClr val="lt1"/>
-          </a:fontRef>
-        </p:style>
-        <p:txBody>
-          <a:bodyPr anchor="ctr"/>
-          <a:lstStyle/>
-          <a:p>
-            <a:pPr algn="ctr">
-              <a:lnSpc>
-                <a:spcPct val="150000"/>
-              </a:lnSpc>
-              <a:defRPr/>
-            </a:pPr>
-            <a:r>
-              <a:rPr lang="en-US" altLang="ko-KR" sz="3600" b="1" dirty="0" smtClean="0">
-                <a:solidFill>
-                  <a:schemeClr val="bg1"/>
-                </a:solidFill>
-                <a:latin typeface="Arial" pitchFamily="34" charset="0"/>
-                <a:ea typeface="Arial Unicode MS"/>
-                <a:cs typeface="Arial" pitchFamily="34" charset="0"/>
-              </a:rPr>
-              <a:t>Artificial Neural Network</a:t>
-            </a:r>
-            <a:endParaRPr lang="en-US" altLang="ko-KR" sz="2800" b="1" dirty="0">
-              <a:solidFill>
-                <a:srgbClr val="FFFF00"/>
-              </a:solidFill>
-              <a:latin typeface="Arial" pitchFamily="34" charset="0"/>
-              <a:ea typeface="Arial Unicode MS"/>
-              <a:cs typeface="Arial" pitchFamily="34" charset="0"/>
-            </a:endParaRPr>
-          </a:p>
-        </p:txBody>
-      </p:sp>
-    </p:spTree>
-    <p:extLst>
-      <p:ext uri="{BB962C8B-B14F-4D97-AF65-F5344CB8AC3E}">
-        <p14:creationId xmlns:p14="http://schemas.microsoft.com/office/powerpoint/2010/main" val="1034698581"/>
-      </p:ext>
-    </p:extLst>
-  </p:cSld>
-  <p:clrMapOvr>
-    <a:masterClrMapping/>
-  </p:clrMapOvr>
-</p:sld>
-</file>
-
-<file path=ppt/slides/slide31.xml><?xml version="1.0" encoding="utf-8"?>
 <p:sld xmlns:a="http://schemas.openxmlformats.org/drawingml/2006/main" xmlns:r="http://schemas.openxmlformats.org/officeDocument/2006/relationships" xmlns:p="http://schemas.openxmlformats.org/presentationml/2006/main">
   <p:cSld>
     <p:spTree>
@@ -23787,7 +23814,7 @@
 </p:sld>
 </file>
 
-<file path=ppt/slides/slide32.xml><?xml version="1.0" encoding="utf-8"?>
+<file path=ppt/slides/slide31.xml><?xml version="1.0" encoding="utf-8"?>
 <p:sld xmlns:a="http://schemas.openxmlformats.org/drawingml/2006/main" xmlns:r="http://schemas.openxmlformats.org/officeDocument/2006/relationships" xmlns:p="http://schemas.openxmlformats.org/presentationml/2006/main">
   <p:cSld>
     <p:spTree>
@@ -26124,7 +26151,7 @@
 </p:sld>
 </file>
 
-<file path=ppt/slides/slide33.xml><?xml version="1.0" encoding="utf-8"?>
+<file path=ppt/slides/slide32.xml><?xml version="1.0" encoding="utf-8"?>
 <p:sld xmlns:a="http://schemas.openxmlformats.org/drawingml/2006/main" xmlns:r="http://schemas.openxmlformats.org/officeDocument/2006/relationships" xmlns:p="http://schemas.openxmlformats.org/presentationml/2006/main">
   <p:cSld>
     <p:spTree>
@@ -28507,7 +28534,7 @@
 </p:sld>
 </file>
 
-<file path=ppt/slides/slide34.xml><?xml version="1.0" encoding="utf-8"?>
+<file path=ppt/slides/slide33.xml><?xml version="1.0" encoding="utf-8"?>
 <p:sld xmlns:a="http://schemas.openxmlformats.org/drawingml/2006/main" xmlns:r="http://schemas.openxmlformats.org/officeDocument/2006/relationships" xmlns:p="http://schemas.openxmlformats.org/presentationml/2006/main">
   <p:cSld>
     <p:spTree>
@@ -29115,7 +29142,7 @@
 </p:sld>
 </file>
 
-<file path=ppt/slides/slide35.xml><?xml version="1.0" encoding="utf-8"?>
+<file path=ppt/slides/slide34.xml><?xml version="1.0" encoding="utf-8"?>
 <p:sld xmlns:a="http://schemas.openxmlformats.org/drawingml/2006/main" xmlns:r="http://schemas.openxmlformats.org/officeDocument/2006/relationships" xmlns:p="http://schemas.openxmlformats.org/presentationml/2006/main">
   <p:cSld>
     <p:spTree>
@@ -31091,7 +31118,7 @@
 </p:sld>
 </file>
 
-<file path=ppt/slides/slide36.xml><?xml version="1.0" encoding="utf-8"?>
+<file path=ppt/slides/slide35.xml><?xml version="1.0" encoding="utf-8"?>
 <p:sld xmlns:a="http://schemas.openxmlformats.org/drawingml/2006/main" xmlns:r="http://schemas.openxmlformats.org/officeDocument/2006/relationships" xmlns:p="http://schemas.openxmlformats.org/presentationml/2006/main">
   <p:cSld>
     <p:spTree>
@@ -32343,7 +32370,7 @@
 </p:sld>
 </file>
 
-<file path=ppt/slides/slide37.xml><?xml version="1.0" encoding="utf-8"?>
+<file path=ppt/slides/slide36.xml><?xml version="1.0" encoding="utf-8"?>
 <p:sld xmlns:a="http://schemas.openxmlformats.org/drawingml/2006/main" xmlns:r="http://schemas.openxmlformats.org/officeDocument/2006/relationships" xmlns:p="http://schemas.openxmlformats.org/presentationml/2006/main">
   <p:cSld>
     <p:spTree>
@@ -32378,7 +32405,7 @@
             <a:fld id="{C5596875-2F2A-4E4F-B6FE-0AB921437886}" type="slidenum">
               <a:rPr lang="ko-KR" altLang="en-US" smtClean="0"/>
               <a:pPr/>
-              <a:t>37</a:t>
+              <a:t>36</a:t>
             </a:fld>
             <a:endParaRPr lang="ko-KR" altLang="en-US"/>
           </a:p>
@@ -32811,7 +32838,7 @@
 </p:sld>
 </file>
 
-<file path=ppt/slides/slide38.xml><?xml version="1.0" encoding="utf-8"?>
+<file path=ppt/slides/slide37.xml><?xml version="1.0" encoding="utf-8"?>
 <p:sld xmlns:a="http://schemas.openxmlformats.org/drawingml/2006/main" xmlns:r="http://schemas.openxmlformats.org/officeDocument/2006/relationships" xmlns:p="http://schemas.openxmlformats.org/presentationml/2006/main">
   <p:cSld>
     <p:spTree>
@@ -32846,7 +32873,7 @@
             <a:fld id="{C5596875-2F2A-4E4F-B6FE-0AB921437886}" type="slidenum">
               <a:rPr lang="ko-KR" altLang="en-US" smtClean="0"/>
               <a:pPr/>
-              <a:t>38</a:t>
+              <a:t>37</a:t>
             </a:fld>
             <a:endParaRPr lang="ko-KR" altLang="en-US"/>
           </a:p>
@@ -33318,14 +33345,7 @@
                   <a:latin typeface="Arial" panose="020B0604020202020204" pitchFamily="34" charset="0"/>
                   <a:cs typeface="Arial" panose="020B0604020202020204" pitchFamily="34" charset="0"/>
                 </a:rPr>
-                <a:t>Required </a:t>
-              </a:r>
-              <a:r>
-                <a:rPr lang="en-US" altLang="ko-KR" dirty="0" smtClean="0">
-                  <a:latin typeface="Arial" panose="020B0604020202020204" pitchFamily="34" charset="0"/>
-                  <a:cs typeface="Arial" panose="020B0604020202020204" pitchFamily="34" charset="0"/>
-                </a:rPr>
-                <a:t>date rates double every 18 months</a:t>
+                <a:t>Required date rates double every 18 months</a:t>
               </a:r>
               <a:endParaRPr lang="ko-KR" altLang="en-US" dirty="0">
                 <a:latin typeface="Arial" panose="020B0604020202020204" pitchFamily="34" charset="0"/>

--- a/개인/석사학위논문/Thesis_Presentation_v2.pptx
+++ b/개인/석사학위논문/Thesis_Presentation_v2.pptx
@@ -3441,7 +3441,7 @@
           <a:p>
             <a:fld id="{C19762FB-3275-4DDD-8145-24885120BD1B}" type="datetimeFigureOut">
               <a:rPr lang="ko-KR" altLang="en-US" smtClean="0"/>
-              <a:t>2019-11-07</a:t>
+              <a:t>2019-11-11</a:t>
             </a:fld>
             <a:endParaRPr lang="ko-KR" altLang="en-US"/>
           </a:p>
@@ -4804,7 +4804,7 @@
           <a:p>
             <a:fld id="{D5D80EBB-B890-43AE-9083-C96FE4A29910}" type="datetime1">
               <a:rPr lang="ko-KR" altLang="en-US" smtClean="0"/>
-              <a:t>2019-11-07</a:t>
+              <a:t>2019-11-11</a:t>
             </a:fld>
             <a:endParaRPr lang="ko-KR" altLang="en-US"/>
           </a:p>
@@ -4998,7 +4998,7 @@
           <a:p>
             <a:fld id="{154BE1C7-AA1F-4F3C-8E2B-C87B93FCCD4D}" type="datetime1">
               <a:rPr lang="ko-KR" altLang="en-US" smtClean="0"/>
-              <a:t>2019-11-07</a:t>
+              <a:t>2019-11-11</a:t>
             </a:fld>
             <a:endParaRPr lang="ko-KR" altLang="en-US"/>
           </a:p>
@@ -5202,7 +5202,7 @@
           <a:p>
             <a:fld id="{B5E04AD6-9B61-42B2-938C-66281B480C6A}" type="datetime1">
               <a:rPr lang="ko-KR" altLang="en-US" smtClean="0"/>
-              <a:t>2019-11-07</a:t>
+              <a:t>2019-11-11</a:t>
             </a:fld>
             <a:endParaRPr lang="ko-KR" altLang="en-US"/>
           </a:p>
@@ -5388,7 +5388,7 @@
           <a:p>
             <a:fld id="{CEDA20BB-A36C-44CB-A9A0-32BED543DE31}" type="datetimeFigureOut">
               <a:rPr lang="ko-KR" altLang="en-US" smtClean="0"/>
-              <a:t>2019-11-07</a:t>
+              <a:t>2019-11-11</a:t>
             </a:fld>
             <a:endParaRPr lang="ko-KR" altLang="en-US"/>
           </a:p>
@@ -5758,7 +5758,7 @@
           <a:p>
             <a:fld id="{218953AC-9849-456F-9E44-AECC60F5F9FC}" type="datetime1">
               <a:rPr lang="ko-KR" altLang="en-US" smtClean="0"/>
-              <a:t>2019-11-07</a:t>
+              <a:t>2019-11-11</a:t>
             </a:fld>
             <a:endParaRPr lang="ko-KR" altLang="en-US"/>
           </a:p>
@@ -6014,7 +6014,7 @@
           <a:p>
             <a:fld id="{8CCAAB59-4967-4F74-8A98-AEFD5F21617F}" type="datetime1">
               <a:rPr lang="ko-KR" altLang="en-US" smtClean="0"/>
-              <a:t>2019-11-07</a:t>
+              <a:t>2019-11-11</a:t>
             </a:fld>
             <a:endParaRPr lang="ko-KR" altLang="en-US"/>
           </a:p>
@@ -6405,7 +6405,7 @@
           <a:p>
             <a:fld id="{A3176D14-3ABC-4C75-AD2C-933C44F0B27E}" type="datetime1">
               <a:rPr lang="ko-KR" altLang="en-US" smtClean="0"/>
-              <a:t>2019-11-07</a:t>
+              <a:t>2019-11-11</a:t>
             </a:fld>
             <a:endParaRPr lang="ko-KR" altLang="en-US"/>
           </a:p>
@@ -6547,7 +6547,7 @@
           <a:p>
             <a:fld id="{21C282E5-3BC4-42EA-975E-4FBFF6C9C5B9}" type="datetime1">
               <a:rPr lang="ko-KR" altLang="en-US" smtClean="0"/>
-              <a:t>2019-11-07</a:t>
+              <a:t>2019-11-11</a:t>
             </a:fld>
             <a:endParaRPr lang="ko-KR" altLang="en-US"/>
           </a:p>
@@ -6666,7 +6666,7 @@
           <a:p>
             <a:fld id="{13ABF03C-3F6A-4FCA-9FFE-178AE350824F}" type="datetime1">
               <a:rPr lang="ko-KR" altLang="en-US" smtClean="0"/>
-              <a:t>2019-11-07</a:t>
+              <a:t>2019-11-11</a:t>
             </a:fld>
             <a:endParaRPr lang="ko-KR" altLang="en-US"/>
           </a:p>
@@ -6967,7 +6967,7 @@
           <a:p>
             <a:fld id="{B7D8EF2C-F87E-4B61-BE8F-F370400E961D}" type="datetime1">
               <a:rPr lang="ko-KR" altLang="en-US" smtClean="0"/>
-              <a:t>2019-11-07</a:t>
+              <a:t>2019-11-11</a:t>
             </a:fld>
             <a:endParaRPr lang="ko-KR" altLang="en-US"/>
           </a:p>
@@ -7248,7 +7248,7 @@
           <a:p>
             <a:fld id="{8F223CFE-2AAC-4812-9EB8-3FB62CB8BFB1}" type="datetime1">
               <a:rPr lang="ko-KR" altLang="en-US" smtClean="0"/>
-              <a:t>2019-11-07</a:t>
+              <a:t>2019-11-11</a:t>
             </a:fld>
             <a:endParaRPr lang="ko-KR" altLang="en-US"/>
           </a:p>
@@ -8679,6 +8679,13 @@
   <p:clrMapOvr>
     <a:masterClrMapping/>
   </p:clrMapOvr>
+  <p:timing>
+    <p:tnLst>
+      <p:par>
+        <p:cTn id="1" dur="indefinite" restart="never" nodeType="tmRoot"/>
+      </p:par>
+    </p:tnLst>
+  </p:timing>
 </p:sld>
 </file>
 
@@ -9348,6 +9355,13 @@
   <p:clrMapOvr>
     <a:masterClrMapping/>
   </p:clrMapOvr>
+  <p:timing>
+    <p:tnLst>
+      <p:par>
+        <p:cTn id="1" dur="indefinite" restart="never" nodeType="tmRoot"/>
+      </p:par>
+    </p:tnLst>
+  </p:timing>
 </p:sld>
 </file>
 
@@ -10119,6 +10133,13 @@
   <p:clrMapOvr>
     <a:masterClrMapping/>
   </p:clrMapOvr>
+  <p:timing>
+    <p:tnLst>
+      <p:par>
+        <p:cTn id="1" dur="indefinite" restart="never" nodeType="tmRoot"/>
+      </p:par>
+    </p:tnLst>
+  </p:timing>
 </p:sld>
 </file>
 
@@ -10296,6 +10317,13 @@
   <p:clrMapOvr>
     <a:masterClrMapping/>
   </p:clrMapOvr>
+  <p:timing>
+    <p:tnLst>
+      <p:par>
+        <p:cTn id="1" dur="indefinite" restart="never" nodeType="tmRoot"/>
+      </p:par>
+    </p:tnLst>
+  </p:timing>
 </p:sld>
 </file>
 
@@ -10426,6 +10454,13 @@
   <p:clrMapOvr>
     <a:masterClrMapping/>
   </p:clrMapOvr>
+  <p:timing>
+    <p:tnLst>
+      <p:par>
+        <p:cTn id="1" dur="indefinite" restart="never" nodeType="tmRoot"/>
+      </p:par>
+    </p:tnLst>
+  </p:timing>
 </p:sld>
 </file>
 
@@ -13400,6 +13435,13 @@
   <p:clrMapOvr>
     <a:masterClrMapping/>
   </p:clrMapOvr>
+  <p:timing>
+    <p:tnLst>
+      <p:par>
+        <p:cTn id="1" dur="indefinite" restart="never" nodeType="tmRoot"/>
+      </p:par>
+    </p:tnLst>
+  </p:timing>
 </p:sld>
 </file>
 
@@ -15301,6 +15343,13 @@
   <p:clrMapOvr>
     <a:masterClrMapping/>
   </p:clrMapOvr>
+  <p:timing>
+    <p:tnLst>
+      <p:par>
+        <p:cTn id="1" dur="indefinite" restart="never" nodeType="tmRoot"/>
+      </p:par>
+    </p:tnLst>
+  </p:timing>
 </p:sld>
 </file>
 
@@ -15431,6 +15480,13 @@
   <p:clrMapOvr>
     <a:masterClrMapping/>
   </p:clrMapOvr>
+  <p:timing>
+    <p:tnLst>
+      <p:par>
+        <p:cTn id="1" dur="indefinite" restart="never" nodeType="tmRoot"/>
+      </p:par>
+    </p:tnLst>
+  </p:timing>
 </p:sld>
 </file>
 
@@ -15880,6 +15936,13 @@
   <p:clrMapOvr>
     <a:masterClrMapping/>
   </p:clrMapOvr>
+  <p:timing>
+    <p:tnLst>
+      <p:par>
+        <p:cTn id="1" dur="indefinite" restart="never" nodeType="tmRoot"/>
+      </p:par>
+    </p:tnLst>
+  </p:timing>
 </p:sld>
 </file>
 
@@ -16010,6 +16073,13 @@
   <p:clrMapOvr>
     <a:masterClrMapping/>
   </p:clrMapOvr>
+  <p:timing>
+    <p:tnLst>
+      <p:par>
+        <p:cTn id="1" dur="indefinite" restart="never" nodeType="tmRoot"/>
+      </p:par>
+    </p:tnLst>
+  </p:timing>
 </p:sld>
 </file>
 
@@ -17759,6 +17829,13 @@
   <p:clrMapOvr>
     <a:masterClrMapping/>
   </p:clrMapOvr>
+  <p:timing>
+    <p:tnLst>
+      <p:par>
+        <p:cTn id="1" dur="indefinite" restart="never" nodeType="tmRoot"/>
+      </p:par>
+    </p:tnLst>
+  </p:timing>
 </p:sld>
 </file>
 
@@ -18061,6 +18138,13 @@
   <p:clrMapOvr>
     <a:masterClrMapping/>
   </p:clrMapOvr>
+  <p:timing>
+    <p:tnLst>
+      <p:par>
+        <p:cTn id="1" dur="indefinite" restart="never" nodeType="tmRoot"/>
+      </p:par>
+    </p:tnLst>
+  </p:timing>
 </p:sld>
 </file>
 
@@ -18248,6 +18332,13 @@
   <p:clrMapOvr>
     <a:masterClrMapping/>
   </p:clrMapOvr>
+  <p:timing>
+    <p:tnLst>
+      <p:par>
+        <p:cTn id="1" dur="indefinite" restart="never" nodeType="tmRoot"/>
+      </p:par>
+    </p:tnLst>
+  </p:timing>
 </p:sld>
 </file>
 
@@ -20317,6 +20408,13 @@
   <p:clrMapOvr>
     <a:masterClrMapping/>
   </p:clrMapOvr>
+  <p:timing>
+    <p:tnLst>
+      <p:par>
+        <p:cTn id="1" dur="indefinite" restart="never" nodeType="tmRoot"/>
+      </p:par>
+    </p:tnLst>
+  </p:timing>
 </p:sld>
 </file>
 
@@ -20424,24 +20522,7 @@
                 <a:ea typeface="+mj-ea"/>
                 <a:cs typeface="Arial" pitchFamily="34" charset="0"/>
               </a:rPr>
-              <a:t>Design </a:t>
-            </a:r>
-            <a:r>
-              <a:rPr kumimoji="0" lang="en-US" altLang="ko-KR" sz="3200" b="1" i="0" u="none" strike="noStrike" kern="1200" cap="none" spc="0" normalizeH="0" baseline="0" noProof="0" dirty="0" smtClean="0">
-                <a:ln>
-                  <a:noFill/>
-                </a:ln>
-                <a:solidFill>
-                  <a:schemeClr val="bg1"/>
-                </a:solidFill>
-                <a:effectLst/>
-                <a:uLnTx/>
-                <a:uFillTx/>
-                <a:latin typeface="Arial" pitchFamily="34" charset="0"/>
-                <a:ea typeface="+mj-ea"/>
-                <a:cs typeface="Arial" pitchFamily="34" charset="0"/>
-              </a:rPr>
-              <a:t>Platform - </a:t>
+              <a:t>Design Platform - </a:t>
             </a:r>
             <a:r>
               <a:rPr lang="en-US" altLang="ko-KR" sz="3200" b="1" dirty="0" smtClean="0">
@@ -20519,8 +20600,8 @@
           </a:prstGeom>
         </p:spPr>
       </p:pic>
-      <mc:AlternateContent xmlns:mc="http://schemas.openxmlformats.org/markup-compatibility/2006">
-        <mc:Choice xmlns:a14="http://schemas.microsoft.com/office/drawing/2010/main" Requires="a14">
+      <mc:AlternateContent xmlns:mc="http://schemas.openxmlformats.org/markup-compatibility/2006" xmlns:a14="http://schemas.microsoft.com/office/drawing/2010/main">
+        <mc:Choice Requires="a14">
           <p:sp>
             <p:nvSpPr>
               <p:cNvPr id="39" name="직사각형 38"/>
@@ -20695,7 +20776,7 @@
             </p:txBody>
           </p:sp>
         </mc:Choice>
-        <mc:Fallback>
+        <mc:Fallback xmlns="">
           <p:sp>
             <p:nvSpPr>
               <p:cNvPr id="39" name="직사각형 38"/>
@@ -20734,8 +20815,8 @@
           </p:sp>
         </mc:Fallback>
       </mc:AlternateContent>
-      <mc:AlternateContent xmlns:mc="http://schemas.openxmlformats.org/markup-compatibility/2006">
-        <mc:Choice xmlns:a14="http://schemas.microsoft.com/office/drawing/2010/main" Requires="a14">
+      <mc:AlternateContent xmlns:mc="http://schemas.openxmlformats.org/markup-compatibility/2006" xmlns:a14="http://schemas.microsoft.com/office/drawing/2010/main">
+        <mc:Choice Requires="a14">
           <p:sp>
             <p:nvSpPr>
               <p:cNvPr id="8" name="직사각형 7"/>
@@ -20829,7 +20910,7 @@
             </p:txBody>
           </p:sp>
         </mc:Choice>
-        <mc:Fallback>
+        <mc:Fallback xmlns="">
           <p:sp>
             <p:nvSpPr>
               <p:cNvPr id="8" name="직사각형 7"/>
@@ -20913,14 +20994,7 @@
                 <a:latin typeface="Arial" panose="020B0604020202020204" pitchFamily="34" charset="0"/>
                 <a:cs typeface="Arial" panose="020B0604020202020204" pitchFamily="34" charset="0"/>
               </a:rPr>
-              <a:t>Wavelength: 150 – 3000 um (5 um step, 570 points</a:t>
-            </a:r>
-            <a:r>
-              <a:rPr lang="en-US" altLang="ko-KR" b="0" dirty="0" smtClean="0">
-                <a:latin typeface="Arial" panose="020B0604020202020204" pitchFamily="34" charset="0"/>
-                <a:cs typeface="Arial" panose="020B0604020202020204" pitchFamily="34" charset="0"/>
-              </a:rPr>
-              <a:t>)</a:t>
+              <a:t>Wavelength: 150 – 3000 um (5 um step, 570 points)</a:t>
             </a:r>
           </a:p>
           <a:p>
@@ -20990,6 +21064,13 @@
   <p:clrMapOvr>
     <a:masterClrMapping/>
   </p:clrMapOvr>
+  <p:timing>
+    <p:tnLst>
+      <p:par>
+        <p:cTn id="1" dur="indefinite" restart="never" nodeType="tmRoot"/>
+      </p:par>
+    </p:tnLst>
+  </p:timing>
 </p:sld>
 </file>
 
@@ -21097,24 +21178,7 @@
                 <a:ea typeface="+mj-ea"/>
                 <a:cs typeface="Arial" pitchFamily="34" charset="0"/>
               </a:rPr>
-              <a:t>Design </a:t>
-            </a:r>
-            <a:r>
-              <a:rPr kumimoji="0" lang="en-US" altLang="ko-KR" sz="3200" b="1" i="0" u="none" strike="noStrike" kern="1200" cap="none" spc="0" normalizeH="0" baseline="0" noProof="0" dirty="0" smtClean="0">
-                <a:ln>
-                  <a:noFill/>
-                </a:ln>
-                <a:solidFill>
-                  <a:schemeClr val="bg1"/>
-                </a:solidFill>
-                <a:effectLst/>
-                <a:uLnTx/>
-                <a:uFillTx/>
-                <a:latin typeface="Arial" pitchFamily="34" charset="0"/>
-                <a:ea typeface="+mj-ea"/>
-                <a:cs typeface="Arial" pitchFamily="34" charset="0"/>
-              </a:rPr>
-              <a:t>Platform - Structure</a:t>
+              <a:t>Design Platform - Structure</a:t>
             </a:r>
             <a:endParaRPr kumimoji="0" lang="en-US" altLang="ko-KR" sz="2800" b="1" i="0" u="none" strike="noStrike" kern="1200" cap="none" spc="0" normalizeH="0" baseline="0" noProof="0" dirty="0" smtClean="0">
               <a:ln>
@@ -21212,14 +21276,7 @@
                 <a:latin typeface="Arial" panose="020B0604020202020204" pitchFamily="34" charset="0"/>
                 <a:cs typeface="Arial" panose="020B0604020202020204" pitchFamily="34" charset="0"/>
               </a:rPr>
-              <a:t>Design Band: 275 – 325 um (2 um step, 26 points</a:t>
-            </a:r>
-            <a:r>
-              <a:rPr lang="en-US" altLang="ko-KR" dirty="0" smtClean="0">
-                <a:latin typeface="Arial" panose="020B0604020202020204" pitchFamily="34" charset="0"/>
-                <a:cs typeface="Arial" panose="020B0604020202020204" pitchFamily="34" charset="0"/>
-              </a:rPr>
-              <a:t>)</a:t>
+              <a:t>Design Band: 275 – 325 um (2 um step, 26 points)</a:t>
             </a:r>
           </a:p>
           <a:p>
@@ -21235,10 +21292,6 @@
               </a:rPr>
               <a:t>TM mode</a:t>
             </a:r>
-            <a:endParaRPr lang="en-US" altLang="ko-KR" dirty="0" smtClean="0">
-              <a:latin typeface="Arial" panose="020B0604020202020204" pitchFamily="34" charset="0"/>
-              <a:cs typeface="Arial" panose="020B0604020202020204" pitchFamily="34" charset="0"/>
-            </a:endParaRPr>
           </a:p>
         </p:txBody>
       </p:sp>
@@ -21289,6 +21342,13 @@
   <p:clrMapOvr>
     <a:masterClrMapping/>
   </p:clrMapOvr>
+  <p:timing>
+    <p:tnLst>
+      <p:par>
+        <p:cTn id="1" dur="indefinite" restart="never" nodeType="tmRoot"/>
+      </p:par>
+    </p:tnLst>
+  </p:timing>
 </p:sld>
 </file>
 
@@ -21437,8 +21497,8 @@
           </a:p>
         </p:txBody>
       </p:sp>
-      <mc:AlternateContent xmlns:mc="http://schemas.openxmlformats.org/markup-compatibility/2006">
-        <mc:Choice xmlns:a14="http://schemas.microsoft.com/office/drawing/2010/main" Requires="a14">
+      <mc:AlternateContent xmlns:mc="http://schemas.openxmlformats.org/markup-compatibility/2006" xmlns:a14="http://schemas.microsoft.com/office/drawing/2010/main">
+        <mc:Choice Requires="a14">
           <p:sp>
             <p:nvSpPr>
               <p:cNvPr id="9" name="직사각형 8"/>
@@ -21644,7 +21704,7 @@
             </p:txBody>
           </p:sp>
         </mc:Choice>
-        <mc:Fallback>
+        <mc:Fallback xmlns="">
           <p:sp>
             <p:nvSpPr>
               <p:cNvPr id="9" name="직사각형 8"/>
@@ -21768,8 +21828,8 @@
           </a:prstGeom>
         </p:spPr>
       </p:pic>
-      <mc:AlternateContent xmlns:mc="http://schemas.openxmlformats.org/markup-compatibility/2006">
-        <mc:Choice xmlns:a14="http://schemas.microsoft.com/office/drawing/2010/main" Requires="a14">
+      <mc:AlternateContent xmlns:mc="http://schemas.openxmlformats.org/markup-compatibility/2006" xmlns:a14="http://schemas.microsoft.com/office/drawing/2010/main">
+        <mc:Choice Requires="a14">
           <p:sp>
             <p:nvSpPr>
               <p:cNvPr id="12" name="직사각형 11"/>
@@ -21870,7 +21930,7 @@
             </p:txBody>
           </p:sp>
         </mc:Choice>
-        <mc:Fallback>
+        <mc:Fallback xmlns="">
           <p:sp>
             <p:nvSpPr>
               <p:cNvPr id="12" name="직사각형 11"/>
@@ -21909,8 +21969,8 @@
           </p:sp>
         </mc:Fallback>
       </mc:AlternateContent>
-      <mc:AlternateContent xmlns:mc="http://schemas.openxmlformats.org/markup-compatibility/2006">
-        <mc:Choice xmlns:a14="http://schemas.microsoft.com/office/drawing/2010/main" Requires="a14">
+      <mc:AlternateContent xmlns:mc="http://schemas.openxmlformats.org/markup-compatibility/2006" xmlns:a14="http://schemas.microsoft.com/office/drawing/2010/main">
+        <mc:Choice Requires="a14">
           <p:sp>
             <p:nvSpPr>
               <p:cNvPr id="13" name="직사각형 12"/>
@@ -22011,7 +22071,7 @@
             </p:txBody>
           </p:sp>
         </mc:Choice>
-        <mc:Fallback>
+        <mc:Fallback xmlns="">
           <p:sp>
             <p:nvSpPr>
               <p:cNvPr id="13" name="직사각형 12"/>
@@ -22060,6 +22120,13 @@
   <p:clrMapOvr>
     <a:masterClrMapping/>
   </p:clrMapOvr>
+  <p:timing>
+    <p:tnLst>
+      <p:par>
+        <p:cTn id="1" dur="indefinite" restart="never" nodeType="tmRoot"/>
+      </p:par>
+    </p:tnLst>
+  </p:timing>
 </p:sld>
 </file>
 
@@ -22161,30 +22228,6 @@
           </a:p>
         </p:txBody>
       </p:sp>
-      <p:pic>
-        <p:nvPicPr>
-          <p:cNvPr id="16" name="그림 15"/>
-          <p:cNvPicPr>
-            <a:picLocks noChangeAspect="1"/>
-          </p:cNvPicPr>
-          <p:nvPr/>
-        </p:nvPicPr>
-        <p:blipFill>
-          <a:blip r:embed="rId2"/>
-          <a:stretch>
-            <a:fillRect/>
-          </a:stretch>
-        </p:blipFill>
-        <p:spPr>
-          <a:xfrm>
-            <a:off x="2011317" y="1727135"/>
-            <a:ext cx="5470500" cy="4102000"/>
-          </a:xfrm>
-          <a:prstGeom prst="rect">
-            <a:avLst/>
-          </a:prstGeom>
-        </p:spPr>
-      </p:pic>
     </p:spTree>
     <p:extLst>
       <p:ext uri="{BB962C8B-B14F-4D97-AF65-F5344CB8AC3E}">
@@ -22195,6 +22238,13 @@
   <p:clrMapOvr>
     <a:masterClrMapping/>
   </p:clrMapOvr>
+  <p:timing>
+    <p:tnLst>
+      <p:par>
+        <p:cTn id="1" dur="indefinite" restart="never" nodeType="tmRoot"/>
+      </p:par>
+    </p:tnLst>
+  </p:timing>
 </p:sld>
 </file>
 
@@ -23055,6 +23105,13 @@
   <p:clrMapOvr>
     <a:masterClrMapping/>
   </p:clrMapOvr>
+  <p:timing>
+    <p:tnLst>
+      <p:par>
+        <p:cTn id="1" dur="indefinite" restart="never" nodeType="tmRoot"/>
+      </p:par>
+    </p:tnLst>
+  </p:timing>
 </p:sld>
 </file>
 
@@ -23811,6 +23868,13 @@
   <p:clrMapOvr>
     <a:masterClrMapping/>
   </p:clrMapOvr>
+  <p:timing>
+    <p:tnLst>
+      <p:par>
+        <p:cTn id="1" dur="indefinite" restart="never" nodeType="tmRoot"/>
+      </p:par>
+    </p:tnLst>
+  </p:timing>
 </p:sld>
 </file>
 
@@ -23839,10 +23903,10 @@
         </p:nvGrpSpPr>
         <p:grpSpPr>
           <a:xfrm>
-            <a:off x="2999860" y="4142542"/>
-            <a:ext cx="3131094" cy="2392992"/>
-            <a:chOff x="2999860" y="4142542"/>
-            <a:chExt cx="3131094" cy="2392992"/>
+            <a:off x="2999861" y="4142542"/>
+            <a:ext cx="3131093" cy="2392992"/>
+            <a:chOff x="2999861" y="4142542"/>
+            <a:chExt cx="3131093" cy="2392992"/>
           </a:xfrm>
         </p:grpSpPr>
         <p:grpSp>
@@ -24132,8 +24196,8 @@
             </p:txBody>
           </p:sp>
         </p:grpSp>
-        <mc:AlternateContent xmlns:mc="http://schemas.openxmlformats.org/markup-compatibility/2006" xmlns:a14="http://schemas.microsoft.com/office/drawing/2010/main">
-          <mc:Choice Requires="a14">
+        <mc:AlternateContent xmlns:mc="http://schemas.openxmlformats.org/markup-compatibility/2006">
+          <mc:Choice xmlns:a14="http://schemas.microsoft.com/office/drawing/2010/main" Requires="a14">
             <p:sp>
               <p:nvSpPr>
                 <p:cNvPr id="53" name="TextBox 52"/>
@@ -24142,8 +24206,8 @@
               </p:nvSpPr>
               <p:spPr>
                 <a:xfrm rot="16200000">
-                  <a:off x="2888035" y="4940074"/>
-                  <a:ext cx="469872" cy="246221"/>
+                  <a:off x="2888420" y="4940074"/>
+                  <a:ext cx="469103" cy="246221"/>
                 </a:xfrm>
                 <a:prstGeom prst="rect">
                   <a:avLst/>
@@ -24164,10 +24228,11 @@
                       </m:oMathParaPr>
                       <m:oMath xmlns:m="http://schemas.openxmlformats.org/officeDocument/2006/math">
                         <m:r>
-                          <a:rPr lang="en-US" altLang="ko-KR" sz="1600" i="1">
+                          <a:rPr lang="en-US" altLang="ko-KR" sz="1600" b="0" i="1" smtClean="0">
                             <a:latin typeface="Cambria Math" panose="02040503050406030204" pitchFamily="18" charset="0"/>
+                            <a:cs typeface="Arial" panose="020B0604020202020204" pitchFamily="34" charset="0"/>
                           </a:rPr>
-                          <m:t>𝐶𝑜𝑠𝑡</m:t>
+                          <m:t>𝐿𝑜𝑠𝑠</m:t>
                         </m:r>
                       </m:oMath>
                     </m:oMathPara>
@@ -24180,7 +24245,7 @@
               </p:txBody>
             </p:sp>
           </mc:Choice>
-          <mc:Fallback xmlns="">
+          <mc:Fallback>
             <p:sp>
               <p:nvSpPr>
                 <p:cNvPr id="53" name="TextBox 52"/>
@@ -24191,8 +24256,8 @@
               </p:nvSpPr>
               <p:spPr>
                 <a:xfrm rot="16200000">
-                  <a:off x="2888035" y="4940074"/>
-                  <a:ext cx="469872" cy="246221"/>
+                  <a:off x="2888420" y="4940074"/>
+                  <a:ext cx="469103" cy="246221"/>
                 </a:xfrm>
                 <a:prstGeom prst="rect">
                   <a:avLst/>
@@ -24822,11 +24887,11 @@
             <a:p>
               <a:pPr algn="ctr"/>
               <a:r>
-                <a:rPr lang="en-US" altLang="ko-KR" sz="1600" dirty="0">
+                <a:rPr lang="cy-GB" altLang="ko-KR" sz="1600" dirty="0" smtClean="0">
                   <a:latin typeface="Arial" panose="020B0604020202020204" pitchFamily="34" charset="0"/>
                   <a:cs typeface="Arial" panose="020B0604020202020204" pitchFamily="34" charset="0"/>
                 </a:rPr>
-                <a:t>y</a:t>
+                <a:t>ŷ</a:t>
               </a:r>
               <a:endParaRPr lang="ko-KR" altLang="en-US" sz="1600" dirty="0">
                 <a:latin typeface="Arial" panose="020B0604020202020204" pitchFamily="34" charset="0"/>
@@ -25753,8 +25818,8 @@
           </a:p>
         </p:txBody>
       </p:sp>
-      <mc:AlternateContent xmlns:mc="http://schemas.openxmlformats.org/markup-compatibility/2006" xmlns:a14="http://schemas.microsoft.com/office/drawing/2010/main">
-        <mc:Choice Requires="a14">
+      <mc:AlternateContent xmlns:mc="http://schemas.openxmlformats.org/markup-compatibility/2006">
+        <mc:Choice xmlns:a14="http://schemas.microsoft.com/office/drawing/2010/main" Requires="a14">
           <p:sp>
             <p:nvSpPr>
               <p:cNvPr id="102" name="TextBox 101"/>
@@ -25763,8 +25828,8 @@
             </p:nvSpPr>
             <p:spPr>
               <a:xfrm>
-                <a:off x="3127182" y="3259818"/>
-                <a:ext cx="2889637" cy="672172"/>
+                <a:off x="3127182" y="3326582"/>
+                <a:ext cx="2888868" cy="672172"/>
               </a:xfrm>
               <a:prstGeom prst="rect">
                 <a:avLst/>
@@ -25785,10 +25850,10 @@
                     </m:oMathParaPr>
                     <m:oMath xmlns:m="http://schemas.openxmlformats.org/officeDocument/2006/math">
                       <m:r>
-                        <a:rPr lang="en-US" altLang="ko-KR" sz="1600" i="1">
+                        <a:rPr lang="en-US" altLang="ko-KR" sz="1600" b="0" i="1" smtClean="0">
                           <a:latin typeface="Cambria Math" panose="02040503050406030204" pitchFamily="18" charset="0"/>
                         </a:rPr>
-                        <m:t>𝐶𝑜𝑠𝑡</m:t>
+                        <m:t>𝐿𝑜𝑠𝑠</m:t>
                       </m:r>
                       <m:r>
                         <a:rPr lang="en-US" altLang="ko-KR" sz="1600" i="1">
@@ -25995,7 +26060,7 @@
             </p:txBody>
           </p:sp>
         </mc:Choice>
-        <mc:Fallback xmlns="">
+        <mc:Fallback>
           <p:sp>
             <p:nvSpPr>
               <p:cNvPr id="102" name="TextBox 101"/>
@@ -26006,8 +26071,8 @@
             </p:nvSpPr>
             <p:spPr>
               <a:xfrm>
-                <a:off x="3127182" y="3259818"/>
-                <a:ext cx="2889637" cy="672172"/>
+                <a:off x="3127182" y="3326582"/>
+                <a:ext cx="2888868" cy="672172"/>
               </a:xfrm>
               <a:prstGeom prst="rect">
                 <a:avLst/>
@@ -26138,6 +26203,161 @@
           </a:p>
         </p:txBody>
       </p:sp>
+      <mc:AlternateContent xmlns:mc="http://schemas.openxmlformats.org/markup-compatibility/2006">
+        <mc:Choice xmlns:a14="http://schemas.microsoft.com/office/drawing/2010/main" Requires="a14">
+          <p:sp>
+            <p:nvSpPr>
+              <p:cNvPr id="3" name="TextBox 2"/>
+              <p:cNvSpPr txBox="1"/>
+              <p:nvPr/>
+            </p:nvSpPr>
+            <p:spPr>
+              <a:xfrm>
+                <a:off x="3861421" y="2985779"/>
+                <a:ext cx="1421158" cy="295594"/>
+              </a:xfrm>
+              <a:prstGeom prst="rect">
+                <a:avLst/>
+              </a:prstGeom>
+              <a:noFill/>
+            </p:spPr>
+            <p:txBody>
+              <a:bodyPr wrap="none" lIns="0" tIns="0" rIns="0" bIns="0" rtlCol="0">
+                <a:spAutoFit/>
+              </a:bodyPr>
+              <a:lstStyle/>
+              <a:p>
+                <a14:m>
+                  <m:oMathPara xmlns:m="http://schemas.openxmlformats.org/officeDocument/2006/math">
+                    <m:oMathParaPr>
+                      <m:jc m:val="centerGroup"/>
+                    </m:oMathParaPr>
+                    <m:oMath xmlns:m="http://schemas.openxmlformats.org/officeDocument/2006/math">
+                      <m:acc>
+                        <m:accPr>
+                          <m:chr m:val="̂"/>
+                          <m:ctrlPr>
+                            <a:rPr lang="ko-KR" altLang="en-US" i="1" smtClean="0">
+                              <a:latin typeface="Cambria Math" panose="02040503050406030204" pitchFamily="18" charset="0"/>
+                            </a:rPr>
+                          </m:ctrlPr>
+                        </m:accPr>
+                        <m:e>
+                          <m:r>
+                            <a:rPr lang="en-US" altLang="ko-KR" b="0" i="1" smtClean="0">
+                              <a:latin typeface="Cambria Math" panose="02040503050406030204" pitchFamily="18" charset="0"/>
+                            </a:rPr>
+                            <m:t>𝑦</m:t>
+                          </m:r>
+                        </m:e>
+                      </m:acc>
+                      <m:r>
+                        <a:rPr lang="en-US" altLang="ko-KR" b="0" i="1" smtClean="0">
+                          <a:latin typeface="Cambria Math" panose="02040503050406030204" pitchFamily="18" charset="0"/>
+                        </a:rPr>
+                        <m:t>=</m:t>
+                      </m:r>
+                      <m:r>
+                        <a:rPr lang="en-US" altLang="ko-KR" b="0" i="1" smtClean="0">
+                          <a:latin typeface="Cambria Math" panose="02040503050406030204" pitchFamily="18" charset="0"/>
+                        </a:rPr>
+                        <m:t>𝑤</m:t>
+                      </m:r>
+                      <m:sSup>
+                        <m:sSupPr>
+                          <m:ctrlPr>
+                            <a:rPr lang="en-US" altLang="ko-KR" b="0" i="1" smtClean="0">
+                              <a:latin typeface="Cambria Math" panose="02040503050406030204" pitchFamily="18" charset="0"/>
+                            </a:rPr>
+                          </m:ctrlPr>
+                        </m:sSupPr>
+                        <m:e>
+                          <m:r>
+                            <a:rPr lang="en-US" altLang="ko-KR" b="0" i="1" smtClean="0">
+                              <a:latin typeface="Cambria Math" panose="02040503050406030204" pitchFamily="18" charset="0"/>
+                            </a:rPr>
+                            <m:t>𝑥</m:t>
+                          </m:r>
+                        </m:e>
+                        <m:sup>
+                          <m:d>
+                            <m:dPr>
+                              <m:ctrlPr>
+                                <a:rPr lang="en-US" altLang="ko-KR" b="0" i="1" smtClean="0">
+                                  <a:latin typeface="Cambria Math" panose="02040503050406030204" pitchFamily="18" charset="0"/>
+                                </a:rPr>
+                              </m:ctrlPr>
+                            </m:dPr>
+                            <m:e>
+                              <m:r>
+                                <a:rPr lang="en-US" altLang="ko-KR" b="0" i="1" smtClean="0">
+                                  <a:latin typeface="Cambria Math" panose="02040503050406030204" pitchFamily="18" charset="0"/>
+                                </a:rPr>
+                                <m:t>𝑖</m:t>
+                              </m:r>
+                            </m:e>
+                          </m:d>
+                        </m:sup>
+                      </m:sSup>
+                      <m:r>
+                        <a:rPr lang="en-US" altLang="ko-KR" b="0" i="1" smtClean="0">
+                          <a:latin typeface="Cambria Math" panose="02040503050406030204" pitchFamily="18" charset="0"/>
+                        </a:rPr>
+                        <m:t>+</m:t>
+                      </m:r>
+                      <m:r>
+                        <a:rPr lang="en-US" altLang="ko-KR" b="0" i="1" smtClean="0">
+                          <a:latin typeface="Cambria Math" panose="02040503050406030204" pitchFamily="18" charset="0"/>
+                        </a:rPr>
+                        <m:t>𝑏</m:t>
+                      </m:r>
+                    </m:oMath>
+                  </m:oMathPara>
+                </a14:m>
+                <a:endParaRPr lang="ko-KR" altLang="en-US" dirty="0"/>
+              </a:p>
+            </p:txBody>
+          </p:sp>
+        </mc:Choice>
+        <mc:Fallback>
+          <p:sp>
+            <p:nvSpPr>
+              <p:cNvPr id="3" name="TextBox 2"/>
+              <p:cNvSpPr txBox="1">
+                <a:spLocks noRot="1" noChangeAspect="1" noMove="1" noResize="1" noEditPoints="1" noAdjustHandles="1" noChangeArrowheads="1" noChangeShapeType="1" noTextEdit="1"/>
+              </p:cNvSpPr>
+              <p:nvPr/>
+            </p:nvSpPr>
+            <p:spPr>
+              <a:xfrm>
+                <a:off x="3861421" y="2985779"/>
+                <a:ext cx="1421158" cy="295594"/>
+              </a:xfrm>
+              <a:prstGeom prst="rect">
+                <a:avLst/>
+              </a:prstGeom>
+              <a:blipFill>
+                <a:blip r:embed="rId7"/>
+                <a:stretch>
+                  <a:fillRect l="-3846" t="-18750" r="-2991" b="-25000"/>
+                </a:stretch>
+              </a:blipFill>
+            </p:spPr>
+            <p:txBody>
+              <a:bodyPr/>
+              <a:lstStyle/>
+              <a:p>
+                <a:r>
+                  <a:rPr lang="ko-KR" altLang="en-US">
+                    <a:noFill/>
+                  </a:rPr>
+                  <a:t> </a:t>
+                </a:r>
+              </a:p>
+            </p:txBody>
+          </p:sp>
+        </mc:Fallback>
+      </mc:AlternateContent>
     </p:spTree>
     <p:extLst>
       <p:ext uri="{BB962C8B-B14F-4D97-AF65-F5344CB8AC3E}">
@@ -26148,6 +26368,13 @@
   <p:clrMapOvr>
     <a:masterClrMapping/>
   </p:clrMapOvr>
+  <p:timing>
+    <p:tnLst>
+      <p:par>
+        <p:cTn id="1" dur="indefinite" restart="never" nodeType="tmRoot"/>
+      </p:par>
+    </p:tnLst>
+  </p:timing>
 </p:sld>
 </file>
 
@@ -26895,11 +27122,11 @@
             <a:p>
               <a:pPr algn="ctr"/>
               <a:r>
-                <a:rPr lang="en-US" altLang="ko-KR" sz="1600" dirty="0">
+                <a:rPr lang="cy-GB" altLang="ko-KR" sz="1600" dirty="0">
                   <a:latin typeface="Arial" panose="020B0604020202020204" pitchFamily="34" charset="0"/>
                   <a:cs typeface="Arial" panose="020B0604020202020204" pitchFamily="34" charset="0"/>
                 </a:rPr>
-                <a:t>y</a:t>
+                <a:t>ŷ</a:t>
               </a:r>
               <a:endParaRPr lang="ko-KR" altLang="en-US" sz="1600" dirty="0">
                 <a:latin typeface="Arial" panose="020B0604020202020204" pitchFamily="34" charset="0"/>
@@ -28531,6 +28758,13 @@
   <p:clrMapOvr>
     <a:masterClrMapping/>
   </p:clrMapOvr>
+  <p:timing>
+    <p:tnLst>
+      <p:par>
+        <p:cTn id="1" dur="indefinite" restart="never" nodeType="tmRoot"/>
+      </p:par>
+    </p:tnLst>
+  </p:timing>
 </p:sld>
 </file>
 
@@ -29139,6 +29373,13 @@
   <p:clrMapOvr>
     <a:masterClrMapping/>
   </p:clrMapOvr>
+  <p:timing>
+    <p:tnLst>
+      <p:par>
+        <p:cTn id="1" dur="indefinite" restart="never" nodeType="tmRoot"/>
+      </p:par>
+    </p:tnLst>
+  </p:timing>
 </p:sld>
 </file>
 
@@ -30387,8 +30628,8 @@
           </a:fontRef>
         </p:style>
       </p:cxnSp>
-      <mc:AlternateContent xmlns:mc="http://schemas.openxmlformats.org/markup-compatibility/2006" xmlns:a14="http://schemas.microsoft.com/office/drawing/2010/main">
-        <mc:Choice Requires="a14">
+      <mc:AlternateContent xmlns:mc="http://schemas.openxmlformats.org/markup-compatibility/2006">
+        <mc:Choice xmlns:a14="http://schemas.microsoft.com/office/drawing/2010/main" Requires="a14">
           <p:sp>
             <p:nvSpPr>
               <p:cNvPr id="40" name="TextBox 39"/>
@@ -30419,8 +30660,9 @@
                     </m:oMathParaPr>
                     <m:oMath xmlns:m="http://schemas.openxmlformats.org/officeDocument/2006/math">
                       <m:r>
-                        <a:rPr lang="en-US" altLang="ko-KR" sz="1200" i="1">
+                        <a:rPr lang="en-US" altLang="ko-KR" sz="1200" b="0" i="1" smtClean="0">
                           <a:latin typeface="Cambria Math" panose="02040503050406030204" pitchFamily="18" charset="0"/>
+                          <a:cs typeface="Arial" panose="020B0604020202020204" pitchFamily="34" charset="0"/>
                         </a:rPr>
                         <m:t>𝐶𝑜𝑠𝑡</m:t>
                       </m:r>
@@ -30435,7 +30677,7 @@
             </p:txBody>
           </p:sp>
         </mc:Choice>
-        <mc:Fallback xmlns="">
+        <mc:Fallback>
           <p:sp>
             <p:nvSpPr>
               <p:cNvPr id="40" name="TextBox 39"/>
@@ -31115,6 +31357,13 @@
   <p:clrMapOvr>
     <a:masterClrMapping/>
   </p:clrMapOvr>
+  <p:timing>
+    <p:tnLst>
+      <p:par>
+        <p:cTn id="1" dur="indefinite" restart="never" nodeType="tmRoot"/>
+      </p:par>
+    </p:tnLst>
+  </p:timing>
 </p:sld>
 </file>
 
@@ -32367,6 +32616,13 @@
   <p:clrMapOvr>
     <a:masterClrMapping/>
   </p:clrMapOvr>
+  <p:timing>
+    <p:tnLst>
+      <p:par>
+        <p:cTn id="1" dur="indefinite" restart="never" nodeType="tmRoot"/>
+      </p:par>
+    </p:tnLst>
+  </p:timing>
 </p:sld>
 </file>
 
@@ -32486,7 +32742,7 @@
         </p:nvSpPr>
         <p:spPr>
           <a:xfrm>
-            <a:off x="401941" y="3224960"/>
+            <a:off x="401941" y="871375"/>
             <a:ext cx="811717" cy="369332"/>
           </a:xfrm>
           <a:prstGeom prst="rect">
@@ -32503,10 +32759,9 @@
             <a:r>
               <a:rPr lang="en-US" altLang="ko-KR" b="1" dirty="0" smtClean="0">
                 <a:latin typeface="Arial" panose="020B0604020202020204" pitchFamily="34" charset="0"/>
-                <a:ea typeface="Adobe Fan Heiti Std B" panose="020B0700000000000000" pitchFamily="34" charset="-128"/>
                 <a:cs typeface="Arial" panose="020B0604020202020204" pitchFamily="34" charset="0"/>
               </a:rPr>
-              <a:t>ANN</a:t>
+              <a:t>DBR</a:t>
             </a:r>
             <a:endParaRPr lang="ko-KR" altLang="en-US" b="1" dirty="0">
               <a:latin typeface="Arial" panose="020B0604020202020204" pitchFamily="34" charset="0"/>
@@ -32523,7 +32778,7 @@
         </p:nvSpPr>
         <p:spPr>
           <a:xfrm>
-            <a:off x="565852" y="3559216"/>
+            <a:off x="401941" y="1229491"/>
             <a:ext cx="4281055" cy="1338828"/>
           </a:xfrm>
           <a:prstGeom prst="rect">
@@ -32599,7 +32854,7 @@
         </p:blipFill>
         <p:spPr>
           <a:xfrm>
-            <a:off x="5806426" y="3807652"/>
+            <a:off x="5879312" y="1316243"/>
             <a:ext cx="2164107" cy="1736016"/>
           </a:xfrm>
           <a:prstGeom prst="rect">
@@ -32607,8 +32862,8 @@
           </a:prstGeom>
         </p:spPr>
       </p:pic>
-      <mc:AlternateContent xmlns:mc="http://schemas.openxmlformats.org/markup-compatibility/2006" xmlns:a14="http://schemas.microsoft.com/office/drawing/2010/main">
-        <mc:Choice Requires="a14">
+      <mc:AlternateContent xmlns:mc="http://schemas.openxmlformats.org/markup-compatibility/2006">
+        <mc:Choice xmlns:a14="http://schemas.microsoft.com/office/drawing/2010/main" Requires="a14">
           <p:sp>
             <p:nvSpPr>
               <p:cNvPr id="20" name="직사각형 19"/>
@@ -32617,8 +32872,8 @@
             </p:nvSpPr>
             <p:spPr>
               <a:xfrm>
-                <a:off x="1670953" y="5057477"/>
-                <a:ext cx="2070852" cy="972382"/>
+                <a:off x="401941" y="3099539"/>
+                <a:ext cx="3905016" cy="561308"/>
               </a:xfrm>
               <a:prstGeom prst="rect">
                 <a:avLst/>
@@ -32646,7 +32901,14 @@
                           <a:latin typeface="Cambria Math" panose="02040503050406030204" pitchFamily="18" charset="0"/>
                           <a:cs typeface="Arial" panose="020B0604020202020204" pitchFamily="34" charset="0"/>
                         </a:rPr>
-                        <m:t>𝑐𝑜𝑠𝑡</m:t>
+                        <m:t>𝐶</m:t>
+                      </m:r>
+                      <m:r>
+                        <a:rPr lang="en-US" altLang="ko-KR" b="0" i="1" smtClean="0">
+                          <a:latin typeface="Cambria Math" panose="02040503050406030204" pitchFamily="18" charset="0"/>
+                          <a:cs typeface="Arial" panose="020B0604020202020204" pitchFamily="34" charset="0"/>
+                        </a:rPr>
+                        <m:t>𝑜𝑠𝑡</m:t>
                       </m:r>
                       <m:r>
                         <a:rPr lang="en-US" altLang="ko-KR" b="0" i="1" smtClean="0">
@@ -32655,30 +32917,98 @@
                         </a:rPr>
                         <m:t>=</m:t>
                       </m:r>
-                      <m:f>
-                        <m:fPr>
+                      <m:r>
+                        <m:rPr>
+                          <m:sty m:val="p"/>
+                        </m:rPr>
+                        <a:rPr lang="en-US" altLang="ko-KR">
+                          <a:latin typeface="Cambria Math" panose="02040503050406030204" pitchFamily="18" charset="0"/>
+                          <a:cs typeface="Arial" panose="020B0604020202020204" pitchFamily="34" charset="0"/>
+                        </a:rPr>
+                        <m:t>mean</m:t>
+                      </m:r>
+                      <m:d>
+                        <m:dPr>
+                          <m:ctrlPr>
+                            <a:rPr lang="en-US" altLang="ko-KR" i="1">
+                              <a:latin typeface="Cambria Math" panose="02040503050406030204" pitchFamily="18" charset="0"/>
+                              <a:cs typeface="Arial" panose="020B0604020202020204" pitchFamily="34" charset="0"/>
+                            </a:rPr>
+                          </m:ctrlPr>
+                        </m:dPr>
+                        <m:e>
+                          <m:sSub>
+                            <m:sSubPr>
+                              <m:ctrlPr>
+                                <a:rPr lang="en-US" altLang="ko-KR" i="1">
+                                  <a:latin typeface="Cambria Math" panose="02040503050406030204" pitchFamily="18" charset="0"/>
+                                  <a:cs typeface="Arial" panose="020B0604020202020204" pitchFamily="34" charset="0"/>
+                                </a:rPr>
+                              </m:ctrlPr>
+                            </m:sSubPr>
+                            <m:e>
+                              <m:r>
+                                <a:rPr lang="en-US" altLang="ko-KR" i="1">
+                                  <a:latin typeface="Cambria Math" panose="02040503050406030204" pitchFamily="18" charset="0"/>
+                                  <a:cs typeface="Arial" panose="020B0604020202020204" pitchFamily="34" charset="0"/>
+                                </a:rPr>
+                                <m:t>𝑅</m:t>
+                              </m:r>
+                            </m:e>
+                            <m:sub>
+                              <m:r>
+                                <m:rPr>
+                                  <m:sty m:val="p"/>
+                                </m:rPr>
+                                <a:rPr lang="en-US" altLang="ko-KR" b="0" i="0" smtClean="0">
+                                  <a:latin typeface="Cambria Math" panose="02040503050406030204" pitchFamily="18" charset="0"/>
+                                  <a:cs typeface="Arial" panose="020B0604020202020204" pitchFamily="34" charset="0"/>
+                                </a:rPr>
+                                <m:t>out</m:t>
+                              </m:r>
+                            </m:sub>
+                          </m:sSub>
+                        </m:e>
+                      </m:d>
+                      <m:r>
+                        <a:rPr lang="en-US" altLang="ko-KR" i="1" smtClean="0">
+                          <a:latin typeface="Cambria Math" panose="02040503050406030204" pitchFamily="18" charset="0"/>
+                          <a:ea typeface="Cambria Math" panose="02040503050406030204" pitchFamily="18" charset="0"/>
+                          <a:cs typeface="Arial" panose="020B0604020202020204" pitchFamily="34" charset="0"/>
+                        </a:rPr>
+                        <m:t>∙</m:t>
+                      </m:r>
+                      <m:d>
+                        <m:dPr>
                           <m:ctrlPr>
                             <a:rPr lang="en-US" altLang="ko-KR" b="0" i="1" smtClean="0">
                               <a:latin typeface="Cambria Math" panose="02040503050406030204" pitchFamily="18" charset="0"/>
                               <a:cs typeface="Arial" panose="020B0604020202020204" pitchFamily="34" charset="0"/>
                             </a:rPr>
                           </m:ctrlPr>
-                        </m:fPr>
-                        <m:num>
+                        </m:dPr>
+                        <m:e>
+                          <m:r>
+                            <a:rPr lang="en-US" altLang="ko-KR" b="0" i="1" smtClean="0">
+                              <a:latin typeface="Cambria Math" panose="02040503050406030204" pitchFamily="18" charset="0"/>
+                              <a:cs typeface="Arial" panose="020B0604020202020204" pitchFamily="34" charset="0"/>
+                            </a:rPr>
+                            <m:t>1−</m:t>
+                          </m:r>
                           <m:r>
                             <m:rPr>
                               <m:sty m:val="p"/>
                             </m:rPr>
-                            <a:rPr lang="en-US" altLang="ko-KR" b="0" i="0" smtClean="0">
+                            <a:rPr lang="en-US" altLang="ko-KR">
                               <a:latin typeface="Cambria Math" panose="02040503050406030204" pitchFamily="18" charset="0"/>
                               <a:cs typeface="Arial" panose="020B0604020202020204" pitchFamily="34" charset="0"/>
                             </a:rPr>
-                            <m:t>sum</m:t>
+                            <m:t>mean</m:t>
                           </m:r>
                           <m:d>
                             <m:dPr>
                               <m:ctrlPr>
-                                <a:rPr lang="en-US" altLang="ko-KR" b="0" i="1" smtClean="0">
+                                <a:rPr lang="en-US" altLang="ko-KR" i="1">
                                   <a:latin typeface="Cambria Math" panose="02040503050406030204" pitchFamily="18" charset="0"/>
                                   <a:cs typeface="Arial" panose="020B0604020202020204" pitchFamily="34" charset="0"/>
                                 </a:rPr>
@@ -32688,7 +33018,7 @@
                               <m:sSub>
                                 <m:sSubPr>
                                   <m:ctrlPr>
-                                    <a:rPr lang="en-US" altLang="ko-KR" b="0" i="1" smtClean="0">
+                                    <a:rPr lang="en-US" altLang="ko-KR" i="1">
                                       <a:latin typeface="Cambria Math" panose="02040503050406030204" pitchFamily="18" charset="0"/>
                                       <a:cs typeface="Arial" panose="020B0604020202020204" pitchFamily="34" charset="0"/>
                                     </a:rPr>
@@ -32696,7 +33026,7 @@
                                 </m:sSubPr>
                                 <m:e>
                                   <m:r>
-                                    <a:rPr lang="en-US" altLang="ko-KR" b="0" i="1" smtClean="0">
+                                    <a:rPr lang="en-US" altLang="ko-KR" i="1">
                                       <a:latin typeface="Cambria Math" panose="02040503050406030204" pitchFamily="18" charset="0"/>
                                       <a:cs typeface="Arial" panose="020B0604020202020204" pitchFamily="34" charset="0"/>
                                     </a:rPr>
@@ -32708,62 +33038,7 @@
                                     <m:rPr>
                                       <m:sty m:val="p"/>
                                     </m:rPr>
-                                    <a:rPr lang="en-US" altLang="ko-KR" b="0" i="0" smtClean="0">
-                                      <a:latin typeface="Cambria Math" panose="02040503050406030204" pitchFamily="18" charset="0"/>
-                                      <a:cs typeface="Arial" panose="020B0604020202020204" pitchFamily="34" charset="0"/>
-                                    </a:rPr>
-                                    <m:t>out</m:t>
-                                  </m:r>
-                                </m:sub>
-                              </m:sSub>
-                            </m:e>
-                          </m:d>
-                        </m:num>
-                        <m:den>
-                          <m:r>
-                            <m:rPr>
-                              <m:sty m:val="p"/>
-                            </m:rPr>
-                            <a:rPr lang="en-US" altLang="ko-KR" b="0" i="0" smtClean="0">
-                              <a:latin typeface="Cambria Math" panose="02040503050406030204" pitchFamily="18" charset="0"/>
-                              <a:cs typeface="Arial" panose="020B0604020202020204" pitchFamily="34" charset="0"/>
-                            </a:rPr>
-                            <m:t>sum</m:t>
-                          </m:r>
-                          <m:d>
-                            <m:dPr>
-                              <m:ctrlPr>
-                                <a:rPr lang="en-US" altLang="ko-KR" b="0" i="1" smtClean="0">
-                                  <a:latin typeface="Cambria Math" panose="02040503050406030204" pitchFamily="18" charset="0"/>
-                                  <a:cs typeface="Arial" panose="020B0604020202020204" pitchFamily="34" charset="0"/>
-                                </a:rPr>
-                              </m:ctrlPr>
-                            </m:dPr>
-                            <m:e>
-                              <m:sSub>
-                                <m:sSubPr>
-                                  <m:ctrlPr>
-                                    <a:rPr lang="en-US" altLang="ko-KR" b="0" i="1" smtClean="0">
-                                      <a:latin typeface="Cambria Math" panose="02040503050406030204" pitchFamily="18" charset="0"/>
-                                      <a:cs typeface="Arial" panose="020B0604020202020204" pitchFamily="34" charset="0"/>
-                                    </a:rPr>
-                                  </m:ctrlPr>
-                                </m:sSubPr>
-                                <m:e>
-                                  <m:r>
-                                    <a:rPr lang="en-US" altLang="ko-KR" b="0" i="1" smtClean="0">
-                                      <a:latin typeface="Cambria Math" panose="02040503050406030204" pitchFamily="18" charset="0"/>
-                                      <a:cs typeface="Arial" panose="020B0604020202020204" pitchFamily="34" charset="0"/>
-                                    </a:rPr>
-                                    <m:t>𝑅</m:t>
-                                  </m:r>
-                                </m:e>
-                                <m:sub>
-                                  <m:r>
-                                    <m:rPr>
-                                      <m:sty m:val="p"/>
-                                    </m:rPr>
-                                    <a:rPr lang="en-US" altLang="ko-KR" b="0" i="0" smtClean="0">
+                                    <a:rPr lang="en-US" altLang="ko-KR">
                                       <a:latin typeface="Cambria Math" panose="02040503050406030204" pitchFamily="18" charset="0"/>
                                       <a:cs typeface="Arial" panose="020B0604020202020204" pitchFamily="34" charset="0"/>
                                     </a:rPr>
@@ -32773,8 +33048,8 @@
                               </m:sSub>
                             </m:e>
                           </m:d>
-                        </m:den>
-                      </m:f>
+                        </m:e>
+                      </m:d>
                     </m:oMath>
                   </m:oMathPara>
                 </a14:m>
@@ -32786,7 +33061,7 @@
             </p:txBody>
           </p:sp>
         </mc:Choice>
-        <mc:Fallback xmlns="">
+        <mc:Fallback>
           <p:sp>
             <p:nvSpPr>
               <p:cNvPr id="20" name="직사각형 19"/>
@@ -32797,8 +33072,219 @@
             </p:nvSpPr>
             <p:spPr>
               <a:xfrm>
-                <a:off x="1670953" y="5057477"/>
-                <a:ext cx="2070852" cy="972382"/>
+                <a:off x="401941" y="3099539"/>
+                <a:ext cx="3905016" cy="561308"/>
+              </a:xfrm>
+              <a:prstGeom prst="rect">
+                <a:avLst/>
+              </a:prstGeom>
+              <a:blipFill>
+                <a:blip r:embed="rId3"/>
+                <a:stretch>
+                  <a:fillRect/>
+                </a:stretch>
+              </a:blipFill>
+            </p:spPr>
+            <p:txBody>
+              <a:bodyPr/>
+              <a:lstStyle/>
+              <a:p>
+                <a:r>
+                  <a:rPr lang="ko-KR" altLang="en-US">
+                    <a:noFill/>
+                  </a:rPr>
+                  <a:t> </a:t>
+                </a:r>
+              </a:p>
+            </p:txBody>
+          </p:sp>
+        </mc:Fallback>
+      </mc:AlternateContent>
+      <p:pic>
+        <p:nvPicPr>
+          <p:cNvPr id="5" name="그림 4"/>
+          <p:cNvPicPr>
+            <a:picLocks noChangeAspect="1"/>
+          </p:cNvPicPr>
+          <p:nvPr/>
+        </p:nvPicPr>
+        <p:blipFill>
+          <a:blip r:embed="rId4"/>
+          <a:stretch>
+            <a:fillRect/>
+          </a:stretch>
+        </p:blipFill>
+        <p:spPr>
+          <a:xfrm>
+            <a:off x="1590760" y="3707230"/>
+            <a:ext cx="5962481" cy="2333575"/>
+          </a:xfrm>
+          <a:prstGeom prst="rect">
+            <a:avLst/>
+          </a:prstGeom>
+        </p:spPr>
+      </p:pic>
+      <mc:AlternateContent xmlns:mc="http://schemas.openxmlformats.org/markup-compatibility/2006">
+        <mc:Choice xmlns:a14="http://schemas.microsoft.com/office/drawing/2010/main" Requires="a14">
+          <p:sp>
+            <p:nvSpPr>
+              <p:cNvPr id="25" name="직사각형 24"/>
+              <p:cNvSpPr/>
+              <p:nvPr/>
+            </p:nvSpPr>
+            <p:spPr>
+              <a:xfrm>
+                <a:off x="401941" y="2559887"/>
+                <a:ext cx="2566546" cy="561308"/>
+              </a:xfrm>
+              <a:prstGeom prst="rect">
+                <a:avLst/>
+              </a:prstGeom>
+            </p:spPr>
+            <p:txBody>
+              <a:bodyPr wrap="square">
+                <a:spAutoFit/>
+              </a:bodyPr>
+              <a:lstStyle/>
+              <a:p>
+                <a:pPr>
+                  <a:lnSpc>
+                    <a:spcPct val="150000"/>
+                  </a:lnSpc>
+                </a:pPr>
+                <a14:m>
+                  <m:oMathPara xmlns:m="http://schemas.openxmlformats.org/officeDocument/2006/math">
+                    <m:oMathParaPr>
+                      <m:jc m:val="centerGroup"/>
+                    </m:oMathParaPr>
+                    <m:oMath xmlns:m="http://schemas.openxmlformats.org/officeDocument/2006/math">
+                      <m:r>
+                        <a:rPr lang="en-US" altLang="ko-KR" b="0" i="1" smtClean="0">
+                          <a:latin typeface="Cambria Math" panose="02040503050406030204" pitchFamily="18" charset="0"/>
+                          <a:cs typeface="Arial" panose="020B0604020202020204" pitchFamily="34" charset="0"/>
+                        </a:rPr>
+                        <m:t>𝐿𝑜𝑠𝑠</m:t>
+                      </m:r>
+                      <m:r>
+                        <a:rPr lang="en-US" altLang="ko-KR" b="0" i="1" smtClean="0">
+                          <a:latin typeface="Cambria Math" panose="02040503050406030204" pitchFamily="18" charset="0"/>
+                          <a:cs typeface="Arial" panose="020B0604020202020204" pitchFamily="34" charset="0"/>
+                        </a:rPr>
+                        <m:t>=</m:t>
+                      </m:r>
+                      <m:r>
+                        <m:rPr>
+                          <m:sty m:val="p"/>
+                        </m:rPr>
+                        <a:rPr lang="en-US" altLang="ko-KR">
+                          <a:latin typeface="Cambria Math" panose="02040503050406030204" pitchFamily="18" charset="0"/>
+                          <a:cs typeface="Arial" panose="020B0604020202020204" pitchFamily="34" charset="0"/>
+                        </a:rPr>
+                        <m:t>mean</m:t>
+                      </m:r>
+                      <m:d>
+                        <m:dPr>
+                          <m:ctrlPr>
+                            <a:rPr lang="en-US" altLang="ko-KR" i="1">
+                              <a:latin typeface="Cambria Math" panose="02040503050406030204" pitchFamily="18" charset="0"/>
+                              <a:cs typeface="Arial" panose="020B0604020202020204" pitchFamily="34" charset="0"/>
+                            </a:rPr>
+                          </m:ctrlPr>
+                        </m:dPr>
+                        <m:e>
+                          <m:sSup>
+                            <m:sSupPr>
+                              <m:ctrlPr>
+                                <a:rPr lang="en-US" altLang="ko-KR" b="0" i="1" smtClean="0">
+                                  <a:latin typeface="Cambria Math" panose="02040503050406030204" pitchFamily="18" charset="0"/>
+                                  <a:cs typeface="Arial" panose="020B0604020202020204" pitchFamily="34" charset="0"/>
+                                </a:rPr>
+                              </m:ctrlPr>
+                            </m:sSupPr>
+                            <m:e>
+                              <m:d>
+                                <m:dPr>
+                                  <m:ctrlPr>
+                                    <a:rPr lang="en-US" altLang="ko-KR" b="0" i="1" smtClean="0">
+                                      <a:latin typeface="Cambria Math" panose="02040503050406030204" pitchFamily="18" charset="0"/>
+                                      <a:cs typeface="Arial" panose="020B0604020202020204" pitchFamily="34" charset="0"/>
+                                    </a:rPr>
+                                  </m:ctrlPr>
+                                </m:dPr>
+                                <m:e>
+                                  <m:acc>
+                                    <m:accPr>
+                                      <m:chr m:val="̂"/>
+                                      <m:ctrlPr>
+                                        <a:rPr lang="en-US" altLang="ko-KR" b="0" i="1" smtClean="0">
+                                          <a:latin typeface="Cambria Math" panose="02040503050406030204" pitchFamily="18" charset="0"/>
+                                          <a:cs typeface="Arial" panose="020B0604020202020204" pitchFamily="34" charset="0"/>
+                                        </a:rPr>
+                                      </m:ctrlPr>
+                                    </m:accPr>
+                                    <m:e>
+                                      <m:r>
+                                        <a:rPr lang="en-US" altLang="ko-KR" b="0" i="1" smtClean="0">
+                                          <a:latin typeface="Cambria Math" panose="02040503050406030204" pitchFamily="18" charset="0"/>
+                                          <a:cs typeface="Arial" panose="020B0604020202020204" pitchFamily="34" charset="0"/>
+                                        </a:rPr>
+                                        <m:t>𝑦</m:t>
+                                      </m:r>
+                                    </m:e>
+                                  </m:acc>
+                                  <m:r>
+                                    <a:rPr lang="en-US" altLang="ko-KR" b="0" i="1" smtClean="0">
+                                      <a:latin typeface="Cambria Math" panose="02040503050406030204" pitchFamily="18" charset="0"/>
+                                      <a:cs typeface="Arial" panose="020B0604020202020204" pitchFamily="34" charset="0"/>
+                                    </a:rPr>
+                                    <m:t>−</m:t>
+                                  </m:r>
+                                  <m:r>
+                                    <a:rPr lang="en-US" altLang="ko-KR" b="0" i="1" smtClean="0">
+                                      <a:latin typeface="Cambria Math" panose="02040503050406030204" pitchFamily="18" charset="0"/>
+                                      <a:cs typeface="Arial" panose="020B0604020202020204" pitchFamily="34" charset="0"/>
+                                    </a:rPr>
+                                    <m:t>𝑦</m:t>
+                                  </m:r>
+                                </m:e>
+                              </m:d>
+                            </m:e>
+                            <m:sup>
+                              <m:r>
+                                <a:rPr lang="en-US" altLang="ko-KR" b="0" i="1" smtClean="0">
+                                  <a:latin typeface="Cambria Math" panose="02040503050406030204" pitchFamily="18" charset="0"/>
+                                  <a:cs typeface="Arial" panose="020B0604020202020204" pitchFamily="34" charset="0"/>
+                                </a:rPr>
+                                <m:t>2</m:t>
+                              </m:r>
+                            </m:sup>
+                          </m:sSup>
+                        </m:e>
+                      </m:d>
+                    </m:oMath>
+                  </m:oMathPara>
+                </a14:m>
+                <a:endParaRPr lang="en-US" altLang="ko-KR" dirty="0">
+                  <a:latin typeface="Arial" panose="020B0604020202020204" pitchFamily="34" charset="0"/>
+                  <a:cs typeface="Arial" panose="020B0604020202020204" pitchFamily="34" charset="0"/>
+                </a:endParaRPr>
+              </a:p>
+            </p:txBody>
+          </p:sp>
+        </mc:Choice>
+        <mc:Fallback>
+          <p:sp>
+            <p:nvSpPr>
+              <p:cNvPr id="25" name="직사각형 24"/>
+              <p:cNvSpPr>
+                <a:spLocks noRot="1" noChangeAspect="1" noMove="1" noResize="1" noEditPoints="1" noAdjustHandles="1" noChangeArrowheads="1" noChangeShapeType="1" noTextEdit="1"/>
+              </p:cNvSpPr>
+              <p:nvPr/>
+            </p:nvSpPr>
+            <p:spPr>
+              <a:xfrm>
+                <a:off x="401941" y="2559887"/>
+                <a:ext cx="2566546" cy="561308"/>
               </a:xfrm>
               <a:prstGeom prst="rect">
                 <a:avLst/>
@@ -32835,6 +33321,13 @@
   <p:clrMapOvr>
     <a:masterClrMapping/>
   </p:clrMapOvr>
+  <p:timing>
+    <p:tnLst>
+      <p:par>
+        <p:cTn id="1" dur="indefinite" restart="never" nodeType="tmRoot"/>
+      </p:par>
+    </p:tnLst>
+  </p:timing>
 </p:sld>
 </file>
 
@@ -32965,6 +33458,13 @@
   <p:clrMapOvr>
     <a:masterClrMapping/>
   </p:clrMapOvr>
+  <p:timing>
+    <p:tnLst>
+      <p:par>
+        <p:cTn id="1" dur="indefinite" restart="never" nodeType="tmRoot"/>
+      </p:par>
+    </p:tnLst>
+  </p:timing>
 </p:sld>
 </file>
 
@@ -35064,6 +35564,13 @@
   <p:clrMapOvr>
     <a:masterClrMapping/>
   </p:clrMapOvr>
+  <p:timing>
+    <p:tnLst>
+      <p:par>
+        <p:cTn id="1" dur="indefinite" restart="never" nodeType="tmRoot"/>
+      </p:par>
+    </p:tnLst>
+  </p:timing>
 </p:sld>
 </file>
 

--- a/개인/석사학위논문/Thesis_Presentation_v2.pptx
+++ b/개인/석사학위논문/Thesis_Presentation_v2.pptx
@@ -5,7 +5,7 @@
     <p:sldMasterId id="2147483660" r:id="rId1"/>
   </p:sldMasterIdLst>
   <p:notesMasterIdLst>
-    <p:notesMasterId r:id="rId39"/>
+    <p:notesMasterId r:id="rId40"/>
   </p:notesMasterIdLst>
   <p:sldIdLst>
     <p:sldId id="256" r:id="rId2"/>
@@ -44,7 +44,8 @@
     <p:sldId id="282" r:id="rId35"/>
     <p:sldId id="283" r:id="rId36"/>
     <p:sldId id="308" r:id="rId37"/>
-    <p:sldId id="269" r:id="rId38"/>
+    <p:sldId id="309" r:id="rId38"/>
+    <p:sldId id="269" r:id="rId39"/>
   </p:sldIdLst>
   <p:sldSz cx="9144000" cy="6858000" type="screen4x3"/>
   <p:notesSz cx="6858000" cy="9144000"/>
@@ -968,7 +969,7 @@
           <a:pPr latinLnBrk="1"/>
           <a:r>
             <a:rPr lang="en-US" altLang="ko-KR" b="1" dirty="0" smtClean="0"/>
-            <a:t>Additive Reinforcement Learning</a:t>
+            <a:t>Distributed Bragg Reflector</a:t>
           </a:r>
           <a:endParaRPr lang="ko-KR" altLang="en-US" b="1" dirty="0"/>
         </a:p>
@@ -1008,7 +1009,7 @@
           <a:pPr latinLnBrk="1"/>
           <a:r>
             <a:rPr lang="en-US" altLang="ko-KR" b="1" dirty="0" smtClean="0"/>
-            <a:t>Artificial Neural Network</a:t>
+            <a:t>1x2 Power Splitter</a:t>
           </a:r>
           <a:endParaRPr lang="ko-KR" altLang="en-US" b="1" dirty="0"/>
         </a:p>
@@ -1048,7 +1049,7 @@
           <a:pPr latinLnBrk="1"/>
           <a:r>
             <a:rPr lang="en-US" altLang="ko-KR" b="1" dirty="0" smtClean="0"/>
-            <a:t>Distributed Bragg Reflector</a:t>
+            <a:t>Additive Reinforcement Learning</a:t>
           </a:r>
           <a:endParaRPr lang="ko-KR" altLang="en-US" b="1" dirty="0"/>
         </a:p>
@@ -1088,7 +1089,7 @@
           <a:pPr latinLnBrk="1"/>
           <a:r>
             <a:rPr lang="en-US" altLang="ko-KR" b="1" dirty="0" smtClean="0"/>
-            <a:t>1x2 Power Splitter</a:t>
+            <a:t>Artificial Neural Network</a:t>
           </a:r>
           <a:endParaRPr lang="ko-KR" altLang="en-US" b="1" dirty="0"/>
         </a:p>
@@ -1591,7 +1592,7 @@
           </a:pPr>
           <a:r>
             <a:rPr lang="en-US" altLang="ko-KR" sz="2400" b="1" kern="1200" dirty="0" smtClean="0"/>
-            <a:t>Additive Reinforcement Learning</a:t>
+            <a:t>Distributed Bragg Reflector</a:t>
           </a:r>
           <a:endParaRPr lang="ko-KR" altLang="en-US" sz="2400" b="1" kern="1200" dirty="0"/>
         </a:p>
@@ -1718,7 +1719,7 @@
           </a:pPr>
           <a:r>
             <a:rPr lang="en-US" altLang="ko-KR" sz="2400" b="1" kern="1200" dirty="0" smtClean="0"/>
-            <a:t>Artificial Neural Network</a:t>
+            <a:t>1x2 Power Splitter</a:t>
           </a:r>
           <a:endParaRPr lang="ko-KR" altLang="en-US" sz="2400" b="1" kern="1200" dirty="0"/>
         </a:p>
@@ -1845,7 +1846,7 @@
           </a:pPr>
           <a:r>
             <a:rPr lang="en-US" altLang="ko-KR" sz="2400" b="1" kern="1200" dirty="0" smtClean="0"/>
-            <a:t>Distributed Bragg Reflector</a:t>
+            <a:t>Additive Reinforcement Learning</a:t>
           </a:r>
           <a:endParaRPr lang="ko-KR" altLang="en-US" sz="2400" b="1" kern="1200" dirty="0"/>
         </a:p>
@@ -1972,7 +1973,7 @@
           </a:pPr>
           <a:r>
             <a:rPr lang="en-US" altLang="ko-KR" sz="2400" b="1" kern="1200" dirty="0" smtClean="0"/>
-            <a:t>1x2 Power Splitter</a:t>
+            <a:t>Artificial Neural Network</a:t>
           </a:r>
           <a:endParaRPr lang="ko-KR" altLang="en-US" sz="2400" b="1" kern="1200" dirty="0"/>
         </a:p>
@@ -3441,7 +3442,7 @@
           <a:p>
             <a:fld id="{C19762FB-3275-4DDD-8145-24885120BD1B}" type="datetimeFigureOut">
               <a:rPr lang="ko-KR" altLang="en-US" smtClean="0"/>
-              <a:t>2019-11-11</a:t>
+              <a:t>2019-11-12</a:t>
             </a:fld>
             <a:endParaRPr lang="ko-KR" altLang="en-US"/>
           </a:p>
@@ -4804,7 +4805,7 @@
           <a:p>
             <a:fld id="{D5D80EBB-B890-43AE-9083-C96FE4A29910}" type="datetime1">
               <a:rPr lang="ko-KR" altLang="en-US" smtClean="0"/>
-              <a:t>2019-11-11</a:t>
+              <a:t>2019-11-12</a:t>
             </a:fld>
             <a:endParaRPr lang="ko-KR" altLang="en-US"/>
           </a:p>
@@ -4998,7 +4999,7 @@
           <a:p>
             <a:fld id="{154BE1C7-AA1F-4F3C-8E2B-C87B93FCCD4D}" type="datetime1">
               <a:rPr lang="ko-KR" altLang="en-US" smtClean="0"/>
-              <a:t>2019-11-11</a:t>
+              <a:t>2019-11-12</a:t>
             </a:fld>
             <a:endParaRPr lang="ko-KR" altLang="en-US"/>
           </a:p>
@@ -5202,7 +5203,7 @@
           <a:p>
             <a:fld id="{B5E04AD6-9B61-42B2-938C-66281B480C6A}" type="datetime1">
               <a:rPr lang="ko-KR" altLang="en-US" smtClean="0"/>
-              <a:t>2019-11-11</a:t>
+              <a:t>2019-11-12</a:t>
             </a:fld>
             <a:endParaRPr lang="ko-KR" altLang="en-US"/>
           </a:p>
@@ -5388,7 +5389,7 @@
           <a:p>
             <a:fld id="{CEDA20BB-A36C-44CB-A9A0-32BED543DE31}" type="datetimeFigureOut">
               <a:rPr lang="ko-KR" altLang="en-US" smtClean="0"/>
-              <a:t>2019-11-11</a:t>
+              <a:t>2019-11-12</a:t>
             </a:fld>
             <a:endParaRPr lang="ko-KR" altLang="en-US"/>
           </a:p>
@@ -5758,7 +5759,7 @@
           <a:p>
             <a:fld id="{218953AC-9849-456F-9E44-AECC60F5F9FC}" type="datetime1">
               <a:rPr lang="ko-KR" altLang="en-US" smtClean="0"/>
-              <a:t>2019-11-11</a:t>
+              <a:t>2019-11-12</a:t>
             </a:fld>
             <a:endParaRPr lang="ko-KR" altLang="en-US"/>
           </a:p>
@@ -6014,7 +6015,7 @@
           <a:p>
             <a:fld id="{8CCAAB59-4967-4F74-8A98-AEFD5F21617F}" type="datetime1">
               <a:rPr lang="ko-KR" altLang="en-US" smtClean="0"/>
-              <a:t>2019-11-11</a:t>
+              <a:t>2019-11-12</a:t>
             </a:fld>
             <a:endParaRPr lang="ko-KR" altLang="en-US"/>
           </a:p>
@@ -6405,7 +6406,7 @@
           <a:p>
             <a:fld id="{A3176D14-3ABC-4C75-AD2C-933C44F0B27E}" type="datetime1">
               <a:rPr lang="ko-KR" altLang="en-US" smtClean="0"/>
-              <a:t>2019-11-11</a:t>
+              <a:t>2019-11-12</a:t>
             </a:fld>
             <a:endParaRPr lang="ko-KR" altLang="en-US"/>
           </a:p>
@@ -6547,7 +6548,7 @@
           <a:p>
             <a:fld id="{21C282E5-3BC4-42EA-975E-4FBFF6C9C5B9}" type="datetime1">
               <a:rPr lang="ko-KR" altLang="en-US" smtClean="0"/>
-              <a:t>2019-11-11</a:t>
+              <a:t>2019-11-12</a:t>
             </a:fld>
             <a:endParaRPr lang="ko-KR" altLang="en-US"/>
           </a:p>
@@ -6666,7 +6667,7 @@
           <a:p>
             <a:fld id="{13ABF03C-3F6A-4FCA-9FFE-178AE350824F}" type="datetime1">
               <a:rPr lang="ko-KR" altLang="en-US" smtClean="0"/>
-              <a:t>2019-11-11</a:t>
+              <a:t>2019-11-12</a:t>
             </a:fld>
             <a:endParaRPr lang="ko-KR" altLang="en-US"/>
           </a:p>
@@ -6967,7 +6968,7 @@
           <a:p>
             <a:fld id="{B7D8EF2C-F87E-4B61-BE8F-F370400E961D}" type="datetime1">
               <a:rPr lang="ko-KR" altLang="en-US" smtClean="0"/>
-              <a:t>2019-11-11</a:t>
+              <a:t>2019-11-12</a:t>
             </a:fld>
             <a:endParaRPr lang="ko-KR" altLang="en-US"/>
           </a:p>
@@ -7248,7 +7249,7 @@
           <a:p>
             <a:fld id="{8F223CFE-2AAC-4812-9EB8-3FB62CB8BFB1}" type="datetime1">
               <a:rPr lang="ko-KR" altLang="en-US" smtClean="0"/>
-              <a:t>2019-11-11</a:t>
+              <a:t>2019-11-12</a:t>
             </a:fld>
             <a:endParaRPr lang="ko-KR" altLang="en-US"/>
           </a:p>
@@ -16130,7 +16131,7 @@
           <p:nvPr>
             <p:extLst>
               <p:ext uri="{D42A27DB-BD31-4B8C-83A1-F6EECF244321}">
-                <p14:modId xmlns:p14="http://schemas.microsoft.com/office/powerpoint/2010/main" val="1449545726"/>
+                <p14:modId xmlns:p14="http://schemas.microsoft.com/office/powerpoint/2010/main" val="3045069667"/>
               </p:ext>
             </p:extLst>
           </p:nvPr>
@@ -20437,6 +20438,57 @@
       </p:grpSpPr>
       <p:sp>
         <p:nvSpPr>
+          <p:cNvPr id="11" name="직사각형 10"/>
+          <p:cNvSpPr/>
+          <p:nvPr/>
+        </p:nvSpPr>
+        <p:spPr>
+          <a:xfrm>
+            <a:off x="612343" y="3300517"/>
+            <a:ext cx="7919315" cy="2648210"/>
+          </a:xfrm>
+          <a:prstGeom prst="rect">
+            <a:avLst/>
+          </a:prstGeom>
+          <a:solidFill>
+            <a:schemeClr val="accent4">
+              <a:lumMod val="40000"/>
+              <a:lumOff val="60000"/>
+            </a:schemeClr>
+          </a:solidFill>
+          <a:ln>
+            <a:solidFill>
+              <a:schemeClr val="tx1"/>
+            </a:solidFill>
+          </a:ln>
+        </p:spPr>
+        <p:style>
+          <a:lnRef idx="2">
+            <a:schemeClr val="accent1">
+              <a:shade val="50000"/>
+            </a:schemeClr>
+          </a:lnRef>
+          <a:fillRef idx="1">
+            <a:schemeClr val="accent1"/>
+          </a:fillRef>
+          <a:effectRef idx="0">
+            <a:schemeClr val="accent1"/>
+          </a:effectRef>
+          <a:fontRef idx="minor">
+            <a:schemeClr val="lt1"/>
+          </a:fontRef>
+        </p:style>
+        <p:txBody>
+          <a:bodyPr rtlCol="0" anchor="ctr"/>
+          <a:lstStyle/>
+          <a:p>
+            <a:pPr algn="ctr"/>
+            <a:endParaRPr lang="ko-KR" altLang="en-US"/>
+          </a:p>
+        </p:txBody>
+      </p:sp>
+      <p:sp>
+        <p:nvSpPr>
           <p:cNvPr id="3" name="슬라이드 번호 개체 틀 2"/>
           <p:cNvSpPr>
             <a:spLocks noGrp="1"/>
@@ -20600,8 +20652,8 @@
           </a:prstGeom>
         </p:spPr>
       </p:pic>
-      <mc:AlternateContent xmlns:mc="http://schemas.openxmlformats.org/markup-compatibility/2006" xmlns:a14="http://schemas.microsoft.com/office/drawing/2010/main">
-        <mc:Choice Requires="a14">
+      <mc:AlternateContent xmlns:mc="http://schemas.openxmlformats.org/markup-compatibility/2006">
+        <mc:Choice xmlns:a14="http://schemas.microsoft.com/office/drawing/2010/main" Requires="a14">
           <p:sp>
             <p:nvSpPr>
               <p:cNvPr id="39" name="직사각형 38"/>
@@ -20610,7 +20662,7 @@
             </p:nvSpPr>
             <p:spPr>
               <a:xfrm>
-                <a:off x="3863217" y="4822062"/>
+                <a:off x="2948817" y="4619397"/>
                 <a:ext cx="2727331" cy="959045"/>
               </a:xfrm>
               <a:prstGeom prst="rect">
@@ -20776,7 +20828,7 @@
             </p:txBody>
           </p:sp>
         </mc:Choice>
-        <mc:Fallback xmlns="">
+        <mc:Fallback>
           <p:sp>
             <p:nvSpPr>
               <p:cNvPr id="39" name="직사각형 38"/>
@@ -20787,7 +20839,7 @@
             </p:nvSpPr>
             <p:spPr>
               <a:xfrm>
-                <a:off x="3863217" y="4822062"/>
+                <a:off x="2948817" y="4619397"/>
                 <a:ext cx="2727331" cy="959045"/>
               </a:xfrm>
               <a:prstGeom prst="rect">
@@ -20815,8 +20867,8 @@
           </p:sp>
         </mc:Fallback>
       </mc:AlternateContent>
-      <mc:AlternateContent xmlns:mc="http://schemas.openxmlformats.org/markup-compatibility/2006" xmlns:a14="http://schemas.microsoft.com/office/drawing/2010/main">
-        <mc:Choice Requires="a14">
+      <mc:AlternateContent xmlns:mc="http://schemas.openxmlformats.org/markup-compatibility/2006">
+        <mc:Choice xmlns:a14="http://schemas.microsoft.com/office/drawing/2010/main" Requires="a14">
           <p:sp>
             <p:nvSpPr>
               <p:cNvPr id="8" name="직사각형 7"/>
@@ -20902,6 +20954,20 @@
                     </m:r>
                   </m:oMath>
                 </a14:m>
+                <a:r>
+                  <a:rPr lang="el-GR" altLang="ko-KR" dirty="0">
+                    <a:latin typeface="Arial" panose="020B0604020202020204" pitchFamily="34" charset="0"/>
+                    <a:cs typeface="Arial" panose="020B0604020202020204" pitchFamily="34" charset="0"/>
+                  </a:rPr>
+                  <a:t> μ</a:t>
+                </a:r>
+                <a:r>
+                  <a:rPr lang="en-US" altLang="ko-KR" dirty="0">
+                    <a:latin typeface="Arial" panose="020B0604020202020204" pitchFamily="34" charset="0"/>
+                    <a:cs typeface="Arial" panose="020B0604020202020204" pitchFamily="34" charset="0"/>
+                  </a:rPr>
+                  <a:t>m</a:t>
+                </a:r>
                 <a:endParaRPr lang="en-US" altLang="ko-KR" dirty="0">
                   <a:latin typeface="Arial" panose="020B0604020202020204" pitchFamily="34" charset="0"/>
                   <a:cs typeface="Arial" panose="020B0604020202020204" pitchFamily="34" charset="0"/>
@@ -20910,7 +20976,7 @@
             </p:txBody>
           </p:sp>
         </mc:Choice>
-        <mc:Fallback xmlns="">
+        <mc:Fallback>
           <p:sp>
             <p:nvSpPr>
               <p:cNvPr id="8" name="직사각형 7"/>
@@ -20957,8 +21023,8 @@
         </p:nvSpPr>
         <p:spPr>
           <a:xfrm>
-            <a:off x="526995" y="3607117"/>
-            <a:ext cx="5414925" cy="1338828"/>
+            <a:off x="702370" y="3418115"/>
+            <a:ext cx="6235895" cy="1338828"/>
           </a:xfrm>
           <a:prstGeom prst="rect">
             <a:avLst/>
@@ -20980,7 +21046,28 @@
                 <a:latin typeface="Arial" panose="020B0604020202020204" pitchFamily="34" charset="0"/>
                 <a:cs typeface="Arial" panose="020B0604020202020204" pitchFamily="34" charset="0"/>
               </a:rPr>
-              <a:t>Design wavelength: 300 um (1 THz)</a:t>
+              <a:t>Design wavelength: 300 </a:t>
+            </a:r>
+            <a:r>
+              <a:rPr lang="el-GR" altLang="ko-KR" dirty="0" smtClean="0">
+                <a:latin typeface="Arial" panose="020B0604020202020204" pitchFamily="34" charset="0"/>
+                <a:cs typeface="Arial" panose="020B0604020202020204" pitchFamily="34" charset="0"/>
+              </a:rPr>
+              <a:t>μ</a:t>
+            </a:r>
+            <a:r>
+              <a:rPr lang="en-US" altLang="ko-KR" dirty="0" smtClean="0">
+                <a:latin typeface="Arial" panose="020B0604020202020204" pitchFamily="34" charset="0"/>
+                <a:cs typeface="Arial" panose="020B0604020202020204" pitchFamily="34" charset="0"/>
+              </a:rPr>
+              <a:t>m </a:t>
+            </a:r>
+            <a:r>
+              <a:rPr lang="en-US" altLang="ko-KR" dirty="0" smtClean="0">
+                <a:latin typeface="Arial" panose="020B0604020202020204" pitchFamily="34" charset="0"/>
+                <a:cs typeface="Arial" panose="020B0604020202020204" pitchFamily="34" charset="0"/>
+              </a:rPr>
+              <a:t>(1 THz)</a:t>
             </a:r>
           </a:p>
           <a:p>
@@ -20994,7 +21081,28 @@
                 <a:latin typeface="Arial" panose="020B0604020202020204" pitchFamily="34" charset="0"/>
                 <a:cs typeface="Arial" panose="020B0604020202020204" pitchFamily="34" charset="0"/>
               </a:rPr>
-              <a:t>Wavelength: 150 – 3000 um (5 um step, 570 points)</a:t>
+              <a:t>Wavelength: 150 – 3000 </a:t>
+            </a:r>
+            <a:r>
+              <a:rPr lang="el-GR" altLang="ko-KR" dirty="0">
+                <a:latin typeface="Arial" panose="020B0604020202020204" pitchFamily="34" charset="0"/>
+                <a:cs typeface="Arial" panose="020B0604020202020204" pitchFamily="34" charset="0"/>
+              </a:rPr>
+              <a:t>μ</a:t>
+            </a:r>
+            <a:r>
+              <a:rPr lang="en-US" altLang="ko-KR" b="0" dirty="0" smtClean="0">
+                <a:latin typeface="Arial" panose="020B0604020202020204" pitchFamily="34" charset="0"/>
+                <a:cs typeface="Arial" panose="020B0604020202020204" pitchFamily="34" charset="0"/>
+              </a:rPr>
+              <a:t>m </a:t>
+            </a:r>
+            <a:r>
+              <a:rPr lang="en-US" altLang="ko-KR" b="0" dirty="0" smtClean="0">
+                <a:latin typeface="Arial" panose="020B0604020202020204" pitchFamily="34" charset="0"/>
+                <a:cs typeface="Arial" panose="020B0604020202020204" pitchFamily="34" charset="0"/>
+              </a:rPr>
+              <a:t>(5 um step, 570 points)</a:t>
             </a:r>
           </a:p>
           <a:p>
@@ -21091,6 +21199,57 @@
           <a:chExt cx="0" cy="0"/>
         </a:xfrm>
       </p:grpSpPr>
+      <p:sp>
+        <p:nvSpPr>
+          <p:cNvPr id="9" name="직사각형 8"/>
+          <p:cNvSpPr/>
+          <p:nvPr/>
+        </p:nvSpPr>
+        <p:spPr>
+          <a:xfrm>
+            <a:off x="612000" y="3995476"/>
+            <a:ext cx="7920000" cy="2027497"/>
+          </a:xfrm>
+          <a:prstGeom prst="rect">
+            <a:avLst/>
+          </a:prstGeom>
+          <a:solidFill>
+            <a:schemeClr val="accent4">
+              <a:lumMod val="40000"/>
+              <a:lumOff val="60000"/>
+            </a:schemeClr>
+          </a:solidFill>
+          <a:ln>
+            <a:solidFill>
+              <a:schemeClr val="tx1"/>
+            </a:solidFill>
+          </a:ln>
+        </p:spPr>
+        <p:style>
+          <a:lnRef idx="2">
+            <a:schemeClr val="accent1">
+              <a:shade val="50000"/>
+            </a:schemeClr>
+          </a:lnRef>
+          <a:fillRef idx="1">
+            <a:schemeClr val="accent1"/>
+          </a:fillRef>
+          <a:effectRef idx="0">
+            <a:schemeClr val="accent1"/>
+          </a:effectRef>
+          <a:fontRef idx="minor">
+            <a:schemeClr val="lt1"/>
+          </a:fontRef>
+        </p:style>
+        <p:txBody>
+          <a:bodyPr rtlCol="0" anchor="ctr"/>
+          <a:lstStyle/>
+          <a:p>
+            <a:pPr algn="ctr"/>
+            <a:endParaRPr lang="ko-KR" altLang="en-US"/>
+          </a:p>
+        </p:txBody>
+      </p:sp>
       <p:sp>
         <p:nvSpPr>
           <p:cNvPr id="3" name="슬라이드 번호 개체 틀 2"/>
@@ -21253,7 +21412,7 @@
         </p:nvSpPr>
         <p:spPr>
           <a:xfrm>
-            <a:off x="285925" y="4085895"/>
+            <a:off x="701055" y="4131104"/>
             <a:ext cx="5483279" cy="923330"/>
           </a:xfrm>
           <a:prstGeom prst="rect">
@@ -21276,7 +21435,63 @@
                 <a:latin typeface="Arial" panose="020B0604020202020204" pitchFamily="34" charset="0"/>
                 <a:cs typeface="Arial" panose="020B0604020202020204" pitchFamily="34" charset="0"/>
               </a:rPr>
-              <a:t>Design Band: 275 – 325 um (2 um step, 26 points)</a:t>
+              <a:t>Design Band: 275 – 325 </a:t>
+            </a:r>
+            <a:r>
+              <a:rPr lang="el-GR" altLang="ko-KR" dirty="0">
+                <a:latin typeface="Arial" panose="020B0604020202020204" pitchFamily="34" charset="0"/>
+                <a:cs typeface="Arial" panose="020B0604020202020204" pitchFamily="34" charset="0"/>
+              </a:rPr>
+              <a:t>μ</a:t>
+            </a:r>
+            <a:r>
+              <a:rPr lang="en-US" altLang="ko-KR" dirty="0">
+                <a:latin typeface="Arial" panose="020B0604020202020204" pitchFamily="34" charset="0"/>
+                <a:cs typeface="Arial" panose="020B0604020202020204" pitchFamily="34" charset="0"/>
+              </a:rPr>
+              <a:t>m</a:t>
+            </a:r>
+            <a:r>
+              <a:rPr lang="en-US" altLang="ko-KR" dirty="0" smtClean="0">
+                <a:latin typeface="Arial" panose="020B0604020202020204" pitchFamily="34" charset="0"/>
+                <a:cs typeface="Arial" panose="020B0604020202020204" pitchFamily="34" charset="0"/>
+              </a:rPr>
+              <a:t> </a:t>
+            </a:r>
+            <a:r>
+              <a:rPr lang="en-US" altLang="ko-KR" dirty="0" smtClean="0">
+                <a:latin typeface="Arial" panose="020B0604020202020204" pitchFamily="34" charset="0"/>
+                <a:cs typeface="Arial" panose="020B0604020202020204" pitchFamily="34" charset="0"/>
+              </a:rPr>
+              <a:t>(2 </a:t>
+            </a:r>
+            <a:r>
+              <a:rPr lang="el-GR" altLang="ko-KR" dirty="0">
+                <a:latin typeface="Arial" panose="020B0604020202020204" pitchFamily="34" charset="0"/>
+                <a:cs typeface="Arial" panose="020B0604020202020204" pitchFamily="34" charset="0"/>
+              </a:rPr>
+              <a:t>μ</a:t>
+            </a:r>
+            <a:r>
+              <a:rPr lang="en-US" altLang="ko-KR" dirty="0">
+                <a:latin typeface="Arial" panose="020B0604020202020204" pitchFamily="34" charset="0"/>
+                <a:cs typeface="Arial" panose="020B0604020202020204" pitchFamily="34" charset="0"/>
+              </a:rPr>
+              <a:t>m</a:t>
+            </a:r>
+            <a:r>
+              <a:rPr lang="en-US" altLang="ko-KR" dirty="0" smtClean="0">
+                <a:latin typeface="Arial" panose="020B0604020202020204" pitchFamily="34" charset="0"/>
+                <a:cs typeface="Arial" panose="020B0604020202020204" pitchFamily="34" charset="0"/>
+              </a:rPr>
+              <a:t> </a:t>
+            </a:r>
+            <a:r>
+              <a:rPr lang="en-US" altLang="ko-KR" dirty="0" smtClean="0">
+                <a:latin typeface="Arial" panose="020B0604020202020204" pitchFamily="34" charset="0"/>
+                <a:cs typeface="Arial" panose="020B0604020202020204" pitchFamily="34" charset="0"/>
+              </a:rPr>
+              <a:t>step, 26 points)</a:t>
             </a:r>
           </a:p>
           <a:p>
@@ -24196,8 +24411,8 @@
             </p:txBody>
           </p:sp>
         </p:grpSp>
-        <mc:AlternateContent xmlns:mc="http://schemas.openxmlformats.org/markup-compatibility/2006">
-          <mc:Choice xmlns:a14="http://schemas.microsoft.com/office/drawing/2010/main" Requires="a14">
+        <mc:AlternateContent xmlns:mc="http://schemas.openxmlformats.org/markup-compatibility/2006" xmlns:a14="http://schemas.microsoft.com/office/drawing/2010/main">
+          <mc:Choice Requires="a14">
             <p:sp>
               <p:nvSpPr>
                 <p:cNvPr id="53" name="TextBox 52"/>
@@ -24245,7 +24460,7 @@
               </p:txBody>
             </p:sp>
           </mc:Choice>
-          <mc:Fallback>
+          <mc:Fallback xmlns="">
             <p:sp>
               <p:nvSpPr>
                 <p:cNvPr id="53" name="TextBox 52"/>
@@ -25818,8 +26033,8 @@
           </a:p>
         </p:txBody>
       </p:sp>
-      <mc:AlternateContent xmlns:mc="http://schemas.openxmlformats.org/markup-compatibility/2006">
-        <mc:Choice xmlns:a14="http://schemas.microsoft.com/office/drawing/2010/main" Requires="a14">
+      <mc:AlternateContent xmlns:mc="http://schemas.openxmlformats.org/markup-compatibility/2006" xmlns:a14="http://schemas.microsoft.com/office/drawing/2010/main">
+        <mc:Choice Requires="a14">
           <p:sp>
             <p:nvSpPr>
               <p:cNvPr id="102" name="TextBox 101"/>
@@ -25828,8 +26043,8 @@
             </p:nvSpPr>
             <p:spPr>
               <a:xfrm>
-                <a:off x="3127182" y="3326582"/>
-                <a:ext cx="2888868" cy="672172"/>
+                <a:off x="2134378" y="3326582"/>
+                <a:ext cx="4875245" cy="672172"/>
               </a:xfrm>
               <a:prstGeom prst="rect">
                 <a:avLst/>
@@ -25857,6 +26072,194 @@
                       </m:r>
                       <m:r>
                         <a:rPr lang="en-US" altLang="ko-KR" sz="1600" i="1">
+                          <a:latin typeface="Cambria Math" panose="02040503050406030204" pitchFamily="18" charset="0"/>
+                        </a:rPr>
+                        <m:t>=</m:t>
+                      </m:r>
+                      <m:f>
+                        <m:fPr>
+                          <m:ctrlPr>
+                            <a:rPr lang="en-US" altLang="ko-KR" sz="1600" i="1">
+                              <a:latin typeface="Cambria Math" panose="02040503050406030204" pitchFamily="18" charset="0"/>
+                            </a:rPr>
+                          </m:ctrlPr>
+                        </m:fPr>
+                        <m:num>
+                          <m:r>
+                            <a:rPr lang="en-US" altLang="ko-KR" sz="1600" i="1">
+                              <a:latin typeface="Cambria Math" panose="02040503050406030204" pitchFamily="18" charset="0"/>
+                            </a:rPr>
+                            <m:t>1</m:t>
+                          </m:r>
+                        </m:num>
+                        <m:den>
+                          <m:r>
+                            <a:rPr lang="en-US" altLang="ko-KR" sz="1600" i="1">
+                              <a:latin typeface="Cambria Math" panose="02040503050406030204" pitchFamily="18" charset="0"/>
+                            </a:rPr>
+                            <m:t>𝑚</m:t>
+                          </m:r>
+                        </m:den>
+                      </m:f>
+                      <m:nary>
+                        <m:naryPr>
+                          <m:chr m:val="∑"/>
+                          <m:ctrlPr>
+                            <a:rPr lang="en-US" altLang="ko-KR" sz="1600" i="1">
+                              <a:latin typeface="Cambria Math" panose="02040503050406030204" pitchFamily="18" charset="0"/>
+                            </a:rPr>
+                          </m:ctrlPr>
+                        </m:naryPr>
+                        <m:sub>
+                          <m:r>
+                            <m:rPr>
+                              <m:brk m:alnAt="23"/>
+                            </m:rPr>
+                            <a:rPr lang="en-US" altLang="ko-KR" sz="1600" i="1">
+                              <a:latin typeface="Cambria Math" panose="02040503050406030204" pitchFamily="18" charset="0"/>
+                            </a:rPr>
+                            <m:t>𝑖</m:t>
+                          </m:r>
+                          <m:r>
+                            <a:rPr lang="en-US" altLang="ko-KR" sz="1600" i="1">
+                              <a:latin typeface="Cambria Math" panose="02040503050406030204" pitchFamily="18" charset="0"/>
+                            </a:rPr>
+                            <m:t>=1</m:t>
+                          </m:r>
+                        </m:sub>
+                        <m:sup>
+                          <m:r>
+                            <a:rPr lang="en-US" altLang="ko-KR" sz="1600" i="1">
+                              <a:latin typeface="Cambria Math" panose="02040503050406030204" pitchFamily="18" charset="0"/>
+                            </a:rPr>
+                            <m:t>𝑚</m:t>
+                          </m:r>
+                        </m:sup>
+                        <m:e>
+                          <m:sSup>
+                            <m:sSupPr>
+                              <m:ctrlPr>
+                                <a:rPr lang="en-US" altLang="ko-KR" sz="1600" i="1">
+                                  <a:latin typeface="Cambria Math" panose="02040503050406030204" pitchFamily="18" charset="0"/>
+                                </a:rPr>
+                              </m:ctrlPr>
+                            </m:sSupPr>
+                            <m:e>
+                              <m:d>
+                                <m:dPr>
+                                  <m:ctrlPr>
+                                    <a:rPr lang="en-US" altLang="ko-KR" sz="1600" i="1">
+                                      <a:latin typeface="Cambria Math" panose="02040503050406030204" pitchFamily="18" charset="0"/>
+                                    </a:rPr>
+                                  </m:ctrlPr>
+                                </m:dPr>
+                                <m:e>
+                                  <m:sSup>
+                                    <m:sSupPr>
+                                      <m:ctrlPr>
+                                        <a:rPr lang="en-US" altLang="ko-KR" sz="1600" b="0" i="1" smtClean="0">
+                                          <a:latin typeface="Cambria Math" panose="02040503050406030204" pitchFamily="18" charset="0"/>
+                                        </a:rPr>
+                                      </m:ctrlPr>
+                                    </m:sSupPr>
+                                    <m:e>
+                                      <m:acc>
+                                        <m:accPr>
+                                          <m:chr m:val="̂"/>
+                                          <m:ctrlPr>
+                                            <a:rPr lang="en-US" altLang="ko-KR" sz="1600" b="0" i="1" smtClean="0">
+                                              <a:latin typeface="Cambria Math" panose="02040503050406030204" pitchFamily="18" charset="0"/>
+                                            </a:rPr>
+                                          </m:ctrlPr>
+                                        </m:accPr>
+                                        <m:e>
+                                          <m:r>
+                                            <a:rPr lang="en-US" altLang="ko-KR" sz="1600" b="0" i="1" smtClean="0">
+                                              <a:latin typeface="Cambria Math" panose="02040503050406030204" pitchFamily="18" charset="0"/>
+                                            </a:rPr>
+                                            <m:t>𝑦</m:t>
+                                          </m:r>
+                                        </m:e>
+                                      </m:acc>
+                                    </m:e>
+                                    <m:sup>
+                                      <m:d>
+                                        <m:dPr>
+                                          <m:ctrlPr>
+                                            <a:rPr lang="en-US" altLang="ko-KR" sz="1600" b="0" i="1" smtClean="0">
+                                              <a:latin typeface="Cambria Math" panose="02040503050406030204" pitchFamily="18" charset="0"/>
+                                            </a:rPr>
+                                          </m:ctrlPr>
+                                        </m:dPr>
+                                        <m:e>
+                                          <m:r>
+                                            <a:rPr lang="en-US" altLang="ko-KR" sz="1600" b="0" i="1" smtClean="0">
+                                              <a:latin typeface="Cambria Math" panose="02040503050406030204" pitchFamily="18" charset="0"/>
+                                            </a:rPr>
+                                            <m:t>𝑖</m:t>
+                                          </m:r>
+                                        </m:e>
+                                      </m:d>
+                                    </m:sup>
+                                  </m:sSup>
+                                  <m:r>
+                                    <a:rPr lang="en-US" altLang="ko-KR" sz="1600" i="1">
+                                      <a:latin typeface="Cambria Math" panose="02040503050406030204" pitchFamily="18" charset="0"/>
+                                    </a:rPr>
+                                    <m:t>−</m:t>
+                                  </m:r>
+                                  <m:sSup>
+                                    <m:sSupPr>
+                                      <m:ctrlPr>
+                                        <a:rPr lang="en-US" altLang="ko-KR" sz="1600" i="1">
+                                          <a:latin typeface="Cambria Math" panose="02040503050406030204" pitchFamily="18" charset="0"/>
+                                        </a:rPr>
+                                      </m:ctrlPr>
+                                    </m:sSupPr>
+                                    <m:e>
+                                      <m:r>
+                                        <a:rPr lang="en-US" altLang="ko-KR" sz="1600" i="1">
+                                          <a:latin typeface="Cambria Math" panose="02040503050406030204" pitchFamily="18" charset="0"/>
+                                        </a:rPr>
+                                        <m:t>𝑦</m:t>
+                                      </m:r>
+                                    </m:e>
+                                    <m:sup>
+                                      <m:d>
+                                        <m:dPr>
+                                          <m:ctrlPr>
+                                            <a:rPr lang="en-US" altLang="ko-KR" sz="1600" i="1">
+                                              <a:latin typeface="Cambria Math" panose="02040503050406030204" pitchFamily="18" charset="0"/>
+                                            </a:rPr>
+                                          </m:ctrlPr>
+                                        </m:dPr>
+                                        <m:e>
+                                          <m:r>
+                                            <a:rPr lang="en-US" altLang="ko-KR" sz="1600" i="1">
+                                              <a:latin typeface="Cambria Math" panose="02040503050406030204" pitchFamily="18" charset="0"/>
+                                            </a:rPr>
+                                            <m:t>𝑖</m:t>
+                                          </m:r>
+                                        </m:e>
+                                      </m:d>
+                                    </m:sup>
+                                  </m:sSup>
+                                </m:e>
+                              </m:d>
+                            </m:e>
+                            <m:sup>
+                              <m:r>
+                                <a:rPr lang="en-US" altLang="ko-KR" sz="1600" i="1">
+                                  <a:latin typeface="Cambria Math" panose="02040503050406030204" pitchFamily="18" charset="0"/>
+                                </a:rPr>
+                                <m:t>2</m:t>
+                              </m:r>
+                            </m:sup>
+                          </m:sSup>
+                        </m:e>
+                      </m:nary>
+                      <m:r>
+                        <a:rPr lang="en-US" altLang="ko-KR" sz="1600" b="0" i="1" smtClean="0">
                           <a:latin typeface="Cambria Math" panose="02040503050406030204" pitchFamily="18" charset="0"/>
                         </a:rPr>
                         <m:t>=</m:t>
@@ -26060,7 +26463,7 @@
             </p:txBody>
           </p:sp>
         </mc:Choice>
-        <mc:Fallback>
+        <mc:Fallback xmlns="">
           <p:sp>
             <p:nvSpPr>
               <p:cNvPr id="102" name="TextBox 101"/>
@@ -26071,8 +26474,8 @@
             </p:nvSpPr>
             <p:spPr>
               <a:xfrm>
-                <a:off x="3127182" y="3326582"/>
-                <a:ext cx="2888868" cy="672172"/>
+                <a:off x="2134378" y="3326582"/>
+                <a:ext cx="4875245" cy="672172"/>
               </a:xfrm>
               <a:prstGeom prst="rect">
                 <a:avLst/>
@@ -26203,8 +26606,8 @@
           </a:p>
         </p:txBody>
       </p:sp>
-      <mc:AlternateContent xmlns:mc="http://schemas.openxmlformats.org/markup-compatibility/2006">
-        <mc:Choice xmlns:a14="http://schemas.microsoft.com/office/drawing/2010/main" Requires="a14">
+      <mc:AlternateContent xmlns:mc="http://schemas.openxmlformats.org/markup-compatibility/2006" xmlns:a14="http://schemas.microsoft.com/office/drawing/2010/main">
+        <mc:Choice Requires="a14">
           <p:sp>
             <p:nvSpPr>
               <p:cNvPr id="3" name="TextBox 2"/>
@@ -26227,6 +26630,7 @@
               </a:bodyPr>
               <a:lstStyle/>
               <a:p>
+                <a:pPr/>
                 <a14:m>
                   <m:oMathPara xmlns:m="http://schemas.openxmlformats.org/officeDocument/2006/math">
                     <m:oMathParaPr>
@@ -26319,7 +26723,7 @@
             </p:txBody>
           </p:sp>
         </mc:Choice>
-        <mc:Fallback>
+        <mc:Fallback xmlns="">
           <p:sp>
             <p:nvSpPr>
               <p:cNvPr id="3" name="TextBox 2"/>
@@ -30628,8 +31032,8 @@
           </a:fontRef>
         </p:style>
       </p:cxnSp>
-      <mc:AlternateContent xmlns:mc="http://schemas.openxmlformats.org/markup-compatibility/2006">
-        <mc:Choice xmlns:a14="http://schemas.microsoft.com/office/drawing/2010/main" Requires="a14">
+      <mc:AlternateContent xmlns:mc="http://schemas.openxmlformats.org/markup-compatibility/2006" xmlns:a14="http://schemas.microsoft.com/office/drawing/2010/main">
+        <mc:Choice Requires="a14">
           <p:sp>
             <p:nvSpPr>
               <p:cNvPr id="40" name="TextBox 39"/>
@@ -30677,7 +31081,7 @@
             </p:txBody>
           </p:sp>
         </mc:Choice>
-        <mc:Fallback>
+        <mc:Fallback xmlns="">
           <p:sp>
             <p:nvSpPr>
               <p:cNvPr id="40" name="TextBox 39"/>
@@ -32862,8 +33266,8 @@
           </a:prstGeom>
         </p:spPr>
       </p:pic>
-      <mc:AlternateContent xmlns:mc="http://schemas.openxmlformats.org/markup-compatibility/2006">
-        <mc:Choice xmlns:a14="http://schemas.microsoft.com/office/drawing/2010/main" Requires="a14">
+      <mc:AlternateContent xmlns:mc="http://schemas.openxmlformats.org/markup-compatibility/2006" xmlns:a14="http://schemas.microsoft.com/office/drawing/2010/main">
+        <mc:Choice Requires="a14">
           <p:sp>
             <p:nvSpPr>
               <p:cNvPr id="20" name="직사각형 19"/>
@@ -32901,14 +33305,7 @@
                           <a:latin typeface="Cambria Math" panose="02040503050406030204" pitchFamily="18" charset="0"/>
                           <a:cs typeface="Arial" panose="020B0604020202020204" pitchFamily="34" charset="0"/>
                         </a:rPr>
-                        <m:t>𝐶</m:t>
-                      </m:r>
-                      <m:r>
-                        <a:rPr lang="en-US" altLang="ko-KR" b="0" i="1" smtClean="0">
-                          <a:latin typeface="Cambria Math" panose="02040503050406030204" pitchFamily="18" charset="0"/>
-                          <a:cs typeface="Arial" panose="020B0604020202020204" pitchFamily="34" charset="0"/>
-                        </a:rPr>
-                        <m:t>𝑜𝑠𝑡</m:t>
+                        <m:t>𝐶𝑜𝑠𝑡</m:t>
                       </m:r>
                       <m:r>
                         <a:rPr lang="en-US" altLang="ko-KR" b="0" i="1" smtClean="0">
@@ -33061,7 +33458,7 @@
             </p:txBody>
           </p:sp>
         </mc:Choice>
-        <mc:Fallback>
+        <mc:Fallback xmlns="">
           <p:sp>
             <p:nvSpPr>
               <p:cNvPr id="20" name="직사각형 19"/>
@@ -33124,8 +33521,8 @@
           </a:prstGeom>
         </p:spPr>
       </p:pic>
-      <mc:AlternateContent xmlns:mc="http://schemas.openxmlformats.org/markup-compatibility/2006">
-        <mc:Choice xmlns:a14="http://schemas.microsoft.com/office/drawing/2010/main" Requires="a14">
+      <mc:AlternateContent xmlns:mc="http://schemas.openxmlformats.org/markup-compatibility/2006" xmlns:a14="http://schemas.microsoft.com/office/drawing/2010/main">
+        <mc:Choice Requires="a14">
           <p:sp>
             <p:nvSpPr>
               <p:cNvPr id="25" name="직사각형 24"/>
@@ -33135,7 +33532,7 @@
             <p:spPr>
               <a:xfrm>
                 <a:off x="401941" y="2559887"/>
-                <a:ext cx="2566546" cy="561308"/>
+                <a:ext cx="2566546" cy="507831"/>
               </a:xfrm>
               <a:prstGeom prst="rect">
                 <a:avLst/>
@@ -33184,8 +33581,10 @@
                       </m:r>
                       <m:d>
                         <m:dPr>
+                          <m:begChr m:val="{"/>
+                          <m:endChr m:val="}"/>
                           <m:ctrlPr>
-                            <a:rPr lang="en-US" altLang="ko-KR" i="1">
+                            <a:rPr lang="en-US" altLang="ko-KR" b="0" i="1" smtClean="0">
                               <a:latin typeface="Cambria Math" panose="02040503050406030204" pitchFamily="18" charset="0"/>
                               <a:cs typeface="Arial" panose="020B0604020202020204" pitchFamily="34" charset="0"/>
                             </a:rPr>
@@ -33195,7 +33594,7 @@
                           <m:sSup>
                             <m:sSupPr>
                               <m:ctrlPr>
-                                <a:rPr lang="en-US" altLang="ko-KR" b="0" i="1" smtClean="0">
+                                <a:rPr lang="en-US" altLang="ko-KR" i="1">
                                   <a:latin typeface="Cambria Math" panose="02040503050406030204" pitchFamily="18" charset="0"/>
                                   <a:cs typeface="Arial" panose="020B0604020202020204" pitchFamily="34" charset="0"/>
                                 </a:rPr>
@@ -33205,7 +33604,7 @@
                               <m:d>
                                 <m:dPr>
                                   <m:ctrlPr>
-                                    <a:rPr lang="en-US" altLang="ko-KR" b="0" i="1" smtClean="0">
+                                    <a:rPr lang="en-US" altLang="ko-KR" i="1">
                                       <a:latin typeface="Cambria Math" panose="02040503050406030204" pitchFamily="18" charset="0"/>
                                       <a:cs typeface="Arial" panose="020B0604020202020204" pitchFamily="34" charset="0"/>
                                     </a:rPr>
@@ -33216,7 +33615,7 @@
                                     <m:accPr>
                                       <m:chr m:val="̂"/>
                                       <m:ctrlPr>
-                                        <a:rPr lang="en-US" altLang="ko-KR" b="0" i="1" smtClean="0">
+                                        <a:rPr lang="en-US" altLang="ko-KR" i="1">
                                           <a:latin typeface="Cambria Math" panose="02040503050406030204" pitchFamily="18" charset="0"/>
                                           <a:cs typeface="Arial" panose="020B0604020202020204" pitchFamily="34" charset="0"/>
                                         </a:rPr>
@@ -33224,7 +33623,7 @@
                                     </m:accPr>
                                     <m:e>
                                       <m:r>
-                                        <a:rPr lang="en-US" altLang="ko-KR" b="0" i="1" smtClean="0">
+                                        <a:rPr lang="en-US" altLang="ko-KR" i="1">
                                           <a:latin typeface="Cambria Math" panose="02040503050406030204" pitchFamily="18" charset="0"/>
                                           <a:cs typeface="Arial" panose="020B0604020202020204" pitchFamily="34" charset="0"/>
                                         </a:rPr>
@@ -33233,14 +33632,14 @@
                                     </m:e>
                                   </m:acc>
                                   <m:r>
-                                    <a:rPr lang="en-US" altLang="ko-KR" b="0" i="1" smtClean="0">
+                                    <a:rPr lang="en-US" altLang="ko-KR" i="1">
                                       <a:latin typeface="Cambria Math" panose="02040503050406030204" pitchFamily="18" charset="0"/>
                                       <a:cs typeface="Arial" panose="020B0604020202020204" pitchFamily="34" charset="0"/>
                                     </a:rPr>
                                     <m:t>−</m:t>
                                   </m:r>
                                   <m:r>
-                                    <a:rPr lang="en-US" altLang="ko-KR" b="0" i="1" smtClean="0">
+                                    <a:rPr lang="en-US" altLang="ko-KR" i="1">
                                       <a:latin typeface="Cambria Math" panose="02040503050406030204" pitchFamily="18" charset="0"/>
                                       <a:cs typeface="Arial" panose="020B0604020202020204" pitchFamily="34" charset="0"/>
                                     </a:rPr>
@@ -33251,7 +33650,7 @@
                             </m:e>
                             <m:sup>
                               <m:r>
-                                <a:rPr lang="en-US" altLang="ko-KR" b="0" i="1" smtClean="0">
+                                <a:rPr lang="en-US" altLang="ko-KR" i="1">
                                   <a:latin typeface="Cambria Math" panose="02040503050406030204" pitchFamily="18" charset="0"/>
                                   <a:cs typeface="Arial" panose="020B0604020202020204" pitchFamily="34" charset="0"/>
                                 </a:rPr>
@@ -33272,7 +33671,7 @@
             </p:txBody>
           </p:sp>
         </mc:Choice>
-        <mc:Fallback>
+        <mc:Fallback xmlns="">
           <p:sp>
             <p:nvSpPr>
               <p:cNvPr id="25" name="직사각형 24"/>
@@ -33284,7 +33683,7 @@
             <p:spPr>
               <a:xfrm>
                 <a:off x="401941" y="2559887"/>
-                <a:ext cx="2566546" cy="561308"/>
+                <a:ext cx="2566546" cy="507831"/>
               </a:xfrm>
               <a:prstGeom prst="rect">
                 <a:avLst/>
@@ -33367,6 +33766,585 @@
               <a:rPr lang="ko-KR" altLang="en-US" smtClean="0"/>
               <a:pPr/>
               <a:t>37</a:t>
+            </a:fld>
+            <a:endParaRPr lang="ko-KR" altLang="en-US"/>
+          </a:p>
+        </p:txBody>
+      </p:sp>
+      <p:sp>
+        <p:nvSpPr>
+          <p:cNvPr id="4" name="Rectangle 12"/>
+          <p:cNvSpPr txBox="1">
+            <a:spLocks noChangeArrowheads="1"/>
+          </p:cNvSpPr>
+          <p:nvPr/>
+        </p:nvSpPr>
+        <p:spPr bwMode="auto">
+          <a:xfrm>
+            <a:off x="0" y="-24"/>
+            <a:ext cx="9144000" cy="720000"/>
+          </a:xfrm>
+          <a:prstGeom prst="rect">
+            <a:avLst/>
+          </a:prstGeom>
+          <a:solidFill>
+            <a:srgbClr val="0000FF"/>
+          </a:solidFill>
+          <a:ln>
+            <a:miter lim="800000"/>
+            <a:headEnd/>
+            <a:tailEnd/>
+          </a:ln>
+        </p:spPr>
+        <p:txBody>
+          <a:bodyPr vert="horz" lIns="91440" tIns="45720" rIns="91440" bIns="45720" rtlCol="0" anchor="ctr">
+            <a:normAutofit/>
+          </a:bodyPr>
+          <a:lstStyle/>
+          <a:p>
+            <a:pPr lvl="0" algn="ctr">
+              <a:spcBef>
+                <a:spcPct val="0"/>
+              </a:spcBef>
+              <a:defRPr/>
+            </a:pPr>
+            <a:r>
+              <a:rPr lang="en-US" altLang="ko-KR" sz="3200" b="1" dirty="0">
+                <a:solidFill>
+                  <a:schemeClr val="bg1"/>
+                </a:solidFill>
+                <a:latin typeface="Arial" pitchFamily="34" charset="0"/>
+                <a:cs typeface="Arial" pitchFamily="34" charset="0"/>
+              </a:rPr>
+              <a:t>Design Platform </a:t>
+            </a:r>
+            <a:r>
+              <a:rPr lang="en-US" altLang="ko-KR" sz="3200" b="1" dirty="0" smtClean="0">
+                <a:solidFill>
+                  <a:schemeClr val="bg1"/>
+                </a:solidFill>
+                <a:latin typeface="Arial" pitchFamily="34" charset="0"/>
+                <a:cs typeface="Arial" pitchFamily="34" charset="0"/>
+              </a:rPr>
+              <a:t>- Algorithm</a:t>
+            </a:r>
+            <a:endParaRPr lang="en-US" altLang="ko-KR" sz="2800" b="1" dirty="0">
+              <a:solidFill>
+                <a:schemeClr val="bg1"/>
+              </a:solidFill>
+              <a:latin typeface="Arial" pitchFamily="34" charset="0"/>
+              <a:cs typeface="Arial" pitchFamily="34" charset="0"/>
+            </a:endParaRPr>
+          </a:p>
+        </p:txBody>
+      </p:sp>
+      <p:sp>
+        <p:nvSpPr>
+          <p:cNvPr id="6" name="TextBox 5"/>
+          <p:cNvSpPr txBox="1"/>
+          <p:nvPr/>
+        </p:nvSpPr>
+        <p:spPr>
+          <a:xfrm>
+            <a:off x="401941" y="871375"/>
+            <a:ext cx="2341259" cy="369332"/>
+          </a:xfrm>
+          <a:prstGeom prst="rect">
+            <a:avLst/>
+          </a:prstGeom>
+          <a:noFill/>
+        </p:spPr>
+        <p:txBody>
+          <a:bodyPr wrap="square" rtlCol="0">
+            <a:spAutoFit/>
+          </a:bodyPr>
+          <a:lstStyle/>
+          <a:p>
+            <a:r>
+              <a:rPr lang="en-US" altLang="ko-KR" b="1" dirty="0" smtClean="0">
+                <a:latin typeface="Arial" panose="020B0604020202020204" pitchFamily="34" charset="0"/>
+                <a:cs typeface="Arial" panose="020B0604020202020204" pitchFamily="34" charset="0"/>
+              </a:rPr>
+              <a:t>1x2 Power Splitter</a:t>
+            </a:r>
+            <a:endParaRPr lang="ko-KR" altLang="en-US" b="1" dirty="0">
+              <a:latin typeface="Arial" panose="020B0604020202020204" pitchFamily="34" charset="0"/>
+              <a:cs typeface="Arial" panose="020B0604020202020204" pitchFamily="34" charset="0"/>
+            </a:endParaRPr>
+          </a:p>
+        </p:txBody>
+      </p:sp>
+      <p:sp>
+        <p:nvSpPr>
+          <p:cNvPr id="7" name="직사각형 6"/>
+          <p:cNvSpPr/>
+          <p:nvPr/>
+        </p:nvSpPr>
+        <p:spPr>
+          <a:xfrm>
+            <a:off x="401941" y="1229491"/>
+            <a:ext cx="4281055" cy="1338828"/>
+          </a:xfrm>
+          <a:prstGeom prst="rect">
+            <a:avLst/>
+          </a:prstGeom>
+        </p:spPr>
+        <p:txBody>
+          <a:bodyPr wrap="square">
+            <a:spAutoFit/>
+          </a:bodyPr>
+          <a:lstStyle/>
+          <a:p>
+            <a:pPr>
+              <a:lnSpc>
+                <a:spcPct val="150000"/>
+              </a:lnSpc>
+            </a:pPr>
+            <a:r>
+              <a:rPr lang="en-US" altLang="ko-KR" dirty="0" smtClean="0">
+                <a:latin typeface="Arial" panose="020B0604020202020204" pitchFamily="34" charset="0"/>
+                <a:cs typeface="Arial" panose="020B0604020202020204" pitchFamily="34" charset="0"/>
+              </a:rPr>
+              <a:t>Input layer: 80 node</a:t>
+            </a:r>
+          </a:p>
+          <a:p>
+            <a:pPr>
+              <a:lnSpc>
+                <a:spcPct val="150000"/>
+              </a:lnSpc>
+            </a:pPr>
+            <a:r>
+              <a:rPr lang="en-US" altLang="ko-KR" dirty="0" smtClean="0">
+                <a:latin typeface="Arial" panose="020B0604020202020204" pitchFamily="34" charset="0"/>
+                <a:cs typeface="Arial" panose="020B0604020202020204" pitchFamily="34" charset="0"/>
+              </a:rPr>
+              <a:t>Output layer: 570 node</a:t>
+            </a:r>
+          </a:p>
+          <a:p>
+            <a:pPr>
+              <a:lnSpc>
+                <a:spcPct val="150000"/>
+              </a:lnSpc>
+            </a:pPr>
+            <a:r>
+              <a:rPr lang="en-US" altLang="ko-KR" dirty="0" smtClean="0">
+                <a:latin typeface="Arial" panose="020B0604020202020204" pitchFamily="34" charset="0"/>
+                <a:cs typeface="Arial" panose="020B0604020202020204" pitchFamily="34" charset="0"/>
+              </a:rPr>
+              <a:t>Hidden layer: 3 layer, 200 node</a:t>
+            </a:r>
+            <a:endParaRPr lang="en-US" altLang="ko-KR" dirty="0">
+              <a:latin typeface="Arial" panose="020B0604020202020204" pitchFamily="34" charset="0"/>
+              <a:cs typeface="Arial" panose="020B0604020202020204" pitchFamily="34" charset="0"/>
+            </a:endParaRPr>
+          </a:p>
+        </p:txBody>
+      </p:sp>
+      <p:pic>
+        <p:nvPicPr>
+          <p:cNvPr id="8" name="그림 7"/>
+          <p:cNvPicPr>
+            <a:picLocks noChangeAspect="1"/>
+          </p:cNvPicPr>
+          <p:nvPr/>
+        </p:nvPicPr>
+        <p:blipFill>
+          <a:blip r:embed="rId2"/>
+          <a:stretch>
+            <a:fillRect/>
+          </a:stretch>
+        </p:blipFill>
+        <p:spPr>
+          <a:xfrm>
+            <a:off x="5879312" y="1316243"/>
+            <a:ext cx="2164107" cy="1736016"/>
+          </a:xfrm>
+          <a:prstGeom prst="rect">
+            <a:avLst/>
+          </a:prstGeom>
+        </p:spPr>
+      </p:pic>
+      <mc:AlternateContent xmlns:mc="http://schemas.openxmlformats.org/markup-compatibility/2006" xmlns:a14="http://schemas.microsoft.com/office/drawing/2010/main">
+        <mc:Choice Requires="a14">
+          <p:sp>
+            <p:nvSpPr>
+              <p:cNvPr id="20" name="직사각형 19"/>
+              <p:cNvSpPr/>
+              <p:nvPr/>
+            </p:nvSpPr>
+            <p:spPr>
+              <a:xfrm>
+                <a:off x="401941" y="3099539"/>
+                <a:ext cx="2446034" cy="507831"/>
+              </a:xfrm>
+              <a:prstGeom prst="rect">
+                <a:avLst/>
+              </a:prstGeom>
+            </p:spPr>
+            <p:txBody>
+              <a:bodyPr wrap="square">
+                <a:spAutoFit/>
+              </a:bodyPr>
+              <a:lstStyle/>
+              <a:p>
+                <a:pPr>
+                  <a:lnSpc>
+                    <a:spcPct val="150000"/>
+                  </a:lnSpc>
+                </a:pPr>
+                <a14:m>
+                  <m:oMathPara xmlns:m="http://schemas.openxmlformats.org/officeDocument/2006/math">
+                    <m:oMathParaPr>
+                      <m:jc m:val="centerGroup"/>
+                    </m:oMathParaPr>
+                    <m:oMath xmlns:m="http://schemas.openxmlformats.org/officeDocument/2006/math">
+                      <m:r>
+                        <a:rPr lang="en-US" altLang="ko-KR" b="0" i="1" smtClean="0">
+                          <a:latin typeface="Cambria Math" panose="02040503050406030204" pitchFamily="18" charset="0"/>
+                          <a:cs typeface="Arial" panose="020B0604020202020204" pitchFamily="34" charset="0"/>
+                        </a:rPr>
+                        <m:t>𝐶𝑜𝑠𝑡</m:t>
+                      </m:r>
+                      <m:r>
+                        <a:rPr lang="en-US" altLang="ko-KR" b="0" i="1" smtClean="0">
+                          <a:latin typeface="Cambria Math" panose="02040503050406030204" pitchFamily="18" charset="0"/>
+                          <a:cs typeface="Arial" panose="020B0604020202020204" pitchFamily="34" charset="0"/>
+                        </a:rPr>
+                        <m:t>=</m:t>
+                      </m:r>
+                      <m:r>
+                        <a:rPr lang="en-US" altLang="ko-KR" b="0" i="0" smtClean="0">
+                          <a:latin typeface="Cambria Math" panose="02040503050406030204" pitchFamily="18" charset="0"/>
+                          <a:cs typeface="Arial" panose="020B0604020202020204" pitchFamily="34" charset="0"/>
+                        </a:rPr>
+                        <m:t>1/</m:t>
+                      </m:r>
+                      <m:r>
+                        <m:rPr>
+                          <m:sty m:val="p"/>
+                        </m:rPr>
+                        <a:rPr lang="en-US" altLang="ko-KR" b="0" i="0" smtClean="0">
+                          <a:latin typeface="Cambria Math" panose="02040503050406030204" pitchFamily="18" charset="0"/>
+                          <a:cs typeface="Arial" panose="020B0604020202020204" pitchFamily="34" charset="0"/>
+                        </a:rPr>
+                        <m:t>mean</m:t>
+                      </m:r>
+                      <m:d>
+                        <m:dPr>
+                          <m:ctrlPr>
+                            <a:rPr lang="en-US" altLang="ko-KR" b="0" i="1" smtClean="0">
+                              <a:latin typeface="Cambria Math" panose="02040503050406030204" pitchFamily="18" charset="0"/>
+                              <a:cs typeface="Arial" panose="020B0604020202020204" pitchFamily="34" charset="0"/>
+                            </a:rPr>
+                          </m:ctrlPr>
+                        </m:dPr>
+                        <m:e>
+                          <m:r>
+                            <a:rPr lang="en-US" altLang="ko-KR" b="0" i="1" smtClean="0">
+                              <a:latin typeface="Cambria Math" panose="02040503050406030204" pitchFamily="18" charset="0"/>
+                              <a:cs typeface="Arial" panose="020B0604020202020204" pitchFamily="34" charset="0"/>
+                            </a:rPr>
+                            <m:t>𝑇</m:t>
+                          </m:r>
+                        </m:e>
+                      </m:d>
+                    </m:oMath>
+                  </m:oMathPara>
+                </a14:m>
+                <a:endParaRPr lang="en-US" altLang="ko-KR" dirty="0">
+                  <a:latin typeface="Arial" panose="020B0604020202020204" pitchFamily="34" charset="0"/>
+                  <a:cs typeface="Arial" panose="020B0604020202020204" pitchFamily="34" charset="0"/>
+                </a:endParaRPr>
+              </a:p>
+            </p:txBody>
+          </p:sp>
+        </mc:Choice>
+        <mc:Fallback xmlns="">
+          <p:sp>
+            <p:nvSpPr>
+              <p:cNvPr id="20" name="직사각형 19"/>
+              <p:cNvSpPr>
+                <a:spLocks noRot="1" noChangeAspect="1" noMove="1" noResize="1" noEditPoints="1" noAdjustHandles="1" noChangeArrowheads="1" noChangeShapeType="1" noTextEdit="1"/>
+              </p:cNvSpPr>
+              <p:nvPr/>
+            </p:nvSpPr>
+            <p:spPr>
+              <a:xfrm>
+                <a:off x="401941" y="3099539"/>
+                <a:ext cx="2446034" cy="507831"/>
+              </a:xfrm>
+              <a:prstGeom prst="rect">
+                <a:avLst/>
+              </a:prstGeom>
+              <a:blipFill>
+                <a:blip r:embed="rId3"/>
+                <a:stretch>
+                  <a:fillRect/>
+                </a:stretch>
+              </a:blipFill>
+            </p:spPr>
+            <p:txBody>
+              <a:bodyPr/>
+              <a:lstStyle/>
+              <a:p>
+                <a:r>
+                  <a:rPr lang="ko-KR" altLang="en-US">
+                    <a:noFill/>
+                  </a:rPr>
+                  <a:t> </a:t>
+                </a:r>
+              </a:p>
+            </p:txBody>
+          </p:sp>
+        </mc:Fallback>
+      </mc:AlternateContent>
+      <mc:AlternateContent xmlns:mc="http://schemas.openxmlformats.org/markup-compatibility/2006" xmlns:a14="http://schemas.microsoft.com/office/drawing/2010/main">
+        <mc:Choice Requires="a14">
+          <p:sp>
+            <p:nvSpPr>
+              <p:cNvPr id="25" name="직사각형 24"/>
+              <p:cNvSpPr/>
+              <p:nvPr/>
+            </p:nvSpPr>
+            <p:spPr>
+              <a:xfrm>
+                <a:off x="401941" y="2559887"/>
+                <a:ext cx="2566546" cy="507831"/>
+              </a:xfrm>
+              <a:prstGeom prst="rect">
+                <a:avLst/>
+              </a:prstGeom>
+            </p:spPr>
+            <p:txBody>
+              <a:bodyPr wrap="square">
+                <a:spAutoFit/>
+              </a:bodyPr>
+              <a:lstStyle/>
+              <a:p>
+                <a:pPr>
+                  <a:lnSpc>
+                    <a:spcPct val="150000"/>
+                  </a:lnSpc>
+                </a:pPr>
+                <a14:m>
+                  <m:oMathPara xmlns:m="http://schemas.openxmlformats.org/officeDocument/2006/math">
+                    <m:oMathParaPr>
+                      <m:jc m:val="centerGroup"/>
+                    </m:oMathParaPr>
+                    <m:oMath xmlns:m="http://schemas.openxmlformats.org/officeDocument/2006/math">
+                      <m:r>
+                        <a:rPr lang="en-US" altLang="ko-KR" b="0" i="1" smtClean="0">
+                          <a:latin typeface="Cambria Math" panose="02040503050406030204" pitchFamily="18" charset="0"/>
+                          <a:cs typeface="Arial" panose="020B0604020202020204" pitchFamily="34" charset="0"/>
+                        </a:rPr>
+                        <m:t>𝐿𝑜𝑠𝑠</m:t>
+                      </m:r>
+                      <m:r>
+                        <a:rPr lang="en-US" altLang="ko-KR" b="0" i="1" smtClean="0">
+                          <a:latin typeface="Cambria Math" panose="02040503050406030204" pitchFamily="18" charset="0"/>
+                          <a:cs typeface="Arial" panose="020B0604020202020204" pitchFamily="34" charset="0"/>
+                        </a:rPr>
+                        <m:t>=</m:t>
+                      </m:r>
+                      <m:r>
+                        <m:rPr>
+                          <m:sty m:val="p"/>
+                        </m:rPr>
+                        <a:rPr lang="en-US" altLang="ko-KR">
+                          <a:latin typeface="Cambria Math" panose="02040503050406030204" pitchFamily="18" charset="0"/>
+                          <a:cs typeface="Arial" panose="020B0604020202020204" pitchFamily="34" charset="0"/>
+                        </a:rPr>
+                        <m:t>mean</m:t>
+                      </m:r>
+                      <m:d>
+                        <m:dPr>
+                          <m:begChr m:val="{"/>
+                          <m:endChr m:val="}"/>
+                          <m:ctrlPr>
+                            <a:rPr lang="en-US" altLang="ko-KR" b="0" i="1" smtClean="0">
+                              <a:latin typeface="Cambria Math" panose="02040503050406030204" pitchFamily="18" charset="0"/>
+                              <a:cs typeface="Arial" panose="020B0604020202020204" pitchFamily="34" charset="0"/>
+                            </a:rPr>
+                          </m:ctrlPr>
+                        </m:dPr>
+                        <m:e>
+                          <m:sSup>
+                            <m:sSupPr>
+                              <m:ctrlPr>
+                                <a:rPr lang="en-US" altLang="ko-KR" i="1">
+                                  <a:latin typeface="Cambria Math" panose="02040503050406030204" pitchFamily="18" charset="0"/>
+                                  <a:cs typeface="Arial" panose="020B0604020202020204" pitchFamily="34" charset="0"/>
+                                </a:rPr>
+                              </m:ctrlPr>
+                            </m:sSupPr>
+                            <m:e>
+                              <m:d>
+                                <m:dPr>
+                                  <m:ctrlPr>
+                                    <a:rPr lang="en-US" altLang="ko-KR" i="1">
+                                      <a:latin typeface="Cambria Math" panose="02040503050406030204" pitchFamily="18" charset="0"/>
+                                      <a:cs typeface="Arial" panose="020B0604020202020204" pitchFamily="34" charset="0"/>
+                                    </a:rPr>
+                                  </m:ctrlPr>
+                                </m:dPr>
+                                <m:e>
+                                  <m:acc>
+                                    <m:accPr>
+                                      <m:chr m:val="̂"/>
+                                      <m:ctrlPr>
+                                        <a:rPr lang="en-US" altLang="ko-KR" i="1">
+                                          <a:latin typeface="Cambria Math" panose="02040503050406030204" pitchFamily="18" charset="0"/>
+                                          <a:cs typeface="Arial" panose="020B0604020202020204" pitchFamily="34" charset="0"/>
+                                        </a:rPr>
+                                      </m:ctrlPr>
+                                    </m:accPr>
+                                    <m:e>
+                                      <m:r>
+                                        <a:rPr lang="en-US" altLang="ko-KR" i="1">
+                                          <a:latin typeface="Cambria Math" panose="02040503050406030204" pitchFamily="18" charset="0"/>
+                                          <a:cs typeface="Arial" panose="020B0604020202020204" pitchFamily="34" charset="0"/>
+                                        </a:rPr>
+                                        <m:t>𝑦</m:t>
+                                      </m:r>
+                                    </m:e>
+                                  </m:acc>
+                                  <m:r>
+                                    <a:rPr lang="en-US" altLang="ko-KR" i="1">
+                                      <a:latin typeface="Cambria Math" panose="02040503050406030204" pitchFamily="18" charset="0"/>
+                                      <a:cs typeface="Arial" panose="020B0604020202020204" pitchFamily="34" charset="0"/>
+                                    </a:rPr>
+                                    <m:t>−</m:t>
+                                  </m:r>
+                                  <m:r>
+                                    <a:rPr lang="en-US" altLang="ko-KR" i="1">
+                                      <a:latin typeface="Cambria Math" panose="02040503050406030204" pitchFamily="18" charset="0"/>
+                                      <a:cs typeface="Arial" panose="020B0604020202020204" pitchFamily="34" charset="0"/>
+                                    </a:rPr>
+                                    <m:t>𝑦</m:t>
+                                  </m:r>
+                                </m:e>
+                              </m:d>
+                            </m:e>
+                            <m:sup>
+                              <m:r>
+                                <a:rPr lang="en-US" altLang="ko-KR" i="1">
+                                  <a:latin typeface="Cambria Math" panose="02040503050406030204" pitchFamily="18" charset="0"/>
+                                  <a:cs typeface="Arial" panose="020B0604020202020204" pitchFamily="34" charset="0"/>
+                                </a:rPr>
+                                <m:t>2</m:t>
+                              </m:r>
+                            </m:sup>
+                          </m:sSup>
+                        </m:e>
+                      </m:d>
+                    </m:oMath>
+                  </m:oMathPara>
+                </a14:m>
+                <a:endParaRPr lang="en-US" altLang="ko-KR" dirty="0">
+                  <a:latin typeface="Arial" panose="020B0604020202020204" pitchFamily="34" charset="0"/>
+                  <a:cs typeface="Arial" panose="020B0604020202020204" pitchFamily="34" charset="0"/>
+                </a:endParaRPr>
+              </a:p>
+            </p:txBody>
+          </p:sp>
+        </mc:Choice>
+        <mc:Fallback xmlns="">
+          <p:sp>
+            <p:nvSpPr>
+              <p:cNvPr id="25" name="직사각형 24"/>
+              <p:cNvSpPr>
+                <a:spLocks noRot="1" noChangeAspect="1" noMove="1" noResize="1" noEditPoints="1" noAdjustHandles="1" noChangeArrowheads="1" noChangeShapeType="1" noTextEdit="1"/>
+              </p:cNvSpPr>
+              <p:nvPr/>
+            </p:nvSpPr>
+            <p:spPr>
+              <a:xfrm>
+                <a:off x="401941" y="2559887"/>
+                <a:ext cx="2566546" cy="507831"/>
+              </a:xfrm>
+              <a:prstGeom prst="rect">
+                <a:avLst/>
+              </a:prstGeom>
+              <a:blipFill>
+                <a:blip r:embed="rId4"/>
+                <a:stretch>
+                  <a:fillRect/>
+                </a:stretch>
+              </a:blipFill>
+            </p:spPr>
+            <p:txBody>
+              <a:bodyPr/>
+              <a:lstStyle/>
+              <a:p>
+                <a:r>
+                  <a:rPr lang="ko-KR" altLang="en-US">
+                    <a:noFill/>
+                  </a:rPr>
+                  <a:t> </a:t>
+                </a:r>
+              </a:p>
+            </p:txBody>
+          </p:sp>
+        </mc:Fallback>
+      </mc:AlternateContent>
+    </p:spTree>
+    <p:extLst>
+      <p:ext uri="{BB962C8B-B14F-4D97-AF65-F5344CB8AC3E}">
+        <p14:creationId xmlns:p14="http://schemas.microsoft.com/office/powerpoint/2010/main" val="949036727"/>
+      </p:ext>
+    </p:extLst>
+  </p:cSld>
+  <p:clrMapOvr>
+    <a:masterClrMapping/>
+  </p:clrMapOvr>
+  <p:timing>
+    <p:tnLst>
+      <p:par>
+        <p:cTn id="1" dur="indefinite" restart="never" nodeType="tmRoot"/>
+      </p:par>
+    </p:tnLst>
+  </p:timing>
+</p:sld>
+</file>
+
+<file path=ppt/slides/slide38.xml><?xml version="1.0" encoding="utf-8"?>
+<p:sld xmlns:a="http://schemas.openxmlformats.org/drawingml/2006/main" xmlns:r="http://schemas.openxmlformats.org/officeDocument/2006/relationships" xmlns:p="http://schemas.openxmlformats.org/presentationml/2006/main">
+  <p:cSld>
+    <p:spTree>
+      <p:nvGrpSpPr>
+        <p:cNvPr id="1" name=""/>
+        <p:cNvGrpSpPr/>
+        <p:nvPr/>
+      </p:nvGrpSpPr>
+      <p:grpSpPr>
+        <a:xfrm>
+          <a:off x="0" y="0"/>
+          <a:ext cx="0" cy="0"/>
+          <a:chOff x="0" y="0"/>
+          <a:chExt cx="0" cy="0"/>
+        </a:xfrm>
+      </p:grpSpPr>
+      <p:sp>
+        <p:nvSpPr>
+          <p:cNvPr id="3" name="슬라이드 번호 개체 틀 2"/>
+          <p:cNvSpPr>
+            <a:spLocks noGrp="1"/>
+          </p:cNvSpPr>
+          <p:nvPr>
+            <p:ph type="sldNum" sz="quarter" idx="12"/>
+          </p:nvPr>
+        </p:nvSpPr>
+        <p:spPr/>
+        <p:txBody>
+          <a:bodyPr/>
+          <a:lstStyle/>
+          <a:p>
+            <a:fld id="{C5596875-2F2A-4E4F-B6FE-0AB921437886}" type="slidenum">
+              <a:rPr lang="ko-KR" altLang="en-US" smtClean="0"/>
+              <a:pPr/>
+              <a:t>38</a:t>
             </a:fld>
             <a:endParaRPr lang="ko-KR" altLang="en-US"/>
           </a:p>

--- a/개인/석사학위논문/Thesis_Presentation_v2.pptx
+++ b/개인/석사학위논문/Thesis_Presentation_v2.pptx
@@ -3442,7 +3442,7 @@
           <a:p>
             <a:fld id="{C19762FB-3275-4DDD-8145-24885120BD1B}" type="datetimeFigureOut">
               <a:rPr lang="ko-KR" altLang="en-US" smtClean="0"/>
-              <a:t>2019-11-12</a:t>
+              <a:t>2019-11-18</a:t>
             </a:fld>
             <a:endParaRPr lang="ko-KR" altLang="en-US"/>
           </a:p>
@@ -4805,7 +4805,7 @@
           <a:p>
             <a:fld id="{D5D80EBB-B890-43AE-9083-C96FE4A29910}" type="datetime1">
               <a:rPr lang="ko-KR" altLang="en-US" smtClean="0"/>
-              <a:t>2019-11-12</a:t>
+              <a:t>2019-11-18</a:t>
             </a:fld>
             <a:endParaRPr lang="ko-KR" altLang="en-US"/>
           </a:p>
@@ -4999,7 +4999,7 @@
           <a:p>
             <a:fld id="{154BE1C7-AA1F-4F3C-8E2B-C87B93FCCD4D}" type="datetime1">
               <a:rPr lang="ko-KR" altLang="en-US" smtClean="0"/>
-              <a:t>2019-11-12</a:t>
+              <a:t>2019-11-18</a:t>
             </a:fld>
             <a:endParaRPr lang="ko-KR" altLang="en-US"/>
           </a:p>
@@ -5203,7 +5203,7 @@
           <a:p>
             <a:fld id="{B5E04AD6-9B61-42B2-938C-66281B480C6A}" type="datetime1">
               <a:rPr lang="ko-KR" altLang="en-US" smtClean="0"/>
-              <a:t>2019-11-12</a:t>
+              <a:t>2019-11-18</a:t>
             </a:fld>
             <a:endParaRPr lang="ko-KR" altLang="en-US"/>
           </a:p>
@@ -5389,7 +5389,7 @@
           <a:p>
             <a:fld id="{CEDA20BB-A36C-44CB-A9A0-32BED543DE31}" type="datetimeFigureOut">
               <a:rPr lang="ko-KR" altLang="en-US" smtClean="0"/>
-              <a:t>2019-11-12</a:t>
+              <a:t>2019-11-18</a:t>
             </a:fld>
             <a:endParaRPr lang="ko-KR" altLang="en-US"/>
           </a:p>
@@ -5759,7 +5759,7 @@
           <a:p>
             <a:fld id="{218953AC-9849-456F-9E44-AECC60F5F9FC}" type="datetime1">
               <a:rPr lang="ko-KR" altLang="en-US" smtClean="0"/>
-              <a:t>2019-11-12</a:t>
+              <a:t>2019-11-18</a:t>
             </a:fld>
             <a:endParaRPr lang="ko-KR" altLang="en-US"/>
           </a:p>
@@ -6015,7 +6015,7 @@
           <a:p>
             <a:fld id="{8CCAAB59-4967-4F74-8A98-AEFD5F21617F}" type="datetime1">
               <a:rPr lang="ko-KR" altLang="en-US" smtClean="0"/>
-              <a:t>2019-11-12</a:t>
+              <a:t>2019-11-18</a:t>
             </a:fld>
             <a:endParaRPr lang="ko-KR" altLang="en-US"/>
           </a:p>
@@ -6406,7 +6406,7 @@
           <a:p>
             <a:fld id="{A3176D14-3ABC-4C75-AD2C-933C44F0B27E}" type="datetime1">
               <a:rPr lang="ko-KR" altLang="en-US" smtClean="0"/>
-              <a:t>2019-11-12</a:t>
+              <a:t>2019-11-18</a:t>
             </a:fld>
             <a:endParaRPr lang="ko-KR" altLang="en-US"/>
           </a:p>
@@ -6548,7 +6548,7 @@
           <a:p>
             <a:fld id="{21C282E5-3BC4-42EA-975E-4FBFF6C9C5B9}" type="datetime1">
               <a:rPr lang="ko-KR" altLang="en-US" smtClean="0"/>
-              <a:t>2019-11-12</a:t>
+              <a:t>2019-11-18</a:t>
             </a:fld>
             <a:endParaRPr lang="ko-KR" altLang="en-US"/>
           </a:p>
@@ -6667,7 +6667,7 @@
           <a:p>
             <a:fld id="{13ABF03C-3F6A-4FCA-9FFE-178AE350824F}" type="datetime1">
               <a:rPr lang="ko-KR" altLang="en-US" smtClean="0"/>
-              <a:t>2019-11-12</a:t>
+              <a:t>2019-11-18</a:t>
             </a:fld>
             <a:endParaRPr lang="ko-KR" altLang="en-US"/>
           </a:p>
@@ -6968,7 +6968,7 @@
           <a:p>
             <a:fld id="{B7D8EF2C-F87E-4B61-BE8F-F370400E961D}" type="datetime1">
               <a:rPr lang="ko-KR" altLang="en-US" smtClean="0"/>
-              <a:t>2019-11-12</a:t>
+              <a:t>2019-11-18</a:t>
             </a:fld>
             <a:endParaRPr lang="ko-KR" altLang="en-US"/>
           </a:p>
@@ -7249,7 +7249,7 @@
           <a:p>
             <a:fld id="{8F223CFE-2AAC-4812-9EB8-3FB62CB8BFB1}" type="datetime1">
               <a:rPr lang="ko-KR" altLang="en-US" smtClean="0"/>
-              <a:t>2019-11-12</a:t>
+              <a:t>2019-11-18</a:t>
             </a:fld>
             <a:endParaRPr lang="ko-KR" altLang="en-US"/>
           </a:p>
@@ -16880,8 +16880,8 @@
           </a:p>
         </p:txBody>
       </p:sp>
-      <mc:AlternateContent xmlns:mc="http://schemas.openxmlformats.org/markup-compatibility/2006" xmlns:a14="http://schemas.microsoft.com/office/drawing/2010/main">
-        <mc:Choice Requires="a14">
+      <mc:AlternateContent xmlns:mc="http://schemas.openxmlformats.org/markup-compatibility/2006">
+        <mc:Choice xmlns:a14="http://schemas.microsoft.com/office/drawing/2010/main" Requires="a14">
           <p:sp>
             <p:nvSpPr>
               <p:cNvPr id="12" name="TextBox 11"/>
@@ -16891,7 +16891,7 @@
             <p:spPr>
               <a:xfrm>
                 <a:off x="158800" y="1756569"/>
-                <a:ext cx="6432500" cy="2121415"/>
+                <a:ext cx="6432500" cy="2172711"/>
               </a:xfrm>
               <a:prstGeom prst="rect">
                 <a:avLst/>
@@ -16916,7 +16916,21 @@
                     <a:latin typeface="Arial" panose="020B0604020202020204" pitchFamily="34" charset="0"/>
                     <a:cs typeface="Arial" panose="020B0604020202020204" pitchFamily="34" charset="0"/>
                   </a:rPr>
-                  <a:t>A sequence of training examples </a:t>
+                  <a:t>A sequence of training </a:t>
+                </a:r>
+                <a:r>
+                  <a:rPr lang="en-US" altLang="ko-KR" dirty="0" err="1" smtClean="0">
+                    <a:latin typeface="Arial" panose="020B0604020202020204" pitchFamily="34" charset="0"/>
+                    <a:cs typeface="Arial" panose="020B0604020202020204" pitchFamily="34" charset="0"/>
+                  </a:rPr>
+                  <a:t>datas</a:t>
+                </a:r>
+                <a:r>
+                  <a:rPr lang="en-US" altLang="ko-KR" dirty="0" smtClean="0">
+                    <a:latin typeface="Arial" panose="020B0604020202020204" pitchFamily="34" charset="0"/>
+                    <a:cs typeface="Arial" panose="020B0604020202020204" pitchFamily="34" charset="0"/>
+                  </a:rPr>
+                  <a:t> </a:t>
                 </a:r>
                 <a14:m>
                   <m:oMath xmlns:m="http://schemas.openxmlformats.org/officeDocument/2006/math">
@@ -17280,7 +17294,28 @@
                     <a:latin typeface="Arial" panose="020B0604020202020204" pitchFamily="34" charset="0"/>
                     <a:cs typeface="Arial" panose="020B0604020202020204" pitchFamily="34" charset="0"/>
                   </a:rPr>
-                  <a:t>For each training example </a:t>
+                  <a:t>For each </a:t>
+                </a:r>
+                <a:r>
+                  <a:rPr lang="en-US" altLang="ko-KR" smtClean="0">
+                    <a:latin typeface="Arial" panose="020B0604020202020204" pitchFamily="34" charset="0"/>
+                    <a:cs typeface="Arial" panose="020B0604020202020204" pitchFamily="34" charset="0"/>
+                  </a:rPr>
+                  <a:t>training </a:t>
+                </a:r>
+                <a:r>
+                  <a:rPr lang="en-US" altLang="ko-KR" smtClean="0">
+                    <a:latin typeface="Arial" panose="020B0604020202020204" pitchFamily="34" charset="0"/>
+                    <a:cs typeface="Arial" panose="020B0604020202020204" pitchFamily="34" charset="0"/>
+                  </a:rPr>
+                  <a:t>data</a:t>
+                </a:r>
+                <a:r>
+                  <a:rPr lang="en-US" altLang="ko-KR" smtClean="0">
+                    <a:latin typeface="Arial" panose="020B0604020202020204" pitchFamily="34" charset="0"/>
+                    <a:cs typeface="Arial" panose="020B0604020202020204" pitchFamily="34" charset="0"/>
+                  </a:rPr>
+                  <a:t> </a:t>
                 </a:r>
                 <a14:m>
                   <m:oMath xmlns:m="http://schemas.openxmlformats.org/officeDocument/2006/math">
@@ -17709,7 +17744,7 @@
             </p:txBody>
           </p:sp>
         </mc:Choice>
-        <mc:Fallback xmlns="">
+        <mc:Fallback>
           <p:sp>
             <p:nvSpPr>
               <p:cNvPr id="12" name="TextBox 11"/>
@@ -17721,7 +17756,7 @@
             <p:spPr>
               <a:xfrm>
                 <a:off x="158800" y="1756569"/>
-                <a:ext cx="6432500" cy="2121415"/>
+                <a:ext cx="6432500" cy="2172711"/>
               </a:xfrm>
               <a:prstGeom prst="rect">
                 <a:avLst/>
@@ -17729,7 +17764,7 @@
               <a:blipFill>
                 <a:blip r:embed="rId2"/>
                 <a:stretch>
-                  <a:fillRect l="-569" b="-3736"/>
+                  <a:fillRect l="-569" b="-1120"/>
                 </a:stretch>
               </a:blipFill>
             </p:spPr>
@@ -20662,7 +20697,7 @@
             </p:nvSpPr>
             <p:spPr>
               <a:xfrm>
-                <a:off x="2948817" y="4619397"/>
+                <a:off x="702370" y="4516351"/>
                 <a:ext cx="2727331" cy="959045"/>
               </a:xfrm>
               <a:prstGeom prst="rect">
@@ -20839,7 +20874,7 @@
             </p:nvSpPr>
             <p:spPr>
               <a:xfrm>
-                <a:off x="2948817" y="4619397"/>
+                <a:off x="702370" y="4516351"/>
                 <a:ext cx="2727331" cy="959045"/>
               </a:xfrm>
               <a:prstGeom prst="rect">
@@ -20877,7 +20912,7 @@
             </p:nvSpPr>
             <p:spPr>
               <a:xfrm>
-                <a:off x="842070" y="5440896"/>
+                <a:off x="702369" y="5423646"/>
                 <a:ext cx="2727331" cy="507831"/>
               </a:xfrm>
               <a:prstGeom prst="rect">
@@ -20968,10 +21003,6 @@
                   </a:rPr>
                   <a:t>m</a:t>
                 </a:r>
-                <a:endParaRPr lang="en-US" altLang="ko-KR" dirty="0">
-                  <a:latin typeface="Arial" panose="020B0604020202020204" pitchFamily="34" charset="0"/>
-                  <a:cs typeface="Arial" panose="020B0604020202020204" pitchFamily="34" charset="0"/>
-                </a:endParaRPr>
               </a:p>
             </p:txBody>
           </p:sp>
@@ -20987,7 +21018,7 @@
             </p:nvSpPr>
             <p:spPr>
               <a:xfrm>
-                <a:off x="842070" y="5440896"/>
+                <a:off x="702369" y="5423646"/>
                 <a:ext cx="2727331" cy="507831"/>
               </a:xfrm>
               <a:prstGeom prst="rect">
@@ -21060,14 +21091,7 @@
                 <a:latin typeface="Arial" panose="020B0604020202020204" pitchFamily="34" charset="0"/>
                 <a:cs typeface="Arial" panose="020B0604020202020204" pitchFamily="34" charset="0"/>
               </a:rPr>
-              <a:t>m </a:t>
-            </a:r>
-            <a:r>
-              <a:rPr lang="en-US" altLang="ko-KR" dirty="0" smtClean="0">
-                <a:latin typeface="Arial" panose="020B0604020202020204" pitchFamily="34" charset="0"/>
-                <a:cs typeface="Arial" panose="020B0604020202020204" pitchFamily="34" charset="0"/>
-              </a:rPr>
-              <a:t>(1 THz)</a:t>
+              <a:t>m (1 THz)</a:t>
             </a:r>
           </a:p>
           <a:p>
@@ -21095,14 +21119,7 @@
                 <a:latin typeface="Arial" panose="020B0604020202020204" pitchFamily="34" charset="0"/>
                 <a:cs typeface="Arial" panose="020B0604020202020204" pitchFamily="34" charset="0"/>
               </a:rPr>
-              <a:t>m </a:t>
-            </a:r>
-            <a:r>
-              <a:rPr lang="en-US" altLang="ko-KR" b="0" dirty="0" smtClean="0">
-                <a:latin typeface="Arial" panose="020B0604020202020204" pitchFamily="34" charset="0"/>
-                <a:cs typeface="Arial" panose="020B0604020202020204" pitchFamily="34" charset="0"/>
-              </a:rPr>
-              <a:t>(5 um step, 570 points)</a:t>
+              <a:t>m (5 um step, 570 points)</a:t>
             </a:r>
           </a:p>
           <a:p>
@@ -21456,14 +21473,7 @@
                 <a:latin typeface="Arial" panose="020B0604020202020204" pitchFamily="34" charset="0"/>
                 <a:cs typeface="Arial" panose="020B0604020202020204" pitchFamily="34" charset="0"/>
               </a:rPr>
-              <a:t> </a:t>
-            </a:r>
-            <a:r>
-              <a:rPr lang="en-US" altLang="ko-KR" dirty="0" smtClean="0">
-                <a:latin typeface="Arial" panose="020B0604020202020204" pitchFamily="34" charset="0"/>
-                <a:cs typeface="Arial" panose="020B0604020202020204" pitchFamily="34" charset="0"/>
-              </a:rPr>
-              <a:t>(2 </a:t>
+              <a:t> (2 </a:t>
             </a:r>
             <a:r>
               <a:rPr lang="el-GR" altLang="ko-KR" dirty="0">
@@ -21484,14 +21494,7 @@
                 <a:latin typeface="Arial" panose="020B0604020202020204" pitchFamily="34" charset="0"/>
                 <a:cs typeface="Arial" panose="020B0604020202020204" pitchFamily="34" charset="0"/>
               </a:rPr>
-              <a:t> </a:t>
-            </a:r>
-            <a:r>
-              <a:rPr lang="en-US" altLang="ko-KR" dirty="0" smtClean="0">
-                <a:latin typeface="Arial" panose="020B0604020202020204" pitchFamily="34" charset="0"/>
-                <a:cs typeface="Arial" panose="020B0604020202020204" pitchFamily="34" charset="0"/>
-              </a:rPr>
-              <a:t>step, 26 points)</a:t>
+              <a:t> step, 26 points)</a:t>
             </a:r>
           </a:p>
           <a:p>

--- a/개인/석사학위논문/Thesis_Presentation_v2.pptx
+++ b/개인/석사학위논문/Thesis_Presentation_v2.pptx
@@ -146,7 +146,18 @@
   </p:defaultTextStyle>
   <p:extLst>
     <p:ext uri="{EFAFB233-063F-42B5-8137-9DF3F51BA10A}">
-      <p15:sldGuideLst xmlns:p15="http://schemas.microsoft.com/office/powerpoint/2012/main"/>
+      <p15:sldGuideLst xmlns:p15="http://schemas.microsoft.com/office/powerpoint/2012/main">
+        <p15:guide id="1" orient="horz" pos="2160" userDrawn="1">
+          <p15:clr>
+            <a:srgbClr val="A4A3A4"/>
+          </p15:clr>
+        </p15:guide>
+        <p15:guide id="2" pos="2880" userDrawn="1">
+          <p15:clr>
+            <a:srgbClr val="A4A3A4"/>
+          </p15:clr>
+        </p15:guide>
+      </p15:sldGuideLst>
     </p:ext>
     <p:ext uri="{2D200454-40CA-4A62-9FC3-DE9A4176ACB9}">
       <p15:notesGuideLst xmlns:p15="http://schemas.microsoft.com/office/powerpoint/2012/main"/>
@@ -3442,7 +3453,7 @@
           <a:p>
             <a:fld id="{C19762FB-3275-4DDD-8145-24885120BD1B}" type="datetimeFigureOut">
               <a:rPr lang="ko-KR" altLang="en-US" smtClean="0"/>
-              <a:t>2019-11-18</a:t>
+              <a:t>2019-11-20</a:t>
             </a:fld>
             <a:endParaRPr lang="ko-KR" altLang="en-US"/>
           </a:p>
@@ -4805,7 +4816,7 @@
           <a:p>
             <a:fld id="{D5D80EBB-B890-43AE-9083-C96FE4A29910}" type="datetime1">
               <a:rPr lang="ko-KR" altLang="en-US" smtClean="0"/>
-              <a:t>2019-11-18</a:t>
+              <a:t>2019-11-20</a:t>
             </a:fld>
             <a:endParaRPr lang="ko-KR" altLang="en-US"/>
           </a:p>
@@ -4999,7 +5010,7 @@
           <a:p>
             <a:fld id="{154BE1C7-AA1F-4F3C-8E2B-C87B93FCCD4D}" type="datetime1">
               <a:rPr lang="ko-KR" altLang="en-US" smtClean="0"/>
-              <a:t>2019-11-18</a:t>
+              <a:t>2019-11-20</a:t>
             </a:fld>
             <a:endParaRPr lang="ko-KR" altLang="en-US"/>
           </a:p>
@@ -5203,7 +5214,7 @@
           <a:p>
             <a:fld id="{B5E04AD6-9B61-42B2-938C-66281B480C6A}" type="datetime1">
               <a:rPr lang="ko-KR" altLang="en-US" smtClean="0"/>
-              <a:t>2019-11-18</a:t>
+              <a:t>2019-11-20</a:t>
             </a:fld>
             <a:endParaRPr lang="ko-KR" altLang="en-US"/>
           </a:p>
@@ -5389,7 +5400,7 @@
           <a:p>
             <a:fld id="{CEDA20BB-A36C-44CB-A9A0-32BED543DE31}" type="datetimeFigureOut">
               <a:rPr lang="ko-KR" altLang="en-US" smtClean="0"/>
-              <a:t>2019-11-18</a:t>
+              <a:t>2019-11-20</a:t>
             </a:fld>
             <a:endParaRPr lang="ko-KR" altLang="en-US"/>
           </a:p>
@@ -5759,7 +5770,7 @@
           <a:p>
             <a:fld id="{218953AC-9849-456F-9E44-AECC60F5F9FC}" type="datetime1">
               <a:rPr lang="ko-KR" altLang="en-US" smtClean="0"/>
-              <a:t>2019-11-18</a:t>
+              <a:t>2019-11-20</a:t>
             </a:fld>
             <a:endParaRPr lang="ko-KR" altLang="en-US"/>
           </a:p>
@@ -6015,7 +6026,7 @@
           <a:p>
             <a:fld id="{8CCAAB59-4967-4F74-8A98-AEFD5F21617F}" type="datetime1">
               <a:rPr lang="ko-KR" altLang="en-US" smtClean="0"/>
-              <a:t>2019-11-18</a:t>
+              <a:t>2019-11-20</a:t>
             </a:fld>
             <a:endParaRPr lang="ko-KR" altLang="en-US"/>
           </a:p>
@@ -6406,7 +6417,7 @@
           <a:p>
             <a:fld id="{A3176D14-3ABC-4C75-AD2C-933C44F0B27E}" type="datetime1">
               <a:rPr lang="ko-KR" altLang="en-US" smtClean="0"/>
-              <a:t>2019-11-18</a:t>
+              <a:t>2019-11-20</a:t>
             </a:fld>
             <a:endParaRPr lang="ko-KR" altLang="en-US"/>
           </a:p>
@@ -6548,7 +6559,7 @@
           <a:p>
             <a:fld id="{21C282E5-3BC4-42EA-975E-4FBFF6C9C5B9}" type="datetime1">
               <a:rPr lang="ko-KR" altLang="en-US" smtClean="0"/>
-              <a:t>2019-11-18</a:t>
+              <a:t>2019-11-20</a:t>
             </a:fld>
             <a:endParaRPr lang="ko-KR" altLang="en-US"/>
           </a:p>
@@ -6667,7 +6678,7 @@
           <a:p>
             <a:fld id="{13ABF03C-3F6A-4FCA-9FFE-178AE350824F}" type="datetime1">
               <a:rPr lang="ko-KR" altLang="en-US" smtClean="0"/>
-              <a:t>2019-11-18</a:t>
+              <a:t>2019-11-20</a:t>
             </a:fld>
             <a:endParaRPr lang="ko-KR" altLang="en-US"/>
           </a:p>
@@ -6968,7 +6979,7 @@
           <a:p>
             <a:fld id="{B7D8EF2C-F87E-4B61-BE8F-F370400E961D}" type="datetime1">
               <a:rPr lang="ko-KR" altLang="en-US" smtClean="0"/>
-              <a:t>2019-11-18</a:t>
+              <a:t>2019-11-20</a:t>
             </a:fld>
             <a:endParaRPr lang="ko-KR" altLang="en-US"/>
           </a:p>
@@ -7249,7 +7260,7 @@
           <a:p>
             <a:fld id="{8F223CFE-2AAC-4812-9EB8-3FB62CB8BFB1}" type="datetime1">
               <a:rPr lang="ko-KR" altLang="en-US" smtClean="0"/>
-              <a:t>2019-11-18</a:t>
+              <a:t>2019-11-20</a:t>
             </a:fld>
             <a:endParaRPr lang="ko-KR" altLang="en-US"/>
           </a:p>
@@ -16880,8 +16891,8 @@
           </a:p>
         </p:txBody>
       </p:sp>
-      <mc:AlternateContent xmlns:mc="http://schemas.openxmlformats.org/markup-compatibility/2006">
-        <mc:Choice xmlns:a14="http://schemas.microsoft.com/office/drawing/2010/main" Requires="a14">
+      <mc:AlternateContent xmlns:mc="http://schemas.openxmlformats.org/markup-compatibility/2006" xmlns:a14="http://schemas.microsoft.com/office/drawing/2010/main">
+        <mc:Choice Requires="a14">
           <p:sp>
             <p:nvSpPr>
               <p:cNvPr id="12" name="TextBox 11"/>
@@ -17301,21 +17312,7 @@
                     <a:latin typeface="Arial" panose="020B0604020202020204" pitchFamily="34" charset="0"/>
                     <a:cs typeface="Arial" panose="020B0604020202020204" pitchFamily="34" charset="0"/>
                   </a:rPr>
-                  <a:t>training </a:t>
-                </a:r>
-                <a:r>
-                  <a:rPr lang="en-US" altLang="ko-KR" smtClean="0">
-                    <a:latin typeface="Arial" panose="020B0604020202020204" pitchFamily="34" charset="0"/>
-                    <a:cs typeface="Arial" panose="020B0604020202020204" pitchFamily="34" charset="0"/>
-                  </a:rPr>
-                  <a:t>data</a:t>
-                </a:r>
-                <a:r>
-                  <a:rPr lang="en-US" altLang="ko-KR" smtClean="0">
-                    <a:latin typeface="Arial" panose="020B0604020202020204" pitchFamily="34" charset="0"/>
-                    <a:cs typeface="Arial" panose="020B0604020202020204" pitchFamily="34" charset="0"/>
-                  </a:rPr>
-                  <a:t> </a:t>
+                  <a:t>training data </a:t>
                 </a:r>
                 <a14:m>
                   <m:oMath xmlns:m="http://schemas.openxmlformats.org/officeDocument/2006/math">
@@ -17744,7 +17741,7 @@
             </p:txBody>
           </p:sp>
         </mc:Choice>
-        <mc:Fallback>
+        <mc:Fallback xmlns="">
           <p:sp>
             <p:nvSpPr>
               <p:cNvPr id="12" name="TextBox 11"/>
@@ -20655,7 +20652,7 @@
         </p:blipFill>
         <p:spPr>
           <a:xfrm>
-            <a:off x="2205736" y="1265506"/>
+            <a:off x="2205736" y="1088225"/>
             <a:ext cx="4732529" cy="1796080"/>
           </a:xfrm>
           <a:prstGeom prst="rect">
@@ -20687,8 +20684,8 @@
           </a:prstGeom>
         </p:spPr>
       </p:pic>
-      <mc:AlternateContent xmlns:mc="http://schemas.openxmlformats.org/markup-compatibility/2006">
-        <mc:Choice xmlns:a14="http://schemas.microsoft.com/office/drawing/2010/main" Requires="a14">
+      <mc:AlternateContent xmlns:mc="http://schemas.openxmlformats.org/markup-compatibility/2006" xmlns:a14="http://schemas.microsoft.com/office/drawing/2010/main">
+        <mc:Choice Requires="a14">
           <p:sp>
             <p:nvSpPr>
               <p:cNvPr id="39" name="직사각형 38"/>
@@ -20863,7 +20860,7 @@
             </p:txBody>
           </p:sp>
         </mc:Choice>
-        <mc:Fallback>
+        <mc:Fallback xmlns="">
           <p:sp>
             <p:nvSpPr>
               <p:cNvPr id="39" name="직사각형 38"/>
@@ -20902,8 +20899,8 @@
           </p:sp>
         </mc:Fallback>
       </mc:AlternateContent>
-      <mc:AlternateContent xmlns:mc="http://schemas.openxmlformats.org/markup-compatibility/2006">
-        <mc:Choice xmlns:a14="http://schemas.microsoft.com/office/drawing/2010/main" Requires="a14">
+      <mc:AlternateContent xmlns:mc="http://schemas.openxmlformats.org/markup-compatibility/2006" xmlns:a14="http://schemas.microsoft.com/office/drawing/2010/main">
+        <mc:Choice Requires="a14">
           <p:sp>
             <p:nvSpPr>
               <p:cNvPr id="8" name="직사각형 7"/>
@@ -21007,7 +21004,7 @@
             </p:txBody>
           </p:sp>
         </mc:Choice>
-        <mc:Fallback>
+        <mc:Fallback xmlns="">
           <p:sp>
             <p:nvSpPr>
               <p:cNvPr id="8" name="직사각형 7"/>
@@ -22167,147 +22164,6 @@
               </a:prstGeom>
               <a:blipFill>
                 <a:blip r:embed="rId5"/>
-                <a:stretch>
-                  <a:fillRect/>
-                </a:stretch>
-              </a:blipFill>
-            </p:spPr>
-            <p:txBody>
-              <a:bodyPr/>
-              <a:lstStyle/>
-              <a:p>
-                <a:r>
-                  <a:rPr lang="ko-KR" altLang="en-US">
-                    <a:noFill/>
-                  </a:rPr>
-                  <a:t> </a:t>
-                </a:r>
-              </a:p>
-            </p:txBody>
-          </p:sp>
-        </mc:Fallback>
-      </mc:AlternateContent>
-      <mc:AlternateContent xmlns:mc="http://schemas.openxmlformats.org/markup-compatibility/2006" xmlns:a14="http://schemas.microsoft.com/office/drawing/2010/main">
-        <mc:Choice Requires="a14">
-          <p:sp>
-            <p:nvSpPr>
-              <p:cNvPr id="13" name="직사각형 12"/>
-              <p:cNvSpPr/>
-              <p:nvPr/>
-            </p:nvSpPr>
-            <p:spPr>
-              <a:xfrm>
-                <a:off x="458989" y="4595385"/>
-                <a:ext cx="2171090" cy="507831"/>
-              </a:xfrm>
-              <a:prstGeom prst="rect">
-                <a:avLst/>
-              </a:prstGeom>
-            </p:spPr>
-            <p:txBody>
-              <a:bodyPr wrap="square">
-                <a:spAutoFit/>
-              </a:bodyPr>
-              <a:lstStyle/>
-              <a:p>
-                <a:pPr>
-                  <a:lnSpc>
-                    <a:spcPct val="150000"/>
-                  </a:lnSpc>
-                </a:pPr>
-                <a14:m>
-                  <m:oMathPara xmlns:m="http://schemas.openxmlformats.org/officeDocument/2006/math">
-                    <m:oMathParaPr>
-                      <m:jc m:val="centerGroup"/>
-                    </m:oMathParaPr>
-                    <m:oMath xmlns:m="http://schemas.openxmlformats.org/officeDocument/2006/math">
-                      <m:r>
-                        <a:rPr lang="en-US" altLang="ko-KR" b="0" i="1" smtClean="0">
-                          <a:latin typeface="Cambria Math" panose="02040503050406030204" pitchFamily="18" charset="0"/>
-                          <a:cs typeface="Arial" panose="020B0604020202020204" pitchFamily="34" charset="0"/>
-                        </a:rPr>
-                        <m:t>𝑟𝑒𝑤𝑎𝑟𝑑</m:t>
-                      </m:r>
-                      <m:r>
-                        <a:rPr lang="en-US" altLang="ko-KR" b="0" i="1" smtClean="0">
-                          <a:latin typeface="Cambria Math" panose="02040503050406030204" pitchFamily="18" charset="0"/>
-                          <a:cs typeface="Arial" panose="020B0604020202020204" pitchFamily="34" charset="0"/>
-                        </a:rPr>
-                        <m:t>=</m:t>
-                      </m:r>
-                      <m:func>
-                        <m:funcPr>
-                          <m:ctrlPr>
-                            <a:rPr lang="en-US" altLang="ko-KR" b="0" i="1" smtClean="0">
-                              <a:latin typeface="Cambria Math" panose="02040503050406030204" pitchFamily="18" charset="0"/>
-                              <a:cs typeface="Arial" panose="020B0604020202020204" pitchFamily="34" charset="0"/>
-                            </a:rPr>
-                          </m:ctrlPr>
-                        </m:funcPr>
-                        <m:fName>
-                          <m:r>
-                            <m:rPr>
-                              <m:sty m:val="p"/>
-                            </m:rPr>
-                            <a:rPr lang="en-US" altLang="ko-KR" b="0" i="0" smtClean="0">
-                              <a:latin typeface="Cambria Math" panose="02040503050406030204" pitchFamily="18" charset="0"/>
-                              <a:cs typeface="Arial" panose="020B0604020202020204" pitchFamily="34" charset="0"/>
-                            </a:rPr>
-                            <m:t>mean</m:t>
-                          </m:r>
-                        </m:fName>
-                        <m:e>
-                          <m:d>
-                            <m:dPr>
-                              <m:ctrlPr>
-                                <a:rPr lang="en-US" altLang="ko-KR" b="0" i="1" smtClean="0">
-                                  <a:latin typeface="Cambria Math" panose="02040503050406030204" pitchFamily="18" charset="0"/>
-                                  <a:cs typeface="Arial" panose="020B0604020202020204" pitchFamily="34" charset="0"/>
-                                </a:rPr>
-                              </m:ctrlPr>
-                            </m:dPr>
-                            <m:e>
-                              <m:r>
-                                <a:rPr lang="en-US" altLang="ko-KR" b="0" i="1" smtClean="0">
-                                  <a:latin typeface="Cambria Math" panose="02040503050406030204" pitchFamily="18" charset="0"/>
-                                  <a:cs typeface="Arial" panose="020B0604020202020204" pitchFamily="34" charset="0"/>
-                                </a:rPr>
-                                <m:t>𝑇</m:t>
-                              </m:r>
-                            </m:e>
-                          </m:d>
-                        </m:e>
-                      </m:func>
-                    </m:oMath>
-                  </m:oMathPara>
-                </a14:m>
-                <a:endParaRPr lang="en-US" altLang="ko-KR" dirty="0">
-                  <a:latin typeface="Arial" panose="020B0604020202020204" pitchFamily="34" charset="0"/>
-                  <a:cs typeface="Arial" panose="020B0604020202020204" pitchFamily="34" charset="0"/>
-                </a:endParaRPr>
-              </a:p>
-            </p:txBody>
-          </p:sp>
-        </mc:Choice>
-        <mc:Fallback xmlns="">
-          <p:sp>
-            <p:nvSpPr>
-              <p:cNvPr id="13" name="직사각형 12"/>
-              <p:cNvSpPr>
-                <a:spLocks noRot="1" noChangeAspect="1" noMove="1" noResize="1" noEditPoints="1" noAdjustHandles="1" noChangeArrowheads="1" noChangeShapeType="1" noTextEdit="1"/>
-              </p:cNvSpPr>
-              <p:nvPr/>
-            </p:nvSpPr>
-            <p:spPr>
-              <a:xfrm>
-                <a:off x="458989" y="4595385"/>
-                <a:ext cx="2171090" cy="507831"/>
-              </a:xfrm>
-              <a:prstGeom prst="rect">
-                <a:avLst/>
-              </a:prstGeom>
-              <a:blipFill>
-                <a:blip r:embed="rId6"/>
                 <a:stretch>
                   <a:fillRect/>
                 </a:stretch>

--- a/개인/석사학위논문/Thesis_Presentation_v2.pptx
+++ b/개인/석사학위논문/Thesis_Presentation_v2.pptx
@@ -5,7 +5,7 @@
     <p:sldMasterId id="2147483660" r:id="rId1"/>
   </p:sldMasterIdLst>
   <p:notesMasterIdLst>
-    <p:notesMasterId r:id="rId40"/>
+    <p:notesMasterId r:id="rId41"/>
   </p:notesMasterIdLst>
   <p:sldIdLst>
     <p:sldId id="256" r:id="rId2"/>
@@ -32,20 +32,21 @@
     <p:sldId id="270" r:id="rId23"/>
     <p:sldId id="271" r:id="rId24"/>
     <p:sldId id="301" r:id="rId25"/>
-    <p:sldId id="305" r:id="rId26"/>
-    <p:sldId id="302" r:id="rId27"/>
-    <p:sldId id="303" r:id="rId28"/>
-    <p:sldId id="306" r:id="rId29"/>
-    <p:sldId id="266" r:id="rId30"/>
-    <p:sldId id="292" r:id="rId31"/>
-    <p:sldId id="284" r:id="rId32"/>
-    <p:sldId id="285" r:id="rId33"/>
-    <p:sldId id="281" r:id="rId34"/>
-    <p:sldId id="282" r:id="rId35"/>
-    <p:sldId id="283" r:id="rId36"/>
-    <p:sldId id="308" r:id="rId37"/>
-    <p:sldId id="309" r:id="rId38"/>
-    <p:sldId id="269" r:id="rId39"/>
+    <p:sldId id="310" r:id="rId26"/>
+    <p:sldId id="305" r:id="rId27"/>
+    <p:sldId id="302" r:id="rId28"/>
+    <p:sldId id="303" r:id="rId29"/>
+    <p:sldId id="306" r:id="rId30"/>
+    <p:sldId id="266" r:id="rId31"/>
+    <p:sldId id="292" r:id="rId32"/>
+    <p:sldId id="284" r:id="rId33"/>
+    <p:sldId id="285" r:id="rId34"/>
+    <p:sldId id="281" r:id="rId35"/>
+    <p:sldId id="282" r:id="rId36"/>
+    <p:sldId id="283" r:id="rId37"/>
+    <p:sldId id="308" r:id="rId38"/>
+    <p:sldId id="309" r:id="rId39"/>
+    <p:sldId id="269" r:id="rId40"/>
   </p:sldIdLst>
   <p:sldSz cx="9144000" cy="6858000" type="screen4x3"/>
   <p:notesSz cx="6858000" cy="9144000"/>
@@ -1020,7 +1021,11 @@
           <a:pPr latinLnBrk="1"/>
           <a:r>
             <a:rPr lang="en-US" altLang="ko-KR" b="1" dirty="0" smtClean="0"/>
-            <a:t>1x2 Power Splitter</a:t>
+            <a:t>1×2 Optical Power </a:t>
+          </a:r>
+          <a:r>
+            <a:rPr lang="en-US" altLang="ko-KR" b="1" dirty="0" smtClean="0"/>
+            <a:t>Splitter</a:t>
           </a:r>
           <a:endParaRPr lang="ko-KR" altLang="en-US" b="1" dirty="0"/>
         </a:p>
@@ -1452,12 +1457,12 @@
         </a:fontRef>
       </dsp:style>
       <dsp:txBody>
-        <a:bodyPr spcFirstLastPara="0" vert="horz" wrap="square" lIns="261313" tIns="91440" rIns="170688" bIns="91440" numCol="1" spcCol="1270" anchor="ctr" anchorCtr="0">
+        <a:bodyPr spcFirstLastPara="0" vert="horz" wrap="square" lIns="261313" tIns="80010" rIns="149352" bIns="80010" numCol="1" spcCol="1270" anchor="ctr" anchorCtr="0">
           <a:noAutofit/>
         </a:bodyPr>
         <a:lstStyle/>
         <a:p>
-          <a:pPr lvl="0" algn="ctr" defTabSz="1066800" latinLnBrk="1">
+          <a:pPr lvl="0" algn="ctr" defTabSz="933450" latinLnBrk="1">
             <a:lnSpc>
               <a:spcPct val="90000"/>
             </a:lnSpc>
@@ -1469,13 +1474,13 @@
             </a:spcAft>
           </a:pPr>
           <a:r>
-            <a:rPr lang="en-US" altLang="ko-KR" sz="2400" b="1" kern="1200" dirty="0" smtClean="0">
+            <a:rPr lang="en-US" altLang="ko-KR" sz="2100" b="1" kern="1200" dirty="0" smtClean="0">
               <a:latin typeface="Arial" panose="020B0604020202020204" pitchFamily="34" charset="0"/>
               <a:cs typeface="Arial" panose="020B0604020202020204" pitchFamily="34" charset="0"/>
             </a:rPr>
             <a:t>Introduction</a:t>
           </a:r>
-          <a:endParaRPr lang="ko-KR" altLang="en-US" sz="2400" b="1" kern="1200" dirty="0">
+          <a:endParaRPr lang="ko-KR" altLang="en-US" sz="2100" b="1" kern="1200" dirty="0">
             <a:latin typeface="Arial" panose="020B0604020202020204" pitchFamily="34" charset="0"/>
             <a:cs typeface="Arial" panose="020B0604020202020204" pitchFamily="34" charset="0"/>
           </a:endParaRPr>
@@ -1585,12 +1590,12 @@
         </a:fontRef>
       </dsp:style>
       <dsp:txBody>
-        <a:bodyPr spcFirstLastPara="0" vert="horz" wrap="square" lIns="261313" tIns="91440" rIns="170688" bIns="91440" numCol="1" spcCol="1270" anchor="ctr" anchorCtr="0">
+        <a:bodyPr spcFirstLastPara="0" vert="horz" wrap="square" lIns="261313" tIns="80010" rIns="149352" bIns="80010" numCol="1" spcCol="1270" anchor="ctr" anchorCtr="0">
           <a:noAutofit/>
         </a:bodyPr>
         <a:lstStyle/>
         <a:p>
-          <a:pPr lvl="0" algn="ctr" defTabSz="1066800" latinLnBrk="1">
+          <a:pPr lvl="0" algn="ctr" defTabSz="933450" latinLnBrk="1">
             <a:lnSpc>
               <a:spcPct val="90000"/>
             </a:lnSpc>
@@ -1602,10 +1607,10 @@
             </a:spcAft>
           </a:pPr>
           <a:r>
-            <a:rPr lang="en-US" altLang="ko-KR" sz="2400" b="1" kern="1200" dirty="0" smtClean="0"/>
+            <a:rPr lang="en-US" altLang="ko-KR" sz="2100" b="1" kern="1200" dirty="0" smtClean="0"/>
             <a:t>Distributed Bragg Reflector</a:t>
           </a:r>
-          <a:endParaRPr lang="ko-KR" altLang="en-US" sz="2400" b="1" kern="1200" dirty="0"/>
+          <a:endParaRPr lang="ko-KR" altLang="en-US" sz="2100" b="1" kern="1200" dirty="0"/>
         </a:p>
       </dsp:txBody>
       <dsp:txXfrm rot="10800000">
@@ -1712,12 +1717,12 @@
         </a:fontRef>
       </dsp:style>
       <dsp:txBody>
-        <a:bodyPr spcFirstLastPara="0" vert="horz" wrap="square" lIns="261313" tIns="91440" rIns="170688" bIns="91440" numCol="1" spcCol="1270" anchor="ctr" anchorCtr="0">
+        <a:bodyPr spcFirstLastPara="0" vert="horz" wrap="square" lIns="261313" tIns="80010" rIns="149352" bIns="80010" numCol="1" spcCol="1270" anchor="ctr" anchorCtr="0">
           <a:noAutofit/>
         </a:bodyPr>
         <a:lstStyle/>
         <a:p>
-          <a:pPr lvl="0" algn="ctr" defTabSz="1066800" latinLnBrk="1">
+          <a:pPr lvl="0" algn="ctr" defTabSz="933450" latinLnBrk="1">
             <a:lnSpc>
               <a:spcPct val="90000"/>
             </a:lnSpc>
@@ -1729,10 +1734,14 @@
             </a:spcAft>
           </a:pPr>
           <a:r>
-            <a:rPr lang="en-US" altLang="ko-KR" sz="2400" b="1" kern="1200" dirty="0" smtClean="0"/>
-            <a:t>1x2 Power Splitter</a:t>
+            <a:rPr lang="en-US" altLang="ko-KR" sz="2100" b="1" kern="1200" dirty="0" smtClean="0"/>
+            <a:t>1×2 Optical Power </a:t>
           </a:r>
-          <a:endParaRPr lang="ko-KR" altLang="en-US" sz="2400" b="1" kern="1200" dirty="0"/>
+          <a:r>
+            <a:rPr lang="en-US" altLang="ko-KR" sz="2100" b="1" kern="1200" dirty="0" smtClean="0"/>
+            <a:t>Splitter</a:t>
+          </a:r>
+          <a:endParaRPr lang="ko-KR" altLang="en-US" sz="2100" b="1" kern="1200" dirty="0"/>
         </a:p>
       </dsp:txBody>
       <dsp:txXfrm rot="10800000">
@@ -1839,12 +1848,12 @@
         </a:fontRef>
       </dsp:style>
       <dsp:txBody>
-        <a:bodyPr spcFirstLastPara="0" vert="horz" wrap="square" lIns="261313" tIns="91440" rIns="170688" bIns="91440" numCol="1" spcCol="1270" anchor="ctr" anchorCtr="0">
+        <a:bodyPr spcFirstLastPara="0" vert="horz" wrap="square" lIns="261313" tIns="80010" rIns="149352" bIns="80010" numCol="1" spcCol="1270" anchor="ctr" anchorCtr="0">
           <a:noAutofit/>
         </a:bodyPr>
         <a:lstStyle/>
         <a:p>
-          <a:pPr lvl="0" algn="ctr" defTabSz="1066800" latinLnBrk="1">
+          <a:pPr lvl="0" algn="ctr" defTabSz="933450" latinLnBrk="1">
             <a:lnSpc>
               <a:spcPct val="90000"/>
             </a:lnSpc>
@@ -1856,10 +1865,10 @@
             </a:spcAft>
           </a:pPr>
           <a:r>
-            <a:rPr lang="en-US" altLang="ko-KR" sz="2400" b="1" kern="1200" dirty="0" smtClean="0"/>
+            <a:rPr lang="en-US" altLang="ko-KR" sz="2100" b="1" kern="1200" dirty="0" smtClean="0"/>
             <a:t>Additive Reinforcement Learning</a:t>
           </a:r>
-          <a:endParaRPr lang="ko-KR" altLang="en-US" sz="2400" b="1" kern="1200" dirty="0"/>
+          <a:endParaRPr lang="ko-KR" altLang="en-US" sz="2100" b="1" kern="1200" dirty="0"/>
         </a:p>
       </dsp:txBody>
       <dsp:txXfrm rot="10800000">
@@ -1966,12 +1975,12 @@
         </a:fontRef>
       </dsp:style>
       <dsp:txBody>
-        <a:bodyPr spcFirstLastPara="0" vert="horz" wrap="square" lIns="261313" tIns="91440" rIns="170688" bIns="91440" numCol="1" spcCol="1270" anchor="ctr" anchorCtr="0">
+        <a:bodyPr spcFirstLastPara="0" vert="horz" wrap="square" lIns="261313" tIns="80010" rIns="149352" bIns="80010" numCol="1" spcCol="1270" anchor="ctr" anchorCtr="0">
           <a:noAutofit/>
         </a:bodyPr>
         <a:lstStyle/>
         <a:p>
-          <a:pPr lvl="0" algn="ctr" defTabSz="1066800" latinLnBrk="1">
+          <a:pPr lvl="0" algn="ctr" defTabSz="933450" latinLnBrk="1">
             <a:lnSpc>
               <a:spcPct val="90000"/>
             </a:lnSpc>
@@ -1983,10 +1992,10 @@
             </a:spcAft>
           </a:pPr>
           <a:r>
-            <a:rPr lang="en-US" altLang="ko-KR" sz="2400" b="1" kern="1200" dirty="0" smtClean="0"/>
+            <a:rPr lang="en-US" altLang="ko-KR" sz="2100" b="1" kern="1200" dirty="0" smtClean="0"/>
             <a:t>Artificial Neural Network</a:t>
           </a:r>
-          <a:endParaRPr lang="ko-KR" altLang="en-US" sz="2400" b="1" kern="1200" dirty="0"/>
+          <a:endParaRPr lang="ko-KR" altLang="en-US" sz="2100" b="1" kern="1200" dirty="0"/>
         </a:p>
       </dsp:txBody>
       <dsp:txXfrm rot="10800000">
@@ -2093,12 +2102,12 @@
         </a:fontRef>
       </dsp:style>
       <dsp:txBody>
-        <a:bodyPr spcFirstLastPara="0" vert="horz" wrap="square" lIns="261313" tIns="91440" rIns="170688" bIns="91440" numCol="1" spcCol="1270" anchor="ctr" anchorCtr="0">
+        <a:bodyPr spcFirstLastPara="0" vert="horz" wrap="square" lIns="261313" tIns="80010" rIns="149352" bIns="80010" numCol="1" spcCol="1270" anchor="ctr" anchorCtr="0">
           <a:noAutofit/>
         </a:bodyPr>
         <a:lstStyle/>
         <a:p>
-          <a:pPr lvl="0" algn="ctr" defTabSz="1066800" latinLnBrk="1">
+          <a:pPr lvl="0" algn="ctr" defTabSz="933450" latinLnBrk="1">
             <a:lnSpc>
               <a:spcPct val="90000"/>
             </a:lnSpc>
@@ -2110,10 +2119,10 @@
             </a:spcAft>
           </a:pPr>
           <a:r>
-            <a:rPr lang="en-US" altLang="ko-KR" sz="2400" b="1" kern="1200" dirty="0" smtClean="0"/>
+            <a:rPr lang="en-US" altLang="ko-KR" sz="2100" b="1" kern="1200" dirty="0" smtClean="0"/>
             <a:t>Summary</a:t>
           </a:r>
-          <a:endParaRPr lang="ko-KR" altLang="en-US" sz="2400" b="1" kern="1200" dirty="0"/>
+          <a:endParaRPr lang="ko-KR" altLang="en-US" sz="2100" b="1" kern="1200" dirty="0"/>
         </a:p>
       </dsp:txBody>
       <dsp:txXfrm rot="10800000">
@@ -3453,7 +3462,7 @@
           <a:p>
             <a:fld id="{C19762FB-3275-4DDD-8145-24885120BD1B}" type="datetimeFigureOut">
               <a:rPr lang="ko-KR" altLang="en-US" smtClean="0"/>
-              <a:t>2019-11-20</a:t>
+              <a:t>2019-12-02</a:t>
             </a:fld>
             <a:endParaRPr lang="ko-KR" altLang="en-US"/>
           </a:p>
@@ -4816,7 +4825,7 @@
           <a:p>
             <a:fld id="{D5D80EBB-B890-43AE-9083-C96FE4A29910}" type="datetime1">
               <a:rPr lang="ko-KR" altLang="en-US" smtClean="0"/>
-              <a:t>2019-11-20</a:t>
+              <a:t>2019-12-02</a:t>
             </a:fld>
             <a:endParaRPr lang="ko-KR" altLang="en-US"/>
           </a:p>
@@ -5010,7 +5019,7 @@
           <a:p>
             <a:fld id="{154BE1C7-AA1F-4F3C-8E2B-C87B93FCCD4D}" type="datetime1">
               <a:rPr lang="ko-KR" altLang="en-US" smtClean="0"/>
-              <a:t>2019-11-20</a:t>
+              <a:t>2019-12-02</a:t>
             </a:fld>
             <a:endParaRPr lang="ko-KR" altLang="en-US"/>
           </a:p>
@@ -5214,7 +5223,7 @@
           <a:p>
             <a:fld id="{B5E04AD6-9B61-42B2-938C-66281B480C6A}" type="datetime1">
               <a:rPr lang="ko-KR" altLang="en-US" smtClean="0"/>
-              <a:t>2019-11-20</a:t>
+              <a:t>2019-12-02</a:t>
             </a:fld>
             <a:endParaRPr lang="ko-KR" altLang="en-US"/>
           </a:p>
@@ -5400,7 +5409,7 @@
           <a:p>
             <a:fld id="{CEDA20BB-A36C-44CB-A9A0-32BED543DE31}" type="datetimeFigureOut">
               <a:rPr lang="ko-KR" altLang="en-US" smtClean="0"/>
-              <a:t>2019-11-20</a:t>
+              <a:t>2019-12-02</a:t>
             </a:fld>
             <a:endParaRPr lang="ko-KR" altLang="en-US"/>
           </a:p>
@@ -5770,7 +5779,7 @@
           <a:p>
             <a:fld id="{218953AC-9849-456F-9E44-AECC60F5F9FC}" type="datetime1">
               <a:rPr lang="ko-KR" altLang="en-US" smtClean="0"/>
-              <a:t>2019-11-20</a:t>
+              <a:t>2019-12-02</a:t>
             </a:fld>
             <a:endParaRPr lang="ko-KR" altLang="en-US"/>
           </a:p>
@@ -6026,7 +6035,7 @@
           <a:p>
             <a:fld id="{8CCAAB59-4967-4F74-8A98-AEFD5F21617F}" type="datetime1">
               <a:rPr lang="ko-KR" altLang="en-US" smtClean="0"/>
-              <a:t>2019-11-20</a:t>
+              <a:t>2019-12-02</a:t>
             </a:fld>
             <a:endParaRPr lang="ko-KR" altLang="en-US"/>
           </a:p>
@@ -6417,7 +6426,7 @@
           <a:p>
             <a:fld id="{A3176D14-3ABC-4C75-AD2C-933C44F0B27E}" type="datetime1">
               <a:rPr lang="ko-KR" altLang="en-US" smtClean="0"/>
-              <a:t>2019-11-20</a:t>
+              <a:t>2019-12-02</a:t>
             </a:fld>
             <a:endParaRPr lang="ko-KR" altLang="en-US"/>
           </a:p>
@@ -6559,7 +6568,7 @@
           <a:p>
             <a:fld id="{21C282E5-3BC4-42EA-975E-4FBFF6C9C5B9}" type="datetime1">
               <a:rPr lang="ko-KR" altLang="en-US" smtClean="0"/>
-              <a:t>2019-11-20</a:t>
+              <a:t>2019-12-02</a:t>
             </a:fld>
             <a:endParaRPr lang="ko-KR" altLang="en-US"/>
           </a:p>
@@ -6678,7 +6687,7 @@
           <a:p>
             <a:fld id="{13ABF03C-3F6A-4FCA-9FFE-178AE350824F}" type="datetime1">
               <a:rPr lang="ko-KR" altLang="en-US" smtClean="0"/>
-              <a:t>2019-11-20</a:t>
+              <a:t>2019-12-02</a:t>
             </a:fld>
             <a:endParaRPr lang="ko-KR" altLang="en-US"/>
           </a:p>
@@ -6979,7 +6988,7 @@
           <a:p>
             <a:fld id="{B7D8EF2C-F87E-4B61-BE8F-F370400E961D}" type="datetime1">
               <a:rPr lang="ko-KR" altLang="en-US" smtClean="0"/>
-              <a:t>2019-11-20</a:t>
+              <a:t>2019-12-02</a:t>
             </a:fld>
             <a:endParaRPr lang="ko-KR" altLang="en-US"/>
           </a:p>
@@ -7260,7 +7269,7 @@
           <a:p>
             <a:fld id="{8F223CFE-2AAC-4812-9EB8-3FB62CB8BFB1}" type="datetime1">
               <a:rPr lang="ko-KR" altLang="en-US" smtClean="0"/>
-              <a:t>2019-11-20</a:t>
+              <a:t>2019-12-02</a:t>
             </a:fld>
             <a:endParaRPr lang="ko-KR" altLang="en-US"/>
           </a:p>
@@ -15469,7 +15478,18 @@
                 <a:ea typeface="Arial Unicode MS"/>
                 <a:cs typeface="Arial" pitchFamily="34" charset="0"/>
               </a:rPr>
-              <a:t>1x2 Power Splitter</a:t>
+              <a:t>1×2 Optical Power </a:t>
+            </a:r>
+            <a:r>
+              <a:rPr lang="en-US" altLang="ko-KR" sz="3600" b="1" dirty="0" smtClean="0">
+                <a:solidFill>
+                  <a:schemeClr val="bg1"/>
+                </a:solidFill>
+                <a:latin typeface="Arial" pitchFamily="34" charset="0"/>
+                <a:ea typeface="Arial Unicode MS"/>
+                <a:cs typeface="Arial" pitchFamily="34" charset="0"/>
+              </a:rPr>
+              <a:t>Splitter</a:t>
             </a:r>
             <a:endParaRPr lang="en-US" altLang="ko-KR" sz="2800" b="1" dirty="0">
               <a:solidFill>
@@ -15606,7 +15626,24 @@
                 <a:ea typeface="+mj-ea"/>
                 <a:cs typeface="Arial" pitchFamily="34" charset="0"/>
               </a:rPr>
-              <a:t>1x2 Power Splitter</a:t>
+              <a:t>1×2 Optical Power </a:t>
+            </a:r>
+            <a:r>
+              <a:rPr kumimoji="0" lang="en-US" altLang="ko-KR" sz="3200" b="1" i="0" u="none" strike="noStrike" kern="1200" cap="none" spc="0" normalizeH="0" baseline="0" noProof="0" dirty="0" smtClean="0">
+                <a:ln>
+                  <a:noFill/>
+                </a:ln>
+                <a:solidFill>
+                  <a:schemeClr val="bg1"/>
+                </a:solidFill>
+                <a:effectLst/>
+                <a:uLnTx/>
+                <a:uFillTx/>
+                <a:latin typeface="Arial" pitchFamily="34" charset="0"/>
+                <a:ea typeface="+mj-ea"/>
+                <a:cs typeface="Arial" pitchFamily="34" charset="0"/>
+              </a:rPr>
+              <a:t>Splitter</a:t>
             </a:r>
             <a:endParaRPr kumimoji="0" lang="en-US" altLang="ko-KR" sz="2800" b="1" i="0" u="none" strike="noStrike" kern="1200" cap="none" spc="0" normalizeH="0" baseline="0" noProof="0" dirty="0" smtClean="0">
               <a:ln>
@@ -15682,8 +15719,12 @@
                 <a:latin typeface="Arial" panose="020B0604020202020204" pitchFamily="34" charset="0"/>
                 <a:cs typeface="Arial" panose="020B0604020202020204" pitchFamily="34" charset="0"/>
               </a:rPr>
-              <a:t>1x2 Power Splitter?</a:t>
+              <a:t>1×2 Optical Power Splitter (OPS)?</a:t>
             </a:r>
+            <a:endParaRPr lang="en-US" altLang="ko-KR" b="1" dirty="0" smtClean="0">
+              <a:latin typeface="Arial" panose="020B0604020202020204" pitchFamily="34" charset="0"/>
+              <a:cs typeface="Arial" panose="020B0604020202020204" pitchFamily="34" charset="0"/>
+            </a:endParaRPr>
           </a:p>
           <a:p>
             <a:pPr marL="285750" indent="-285750">
@@ -16142,7 +16183,7 @@
           <p:nvPr>
             <p:extLst>
               <p:ext uri="{D42A27DB-BD31-4B8C-83A1-F6EECF244321}">
-                <p14:modId xmlns:p14="http://schemas.microsoft.com/office/powerpoint/2010/main" val="3045069667"/>
+                <p14:modId xmlns:p14="http://schemas.microsoft.com/office/powerpoint/2010/main" val="137209674"/>
               </p:ext>
             </p:extLst>
           </p:nvPr>
@@ -20606,18 +20647,7 @@
                 <a:ea typeface="+mj-ea"/>
                 <a:cs typeface="Arial" pitchFamily="34" charset="0"/>
               </a:rPr>
-              <a:t>Design Platform - </a:t>
-            </a:r>
-            <a:r>
-              <a:rPr lang="en-US" altLang="ko-KR" sz="3200" b="1" dirty="0" smtClean="0">
-                <a:solidFill>
-                  <a:schemeClr val="bg1"/>
-                </a:solidFill>
-                <a:latin typeface="Arial" pitchFamily="34" charset="0"/>
-                <a:ea typeface="+mj-ea"/>
-                <a:cs typeface="Arial" pitchFamily="34" charset="0"/>
-              </a:rPr>
-              <a:t>Structure</a:t>
+              <a:t>DBR Design Platform</a:t>
             </a:r>
             <a:endParaRPr kumimoji="0" lang="en-US" altLang="ko-KR" sz="2800" b="1" i="0" u="none" strike="noStrike" kern="1200" cap="none" spc="0" normalizeH="0" baseline="0" noProof="0" dirty="0" smtClean="0">
               <a:ln>
@@ -20684,8 +20714,8 @@
           </a:prstGeom>
         </p:spPr>
       </p:pic>
-      <mc:AlternateContent xmlns:mc="http://schemas.openxmlformats.org/markup-compatibility/2006" xmlns:a14="http://schemas.microsoft.com/office/drawing/2010/main">
-        <mc:Choice Requires="a14">
+      <mc:AlternateContent xmlns:mc="http://schemas.openxmlformats.org/markup-compatibility/2006">
+        <mc:Choice xmlns:a14="http://schemas.microsoft.com/office/drawing/2010/main" Requires="a14">
           <p:sp>
             <p:nvSpPr>
               <p:cNvPr id="39" name="직사각형 38"/>
@@ -20694,7 +20724,7 @@
             </p:nvSpPr>
             <p:spPr>
               <a:xfrm>
-                <a:off x="702370" y="4516351"/>
+                <a:off x="702370" y="4588518"/>
                 <a:ext cx="2727331" cy="959045"/>
               </a:xfrm>
               <a:prstGeom prst="rect">
@@ -20860,7 +20890,7 @@
             </p:txBody>
           </p:sp>
         </mc:Choice>
-        <mc:Fallback xmlns="">
+        <mc:Fallback>
           <p:sp>
             <p:nvSpPr>
               <p:cNvPr id="39" name="직사각형 38"/>
@@ -20871,7 +20901,7 @@
             </p:nvSpPr>
             <p:spPr>
               <a:xfrm>
-                <a:off x="702370" y="4516351"/>
+                <a:off x="702370" y="4588518"/>
                 <a:ext cx="2727331" cy="959045"/>
               </a:xfrm>
               <a:prstGeom prst="rect">
@@ -21051,7 +21081,7 @@
         </p:nvSpPr>
         <p:spPr>
           <a:xfrm>
-            <a:off x="702370" y="3418115"/>
+            <a:off x="702370" y="3373606"/>
             <a:ext cx="6235895" cy="1338828"/>
           </a:xfrm>
           <a:prstGeom prst="rect">
@@ -21139,43 +21169,6 @@
           </a:p>
         </p:txBody>
       </p:sp>
-      <p:sp>
-        <p:nvSpPr>
-          <p:cNvPr id="10" name="TextBox 9"/>
-          <p:cNvSpPr txBox="1"/>
-          <p:nvPr/>
-        </p:nvSpPr>
-        <p:spPr>
-          <a:xfrm>
-            <a:off x="175170" y="803461"/>
-            <a:ext cx="703651" cy="369332"/>
-          </a:xfrm>
-          <a:prstGeom prst="rect">
-            <a:avLst/>
-          </a:prstGeom>
-          <a:noFill/>
-        </p:spPr>
-        <p:txBody>
-          <a:bodyPr wrap="square" rtlCol="0">
-            <a:spAutoFit/>
-          </a:bodyPr>
-          <a:lstStyle/>
-          <a:p>
-            <a:r>
-              <a:rPr lang="en-US" altLang="ko-KR" b="1" dirty="0" smtClean="0">
-                <a:latin typeface="Arial" panose="020B0604020202020204" pitchFamily="34" charset="0"/>
-                <a:ea typeface="Adobe Fan Heiti Std B" panose="020B0700000000000000" pitchFamily="34" charset="-128"/>
-                <a:cs typeface="Arial" panose="020B0604020202020204" pitchFamily="34" charset="0"/>
-              </a:rPr>
-              <a:t>DBR</a:t>
-            </a:r>
-            <a:endParaRPr lang="ko-KR" altLang="en-US" b="1" dirty="0">
-              <a:latin typeface="Arial" panose="020B0604020202020204" pitchFamily="34" charset="0"/>
-              <a:cs typeface="Arial" panose="020B0604020202020204" pitchFamily="34" charset="0"/>
-            </a:endParaRPr>
-          </a:p>
-        </p:txBody>
-      </p:sp>
     </p:spTree>
     <p:extLst>
       <p:ext uri="{BB962C8B-B14F-4D97-AF65-F5344CB8AC3E}">
@@ -21213,57 +21206,6 @@
           <a:chExt cx="0" cy="0"/>
         </a:xfrm>
       </p:grpSpPr>
-      <p:sp>
-        <p:nvSpPr>
-          <p:cNvPr id="9" name="직사각형 8"/>
-          <p:cNvSpPr/>
-          <p:nvPr/>
-        </p:nvSpPr>
-        <p:spPr>
-          <a:xfrm>
-            <a:off x="612000" y="3995476"/>
-            <a:ext cx="7920000" cy="2027497"/>
-          </a:xfrm>
-          <a:prstGeom prst="rect">
-            <a:avLst/>
-          </a:prstGeom>
-          <a:solidFill>
-            <a:schemeClr val="accent4">
-              <a:lumMod val="40000"/>
-              <a:lumOff val="60000"/>
-            </a:schemeClr>
-          </a:solidFill>
-          <a:ln>
-            <a:solidFill>
-              <a:schemeClr val="tx1"/>
-            </a:solidFill>
-          </a:ln>
-        </p:spPr>
-        <p:style>
-          <a:lnRef idx="2">
-            <a:schemeClr val="accent1">
-              <a:shade val="50000"/>
-            </a:schemeClr>
-          </a:lnRef>
-          <a:fillRef idx="1">
-            <a:schemeClr val="accent1"/>
-          </a:fillRef>
-          <a:effectRef idx="0">
-            <a:schemeClr val="accent1"/>
-          </a:effectRef>
-          <a:fontRef idx="minor">
-            <a:schemeClr val="lt1"/>
-          </a:fontRef>
-        </p:style>
-        <p:txBody>
-          <a:bodyPr rtlCol="0" anchor="ctr"/>
-          <a:lstStyle/>
-          <a:p>
-            <a:pPr algn="ctr"/>
-            <a:endParaRPr lang="ko-KR" altLang="en-US"/>
-          </a:p>
-        </p:txBody>
-      </p:sp>
       <p:sp>
         <p:nvSpPr>
           <p:cNvPr id="3" name="슬라이드 번호 개체 틀 2"/>
@@ -21319,342 +21261,12 @@
           </a:bodyPr>
           <a:lstStyle/>
           <a:p>
-            <a:pPr marL="0" marR="0" lvl="0" indent="0" algn="ctr" defTabSz="914400" rtl="0" eaLnBrk="1" fontAlgn="auto" latinLnBrk="1" hangingPunct="1">
-              <a:lnSpc>
-                <a:spcPct val="100000"/>
-              </a:lnSpc>
-              <a:spcBef>
-                <a:spcPct val="0"/>
-              </a:spcBef>
-              <a:spcAft>
-                <a:spcPts val="0"/>
-              </a:spcAft>
-              <a:buClrTx/>
-              <a:buSzTx/>
-              <a:buFontTx/>
-              <a:buNone/>
-              <a:tabLst/>
-              <a:defRPr/>
-            </a:pPr>
-            <a:r>
-              <a:rPr kumimoji="0" lang="en-US" altLang="ko-KR" sz="3200" b="1" i="0" u="none" strike="noStrike" kern="1200" cap="none" spc="0" normalizeH="0" baseline="0" noProof="0" dirty="0" smtClean="0">
-                <a:ln>
-                  <a:noFill/>
-                </a:ln>
-                <a:solidFill>
-                  <a:schemeClr val="bg1"/>
-                </a:solidFill>
-                <a:effectLst/>
-                <a:uLnTx/>
-                <a:uFillTx/>
-                <a:latin typeface="Arial" pitchFamily="34" charset="0"/>
-                <a:ea typeface="+mj-ea"/>
-                <a:cs typeface="Arial" pitchFamily="34" charset="0"/>
-              </a:rPr>
-              <a:t>Design Platform - Structure</a:t>
-            </a:r>
-            <a:endParaRPr kumimoji="0" lang="en-US" altLang="ko-KR" sz="2800" b="1" i="0" u="none" strike="noStrike" kern="1200" cap="none" spc="0" normalizeH="0" baseline="0" noProof="0" dirty="0" smtClean="0">
-              <a:ln>
-                <a:noFill/>
-              </a:ln>
-              <a:solidFill>
-                <a:schemeClr val="bg1"/>
-              </a:solidFill>
-              <a:effectLst/>
-              <a:uLnTx/>
-              <a:uFillTx/>
-              <a:latin typeface="Arial" pitchFamily="34" charset="0"/>
-              <a:ea typeface="+mj-ea"/>
-              <a:cs typeface="Arial" pitchFamily="34" charset="0"/>
-            </a:endParaRPr>
-          </a:p>
-        </p:txBody>
-      </p:sp>
-      <p:pic>
-        <p:nvPicPr>
-          <p:cNvPr id="5" name="그림 4"/>
-          <p:cNvPicPr>
-            <a:picLocks noChangeAspect="1"/>
-          </p:cNvPicPr>
-          <p:nvPr/>
-        </p:nvPicPr>
-        <p:blipFill>
-          <a:blip r:embed="rId2"/>
-          <a:stretch>
-            <a:fillRect/>
-          </a:stretch>
-        </p:blipFill>
-        <p:spPr>
-          <a:xfrm>
-            <a:off x="2720527" y="1373454"/>
-            <a:ext cx="1769678" cy="2712441"/>
-          </a:xfrm>
-          <a:prstGeom prst="rect">
-            <a:avLst/>
-          </a:prstGeom>
-        </p:spPr>
-      </p:pic>
-      <p:pic>
-        <p:nvPicPr>
-          <p:cNvPr id="565" name="그림 564"/>
-          <p:cNvPicPr>
-            <a:picLocks noChangeAspect="1"/>
-          </p:cNvPicPr>
-          <p:nvPr/>
-        </p:nvPicPr>
-        <p:blipFill>
-          <a:blip r:embed="rId3"/>
-          <a:stretch>
-            <a:fillRect/>
-          </a:stretch>
-        </p:blipFill>
-        <p:spPr>
-          <a:xfrm>
-            <a:off x="4849221" y="1912011"/>
-            <a:ext cx="2060627" cy="1255885"/>
-          </a:xfrm>
-          <a:prstGeom prst="rect">
-            <a:avLst/>
-          </a:prstGeom>
-        </p:spPr>
-      </p:pic>
-      <p:sp>
-        <p:nvSpPr>
-          <p:cNvPr id="7" name="직사각형 6"/>
-          <p:cNvSpPr/>
-          <p:nvPr/>
-        </p:nvSpPr>
-        <p:spPr>
-          <a:xfrm>
-            <a:off x="701055" y="4131104"/>
-            <a:ext cx="5483279" cy="923330"/>
-          </a:xfrm>
-          <a:prstGeom prst="rect">
-            <a:avLst/>
-          </a:prstGeom>
-        </p:spPr>
-        <p:txBody>
-          <a:bodyPr wrap="square">
-            <a:spAutoFit/>
-          </a:bodyPr>
-          <a:lstStyle/>
-          <a:p>
-            <a:pPr>
-              <a:lnSpc>
-                <a:spcPct val="150000"/>
-              </a:lnSpc>
-            </a:pPr>
-            <a:r>
-              <a:rPr lang="en-US" altLang="ko-KR" dirty="0" smtClean="0">
-                <a:latin typeface="Arial" panose="020B0604020202020204" pitchFamily="34" charset="0"/>
-                <a:cs typeface="Arial" panose="020B0604020202020204" pitchFamily="34" charset="0"/>
-              </a:rPr>
-              <a:t>Design Band: 275 – 325 </a:t>
-            </a:r>
-            <a:r>
-              <a:rPr lang="el-GR" altLang="ko-KR" dirty="0">
-                <a:latin typeface="Arial" panose="020B0604020202020204" pitchFamily="34" charset="0"/>
-                <a:cs typeface="Arial" panose="020B0604020202020204" pitchFamily="34" charset="0"/>
-              </a:rPr>
-              <a:t>μ</a:t>
-            </a:r>
-            <a:r>
-              <a:rPr lang="en-US" altLang="ko-KR" dirty="0">
-                <a:latin typeface="Arial" panose="020B0604020202020204" pitchFamily="34" charset="0"/>
-                <a:cs typeface="Arial" panose="020B0604020202020204" pitchFamily="34" charset="0"/>
-              </a:rPr>
-              <a:t>m</a:t>
-            </a:r>
-            <a:r>
-              <a:rPr lang="en-US" altLang="ko-KR" dirty="0" smtClean="0">
-                <a:latin typeface="Arial" panose="020B0604020202020204" pitchFamily="34" charset="0"/>
-                <a:cs typeface="Arial" panose="020B0604020202020204" pitchFamily="34" charset="0"/>
-              </a:rPr>
-              <a:t> (2 </a:t>
-            </a:r>
-            <a:r>
-              <a:rPr lang="el-GR" altLang="ko-KR" dirty="0">
-                <a:latin typeface="Arial" panose="020B0604020202020204" pitchFamily="34" charset="0"/>
-                <a:cs typeface="Arial" panose="020B0604020202020204" pitchFamily="34" charset="0"/>
-              </a:rPr>
-              <a:t>μ</a:t>
-            </a:r>
-            <a:r>
-              <a:rPr lang="en-US" altLang="ko-KR" dirty="0">
-                <a:latin typeface="Arial" panose="020B0604020202020204" pitchFamily="34" charset="0"/>
-                <a:cs typeface="Arial" panose="020B0604020202020204" pitchFamily="34" charset="0"/>
-              </a:rPr>
-              <a:t>m</a:t>
-            </a:r>
-            <a:r>
-              <a:rPr lang="en-US" altLang="ko-KR" dirty="0" smtClean="0">
-                <a:latin typeface="Arial" panose="020B0604020202020204" pitchFamily="34" charset="0"/>
-                <a:cs typeface="Arial" panose="020B0604020202020204" pitchFamily="34" charset="0"/>
-              </a:rPr>
-              <a:t> step, 26 points)</a:t>
-            </a:r>
-          </a:p>
-          <a:p>
-            <a:pPr>
-              <a:lnSpc>
-                <a:spcPct val="150000"/>
-              </a:lnSpc>
-            </a:pPr>
-            <a:r>
-              <a:rPr lang="en-US" altLang="ko-KR" dirty="0" smtClean="0">
-                <a:latin typeface="Arial" panose="020B0604020202020204" pitchFamily="34" charset="0"/>
-                <a:cs typeface="Arial" panose="020B0604020202020204" pitchFamily="34" charset="0"/>
-              </a:rPr>
-              <a:t>TM mode</a:t>
-            </a:r>
-          </a:p>
-        </p:txBody>
-      </p:sp>
-      <p:sp>
-        <p:nvSpPr>
-          <p:cNvPr id="8" name="TextBox 7"/>
-          <p:cNvSpPr txBox="1"/>
-          <p:nvPr/>
-        </p:nvSpPr>
-        <p:spPr>
-          <a:xfrm>
-            <a:off x="175170" y="803461"/>
-            <a:ext cx="2184697" cy="369332"/>
-          </a:xfrm>
-          <a:prstGeom prst="rect">
-            <a:avLst/>
-          </a:prstGeom>
-          <a:noFill/>
-        </p:spPr>
-        <p:txBody>
-          <a:bodyPr wrap="square" rtlCol="0">
-            <a:spAutoFit/>
-          </a:bodyPr>
-          <a:lstStyle/>
-          <a:p>
-            <a:r>
-              <a:rPr lang="en-US" altLang="ko-KR" b="1" dirty="0" smtClean="0">
-                <a:latin typeface="Arial" panose="020B0604020202020204" pitchFamily="34" charset="0"/>
-                <a:ea typeface="Adobe Fan Heiti Std B" panose="020B0700000000000000" pitchFamily="34" charset="-128"/>
-                <a:cs typeface="Arial" panose="020B0604020202020204" pitchFamily="34" charset="0"/>
-              </a:rPr>
-              <a:t>1x2 Power Splitter</a:t>
-            </a:r>
-            <a:endParaRPr lang="ko-KR" altLang="en-US" b="1" dirty="0">
-              <a:latin typeface="Arial" panose="020B0604020202020204" pitchFamily="34" charset="0"/>
-              <a:cs typeface="Arial" panose="020B0604020202020204" pitchFamily="34" charset="0"/>
-            </a:endParaRPr>
-          </a:p>
-        </p:txBody>
-      </p:sp>
-    </p:spTree>
-    <p:extLst>
-      <p:ext uri="{BB962C8B-B14F-4D97-AF65-F5344CB8AC3E}">
-        <p14:creationId xmlns:p14="http://schemas.microsoft.com/office/powerpoint/2010/main" val="1002164811"/>
-      </p:ext>
-    </p:extLst>
-  </p:cSld>
-  <p:clrMapOvr>
-    <a:masterClrMapping/>
-  </p:clrMapOvr>
-  <p:timing>
-    <p:tnLst>
-      <p:par>
-        <p:cTn id="1" dur="indefinite" restart="never" nodeType="tmRoot"/>
-      </p:par>
-    </p:tnLst>
-  </p:timing>
-</p:sld>
-</file>
-
-<file path=ppt/slides/slide26.xml><?xml version="1.0" encoding="utf-8"?>
-<p:sld xmlns:a="http://schemas.openxmlformats.org/drawingml/2006/main" xmlns:r="http://schemas.openxmlformats.org/officeDocument/2006/relationships" xmlns:p="http://schemas.openxmlformats.org/presentationml/2006/main">
-  <p:cSld>
-    <p:spTree>
-      <p:nvGrpSpPr>
-        <p:cNvPr id="1" name=""/>
-        <p:cNvGrpSpPr/>
-        <p:nvPr/>
-      </p:nvGrpSpPr>
-      <p:grpSpPr>
-        <a:xfrm>
-          <a:off x="0" y="0"/>
-          <a:ext cx="0" cy="0"/>
-          <a:chOff x="0" y="0"/>
-          <a:chExt cx="0" cy="0"/>
-        </a:xfrm>
-      </p:grpSpPr>
-      <p:sp>
-        <p:nvSpPr>
-          <p:cNvPr id="3" name="슬라이드 번호 개체 틀 2"/>
-          <p:cNvSpPr>
-            <a:spLocks noGrp="1"/>
-          </p:cNvSpPr>
-          <p:nvPr>
-            <p:ph type="sldNum" sz="quarter" idx="12"/>
-          </p:nvPr>
-        </p:nvSpPr>
-        <p:spPr/>
-        <p:txBody>
-          <a:bodyPr/>
-          <a:lstStyle/>
-          <a:p>
-            <a:fld id="{C5596875-2F2A-4E4F-B6FE-0AB921437886}" type="slidenum">
-              <a:rPr lang="ko-KR" altLang="en-US" smtClean="0"/>
-              <a:pPr/>
-              <a:t>26</a:t>
-            </a:fld>
-            <a:endParaRPr lang="ko-KR" altLang="en-US"/>
-          </a:p>
-        </p:txBody>
-      </p:sp>
-      <p:sp>
-        <p:nvSpPr>
-          <p:cNvPr id="4" name="Rectangle 12"/>
-          <p:cNvSpPr txBox="1">
-            <a:spLocks noChangeArrowheads="1"/>
-          </p:cNvSpPr>
-          <p:nvPr/>
-        </p:nvSpPr>
-        <p:spPr bwMode="auto">
-          <a:xfrm>
-            <a:off x="0" y="-24"/>
-            <a:ext cx="9144000" cy="720000"/>
-          </a:xfrm>
-          <a:prstGeom prst="rect">
-            <a:avLst/>
-          </a:prstGeom>
-          <a:solidFill>
-            <a:srgbClr val="0000FF"/>
-          </a:solidFill>
-          <a:ln>
-            <a:miter lim="800000"/>
-            <a:headEnd/>
-            <a:tailEnd/>
-          </a:ln>
-        </p:spPr>
-        <p:txBody>
-          <a:bodyPr vert="horz" lIns="91440" tIns="45720" rIns="91440" bIns="45720" rtlCol="0" anchor="ctr">
-            <a:normAutofit/>
-          </a:bodyPr>
-          <a:lstStyle/>
-          <a:p>
             <a:pPr lvl="0" algn="ctr">
               <a:spcBef>
                 <a:spcPct val="0"/>
               </a:spcBef>
               <a:defRPr/>
             </a:pPr>
-            <a:r>
-              <a:rPr lang="en-US" altLang="ko-KR" sz="3200" b="1" dirty="0">
-                <a:solidFill>
-                  <a:schemeClr val="bg1"/>
-                </a:solidFill>
-                <a:latin typeface="Arial" pitchFamily="34" charset="0"/>
-                <a:cs typeface="Arial" pitchFamily="34" charset="0"/>
-              </a:rPr>
-              <a:t>Design </a:t>
-            </a:r>
             <a:r>
               <a:rPr lang="en-US" altLang="ko-KR" sz="3200" b="1" dirty="0" smtClean="0">
                 <a:solidFill>
@@ -21663,7 +21275,7 @@
                 <a:latin typeface="Arial" pitchFamily="34" charset="0"/>
                 <a:cs typeface="Arial" pitchFamily="34" charset="0"/>
               </a:rPr>
-              <a:t>Platform - Algorithm</a:t>
+              <a:t>DBR Design Platform</a:t>
             </a:r>
             <a:endParaRPr lang="en-US" altLang="ko-KR" sz="2800" b="1" dirty="0">
               <a:solidFill>
@@ -21671,43 +21283,6 @@
               </a:solidFill>
               <a:latin typeface="Arial" pitchFamily="34" charset="0"/>
               <a:cs typeface="Arial" pitchFamily="34" charset="0"/>
-            </a:endParaRPr>
-          </a:p>
-        </p:txBody>
-      </p:sp>
-      <p:sp>
-        <p:nvSpPr>
-          <p:cNvPr id="5" name="TextBox 4"/>
-          <p:cNvSpPr txBox="1"/>
-          <p:nvPr/>
-        </p:nvSpPr>
-        <p:spPr>
-          <a:xfrm>
-            <a:off x="401942" y="807970"/>
-            <a:ext cx="703651" cy="369332"/>
-          </a:xfrm>
-          <a:prstGeom prst="rect">
-            <a:avLst/>
-          </a:prstGeom>
-          <a:noFill/>
-        </p:spPr>
-        <p:txBody>
-          <a:bodyPr wrap="square" rtlCol="0">
-            <a:spAutoFit/>
-          </a:bodyPr>
-          <a:lstStyle/>
-          <a:p>
-            <a:r>
-              <a:rPr lang="en-US" altLang="ko-KR" b="1" dirty="0" smtClean="0">
-                <a:latin typeface="Arial" panose="020B0604020202020204" pitchFamily="34" charset="0"/>
-                <a:ea typeface="Adobe Fan Heiti Std B" panose="020B0700000000000000" pitchFamily="34" charset="-128"/>
-                <a:cs typeface="Arial" panose="020B0604020202020204" pitchFamily="34" charset="0"/>
-              </a:rPr>
-              <a:t>DBR</a:t>
-            </a:r>
-            <a:endParaRPr lang="ko-KR" altLang="en-US" b="1" dirty="0">
-              <a:latin typeface="Arial" panose="020B0604020202020204" pitchFamily="34" charset="0"/>
-              <a:cs typeface="Arial" panose="020B0604020202020204" pitchFamily="34" charset="0"/>
             </a:endParaRPr>
           </a:p>
         </p:txBody>
@@ -21974,8 +21549,291 @@
         </p:blipFill>
         <p:spPr>
           <a:xfrm>
-            <a:off x="1795929" y="1551405"/>
+            <a:off x="1701661" y="1551405"/>
             <a:ext cx="2882140" cy="2160000"/>
+          </a:xfrm>
+          <a:prstGeom prst="rect">
+            <a:avLst/>
+          </a:prstGeom>
+        </p:spPr>
+      </p:pic>
+      <p:pic>
+        <p:nvPicPr>
+          <p:cNvPr id="6" name="그림 5"/>
+          <p:cNvPicPr>
+            <a:picLocks noChangeAspect="1"/>
+          </p:cNvPicPr>
+          <p:nvPr/>
+        </p:nvPicPr>
+        <p:blipFill>
+          <a:blip r:embed="rId4"/>
+          <a:stretch>
+            <a:fillRect/>
+          </a:stretch>
+        </p:blipFill>
+        <p:spPr>
+          <a:xfrm>
+            <a:off x="4477732" y="1551405"/>
+            <a:ext cx="2844989" cy="2160000"/>
+          </a:xfrm>
+          <a:prstGeom prst="rect">
+            <a:avLst/>
+          </a:prstGeom>
+        </p:spPr>
+      </p:pic>
+    </p:spTree>
+    <p:extLst>
+      <p:ext uri="{BB962C8B-B14F-4D97-AF65-F5344CB8AC3E}">
+        <p14:creationId xmlns:p14="http://schemas.microsoft.com/office/powerpoint/2010/main" val="2388174493"/>
+      </p:ext>
+    </p:extLst>
+  </p:cSld>
+  <p:clrMapOvr>
+    <a:masterClrMapping/>
+  </p:clrMapOvr>
+  <p:timing>
+    <p:tnLst>
+      <p:par>
+        <p:cTn id="1" dur="indefinite" restart="never" nodeType="tmRoot"/>
+      </p:par>
+    </p:tnLst>
+  </p:timing>
+</p:sld>
+</file>
+
+<file path=ppt/slides/slide26.xml><?xml version="1.0" encoding="utf-8"?>
+<p:sld xmlns:a="http://schemas.openxmlformats.org/drawingml/2006/main" xmlns:r="http://schemas.openxmlformats.org/officeDocument/2006/relationships" xmlns:p="http://schemas.openxmlformats.org/presentationml/2006/main">
+  <p:cSld>
+    <p:spTree>
+      <p:nvGrpSpPr>
+        <p:cNvPr id="1" name=""/>
+        <p:cNvGrpSpPr/>
+        <p:nvPr/>
+      </p:nvGrpSpPr>
+      <p:grpSpPr>
+        <a:xfrm>
+          <a:off x="0" y="0"/>
+          <a:ext cx="0" cy="0"/>
+          <a:chOff x="0" y="0"/>
+          <a:chExt cx="0" cy="0"/>
+        </a:xfrm>
+      </p:grpSpPr>
+      <p:sp>
+        <p:nvSpPr>
+          <p:cNvPr id="9" name="직사각형 8"/>
+          <p:cNvSpPr/>
+          <p:nvPr/>
+        </p:nvSpPr>
+        <p:spPr>
+          <a:xfrm>
+            <a:off x="612000" y="3995476"/>
+            <a:ext cx="7920000" cy="2027497"/>
+          </a:xfrm>
+          <a:prstGeom prst="rect">
+            <a:avLst/>
+          </a:prstGeom>
+          <a:solidFill>
+            <a:schemeClr val="accent4">
+              <a:lumMod val="40000"/>
+              <a:lumOff val="60000"/>
+            </a:schemeClr>
+          </a:solidFill>
+          <a:ln>
+            <a:solidFill>
+              <a:schemeClr val="tx1"/>
+            </a:solidFill>
+          </a:ln>
+        </p:spPr>
+        <p:style>
+          <a:lnRef idx="2">
+            <a:schemeClr val="accent1">
+              <a:shade val="50000"/>
+            </a:schemeClr>
+          </a:lnRef>
+          <a:fillRef idx="1">
+            <a:schemeClr val="accent1"/>
+          </a:fillRef>
+          <a:effectRef idx="0">
+            <a:schemeClr val="accent1"/>
+          </a:effectRef>
+          <a:fontRef idx="minor">
+            <a:schemeClr val="lt1"/>
+          </a:fontRef>
+        </p:style>
+        <p:txBody>
+          <a:bodyPr rtlCol="0" anchor="ctr"/>
+          <a:lstStyle/>
+          <a:p>
+            <a:pPr algn="ctr"/>
+            <a:endParaRPr lang="ko-KR" altLang="en-US"/>
+          </a:p>
+        </p:txBody>
+      </p:sp>
+      <p:sp>
+        <p:nvSpPr>
+          <p:cNvPr id="3" name="슬라이드 번호 개체 틀 2"/>
+          <p:cNvSpPr>
+            <a:spLocks noGrp="1"/>
+          </p:cNvSpPr>
+          <p:nvPr>
+            <p:ph type="sldNum" sz="quarter" idx="12"/>
+          </p:nvPr>
+        </p:nvSpPr>
+        <p:spPr/>
+        <p:txBody>
+          <a:bodyPr/>
+          <a:lstStyle/>
+          <a:p>
+            <a:fld id="{C5596875-2F2A-4E4F-B6FE-0AB921437886}" type="slidenum">
+              <a:rPr lang="ko-KR" altLang="en-US" smtClean="0"/>
+              <a:pPr/>
+              <a:t>26</a:t>
+            </a:fld>
+            <a:endParaRPr lang="ko-KR" altLang="en-US"/>
+          </a:p>
+        </p:txBody>
+      </p:sp>
+      <p:sp>
+        <p:nvSpPr>
+          <p:cNvPr id="4" name="Rectangle 12"/>
+          <p:cNvSpPr txBox="1">
+            <a:spLocks noChangeArrowheads="1"/>
+          </p:cNvSpPr>
+          <p:nvPr/>
+        </p:nvSpPr>
+        <p:spPr bwMode="auto">
+          <a:xfrm>
+            <a:off x="0" y="-24"/>
+            <a:ext cx="9144000" cy="720000"/>
+          </a:xfrm>
+          <a:prstGeom prst="rect">
+            <a:avLst/>
+          </a:prstGeom>
+          <a:solidFill>
+            <a:srgbClr val="0000FF"/>
+          </a:solidFill>
+          <a:ln>
+            <a:miter lim="800000"/>
+            <a:headEnd/>
+            <a:tailEnd/>
+          </a:ln>
+        </p:spPr>
+        <p:txBody>
+          <a:bodyPr vert="horz" lIns="91440" tIns="45720" rIns="91440" bIns="45720" rtlCol="0" anchor="ctr">
+            <a:normAutofit/>
+          </a:bodyPr>
+          <a:lstStyle/>
+          <a:p>
+            <a:pPr marL="0" marR="0" lvl="0" indent="0" algn="ctr" defTabSz="914400" rtl="0" eaLnBrk="1" fontAlgn="auto" latinLnBrk="1" hangingPunct="1">
+              <a:lnSpc>
+                <a:spcPct val="100000"/>
+              </a:lnSpc>
+              <a:spcBef>
+                <a:spcPct val="0"/>
+              </a:spcBef>
+              <a:spcAft>
+                <a:spcPts val="0"/>
+              </a:spcAft>
+              <a:buClrTx/>
+              <a:buSzTx/>
+              <a:buFontTx/>
+              <a:buNone/>
+              <a:tabLst/>
+              <a:defRPr/>
+            </a:pPr>
+            <a:r>
+              <a:rPr kumimoji="0" lang="en-US" altLang="ko-KR" sz="3200" b="1" i="0" u="none" strike="noStrike" kern="1200" cap="none" spc="0" normalizeH="0" baseline="0" noProof="0" dirty="0" smtClean="0">
+                <a:ln>
+                  <a:noFill/>
+                </a:ln>
+                <a:solidFill>
+                  <a:schemeClr val="bg1"/>
+                </a:solidFill>
+                <a:effectLst/>
+                <a:uLnTx/>
+                <a:uFillTx/>
+                <a:latin typeface="Arial" pitchFamily="34" charset="0"/>
+                <a:ea typeface="+mj-ea"/>
+                <a:cs typeface="Arial" pitchFamily="34" charset="0"/>
+              </a:rPr>
+              <a:t>Design </a:t>
+            </a:r>
+            <a:r>
+              <a:rPr kumimoji="0" lang="en-US" altLang="ko-KR" sz="3200" b="1" i="0" u="none" strike="noStrike" kern="1200" cap="none" spc="0" normalizeH="0" baseline="0" noProof="0" dirty="0" smtClean="0">
+                <a:ln>
+                  <a:noFill/>
+                </a:ln>
+                <a:solidFill>
+                  <a:schemeClr val="bg1"/>
+                </a:solidFill>
+                <a:effectLst/>
+                <a:uLnTx/>
+                <a:uFillTx/>
+                <a:latin typeface="Arial" pitchFamily="34" charset="0"/>
+                <a:ea typeface="+mj-ea"/>
+                <a:cs typeface="Arial" pitchFamily="34" charset="0"/>
+              </a:rPr>
+              <a:t>Platform</a:t>
+            </a:r>
+            <a:endParaRPr kumimoji="0" lang="en-US" altLang="ko-KR" sz="2800" b="1" i="0" u="none" strike="noStrike" kern="1200" cap="none" spc="0" normalizeH="0" baseline="0" noProof="0" dirty="0" smtClean="0">
+              <a:ln>
+                <a:noFill/>
+              </a:ln>
+              <a:solidFill>
+                <a:schemeClr val="bg1"/>
+              </a:solidFill>
+              <a:effectLst/>
+              <a:uLnTx/>
+              <a:uFillTx/>
+              <a:latin typeface="Arial" pitchFamily="34" charset="0"/>
+              <a:ea typeface="+mj-ea"/>
+              <a:cs typeface="Arial" pitchFamily="34" charset="0"/>
+            </a:endParaRPr>
+          </a:p>
+        </p:txBody>
+      </p:sp>
+      <p:pic>
+        <p:nvPicPr>
+          <p:cNvPr id="5" name="그림 4"/>
+          <p:cNvPicPr>
+            <a:picLocks noChangeAspect="1"/>
+          </p:cNvPicPr>
+          <p:nvPr/>
+        </p:nvPicPr>
+        <p:blipFill>
+          <a:blip r:embed="rId2"/>
+          <a:stretch>
+            <a:fillRect/>
+          </a:stretch>
+        </p:blipFill>
+        <p:spPr>
+          <a:xfrm>
+            <a:off x="2720527" y="1373454"/>
+            <a:ext cx="1769678" cy="2712441"/>
+          </a:xfrm>
+          <a:prstGeom prst="rect">
+            <a:avLst/>
+          </a:prstGeom>
+        </p:spPr>
+      </p:pic>
+      <p:pic>
+        <p:nvPicPr>
+          <p:cNvPr id="565" name="그림 564"/>
+          <p:cNvPicPr>
+            <a:picLocks noChangeAspect="1"/>
+          </p:cNvPicPr>
+          <p:nvPr/>
+        </p:nvPicPr>
+        <p:blipFill>
+          <a:blip r:embed="rId3"/>
+          <a:stretch>
+            <a:fillRect/>
+          </a:stretch>
+        </p:blipFill>
+        <p:spPr>
+          <a:xfrm>
+            <a:off x="4849221" y="1912011"/>
+            <a:ext cx="2060627" cy="1255885"/>
           </a:xfrm>
           <a:prstGeom prst="rect">
             <a:avLst/>
@@ -21984,14 +21842,106 @@
       </p:pic>
       <p:sp>
         <p:nvSpPr>
-          <p:cNvPr id="11" name="TextBox 10"/>
+          <p:cNvPr id="7" name="직사각형 6"/>
+          <p:cNvSpPr/>
+          <p:nvPr/>
+        </p:nvSpPr>
+        <p:spPr>
+          <a:xfrm>
+            <a:off x="701055" y="4131104"/>
+            <a:ext cx="5483279" cy="923330"/>
+          </a:xfrm>
+          <a:prstGeom prst="rect">
+            <a:avLst/>
+          </a:prstGeom>
+        </p:spPr>
+        <p:txBody>
+          <a:bodyPr wrap="square">
+            <a:spAutoFit/>
+          </a:bodyPr>
+          <a:lstStyle/>
+          <a:p>
+            <a:pPr>
+              <a:lnSpc>
+                <a:spcPct val="150000"/>
+              </a:lnSpc>
+            </a:pPr>
+            <a:r>
+              <a:rPr lang="en-US" altLang="ko-KR" dirty="0" smtClean="0">
+                <a:latin typeface="Arial" panose="020B0604020202020204" pitchFamily="34" charset="0"/>
+                <a:cs typeface="Arial" panose="020B0604020202020204" pitchFamily="34" charset="0"/>
+              </a:rPr>
+              <a:t>Design Band: 275 – 325 </a:t>
+            </a:r>
+            <a:r>
+              <a:rPr lang="el-GR" altLang="ko-KR" dirty="0">
+                <a:latin typeface="Arial" panose="020B0604020202020204" pitchFamily="34" charset="0"/>
+                <a:cs typeface="Arial" panose="020B0604020202020204" pitchFamily="34" charset="0"/>
+              </a:rPr>
+              <a:t>μ</a:t>
+            </a:r>
+            <a:r>
+              <a:rPr lang="en-US" altLang="ko-KR" dirty="0">
+                <a:latin typeface="Arial" panose="020B0604020202020204" pitchFamily="34" charset="0"/>
+                <a:cs typeface="Arial" panose="020B0604020202020204" pitchFamily="34" charset="0"/>
+              </a:rPr>
+              <a:t>m</a:t>
+            </a:r>
+            <a:r>
+              <a:rPr lang="en-US" altLang="ko-KR" dirty="0" smtClean="0">
+                <a:latin typeface="Arial" panose="020B0604020202020204" pitchFamily="34" charset="0"/>
+                <a:cs typeface="Arial" panose="020B0604020202020204" pitchFamily="34" charset="0"/>
+              </a:rPr>
+              <a:t> (2 </a:t>
+            </a:r>
+            <a:r>
+              <a:rPr lang="el-GR" altLang="ko-KR" dirty="0">
+                <a:latin typeface="Arial" panose="020B0604020202020204" pitchFamily="34" charset="0"/>
+                <a:cs typeface="Arial" panose="020B0604020202020204" pitchFamily="34" charset="0"/>
+              </a:rPr>
+              <a:t>μ</a:t>
+            </a:r>
+            <a:r>
+              <a:rPr lang="en-US" altLang="ko-KR" dirty="0">
+                <a:latin typeface="Arial" panose="020B0604020202020204" pitchFamily="34" charset="0"/>
+                <a:cs typeface="Arial" panose="020B0604020202020204" pitchFamily="34" charset="0"/>
+              </a:rPr>
+              <a:t>m</a:t>
+            </a:r>
+            <a:r>
+              <a:rPr lang="en-US" altLang="ko-KR" dirty="0" smtClean="0">
+                <a:latin typeface="Arial" panose="020B0604020202020204" pitchFamily="34" charset="0"/>
+                <a:cs typeface="Arial" panose="020B0604020202020204" pitchFamily="34" charset="0"/>
+              </a:rPr>
+              <a:t> step, 26 points)</a:t>
+            </a:r>
+          </a:p>
+          <a:p>
+            <a:pPr>
+              <a:lnSpc>
+                <a:spcPct val="150000"/>
+              </a:lnSpc>
+            </a:pPr>
+            <a:r>
+              <a:rPr lang="en-US" altLang="ko-KR" dirty="0" smtClean="0">
+                <a:latin typeface="Arial" panose="020B0604020202020204" pitchFamily="34" charset="0"/>
+                <a:cs typeface="Arial" panose="020B0604020202020204" pitchFamily="34" charset="0"/>
+              </a:rPr>
+              <a:t>TM mode</a:t>
+            </a:r>
+          </a:p>
+        </p:txBody>
+      </p:sp>
+      <p:sp>
+        <p:nvSpPr>
+          <p:cNvPr id="8" name="TextBox 7"/>
           <p:cNvSpPr txBox="1"/>
           <p:nvPr/>
         </p:nvSpPr>
         <p:spPr>
           <a:xfrm>
-            <a:off x="401942" y="3669696"/>
-            <a:ext cx="2328558" cy="369332"/>
+            <a:off x="175170" y="803461"/>
+            <a:ext cx="2184697" cy="369332"/>
           </a:xfrm>
           <a:prstGeom prst="rect">
             <a:avLst/>
@@ -22019,175 +21969,10 @@
           </a:p>
         </p:txBody>
       </p:sp>
-      <p:pic>
-        <p:nvPicPr>
-          <p:cNvPr id="2" name="그림 1"/>
-          <p:cNvPicPr>
-            <a:picLocks noChangeAspect="1"/>
-          </p:cNvPicPr>
-          <p:nvPr/>
-        </p:nvPicPr>
-        <p:blipFill>
-          <a:blip r:embed="rId4"/>
-          <a:stretch>
-            <a:fillRect/>
-          </a:stretch>
-        </p:blipFill>
-        <p:spPr>
-          <a:xfrm>
-            <a:off x="5010819" y="1567091"/>
-            <a:ext cx="2851844" cy="2160000"/>
-          </a:xfrm>
-          <a:prstGeom prst="rect">
-            <a:avLst/>
-          </a:prstGeom>
-        </p:spPr>
-      </p:pic>
-      <mc:AlternateContent xmlns:mc="http://schemas.openxmlformats.org/markup-compatibility/2006" xmlns:a14="http://schemas.microsoft.com/office/drawing/2010/main">
-        <mc:Choice Requires="a14">
-          <p:sp>
-            <p:nvSpPr>
-              <p:cNvPr id="12" name="직사각형 11"/>
-              <p:cNvSpPr/>
-              <p:nvPr/>
-            </p:nvSpPr>
-            <p:spPr>
-              <a:xfrm>
-                <a:off x="458989" y="4063291"/>
-                <a:ext cx="2171090" cy="507831"/>
-              </a:xfrm>
-              <a:prstGeom prst="rect">
-                <a:avLst/>
-              </a:prstGeom>
-            </p:spPr>
-            <p:txBody>
-              <a:bodyPr wrap="square">
-                <a:spAutoFit/>
-              </a:bodyPr>
-              <a:lstStyle/>
-              <a:p>
-                <a:pPr>
-                  <a:lnSpc>
-                    <a:spcPct val="150000"/>
-                  </a:lnSpc>
-                </a:pPr>
-                <a14:m>
-                  <m:oMathPara xmlns:m="http://schemas.openxmlformats.org/officeDocument/2006/math">
-                    <m:oMathParaPr>
-                      <m:jc m:val="centerGroup"/>
-                    </m:oMathParaPr>
-                    <m:oMath xmlns:m="http://schemas.openxmlformats.org/officeDocument/2006/math">
-                      <m:r>
-                        <a:rPr lang="en-US" altLang="ko-KR" b="0" i="1" smtClean="0">
-                          <a:latin typeface="Cambria Math" panose="02040503050406030204" pitchFamily="18" charset="0"/>
-                          <a:cs typeface="Arial" panose="020B0604020202020204" pitchFamily="34" charset="0"/>
-                        </a:rPr>
-                        <m:t>𝑟𝑒𝑤𝑎𝑟𝑑</m:t>
-                      </m:r>
-                      <m:r>
-                        <a:rPr lang="en-US" altLang="ko-KR" b="0" i="1" smtClean="0">
-                          <a:latin typeface="Cambria Math" panose="02040503050406030204" pitchFamily="18" charset="0"/>
-                          <a:cs typeface="Arial" panose="020B0604020202020204" pitchFamily="34" charset="0"/>
-                        </a:rPr>
-                        <m:t>=</m:t>
-                      </m:r>
-                      <m:func>
-                        <m:funcPr>
-                          <m:ctrlPr>
-                            <a:rPr lang="en-US" altLang="ko-KR" b="0" i="1" smtClean="0">
-                              <a:latin typeface="Cambria Math" panose="02040503050406030204" pitchFamily="18" charset="0"/>
-                              <a:cs typeface="Arial" panose="020B0604020202020204" pitchFamily="34" charset="0"/>
-                            </a:rPr>
-                          </m:ctrlPr>
-                        </m:funcPr>
-                        <m:fName>
-                          <m:r>
-                            <m:rPr>
-                              <m:sty m:val="p"/>
-                            </m:rPr>
-                            <a:rPr lang="en-US" altLang="ko-KR" b="0" i="0" smtClean="0">
-                              <a:latin typeface="Cambria Math" panose="02040503050406030204" pitchFamily="18" charset="0"/>
-                              <a:cs typeface="Arial" panose="020B0604020202020204" pitchFamily="34" charset="0"/>
-                            </a:rPr>
-                            <m:t>min</m:t>
-                          </m:r>
-                        </m:fName>
-                        <m:e>
-                          <m:d>
-                            <m:dPr>
-                              <m:ctrlPr>
-                                <a:rPr lang="en-US" altLang="ko-KR" b="0" i="1" smtClean="0">
-                                  <a:latin typeface="Cambria Math" panose="02040503050406030204" pitchFamily="18" charset="0"/>
-                                  <a:cs typeface="Arial" panose="020B0604020202020204" pitchFamily="34" charset="0"/>
-                                </a:rPr>
-                              </m:ctrlPr>
-                            </m:dPr>
-                            <m:e>
-                              <m:r>
-                                <a:rPr lang="en-US" altLang="ko-KR" b="0" i="1" smtClean="0">
-                                  <a:latin typeface="Cambria Math" panose="02040503050406030204" pitchFamily="18" charset="0"/>
-                                  <a:cs typeface="Arial" panose="020B0604020202020204" pitchFamily="34" charset="0"/>
-                                </a:rPr>
-                                <m:t>𝑇</m:t>
-                              </m:r>
-                            </m:e>
-                          </m:d>
-                        </m:e>
-                      </m:func>
-                    </m:oMath>
-                  </m:oMathPara>
-                </a14:m>
-                <a:endParaRPr lang="en-US" altLang="ko-KR" dirty="0">
-                  <a:latin typeface="Arial" panose="020B0604020202020204" pitchFamily="34" charset="0"/>
-                  <a:cs typeface="Arial" panose="020B0604020202020204" pitchFamily="34" charset="0"/>
-                </a:endParaRPr>
-              </a:p>
-            </p:txBody>
-          </p:sp>
-        </mc:Choice>
-        <mc:Fallback xmlns="">
-          <p:sp>
-            <p:nvSpPr>
-              <p:cNvPr id="12" name="직사각형 11"/>
-              <p:cNvSpPr>
-                <a:spLocks noRot="1" noChangeAspect="1" noMove="1" noResize="1" noEditPoints="1" noAdjustHandles="1" noChangeArrowheads="1" noChangeShapeType="1" noTextEdit="1"/>
-              </p:cNvSpPr>
-              <p:nvPr/>
-            </p:nvSpPr>
-            <p:spPr>
-              <a:xfrm>
-                <a:off x="458989" y="4063291"/>
-                <a:ext cx="2171090" cy="507831"/>
-              </a:xfrm>
-              <a:prstGeom prst="rect">
-                <a:avLst/>
-              </a:prstGeom>
-              <a:blipFill>
-                <a:blip r:embed="rId5"/>
-                <a:stretch>
-                  <a:fillRect/>
-                </a:stretch>
-              </a:blipFill>
-            </p:spPr>
-            <p:txBody>
-              <a:bodyPr/>
-              <a:lstStyle/>
-              <a:p>
-                <a:r>
-                  <a:rPr lang="ko-KR" altLang="en-US">
-                    <a:noFill/>
-                  </a:rPr>
-                  <a:t> </a:t>
-                </a:r>
-              </a:p>
-            </p:txBody>
-          </p:sp>
-        </mc:Fallback>
-      </mc:AlternateContent>
     </p:spTree>
     <p:extLst>
       <p:ext uri="{BB962C8B-B14F-4D97-AF65-F5344CB8AC3E}">
-        <p14:creationId xmlns:p14="http://schemas.microsoft.com/office/powerpoint/2010/main" val="326696868"/>
+        <p14:creationId xmlns:p14="http://schemas.microsoft.com/office/powerpoint/2010/main" val="1002164811"/>
       </p:ext>
     </p:extLst>
   </p:cSld>
@@ -22290,6 +22075,336 @@
                 <a:latin typeface="Arial" pitchFamily="34" charset="0"/>
                 <a:cs typeface="Arial" pitchFamily="34" charset="0"/>
               </a:rPr>
+              <a:t>Design </a:t>
+            </a:r>
+            <a:r>
+              <a:rPr lang="en-US" altLang="ko-KR" sz="3200" b="1" dirty="0" smtClean="0">
+                <a:solidFill>
+                  <a:schemeClr val="bg1"/>
+                </a:solidFill>
+                <a:latin typeface="Arial" pitchFamily="34" charset="0"/>
+                <a:cs typeface="Arial" pitchFamily="34" charset="0"/>
+              </a:rPr>
+              <a:t>Platform - Algorithm</a:t>
+            </a:r>
+            <a:endParaRPr lang="en-US" altLang="ko-KR" sz="2800" b="1" dirty="0">
+              <a:solidFill>
+                <a:schemeClr val="bg1"/>
+              </a:solidFill>
+              <a:latin typeface="Arial" pitchFamily="34" charset="0"/>
+              <a:cs typeface="Arial" pitchFamily="34" charset="0"/>
+            </a:endParaRPr>
+          </a:p>
+        </p:txBody>
+      </p:sp>
+      <p:sp>
+        <p:nvSpPr>
+          <p:cNvPr id="11" name="TextBox 10"/>
+          <p:cNvSpPr txBox="1"/>
+          <p:nvPr/>
+        </p:nvSpPr>
+        <p:spPr>
+          <a:xfrm>
+            <a:off x="401942" y="898215"/>
+            <a:ext cx="2328558" cy="369332"/>
+          </a:xfrm>
+          <a:prstGeom prst="rect">
+            <a:avLst/>
+          </a:prstGeom>
+          <a:noFill/>
+        </p:spPr>
+        <p:txBody>
+          <a:bodyPr wrap="square" rtlCol="0">
+            <a:spAutoFit/>
+          </a:bodyPr>
+          <a:lstStyle/>
+          <a:p>
+            <a:r>
+              <a:rPr lang="en-US" altLang="ko-KR" b="1" dirty="0" smtClean="0">
+                <a:latin typeface="Arial" panose="020B0604020202020204" pitchFamily="34" charset="0"/>
+                <a:ea typeface="Adobe Fan Heiti Std B" panose="020B0700000000000000" pitchFamily="34" charset="-128"/>
+                <a:cs typeface="Arial" panose="020B0604020202020204" pitchFamily="34" charset="0"/>
+              </a:rPr>
+              <a:t>1x2 Power Splitter</a:t>
+            </a:r>
+            <a:endParaRPr lang="ko-KR" altLang="en-US" b="1" dirty="0">
+              <a:latin typeface="Arial" panose="020B0604020202020204" pitchFamily="34" charset="0"/>
+              <a:cs typeface="Arial" panose="020B0604020202020204" pitchFamily="34" charset="0"/>
+            </a:endParaRPr>
+          </a:p>
+        </p:txBody>
+      </p:sp>
+      <mc:AlternateContent xmlns:mc="http://schemas.openxmlformats.org/markup-compatibility/2006">
+        <mc:Choice xmlns:a14="http://schemas.microsoft.com/office/drawing/2010/main" Requires="a14">
+          <p:sp>
+            <p:nvSpPr>
+              <p:cNvPr id="12" name="직사각형 11"/>
+              <p:cNvSpPr/>
+              <p:nvPr/>
+            </p:nvSpPr>
+            <p:spPr>
+              <a:xfrm>
+                <a:off x="458989" y="1291810"/>
+                <a:ext cx="2171090" cy="507831"/>
+              </a:xfrm>
+              <a:prstGeom prst="rect">
+                <a:avLst/>
+              </a:prstGeom>
+            </p:spPr>
+            <p:txBody>
+              <a:bodyPr wrap="square">
+                <a:spAutoFit/>
+              </a:bodyPr>
+              <a:lstStyle/>
+              <a:p>
+                <a:pPr>
+                  <a:lnSpc>
+                    <a:spcPct val="150000"/>
+                  </a:lnSpc>
+                </a:pPr>
+                <a14:m>
+                  <m:oMathPara xmlns:m="http://schemas.openxmlformats.org/officeDocument/2006/math">
+                    <m:oMathParaPr>
+                      <m:jc m:val="centerGroup"/>
+                    </m:oMathParaPr>
+                    <m:oMath xmlns:m="http://schemas.openxmlformats.org/officeDocument/2006/math">
+                      <m:r>
+                        <a:rPr lang="en-US" altLang="ko-KR" b="0" i="1" smtClean="0">
+                          <a:latin typeface="Cambria Math" panose="02040503050406030204" pitchFamily="18" charset="0"/>
+                          <a:cs typeface="Arial" panose="020B0604020202020204" pitchFamily="34" charset="0"/>
+                        </a:rPr>
+                        <m:t>𝑟𝑒𝑤𝑎𝑟𝑑</m:t>
+                      </m:r>
+                      <m:r>
+                        <a:rPr lang="en-US" altLang="ko-KR" b="0" i="1" smtClean="0">
+                          <a:latin typeface="Cambria Math" panose="02040503050406030204" pitchFamily="18" charset="0"/>
+                          <a:cs typeface="Arial" panose="020B0604020202020204" pitchFamily="34" charset="0"/>
+                        </a:rPr>
+                        <m:t>=</m:t>
+                      </m:r>
+                      <m:func>
+                        <m:funcPr>
+                          <m:ctrlPr>
+                            <a:rPr lang="en-US" altLang="ko-KR" b="0" i="1" smtClean="0">
+                              <a:latin typeface="Cambria Math" panose="02040503050406030204" pitchFamily="18" charset="0"/>
+                              <a:cs typeface="Arial" panose="020B0604020202020204" pitchFamily="34" charset="0"/>
+                            </a:rPr>
+                          </m:ctrlPr>
+                        </m:funcPr>
+                        <m:fName>
+                          <m:r>
+                            <m:rPr>
+                              <m:sty m:val="p"/>
+                            </m:rPr>
+                            <a:rPr lang="en-US" altLang="ko-KR" b="0" i="0" smtClean="0">
+                              <a:latin typeface="Cambria Math" panose="02040503050406030204" pitchFamily="18" charset="0"/>
+                              <a:cs typeface="Arial" panose="020B0604020202020204" pitchFamily="34" charset="0"/>
+                            </a:rPr>
+                            <m:t>min</m:t>
+                          </m:r>
+                        </m:fName>
+                        <m:e>
+                          <m:d>
+                            <m:dPr>
+                              <m:ctrlPr>
+                                <a:rPr lang="en-US" altLang="ko-KR" b="0" i="1" smtClean="0">
+                                  <a:latin typeface="Cambria Math" panose="02040503050406030204" pitchFamily="18" charset="0"/>
+                                  <a:cs typeface="Arial" panose="020B0604020202020204" pitchFamily="34" charset="0"/>
+                                </a:rPr>
+                              </m:ctrlPr>
+                            </m:dPr>
+                            <m:e>
+                              <m:r>
+                                <a:rPr lang="en-US" altLang="ko-KR" b="0" i="1" smtClean="0">
+                                  <a:latin typeface="Cambria Math" panose="02040503050406030204" pitchFamily="18" charset="0"/>
+                                  <a:cs typeface="Arial" panose="020B0604020202020204" pitchFamily="34" charset="0"/>
+                                </a:rPr>
+                                <m:t>𝑇</m:t>
+                              </m:r>
+                            </m:e>
+                          </m:d>
+                        </m:e>
+                      </m:func>
+                    </m:oMath>
+                  </m:oMathPara>
+                </a14:m>
+                <a:endParaRPr lang="en-US" altLang="ko-KR" dirty="0">
+                  <a:latin typeface="Arial" panose="020B0604020202020204" pitchFamily="34" charset="0"/>
+                  <a:cs typeface="Arial" panose="020B0604020202020204" pitchFamily="34" charset="0"/>
+                </a:endParaRPr>
+              </a:p>
+            </p:txBody>
+          </p:sp>
+        </mc:Choice>
+        <mc:Fallback>
+          <p:sp>
+            <p:nvSpPr>
+              <p:cNvPr id="12" name="직사각형 11"/>
+              <p:cNvSpPr>
+                <a:spLocks noRot="1" noChangeAspect="1" noMove="1" noResize="1" noEditPoints="1" noAdjustHandles="1" noChangeArrowheads="1" noChangeShapeType="1" noTextEdit="1"/>
+              </p:cNvSpPr>
+              <p:nvPr/>
+            </p:nvSpPr>
+            <p:spPr>
+              <a:xfrm>
+                <a:off x="458989" y="1291810"/>
+                <a:ext cx="2171090" cy="507831"/>
+              </a:xfrm>
+              <a:prstGeom prst="rect">
+                <a:avLst/>
+              </a:prstGeom>
+              <a:blipFill>
+                <a:blip r:embed="rId2"/>
+                <a:stretch>
+                  <a:fillRect/>
+                </a:stretch>
+              </a:blipFill>
+            </p:spPr>
+            <p:txBody>
+              <a:bodyPr/>
+              <a:lstStyle/>
+              <a:p>
+                <a:r>
+                  <a:rPr lang="ko-KR" altLang="en-US">
+                    <a:noFill/>
+                  </a:rPr>
+                  <a:t> </a:t>
+                </a:r>
+              </a:p>
+            </p:txBody>
+          </p:sp>
+        </mc:Fallback>
+      </mc:AlternateContent>
+      <p:pic>
+        <p:nvPicPr>
+          <p:cNvPr id="7" name="그림 6"/>
+          <p:cNvPicPr>
+            <a:picLocks noChangeAspect="1"/>
+          </p:cNvPicPr>
+          <p:nvPr/>
+        </p:nvPicPr>
+        <p:blipFill>
+          <a:blip r:embed="rId3"/>
+          <a:stretch>
+            <a:fillRect/>
+          </a:stretch>
+        </p:blipFill>
+        <p:spPr>
+          <a:xfrm>
+            <a:off x="4583801" y="1291810"/>
+            <a:ext cx="2856655" cy="2160000"/>
+          </a:xfrm>
+          <a:prstGeom prst="rect">
+            <a:avLst/>
+          </a:prstGeom>
+        </p:spPr>
+      </p:pic>
+    </p:spTree>
+    <p:extLst>
+      <p:ext uri="{BB962C8B-B14F-4D97-AF65-F5344CB8AC3E}">
+        <p14:creationId xmlns:p14="http://schemas.microsoft.com/office/powerpoint/2010/main" val="326696868"/>
+      </p:ext>
+    </p:extLst>
+  </p:cSld>
+  <p:clrMapOvr>
+    <a:masterClrMapping/>
+  </p:clrMapOvr>
+  <p:timing>
+    <p:tnLst>
+      <p:par>
+        <p:cTn id="1" dur="indefinite" restart="never" nodeType="tmRoot"/>
+      </p:par>
+    </p:tnLst>
+  </p:timing>
+</p:sld>
+</file>
+
+<file path=ppt/slides/slide28.xml><?xml version="1.0" encoding="utf-8"?>
+<p:sld xmlns:a="http://schemas.openxmlformats.org/drawingml/2006/main" xmlns:r="http://schemas.openxmlformats.org/officeDocument/2006/relationships" xmlns:p="http://schemas.openxmlformats.org/presentationml/2006/main">
+  <p:cSld>
+    <p:spTree>
+      <p:nvGrpSpPr>
+        <p:cNvPr id="1" name=""/>
+        <p:cNvGrpSpPr/>
+        <p:nvPr/>
+      </p:nvGrpSpPr>
+      <p:grpSpPr>
+        <a:xfrm>
+          <a:off x="0" y="0"/>
+          <a:ext cx="0" cy="0"/>
+          <a:chOff x="0" y="0"/>
+          <a:chExt cx="0" cy="0"/>
+        </a:xfrm>
+      </p:grpSpPr>
+      <p:sp>
+        <p:nvSpPr>
+          <p:cNvPr id="3" name="슬라이드 번호 개체 틀 2"/>
+          <p:cNvSpPr>
+            <a:spLocks noGrp="1"/>
+          </p:cNvSpPr>
+          <p:nvPr>
+            <p:ph type="sldNum" sz="quarter" idx="12"/>
+          </p:nvPr>
+        </p:nvSpPr>
+        <p:spPr/>
+        <p:txBody>
+          <a:bodyPr/>
+          <a:lstStyle/>
+          <a:p>
+            <a:fld id="{C5596875-2F2A-4E4F-B6FE-0AB921437886}" type="slidenum">
+              <a:rPr lang="ko-KR" altLang="en-US" smtClean="0"/>
+              <a:pPr/>
+              <a:t>28</a:t>
+            </a:fld>
+            <a:endParaRPr lang="ko-KR" altLang="en-US"/>
+          </a:p>
+        </p:txBody>
+      </p:sp>
+      <p:sp>
+        <p:nvSpPr>
+          <p:cNvPr id="4" name="Rectangle 12"/>
+          <p:cNvSpPr txBox="1">
+            <a:spLocks noChangeArrowheads="1"/>
+          </p:cNvSpPr>
+          <p:nvPr/>
+        </p:nvSpPr>
+        <p:spPr bwMode="auto">
+          <a:xfrm>
+            <a:off x="0" y="-24"/>
+            <a:ext cx="9144000" cy="720000"/>
+          </a:xfrm>
+          <a:prstGeom prst="rect">
+            <a:avLst/>
+          </a:prstGeom>
+          <a:solidFill>
+            <a:srgbClr val="0000FF"/>
+          </a:solidFill>
+          <a:ln>
+            <a:miter lim="800000"/>
+            <a:headEnd/>
+            <a:tailEnd/>
+          </a:ln>
+        </p:spPr>
+        <p:txBody>
+          <a:bodyPr vert="horz" lIns="91440" tIns="45720" rIns="91440" bIns="45720" rtlCol="0" anchor="ctr">
+            <a:normAutofit/>
+          </a:bodyPr>
+          <a:lstStyle/>
+          <a:p>
+            <a:pPr lvl="0" algn="ctr">
+              <a:spcBef>
+                <a:spcPct val="0"/>
+              </a:spcBef>
+              <a:defRPr/>
+            </a:pPr>
+            <a:r>
+              <a:rPr lang="en-US" altLang="ko-KR" sz="3200" b="1" dirty="0">
+                <a:solidFill>
+                  <a:schemeClr val="bg1"/>
+                </a:solidFill>
+                <a:latin typeface="Arial" pitchFamily="34" charset="0"/>
+                <a:cs typeface="Arial" pitchFamily="34" charset="0"/>
+              </a:rPr>
               <a:t>Reflectance of DBR</a:t>
             </a:r>
             <a:endParaRPr lang="en-US" altLang="ko-KR" sz="2800" b="1" dirty="0">
@@ -22322,7 +22437,7 @@
 </p:sld>
 </file>
 
-<file path=ppt/slides/slide28.xml><?xml version="1.0" encoding="utf-8"?>
+<file path=ppt/slides/slide29.xml><?xml version="1.0" encoding="utf-8"?>
 <p:sld xmlns:a="http://schemas.openxmlformats.org/drawingml/2006/main" xmlns:r="http://schemas.openxmlformats.org/officeDocument/2006/relationships" xmlns:p="http://schemas.openxmlformats.org/presentationml/2006/main">
   <p:cSld>
     <p:spTree>
@@ -23052,143 +23167,6 @@
 </p:sld>
 </file>
 
-<file path=ppt/slides/slide29.xml><?xml version="1.0" encoding="utf-8"?>
-<p:sld xmlns:a="http://schemas.openxmlformats.org/drawingml/2006/main" xmlns:r="http://schemas.openxmlformats.org/officeDocument/2006/relationships" xmlns:p="http://schemas.openxmlformats.org/presentationml/2006/main">
-  <p:cSld>
-    <p:spTree>
-      <p:nvGrpSpPr>
-        <p:cNvPr id="1" name=""/>
-        <p:cNvGrpSpPr/>
-        <p:nvPr/>
-      </p:nvGrpSpPr>
-      <p:grpSpPr>
-        <a:xfrm>
-          <a:off x="0" y="0"/>
-          <a:ext cx="0" cy="0"/>
-          <a:chOff x="0" y="0"/>
-          <a:chExt cx="0" cy="0"/>
-        </a:xfrm>
-      </p:grpSpPr>
-      <p:sp>
-        <p:nvSpPr>
-          <p:cNvPr id="3" name="슬라이드 번호 개체 틀 2"/>
-          <p:cNvSpPr>
-            <a:spLocks noGrp="1"/>
-          </p:cNvSpPr>
-          <p:nvPr>
-            <p:ph type="sldNum" sz="quarter" idx="12"/>
-          </p:nvPr>
-        </p:nvSpPr>
-        <p:spPr/>
-        <p:txBody>
-          <a:bodyPr/>
-          <a:lstStyle/>
-          <a:p>
-            <a:fld id="{C5596875-2F2A-4E4F-B6FE-0AB921437886}" type="slidenum">
-              <a:rPr lang="ko-KR" altLang="en-US" smtClean="0"/>
-              <a:pPr/>
-              <a:t>29</a:t>
-            </a:fld>
-            <a:endParaRPr lang="ko-KR" altLang="en-US"/>
-          </a:p>
-        </p:txBody>
-      </p:sp>
-      <p:sp>
-        <p:nvSpPr>
-          <p:cNvPr id="5" name="직사각형 4"/>
-          <p:cNvSpPr/>
-          <p:nvPr/>
-        </p:nvSpPr>
-        <p:spPr>
-          <a:xfrm>
-            <a:off x="1500166" y="2500306"/>
-            <a:ext cx="6143668" cy="1857388"/>
-          </a:xfrm>
-          <a:prstGeom prst="rect">
-            <a:avLst/>
-          </a:prstGeom>
-          <a:solidFill>
-            <a:srgbClr val="3333FF"/>
-          </a:solidFill>
-          <a:ln>
-            <a:noFill/>
-          </a:ln>
-          <a:effectLst>
-            <a:outerShdw blurRad="50800" dist="38100" dir="5400000" algn="t" rotWithShape="0">
-              <a:prstClr val="black">
-                <a:alpha val="40000"/>
-              </a:prstClr>
-            </a:outerShdw>
-          </a:effectLst>
-        </p:spPr>
-        <p:style>
-          <a:lnRef idx="2">
-            <a:schemeClr val="accent1">
-              <a:shade val="50000"/>
-            </a:schemeClr>
-          </a:lnRef>
-          <a:fillRef idx="1">
-            <a:schemeClr val="accent1"/>
-          </a:fillRef>
-          <a:effectRef idx="0">
-            <a:schemeClr val="accent1"/>
-          </a:effectRef>
-          <a:fontRef idx="minor">
-            <a:schemeClr val="lt1"/>
-          </a:fontRef>
-        </p:style>
-        <p:txBody>
-          <a:bodyPr anchor="ctr"/>
-          <a:lstStyle/>
-          <a:p>
-            <a:pPr algn="ctr">
-              <a:lnSpc>
-                <a:spcPct val="150000"/>
-              </a:lnSpc>
-              <a:defRPr/>
-            </a:pPr>
-            <a:r>
-              <a:rPr lang="en-US" altLang="ko-KR" sz="3600" b="1" dirty="0" smtClean="0">
-                <a:solidFill>
-                  <a:schemeClr val="bg1"/>
-                </a:solidFill>
-                <a:latin typeface="Arial" pitchFamily="34" charset="0"/>
-                <a:ea typeface="Arial Unicode MS"/>
-                <a:cs typeface="Arial" pitchFamily="34" charset="0"/>
-              </a:rPr>
-              <a:t>Artificial Neural Network</a:t>
-            </a:r>
-            <a:endParaRPr lang="en-US" altLang="ko-KR" sz="2800" b="1" dirty="0">
-              <a:solidFill>
-                <a:srgbClr val="FFFF00"/>
-              </a:solidFill>
-              <a:latin typeface="Arial" pitchFamily="34" charset="0"/>
-              <a:ea typeface="Arial Unicode MS"/>
-              <a:cs typeface="Arial" pitchFamily="34" charset="0"/>
-            </a:endParaRPr>
-          </a:p>
-        </p:txBody>
-      </p:sp>
-    </p:spTree>
-    <p:extLst>
-      <p:ext uri="{BB962C8B-B14F-4D97-AF65-F5344CB8AC3E}">
-        <p14:creationId xmlns:p14="http://schemas.microsoft.com/office/powerpoint/2010/main" val="1034698581"/>
-      </p:ext>
-    </p:extLst>
-  </p:cSld>
-  <p:clrMapOvr>
-    <a:masterClrMapping/>
-  </p:clrMapOvr>
-  <p:timing>
-    <p:tnLst>
-      <p:par>
-        <p:cTn id="1" dur="indefinite" restart="never" nodeType="tmRoot"/>
-      </p:par>
-    </p:tnLst>
-  </p:timing>
-</p:sld>
-</file>
-
 <file path=ppt/slides/slide3.xml><?xml version="1.0" encoding="utf-8"?>
 <p:sld xmlns:a="http://schemas.openxmlformats.org/drawingml/2006/main" xmlns:r="http://schemas.openxmlformats.org/officeDocument/2006/relationships" xmlns:p="http://schemas.openxmlformats.org/presentationml/2006/main">
   <p:cSld>
@@ -23327,6 +23305,143 @@
 </file>
 
 <file path=ppt/slides/slide30.xml><?xml version="1.0" encoding="utf-8"?>
+<p:sld xmlns:a="http://schemas.openxmlformats.org/drawingml/2006/main" xmlns:r="http://schemas.openxmlformats.org/officeDocument/2006/relationships" xmlns:p="http://schemas.openxmlformats.org/presentationml/2006/main">
+  <p:cSld>
+    <p:spTree>
+      <p:nvGrpSpPr>
+        <p:cNvPr id="1" name=""/>
+        <p:cNvGrpSpPr/>
+        <p:nvPr/>
+      </p:nvGrpSpPr>
+      <p:grpSpPr>
+        <a:xfrm>
+          <a:off x="0" y="0"/>
+          <a:ext cx="0" cy="0"/>
+          <a:chOff x="0" y="0"/>
+          <a:chExt cx="0" cy="0"/>
+        </a:xfrm>
+      </p:grpSpPr>
+      <p:sp>
+        <p:nvSpPr>
+          <p:cNvPr id="3" name="슬라이드 번호 개체 틀 2"/>
+          <p:cNvSpPr>
+            <a:spLocks noGrp="1"/>
+          </p:cNvSpPr>
+          <p:nvPr>
+            <p:ph type="sldNum" sz="quarter" idx="12"/>
+          </p:nvPr>
+        </p:nvSpPr>
+        <p:spPr/>
+        <p:txBody>
+          <a:bodyPr/>
+          <a:lstStyle/>
+          <a:p>
+            <a:fld id="{C5596875-2F2A-4E4F-B6FE-0AB921437886}" type="slidenum">
+              <a:rPr lang="ko-KR" altLang="en-US" smtClean="0"/>
+              <a:pPr/>
+              <a:t>30</a:t>
+            </a:fld>
+            <a:endParaRPr lang="ko-KR" altLang="en-US"/>
+          </a:p>
+        </p:txBody>
+      </p:sp>
+      <p:sp>
+        <p:nvSpPr>
+          <p:cNvPr id="5" name="직사각형 4"/>
+          <p:cNvSpPr/>
+          <p:nvPr/>
+        </p:nvSpPr>
+        <p:spPr>
+          <a:xfrm>
+            <a:off x="1500166" y="2500306"/>
+            <a:ext cx="6143668" cy="1857388"/>
+          </a:xfrm>
+          <a:prstGeom prst="rect">
+            <a:avLst/>
+          </a:prstGeom>
+          <a:solidFill>
+            <a:srgbClr val="3333FF"/>
+          </a:solidFill>
+          <a:ln>
+            <a:noFill/>
+          </a:ln>
+          <a:effectLst>
+            <a:outerShdw blurRad="50800" dist="38100" dir="5400000" algn="t" rotWithShape="0">
+              <a:prstClr val="black">
+                <a:alpha val="40000"/>
+              </a:prstClr>
+            </a:outerShdw>
+          </a:effectLst>
+        </p:spPr>
+        <p:style>
+          <a:lnRef idx="2">
+            <a:schemeClr val="accent1">
+              <a:shade val="50000"/>
+            </a:schemeClr>
+          </a:lnRef>
+          <a:fillRef idx="1">
+            <a:schemeClr val="accent1"/>
+          </a:fillRef>
+          <a:effectRef idx="0">
+            <a:schemeClr val="accent1"/>
+          </a:effectRef>
+          <a:fontRef idx="minor">
+            <a:schemeClr val="lt1"/>
+          </a:fontRef>
+        </p:style>
+        <p:txBody>
+          <a:bodyPr anchor="ctr"/>
+          <a:lstStyle/>
+          <a:p>
+            <a:pPr algn="ctr">
+              <a:lnSpc>
+                <a:spcPct val="150000"/>
+              </a:lnSpc>
+              <a:defRPr/>
+            </a:pPr>
+            <a:r>
+              <a:rPr lang="en-US" altLang="ko-KR" sz="3600" b="1" dirty="0" smtClean="0">
+                <a:solidFill>
+                  <a:schemeClr val="bg1"/>
+                </a:solidFill>
+                <a:latin typeface="Arial" pitchFamily="34" charset="0"/>
+                <a:ea typeface="Arial Unicode MS"/>
+                <a:cs typeface="Arial" pitchFamily="34" charset="0"/>
+              </a:rPr>
+              <a:t>Artificial Neural Network</a:t>
+            </a:r>
+            <a:endParaRPr lang="en-US" altLang="ko-KR" sz="2800" b="1" dirty="0">
+              <a:solidFill>
+                <a:srgbClr val="FFFF00"/>
+              </a:solidFill>
+              <a:latin typeface="Arial" pitchFamily="34" charset="0"/>
+              <a:ea typeface="Arial Unicode MS"/>
+              <a:cs typeface="Arial" pitchFamily="34" charset="0"/>
+            </a:endParaRPr>
+          </a:p>
+        </p:txBody>
+      </p:sp>
+    </p:spTree>
+    <p:extLst>
+      <p:ext uri="{BB962C8B-B14F-4D97-AF65-F5344CB8AC3E}">
+        <p14:creationId xmlns:p14="http://schemas.microsoft.com/office/powerpoint/2010/main" val="1034698581"/>
+      </p:ext>
+    </p:extLst>
+  </p:cSld>
+  <p:clrMapOvr>
+    <a:masterClrMapping/>
+  </p:clrMapOvr>
+  <p:timing>
+    <p:tnLst>
+      <p:par>
+        <p:cTn id="1" dur="indefinite" restart="never" nodeType="tmRoot"/>
+      </p:par>
+    </p:tnLst>
+  </p:timing>
+</p:sld>
+</file>
+
+<file path=ppt/slides/slide31.xml><?xml version="1.0" encoding="utf-8"?>
 <p:sld xmlns:a="http://schemas.openxmlformats.org/drawingml/2006/main" xmlns:r="http://schemas.openxmlformats.org/officeDocument/2006/relationships" xmlns:p="http://schemas.openxmlformats.org/presentationml/2006/main">
   <p:cSld>
     <p:spTree>
@@ -23952,7 +24067,7 @@
 </p:sld>
 </file>
 
-<file path=ppt/slides/slide31.xml><?xml version="1.0" encoding="utf-8"?>
+<file path=ppt/slides/slide32.xml><?xml version="1.0" encoding="utf-8"?>
 <p:sld xmlns:a="http://schemas.openxmlformats.org/drawingml/2006/main" xmlns:r="http://schemas.openxmlformats.org/officeDocument/2006/relationships" xmlns:p="http://schemas.openxmlformats.org/presentationml/2006/main">
   <p:cSld>
     <p:spTree>
@@ -26641,7 +26756,7 @@
 </p:sld>
 </file>
 
-<file path=ppt/slides/slide32.xml><?xml version="1.0" encoding="utf-8"?>
+<file path=ppt/slides/slide33.xml><?xml version="1.0" encoding="utf-8"?>
 <p:sld xmlns:a="http://schemas.openxmlformats.org/drawingml/2006/main" xmlns:r="http://schemas.openxmlformats.org/officeDocument/2006/relationships" xmlns:p="http://schemas.openxmlformats.org/presentationml/2006/main">
   <p:cSld>
     <p:spTree>
@@ -29031,7 +29146,7 @@
 </p:sld>
 </file>
 
-<file path=ppt/slides/slide33.xml><?xml version="1.0" encoding="utf-8"?>
+<file path=ppt/slides/slide34.xml><?xml version="1.0" encoding="utf-8"?>
 <p:sld xmlns:a="http://schemas.openxmlformats.org/drawingml/2006/main" xmlns:r="http://schemas.openxmlformats.org/officeDocument/2006/relationships" xmlns:p="http://schemas.openxmlformats.org/presentationml/2006/main">
   <p:cSld>
     <p:spTree>
@@ -29646,7 +29761,7 @@
 </p:sld>
 </file>
 
-<file path=ppt/slides/slide34.xml><?xml version="1.0" encoding="utf-8"?>
+<file path=ppt/slides/slide35.xml><?xml version="1.0" encoding="utf-8"?>
 <p:sld xmlns:a="http://schemas.openxmlformats.org/drawingml/2006/main" xmlns:r="http://schemas.openxmlformats.org/officeDocument/2006/relationships" xmlns:p="http://schemas.openxmlformats.org/presentationml/2006/main">
   <p:cSld>
     <p:spTree>
@@ -31630,7 +31745,7 @@
 </p:sld>
 </file>
 
-<file path=ppt/slides/slide35.xml><?xml version="1.0" encoding="utf-8"?>
+<file path=ppt/slides/slide36.xml><?xml version="1.0" encoding="utf-8"?>
 <p:sld xmlns:a="http://schemas.openxmlformats.org/drawingml/2006/main" xmlns:r="http://schemas.openxmlformats.org/officeDocument/2006/relationships" xmlns:p="http://schemas.openxmlformats.org/presentationml/2006/main">
   <p:cSld>
     <p:spTree>
@@ -32889,7 +33004,7 @@
 </p:sld>
 </file>
 
-<file path=ppt/slides/slide36.xml><?xml version="1.0" encoding="utf-8"?>
+<file path=ppt/slides/slide37.xml><?xml version="1.0" encoding="utf-8"?>
 <p:sld xmlns:a="http://schemas.openxmlformats.org/drawingml/2006/main" xmlns:r="http://schemas.openxmlformats.org/officeDocument/2006/relationships" xmlns:p="http://schemas.openxmlformats.org/presentationml/2006/main">
   <p:cSld>
     <p:spTree>
@@ -32924,7 +33039,7 @@
             <a:fld id="{C5596875-2F2A-4E4F-B6FE-0AB921437886}" type="slidenum">
               <a:rPr lang="ko-KR" altLang="en-US" smtClean="0"/>
               <a:pPr/>
-              <a:t>36</a:t>
+              <a:t>37</a:t>
             </a:fld>
             <a:endParaRPr lang="ko-KR" altLang="en-US"/>
           </a:p>
@@ -33356,30 +33471,6 @@
           </p:sp>
         </mc:Fallback>
       </mc:AlternateContent>
-      <p:pic>
-        <p:nvPicPr>
-          <p:cNvPr id="5" name="그림 4"/>
-          <p:cNvPicPr>
-            <a:picLocks noChangeAspect="1"/>
-          </p:cNvPicPr>
-          <p:nvPr/>
-        </p:nvPicPr>
-        <p:blipFill>
-          <a:blip r:embed="rId4"/>
-          <a:stretch>
-            <a:fillRect/>
-          </a:stretch>
-        </p:blipFill>
-        <p:spPr>
-          <a:xfrm>
-            <a:off x="1590760" y="3707230"/>
-            <a:ext cx="5962481" cy="2333575"/>
-          </a:xfrm>
-          <a:prstGeom prst="rect">
-            <a:avLst/>
-          </a:prstGeom>
-        </p:spPr>
-      </p:pic>
       <mc:AlternateContent xmlns:mc="http://schemas.openxmlformats.org/markup-compatibility/2006" xmlns:a14="http://schemas.microsoft.com/office/drawing/2010/main">
         <mc:Choice Requires="a14">
           <p:sp>
@@ -33569,6 +33660,30 @@
           </p:sp>
         </mc:Fallback>
       </mc:AlternateContent>
+      <p:pic>
+        <p:nvPicPr>
+          <p:cNvPr id="2" name="그림 1"/>
+          <p:cNvPicPr>
+            <a:picLocks noChangeAspect="1"/>
+          </p:cNvPicPr>
+          <p:nvPr/>
+        </p:nvPicPr>
+        <p:blipFill>
+          <a:blip r:embed="rId6"/>
+          <a:stretch>
+            <a:fillRect/>
+          </a:stretch>
+        </p:blipFill>
+        <p:spPr>
+          <a:xfrm>
+            <a:off x="1793887" y="3818528"/>
+            <a:ext cx="5556226" cy="2160000"/>
+          </a:xfrm>
+          <a:prstGeom prst="rect">
+            <a:avLst/>
+          </a:prstGeom>
+        </p:spPr>
+      </p:pic>
     </p:spTree>
     <p:extLst>
       <p:ext uri="{BB962C8B-B14F-4D97-AF65-F5344CB8AC3E}">
@@ -33589,7 +33704,7 @@
 </p:sld>
 </file>
 
-<file path=ppt/slides/slide37.xml><?xml version="1.0" encoding="utf-8"?>
+<file path=ppt/slides/slide38.xml><?xml version="1.0" encoding="utf-8"?>
 <p:sld xmlns:a="http://schemas.openxmlformats.org/drawingml/2006/main" xmlns:r="http://schemas.openxmlformats.org/officeDocument/2006/relationships" xmlns:p="http://schemas.openxmlformats.org/presentationml/2006/main">
   <p:cSld>
     <p:spTree>
@@ -33624,7 +33739,7 @@
             <a:fld id="{C5596875-2F2A-4E4F-B6FE-0AB921437886}" type="slidenum">
               <a:rPr lang="ko-KR" altLang="en-US" smtClean="0"/>
               <a:pPr/>
-              <a:t>37</a:t>
+              <a:t>38</a:t>
             </a:fld>
             <a:endParaRPr lang="ko-KR" altLang="en-US"/>
           </a:p>
@@ -34168,7 +34283,7 @@
 </p:sld>
 </file>
 
-<file path=ppt/slides/slide38.xml><?xml version="1.0" encoding="utf-8"?>
+<file path=ppt/slides/slide39.xml><?xml version="1.0" encoding="utf-8"?>
 <p:sld xmlns:a="http://schemas.openxmlformats.org/drawingml/2006/main" xmlns:r="http://schemas.openxmlformats.org/officeDocument/2006/relationships" xmlns:p="http://schemas.openxmlformats.org/presentationml/2006/main">
   <p:cSld>
     <p:spTree>
@@ -34203,7 +34318,7 @@
             <a:fld id="{C5596875-2F2A-4E4F-B6FE-0AB921437886}" type="slidenum">
               <a:rPr lang="ko-KR" altLang="en-US" smtClean="0"/>
               <a:pPr/>
-              <a:t>38</a:t>
+              <a:t>39</a:t>
             </a:fld>
             <a:endParaRPr lang="ko-KR" altLang="en-US"/>
           </a:p>
